--- a/StanleyX Hackathon.pptx
+++ b/StanleyX Hackathon.pptx
@@ -12,6 +12,7 @@
     <p:sldId id="257" r:id="rId7"/>
     <p:sldId id="258" r:id="rId8"/>
     <p:sldId id="259" r:id="rId9"/>
+    <p:sldId id="260" r:id="rId10"/>
   </p:sldIdLst>
   <p:sldSz cy="5143500" cx="9144000"/>
   <p:notesSz cx="6858000" cy="9144000"/>
@@ -1041,6 +1042,105 @@
       <p:sp>
         <p:nvSpPr>
           <p:cNvPr id="75" name="Google Shape;75;ge754d40173_0_2:notes"/>
+          <p:cNvSpPr txBox="1"/>
+          <p:nvPr>
+            <p:ph idx="1" type="body"/>
+          </p:nvPr>
+        </p:nvSpPr>
+        <p:spPr>
+          <a:xfrm>
+            <a:off x="685800" y="4343400"/>
+            <a:ext cx="5486400" cy="4114800"/>
+          </a:xfrm>
+          <a:prstGeom prst="rect">
+            <a:avLst/>
+          </a:prstGeom>
+        </p:spPr>
+        <p:txBody>
+          <a:bodyPr anchorCtr="0" anchor="t" bIns="91425" lIns="91425" spcFirstLastPara="1" rIns="91425" wrap="square" tIns="91425">
+            <a:noAutofit/>
+          </a:bodyPr>
+          <a:lstStyle/>
+          <a:p>
+            <a:pPr indent="0" lvl="0" marL="0" rtl="0" algn="l">
+              <a:spcBef>
+                <a:spcPts val="0"/>
+              </a:spcBef>
+              <a:spcAft>
+                <a:spcPts val="0"/>
+              </a:spcAft>
+              <a:buNone/>
+            </a:pPr>
+            <a:r>
+              <a:t/>
+            </a:r>
+            <a:endParaRPr/>
+          </a:p>
+        </p:txBody>
+      </p:sp>
+    </p:spTree>
+  </p:cSld>
+  <p:clrMapOvr>
+    <a:masterClrMapping/>
+  </p:clrMapOvr>
+</p:notes>
+</file>
+
+<file path=ppt/notesSlides/notesSlide5.xml><?xml version="1.0" encoding="utf-8"?>
+<p:notes xmlns:a="http://schemas.openxmlformats.org/drawingml/2006/main" xmlns:r="http://schemas.openxmlformats.org/officeDocument/2006/relationships" xmlns:mc="http://schemas.openxmlformats.org/markup-compatibility/2006" xmlns:mv="urn:schemas-microsoft-com:mac:vml" xmlns:p="http://schemas.openxmlformats.org/presentationml/2006/main" xmlns:c="http://schemas.openxmlformats.org/drawingml/2006/chart" xmlns:dgm="http://schemas.openxmlformats.org/drawingml/2006/diagram" xmlns:o="urn:schemas-microsoft-com:office:office" xmlns:v="urn:schemas-microsoft-com:vml" xmlns:pvml="urn:schemas-microsoft-com:office:powerpoint" xmlns:com="http://schemas.openxmlformats.org/drawingml/2006/compatibility" xmlns:p14="http://schemas.microsoft.com/office/powerpoint/2010/main" xmlns:p15="http://schemas.microsoft.com/office/powerpoint/2012/main" xmlns:ahyp="http://schemas.microsoft.com/office/drawing/2018/hyperlinkcolor" showMasterPhAnim="0" showMasterSp="0">
+  <p:cSld>
+    <p:spTree>
+      <p:nvGrpSpPr>
+        <p:cNvPr id="79" name="Shape 79"/>
+        <p:cNvGrpSpPr/>
+        <p:nvPr/>
+      </p:nvGrpSpPr>
+      <p:grpSpPr>
+        <a:xfrm>
+          <a:off x="0" y="0"/>
+          <a:ext cx="0" cy="0"/>
+          <a:chOff x="0" y="0"/>
+          <a:chExt cx="0" cy="0"/>
+        </a:xfrm>
+      </p:grpSpPr>
+      <p:sp>
+        <p:nvSpPr>
+          <p:cNvPr id="80" name="Google Shape;80;ge7d56ed7de_0_0:notes"/>
+          <p:cNvSpPr/>
+          <p:nvPr>
+            <p:ph idx="2" type="sldImg"/>
+          </p:nvPr>
+        </p:nvSpPr>
+        <p:spPr>
+          <a:xfrm>
+            <a:off x="381300" y="685800"/>
+            <a:ext cx="6096000" cy="3429000"/>
+          </a:xfrm>
+          <a:custGeom>
+            <a:rect b="b" l="l" r="r" t="t"/>
+            <a:pathLst>
+              <a:path extrusionOk="0" h="120000" w="120000">
+                <a:moveTo>
+                  <a:pt x="0" y="0"/>
+                </a:moveTo>
+                <a:lnTo>
+                  <a:pt x="120000" y="0"/>
+                </a:lnTo>
+                <a:lnTo>
+                  <a:pt x="120000" y="120000"/>
+                </a:lnTo>
+                <a:lnTo>
+                  <a:pt x="0" y="120000"/>
+                </a:lnTo>
+                <a:close/>
+              </a:path>
+            </a:pathLst>
+          </a:custGeom>
+        </p:spPr>
+      </p:sp>
+      <p:sp>
+        <p:nvSpPr>
+          <p:cNvPr id="81" name="Google Shape;81;ge7d56ed7de_0_0:notes"/>
           <p:cNvSpPr txBox="1"/>
           <p:nvPr>
             <p:ph idx="1" type="body"/>
@@ -6821,7 +6921,7 @@
         </p:spPr>
         <p:txBody>
           <a:bodyPr anchorCtr="0" anchor="t" bIns="91425" lIns="91425" spcFirstLastPara="1" rIns="91425" wrap="square" tIns="91425">
-            <a:normAutofit fontScale="92500" lnSpcReduction="10000"/>
+            <a:normAutofit fontScale="92500" lnSpcReduction="20000"/>
           </a:bodyPr>
           <a:lstStyle/>
           <a:p>
@@ -6954,6 +7054,23 @@
             </a:pPr>
             <a:r>
               <a:rPr lang="en"/>
+              <a:t>Workspace mapping to capture spatial arrangement of equipment</a:t>
+            </a:r>
+            <a:endParaRPr/>
+          </a:p>
+          <a:p>
+            <a:pPr indent="-334327" lvl="0" marL="457200" rtl="0" algn="l">
+              <a:spcBef>
+                <a:spcPts val="0"/>
+              </a:spcBef>
+              <a:spcAft>
+                <a:spcPts val="0"/>
+              </a:spcAft>
+              <a:buSzPct val="100000"/>
+              <a:buChar char="●"/>
+            </a:pPr>
+            <a:r>
+              <a:rPr lang="en"/>
               <a:t>Reward system (gamification) to encourage positive contribution and discourage spam</a:t>
             </a:r>
             <a:endParaRPr/>
@@ -6989,6 +7106,178 @@
             <a:r>
               <a:rPr lang="en"/>
               <a:t>Credentials automatically unlock access to machines that require safety training</a:t>
+            </a:r>
+            <a:endParaRPr/>
+          </a:p>
+        </p:txBody>
+      </p:sp>
+    </p:spTree>
+  </p:cSld>
+  <p:clrMapOvr>
+    <a:masterClrMapping/>
+  </p:clrMapOvr>
+</p:sld>
+</file>
+
+<file path=ppt/slides/slide5.xml><?xml version="1.0" encoding="utf-8"?>
+<p:sld xmlns:a="http://schemas.openxmlformats.org/drawingml/2006/main" xmlns:r="http://schemas.openxmlformats.org/officeDocument/2006/relationships" xmlns:mc="http://schemas.openxmlformats.org/markup-compatibility/2006" xmlns:mv="urn:schemas-microsoft-com:mac:vml" xmlns:p="http://schemas.openxmlformats.org/presentationml/2006/main" xmlns:c="http://schemas.openxmlformats.org/drawingml/2006/chart" xmlns:dgm="http://schemas.openxmlformats.org/drawingml/2006/diagram" xmlns:o="urn:schemas-microsoft-com:office:office" xmlns:v="urn:schemas-microsoft-com:vml" xmlns:pvml="urn:schemas-microsoft-com:office:powerpoint" xmlns:com="http://schemas.openxmlformats.org/drawingml/2006/compatibility" xmlns:p14="http://schemas.microsoft.com/office/powerpoint/2010/main" xmlns:p15="http://schemas.microsoft.com/office/powerpoint/2012/main" xmlns:ahyp="http://schemas.microsoft.com/office/drawing/2018/hyperlinkcolor">
+  <p:cSld>
+    <p:spTree>
+      <p:nvGrpSpPr>
+        <p:cNvPr id="82" name="Shape 82"/>
+        <p:cNvGrpSpPr/>
+        <p:nvPr/>
+      </p:nvGrpSpPr>
+      <p:grpSpPr>
+        <a:xfrm>
+          <a:off x="0" y="0"/>
+          <a:ext cx="0" cy="0"/>
+          <a:chOff x="0" y="0"/>
+          <a:chExt cx="0" cy="0"/>
+        </a:xfrm>
+      </p:grpSpPr>
+      <p:sp>
+        <p:nvSpPr>
+          <p:cNvPr id="83" name="Google Shape;83;p17"/>
+          <p:cNvSpPr txBox="1"/>
+          <p:nvPr>
+            <p:ph type="title"/>
+          </p:nvPr>
+        </p:nvSpPr>
+        <p:spPr>
+          <a:xfrm>
+            <a:off x="311700" y="445025"/>
+            <a:ext cx="8520600" cy="572700"/>
+          </a:xfrm>
+          <a:prstGeom prst="rect">
+            <a:avLst/>
+          </a:prstGeom>
+        </p:spPr>
+        <p:txBody>
+          <a:bodyPr anchorCtr="0" anchor="t" bIns="91425" lIns="91425" spcFirstLastPara="1" rIns="91425" wrap="square" tIns="91425">
+            <a:normAutofit fontScale="90000"/>
+          </a:bodyPr>
+          <a:lstStyle/>
+          <a:p>
+            <a:pPr indent="0" lvl="0" marL="0" rtl="0" algn="l">
+              <a:spcBef>
+                <a:spcPts val="0"/>
+              </a:spcBef>
+              <a:spcAft>
+                <a:spcPts val="0"/>
+              </a:spcAft>
+              <a:buNone/>
+            </a:pPr>
+            <a:r>
+              <a:rPr lang="en"/>
+              <a:t>Constraints and Known Issues</a:t>
+            </a:r>
+            <a:endParaRPr/>
+          </a:p>
+        </p:txBody>
+      </p:sp>
+      <p:sp>
+        <p:nvSpPr>
+          <p:cNvPr id="84" name="Google Shape;84;p17"/>
+          <p:cNvSpPr txBox="1"/>
+          <p:nvPr>
+            <p:ph idx="1" type="body"/>
+          </p:nvPr>
+        </p:nvSpPr>
+        <p:spPr>
+          <a:xfrm>
+            <a:off x="311700" y="1152475"/>
+            <a:ext cx="8520600" cy="3416400"/>
+          </a:xfrm>
+          <a:prstGeom prst="rect">
+            <a:avLst/>
+          </a:prstGeom>
+        </p:spPr>
+        <p:txBody>
+          <a:bodyPr anchorCtr="0" anchor="t" bIns="91425" lIns="91425" spcFirstLastPara="1" rIns="91425" wrap="square" tIns="91425">
+            <a:normAutofit/>
+          </a:bodyPr>
+          <a:lstStyle/>
+          <a:p>
+            <a:pPr indent="0" lvl="0" marL="0" rtl="0" algn="l">
+              <a:spcBef>
+                <a:spcPts val="0"/>
+              </a:spcBef>
+              <a:spcAft>
+                <a:spcPts val="0"/>
+              </a:spcAft>
+              <a:buNone/>
+            </a:pPr>
+            <a:r>
+              <a:rPr lang="en"/>
+              <a:t>Constraints</a:t>
+            </a:r>
+            <a:endParaRPr/>
+          </a:p>
+          <a:p>
+            <a:pPr indent="-342900" lvl="0" marL="457200" rtl="0" algn="l">
+              <a:spcBef>
+                <a:spcPts val="1200"/>
+              </a:spcBef>
+              <a:spcAft>
+                <a:spcPts val="0"/>
+              </a:spcAft>
+              <a:buSzPts val="1800"/>
+              <a:buChar char="●"/>
+            </a:pPr>
+            <a:r>
+              <a:rPr lang="en"/>
+              <a:t>Since cost effectiveness is a design goal, the system is designed to work on free or inexpensive cloud servers, and use serverless technologies so that costs are incurred only when the system is in use</a:t>
+            </a:r>
+            <a:endParaRPr/>
+          </a:p>
+          <a:p>
+            <a:pPr indent="-342900" lvl="0" marL="457200" rtl="0" algn="l">
+              <a:spcBef>
+                <a:spcPts val="0"/>
+              </a:spcBef>
+              <a:spcAft>
+                <a:spcPts val="0"/>
+              </a:spcAft>
+              <a:buSzPts val="1800"/>
+              <a:buChar char="●"/>
+            </a:pPr>
+            <a:r>
+              <a:rPr lang="en"/>
+              <a:t>Since widespread device support is a design goal, the system is built as a web application that works on any phone, tablet or computer</a:t>
+            </a:r>
+            <a:endParaRPr/>
+          </a:p>
+          <a:p>
+            <a:pPr indent="0" lvl="0" marL="0" rtl="0" algn="l">
+              <a:spcBef>
+                <a:spcPts val="1200"/>
+              </a:spcBef>
+              <a:spcAft>
+                <a:spcPts val="0"/>
+              </a:spcAft>
+              <a:buNone/>
+            </a:pPr>
+            <a:r>
+              <a:rPr lang="en"/>
+              <a:t>Known Issues</a:t>
+            </a:r>
+            <a:endParaRPr/>
+          </a:p>
+          <a:p>
+            <a:pPr indent="-342900" lvl="0" marL="457200" rtl="0" algn="l">
+              <a:spcBef>
+                <a:spcPts val="1200"/>
+              </a:spcBef>
+              <a:spcAft>
+                <a:spcPts val="0"/>
+              </a:spcAft>
+              <a:buSzPts val="1800"/>
+              <a:buChar char="●"/>
+            </a:pPr>
+            <a:r>
+              <a:rPr lang="en"/>
+              <a:t>None at this time</a:t>
             </a:r>
             <a:endParaRPr/>
           </a:p>

--- a/StanleyX Hackathon.pptx
+++ b/StanleyX Hackathon.pptx
@@ -13,6 +13,25 @@
     <p:sldId id="258" r:id="rId8"/>
     <p:sldId id="259" r:id="rId9"/>
     <p:sldId id="260" r:id="rId10"/>
+    <p:sldId id="261" r:id="rId11"/>
+    <p:sldId id="262" r:id="rId12"/>
+    <p:sldId id="263" r:id="rId13"/>
+    <p:sldId id="264" r:id="rId14"/>
+    <p:sldId id="265" r:id="rId15"/>
+    <p:sldId id="266" r:id="rId16"/>
+    <p:sldId id="267" r:id="rId17"/>
+    <p:sldId id="268" r:id="rId18"/>
+    <p:sldId id="269" r:id="rId19"/>
+    <p:sldId id="270" r:id="rId20"/>
+    <p:sldId id="271" r:id="rId21"/>
+    <p:sldId id="272" r:id="rId22"/>
+    <p:sldId id="273" r:id="rId23"/>
+    <p:sldId id="274" r:id="rId24"/>
+    <p:sldId id="275" r:id="rId25"/>
+    <p:sldId id="276" r:id="rId26"/>
+    <p:sldId id="277" r:id="rId27"/>
+    <p:sldId id="278" r:id="rId28"/>
+    <p:sldId id="279" r:id="rId29"/>
   </p:sldIdLst>
   <p:sldSz cy="5143500" cx="9144000"/>
   <p:notesSz cx="6858000" cy="9144000"/>
@@ -695,7 +714,7 @@
   <p:cSld>
     <p:spTree>
       <p:nvGrpSpPr>
-        <p:cNvPr id="55" name="Shape 55"/>
+        <p:cNvPr id="50" name="Shape 50"/>
         <p:cNvGrpSpPr/>
         <p:nvPr/>
       </p:nvGrpSpPr>
@@ -709,7 +728,7 @@
       </p:grpSpPr>
       <p:sp>
         <p:nvSpPr>
-          <p:cNvPr id="56" name="Google Shape;56;p:notes"/>
+          <p:cNvPr id="51" name="Google Shape;51;p:notes"/>
           <p:cNvSpPr/>
           <p:nvPr>
             <p:ph idx="2" type="sldImg"/>
@@ -744,7 +763,997 @@
       </p:sp>
       <p:sp>
         <p:nvSpPr>
-          <p:cNvPr id="57" name="Google Shape;57;p:notes"/>
+          <p:cNvPr id="52" name="Google Shape;52;p:notes"/>
+          <p:cNvSpPr txBox="1"/>
+          <p:nvPr>
+            <p:ph idx="1" type="body"/>
+          </p:nvPr>
+        </p:nvSpPr>
+        <p:spPr>
+          <a:xfrm>
+            <a:off x="685800" y="4343400"/>
+            <a:ext cx="5486400" cy="4114800"/>
+          </a:xfrm>
+          <a:prstGeom prst="rect">
+            <a:avLst/>
+          </a:prstGeom>
+        </p:spPr>
+        <p:txBody>
+          <a:bodyPr anchorCtr="0" anchor="t" bIns="91425" lIns="91425" spcFirstLastPara="1" rIns="91425" wrap="square" tIns="91425">
+            <a:noAutofit/>
+          </a:bodyPr>
+          <a:lstStyle/>
+          <a:p>
+            <a:pPr indent="0" lvl="0" marL="0" rtl="0" algn="l">
+              <a:spcBef>
+                <a:spcPts val="0"/>
+              </a:spcBef>
+              <a:spcAft>
+                <a:spcPts val="0"/>
+              </a:spcAft>
+              <a:buNone/>
+            </a:pPr>
+            <a:r>
+              <a:t/>
+            </a:r>
+            <a:endParaRPr/>
+          </a:p>
+        </p:txBody>
+      </p:sp>
+    </p:spTree>
+  </p:cSld>
+  <p:clrMapOvr>
+    <a:masterClrMapping/>
+  </p:clrMapOvr>
+</p:notes>
+</file>
+
+<file path=ppt/notesSlides/notesSlide10.xml><?xml version="1.0" encoding="utf-8"?>
+<p:notes xmlns:a="http://schemas.openxmlformats.org/drawingml/2006/main" xmlns:r="http://schemas.openxmlformats.org/officeDocument/2006/relationships" xmlns:mc="http://schemas.openxmlformats.org/markup-compatibility/2006" xmlns:mv="urn:schemas-microsoft-com:mac:vml" xmlns:p="http://schemas.openxmlformats.org/presentationml/2006/main" xmlns:c="http://schemas.openxmlformats.org/drawingml/2006/chart" xmlns:dgm="http://schemas.openxmlformats.org/drawingml/2006/diagram" xmlns:o="urn:schemas-microsoft-com:office:office" xmlns:v="urn:schemas-microsoft-com:vml" xmlns:pvml="urn:schemas-microsoft-com:office:powerpoint" xmlns:com="http://schemas.openxmlformats.org/drawingml/2006/compatibility" xmlns:p14="http://schemas.microsoft.com/office/powerpoint/2010/main" xmlns:p15="http://schemas.microsoft.com/office/powerpoint/2012/main" xmlns:ahyp="http://schemas.microsoft.com/office/drawing/2018/hyperlinkcolor" showMasterPhAnim="0" showMasterSp="0">
+  <p:cSld>
+    <p:spTree>
+      <p:nvGrpSpPr>
+        <p:cNvPr id="100" name="Shape 100"/>
+        <p:cNvGrpSpPr/>
+        <p:nvPr/>
+      </p:nvGrpSpPr>
+      <p:grpSpPr>
+        <a:xfrm>
+          <a:off x="0" y="0"/>
+          <a:ext cx="0" cy="0"/>
+          <a:chOff x="0" y="0"/>
+          <a:chExt cx="0" cy="0"/>
+        </a:xfrm>
+      </p:grpSpPr>
+      <p:sp>
+        <p:nvSpPr>
+          <p:cNvPr id="101" name="Google Shape;101;gee5de2ac8c_0_20:notes"/>
+          <p:cNvSpPr/>
+          <p:nvPr>
+            <p:ph idx="2" type="sldImg"/>
+          </p:nvPr>
+        </p:nvSpPr>
+        <p:spPr>
+          <a:xfrm>
+            <a:off x="381300" y="685800"/>
+            <a:ext cx="6096000" cy="3429000"/>
+          </a:xfrm>
+          <a:custGeom>
+            <a:rect b="b" l="l" r="r" t="t"/>
+            <a:pathLst>
+              <a:path extrusionOk="0" h="120000" w="120000">
+                <a:moveTo>
+                  <a:pt x="0" y="0"/>
+                </a:moveTo>
+                <a:lnTo>
+                  <a:pt x="120000" y="0"/>
+                </a:lnTo>
+                <a:lnTo>
+                  <a:pt x="120000" y="120000"/>
+                </a:lnTo>
+                <a:lnTo>
+                  <a:pt x="0" y="120000"/>
+                </a:lnTo>
+                <a:close/>
+              </a:path>
+            </a:pathLst>
+          </a:custGeom>
+        </p:spPr>
+      </p:sp>
+      <p:sp>
+        <p:nvSpPr>
+          <p:cNvPr id="102" name="Google Shape;102;gee5de2ac8c_0_20:notes"/>
+          <p:cNvSpPr txBox="1"/>
+          <p:nvPr>
+            <p:ph idx="1" type="body"/>
+          </p:nvPr>
+        </p:nvSpPr>
+        <p:spPr>
+          <a:xfrm>
+            <a:off x="685800" y="4343400"/>
+            <a:ext cx="5486400" cy="4114800"/>
+          </a:xfrm>
+          <a:prstGeom prst="rect">
+            <a:avLst/>
+          </a:prstGeom>
+        </p:spPr>
+        <p:txBody>
+          <a:bodyPr anchorCtr="0" anchor="t" bIns="91425" lIns="91425" spcFirstLastPara="1" rIns="91425" wrap="square" tIns="91425">
+            <a:noAutofit/>
+          </a:bodyPr>
+          <a:lstStyle/>
+          <a:p>
+            <a:pPr indent="0" lvl="0" marL="0" rtl="0" algn="l">
+              <a:spcBef>
+                <a:spcPts val="0"/>
+              </a:spcBef>
+              <a:spcAft>
+                <a:spcPts val="0"/>
+              </a:spcAft>
+              <a:buNone/>
+            </a:pPr>
+            <a:r>
+              <a:t/>
+            </a:r>
+            <a:endParaRPr/>
+          </a:p>
+        </p:txBody>
+      </p:sp>
+    </p:spTree>
+  </p:cSld>
+  <p:clrMapOvr>
+    <a:masterClrMapping/>
+  </p:clrMapOvr>
+</p:notes>
+</file>
+
+<file path=ppt/notesSlides/notesSlide11.xml><?xml version="1.0" encoding="utf-8"?>
+<p:notes xmlns:a="http://schemas.openxmlformats.org/drawingml/2006/main" xmlns:r="http://schemas.openxmlformats.org/officeDocument/2006/relationships" xmlns:mc="http://schemas.openxmlformats.org/markup-compatibility/2006" xmlns:mv="urn:schemas-microsoft-com:mac:vml" xmlns:p="http://schemas.openxmlformats.org/presentationml/2006/main" xmlns:c="http://schemas.openxmlformats.org/drawingml/2006/chart" xmlns:dgm="http://schemas.openxmlformats.org/drawingml/2006/diagram" xmlns:o="urn:schemas-microsoft-com:office:office" xmlns:v="urn:schemas-microsoft-com:vml" xmlns:pvml="urn:schemas-microsoft-com:office:powerpoint" xmlns:com="http://schemas.openxmlformats.org/drawingml/2006/compatibility" xmlns:p14="http://schemas.microsoft.com/office/powerpoint/2010/main" xmlns:p15="http://schemas.microsoft.com/office/powerpoint/2012/main" xmlns:ahyp="http://schemas.microsoft.com/office/drawing/2018/hyperlinkcolor" showMasterPhAnim="0" showMasterSp="0">
+  <p:cSld>
+    <p:spTree>
+      <p:nvGrpSpPr>
+        <p:cNvPr id="105" name="Shape 105"/>
+        <p:cNvGrpSpPr/>
+        <p:nvPr/>
+      </p:nvGrpSpPr>
+      <p:grpSpPr>
+        <a:xfrm>
+          <a:off x="0" y="0"/>
+          <a:ext cx="0" cy="0"/>
+          <a:chOff x="0" y="0"/>
+          <a:chExt cx="0" cy="0"/>
+        </a:xfrm>
+      </p:grpSpPr>
+      <p:sp>
+        <p:nvSpPr>
+          <p:cNvPr id="106" name="Google Shape;106;gee5de2ac8c_0_24:notes"/>
+          <p:cNvSpPr/>
+          <p:nvPr>
+            <p:ph idx="2" type="sldImg"/>
+          </p:nvPr>
+        </p:nvSpPr>
+        <p:spPr>
+          <a:xfrm>
+            <a:off x="381300" y="685800"/>
+            <a:ext cx="6096000" cy="3429000"/>
+          </a:xfrm>
+          <a:custGeom>
+            <a:rect b="b" l="l" r="r" t="t"/>
+            <a:pathLst>
+              <a:path extrusionOk="0" h="120000" w="120000">
+                <a:moveTo>
+                  <a:pt x="0" y="0"/>
+                </a:moveTo>
+                <a:lnTo>
+                  <a:pt x="120000" y="0"/>
+                </a:lnTo>
+                <a:lnTo>
+                  <a:pt x="120000" y="120000"/>
+                </a:lnTo>
+                <a:lnTo>
+                  <a:pt x="0" y="120000"/>
+                </a:lnTo>
+                <a:close/>
+              </a:path>
+            </a:pathLst>
+          </a:custGeom>
+        </p:spPr>
+      </p:sp>
+      <p:sp>
+        <p:nvSpPr>
+          <p:cNvPr id="107" name="Google Shape;107;gee5de2ac8c_0_24:notes"/>
+          <p:cNvSpPr txBox="1"/>
+          <p:nvPr>
+            <p:ph idx="1" type="body"/>
+          </p:nvPr>
+        </p:nvSpPr>
+        <p:spPr>
+          <a:xfrm>
+            <a:off x="685800" y="4343400"/>
+            <a:ext cx="5486400" cy="4114800"/>
+          </a:xfrm>
+          <a:prstGeom prst="rect">
+            <a:avLst/>
+          </a:prstGeom>
+        </p:spPr>
+        <p:txBody>
+          <a:bodyPr anchorCtr="0" anchor="t" bIns="91425" lIns="91425" spcFirstLastPara="1" rIns="91425" wrap="square" tIns="91425">
+            <a:noAutofit/>
+          </a:bodyPr>
+          <a:lstStyle/>
+          <a:p>
+            <a:pPr indent="0" lvl="0" marL="0" rtl="0" algn="l">
+              <a:spcBef>
+                <a:spcPts val="0"/>
+              </a:spcBef>
+              <a:spcAft>
+                <a:spcPts val="0"/>
+              </a:spcAft>
+              <a:buNone/>
+            </a:pPr>
+            <a:r>
+              <a:t/>
+            </a:r>
+            <a:endParaRPr/>
+          </a:p>
+        </p:txBody>
+      </p:sp>
+    </p:spTree>
+  </p:cSld>
+  <p:clrMapOvr>
+    <a:masterClrMapping/>
+  </p:clrMapOvr>
+</p:notes>
+</file>
+
+<file path=ppt/notesSlides/notesSlide12.xml><?xml version="1.0" encoding="utf-8"?>
+<p:notes xmlns:a="http://schemas.openxmlformats.org/drawingml/2006/main" xmlns:r="http://schemas.openxmlformats.org/officeDocument/2006/relationships" xmlns:mc="http://schemas.openxmlformats.org/markup-compatibility/2006" xmlns:mv="urn:schemas-microsoft-com:mac:vml" xmlns:p="http://schemas.openxmlformats.org/presentationml/2006/main" xmlns:c="http://schemas.openxmlformats.org/drawingml/2006/chart" xmlns:dgm="http://schemas.openxmlformats.org/drawingml/2006/diagram" xmlns:o="urn:schemas-microsoft-com:office:office" xmlns:v="urn:schemas-microsoft-com:vml" xmlns:pvml="urn:schemas-microsoft-com:office:powerpoint" xmlns:com="http://schemas.openxmlformats.org/drawingml/2006/compatibility" xmlns:p14="http://schemas.microsoft.com/office/powerpoint/2010/main" xmlns:p15="http://schemas.microsoft.com/office/powerpoint/2012/main" xmlns:ahyp="http://schemas.microsoft.com/office/drawing/2018/hyperlinkcolor" showMasterPhAnim="0" showMasterSp="0">
+  <p:cSld>
+    <p:spTree>
+      <p:nvGrpSpPr>
+        <p:cNvPr id="110" name="Shape 110"/>
+        <p:cNvGrpSpPr/>
+        <p:nvPr/>
+      </p:nvGrpSpPr>
+      <p:grpSpPr>
+        <a:xfrm>
+          <a:off x="0" y="0"/>
+          <a:ext cx="0" cy="0"/>
+          <a:chOff x="0" y="0"/>
+          <a:chExt cx="0" cy="0"/>
+        </a:xfrm>
+      </p:grpSpPr>
+      <p:sp>
+        <p:nvSpPr>
+          <p:cNvPr id="111" name="Google Shape;111;gee5de2ac8c_0_28:notes"/>
+          <p:cNvSpPr/>
+          <p:nvPr>
+            <p:ph idx="2" type="sldImg"/>
+          </p:nvPr>
+        </p:nvSpPr>
+        <p:spPr>
+          <a:xfrm>
+            <a:off x="381300" y="685800"/>
+            <a:ext cx="6096000" cy="3429000"/>
+          </a:xfrm>
+          <a:custGeom>
+            <a:rect b="b" l="l" r="r" t="t"/>
+            <a:pathLst>
+              <a:path extrusionOk="0" h="120000" w="120000">
+                <a:moveTo>
+                  <a:pt x="0" y="0"/>
+                </a:moveTo>
+                <a:lnTo>
+                  <a:pt x="120000" y="0"/>
+                </a:lnTo>
+                <a:lnTo>
+                  <a:pt x="120000" y="120000"/>
+                </a:lnTo>
+                <a:lnTo>
+                  <a:pt x="0" y="120000"/>
+                </a:lnTo>
+                <a:close/>
+              </a:path>
+            </a:pathLst>
+          </a:custGeom>
+        </p:spPr>
+      </p:sp>
+      <p:sp>
+        <p:nvSpPr>
+          <p:cNvPr id="112" name="Google Shape;112;gee5de2ac8c_0_28:notes"/>
+          <p:cNvSpPr txBox="1"/>
+          <p:nvPr>
+            <p:ph idx="1" type="body"/>
+          </p:nvPr>
+        </p:nvSpPr>
+        <p:spPr>
+          <a:xfrm>
+            <a:off x="685800" y="4343400"/>
+            <a:ext cx="5486400" cy="4114800"/>
+          </a:xfrm>
+          <a:prstGeom prst="rect">
+            <a:avLst/>
+          </a:prstGeom>
+        </p:spPr>
+        <p:txBody>
+          <a:bodyPr anchorCtr="0" anchor="t" bIns="91425" lIns="91425" spcFirstLastPara="1" rIns="91425" wrap="square" tIns="91425">
+            <a:noAutofit/>
+          </a:bodyPr>
+          <a:lstStyle/>
+          <a:p>
+            <a:pPr indent="0" lvl="0" marL="0" rtl="0" algn="l">
+              <a:spcBef>
+                <a:spcPts val="0"/>
+              </a:spcBef>
+              <a:spcAft>
+                <a:spcPts val="0"/>
+              </a:spcAft>
+              <a:buNone/>
+            </a:pPr>
+            <a:r>
+              <a:t/>
+            </a:r>
+            <a:endParaRPr/>
+          </a:p>
+        </p:txBody>
+      </p:sp>
+    </p:spTree>
+  </p:cSld>
+  <p:clrMapOvr>
+    <a:masterClrMapping/>
+  </p:clrMapOvr>
+</p:notes>
+</file>
+
+<file path=ppt/notesSlides/notesSlide13.xml><?xml version="1.0" encoding="utf-8"?>
+<p:notes xmlns:a="http://schemas.openxmlformats.org/drawingml/2006/main" xmlns:r="http://schemas.openxmlformats.org/officeDocument/2006/relationships" xmlns:mc="http://schemas.openxmlformats.org/markup-compatibility/2006" xmlns:mv="urn:schemas-microsoft-com:mac:vml" xmlns:p="http://schemas.openxmlformats.org/presentationml/2006/main" xmlns:c="http://schemas.openxmlformats.org/drawingml/2006/chart" xmlns:dgm="http://schemas.openxmlformats.org/drawingml/2006/diagram" xmlns:o="urn:schemas-microsoft-com:office:office" xmlns:v="urn:schemas-microsoft-com:vml" xmlns:pvml="urn:schemas-microsoft-com:office:powerpoint" xmlns:com="http://schemas.openxmlformats.org/drawingml/2006/compatibility" xmlns:p14="http://schemas.microsoft.com/office/powerpoint/2010/main" xmlns:p15="http://schemas.microsoft.com/office/powerpoint/2012/main" xmlns:ahyp="http://schemas.microsoft.com/office/drawing/2018/hyperlinkcolor" showMasterPhAnim="0" showMasterSp="0">
+  <p:cSld>
+    <p:spTree>
+      <p:nvGrpSpPr>
+        <p:cNvPr id="115" name="Shape 115"/>
+        <p:cNvGrpSpPr/>
+        <p:nvPr/>
+      </p:nvGrpSpPr>
+      <p:grpSpPr>
+        <a:xfrm>
+          <a:off x="0" y="0"/>
+          <a:ext cx="0" cy="0"/>
+          <a:chOff x="0" y="0"/>
+          <a:chExt cx="0" cy="0"/>
+        </a:xfrm>
+      </p:grpSpPr>
+      <p:sp>
+        <p:nvSpPr>
+          <p:cNvPr id="116" name="Google Shape;116;gee5de2ac8c_0_32:notes"/>
+          <p:cNvSpPr/>
+          <p:nvPr>
+            <p:ph idx="2" type="sldImg"/>
+          </p:nvPr>
+        </p:nvSpPr>
+        <p:spPr>
+          <a:xfrm>
+            <a:off x="381300" y="685800"/>
+            <a:ext cx="6096000" cy="3429000"/>
+          </a:xfrm>
+          <a:custGeom>
+            <a:rect b="b" l="l" r="r" t="t"/>
+            <a:pathLst>
+              <a:path extrusionOk="0" h="120000" w="120000">
+                <a:moveTo>
+                  <a:pt x="0" y="0"/>
+                </a:moveTo>
+                <a:lnTo>
+                  <a:pt x="120000" y="0"/>
+                </a:lnTo>
+                <a:lnTo>
+                  <a:pt x="120000" y="120000"/>
+                </a:lnTo>
+                <a:lnTo>
+                  <a:pt x="0" y="120000"/>
+                </a:lnTo>
+                <a:close/>
+              </a:path>
+            </a:pathLst>
+          </a:custGeom>
+        </p:spPr>
+      </p:sp>
+      <p:sp>
+        <p:nvSpPr>
+          <p:cNvPr id="117" name="Google Shape;117;gee5de2ac8c_0_32:notes"/>
+          <p:cNvSpPr txBox="1"/>
+          <p:nvPr>
+            <p:ph idx="1" type="body"/>
+          </p:nvPr>
+        </p:nvSpPr>
+        <p:spPr>
+          <a:xfrm>
+            <a:off x="685800" y="4343400"/>
+            <a:ext cx="5486400" cy="4114800"/>
+          </a:xfrm>
+          <a:prstGeom prst="rect">
+            <a:avLst/>
+          </a:prstGeom>
+        </p:spPr>
+        <p:txBody>
+          <a:bodyPr anchorCtr="0" anchor="t" bIns="91425" lIns="91425" spcFirstLastPara="1" rIns="91425" wrap="square" tIns="91425">
+            <a:noAutofit/>
+          </a:bodyPr>
+          <a:lstStyle/>
+          <a:p>
+            <a:pPr indent="0" lvl="0" marL="0" rtl="0" algn="l">
+              <a:spcBef>
+                <a:spcPts val="0"/>
+              </a:spcBef>
+              <a:spcAft>
+                <a:spcPts val="0"/>
+              </a:spcAft>
+              <a:buNone/>
+            </a:pPr>
+            <a:r>
+              <a:t/>
+            </a:r>
+            <a:endParaRPr/>
+          </a:p>
+        </p:txBody>
+      </p:sp>
+    </p:spTree>
+  </p:cSld>
+  <p:clrMapOvr>
+    <a:masterClrMapping/>
+  </p:clrMapOvr>
+</p:notes>
+</file>
+
+<file path=ppt/notesSlides/notesSlide14.xml><?xml version="1.0" encoding="utf-8"?>
+<p:notes xmlns:a="http://schemas.openxmlformats.org/drawingml/2006/main" xmlns:r="http://schemas.openxmlformats.org/officeDocument/2006/relationships" xmlns:mc="http://schemas.openxmlformats.org/markup-compatibility/2006" xmlns:mv="urn:schemas-microsoft-com:mac:vml" xmlns:p="http://schemas.openxmlformats.org/presentationml/2006/main" xmlns:c="http://schemas.openxmlformats.org/drawingml/2006/chart" xmlns:dgm="http://schemas.openxmlformats.org/drawingml/2006/diagram" xmlns:o="urn:schemas-microsoft-com:office:office" xmlns:v="urn:schemas-microsoft-com:vml" xmlns:pvml="urn:schemas-microsoft-com:office:powerpoint" xmlns:com="http://schemas.openxmlformats.org/drawingml/2006/compatibility" xmlns:p14="http://schemas.microsoft.com/office/powerpoint/2010/main" xmlns:p15="http://schemas.microsoft.com/office/powerpoint/2012/main" xmlns:ahyp="http://schemas.microsoft.com/office/drawing/2018/hyperlinkcolor" showMasterPhAnim="0" showMasterSp="0">
+  <p:cSld>
+    <p:spTree>
+      <p:nvGrpSpPr>
+        <p:cNvPr id="120" name="Shape 120"/>
+        <p:cNvGrpSpPr/>
+        <p:nvPr/>
+      </p:nvGrpSpPr>
+      <p:grpSpPr>
+        <a:xfrm>
+          <a:off x="0" y="0"/>
+          <a:ext cx="0" cy="0"/>
+          <a:chOff x="0" y="0"/>
+          <a:chExt cx="0" cy="0"/>
+        </a:xfrm>
+      </p:grpSpPr>
+      <p:sp>
+        <p:nvSpPr>
+          <p:cNvPr id="121" name="Google Shape;121;gee5de2ac8c_0_36:notes"/>
+          <p:cNvSpPr/>
+          <p:nvPr>
+            <p:ph idx="2" type="sldImg"/>
+          </p:nvPr>
+        </p:nvSpPr>
+        <p:spPr>
+          <a:xfrm>
+            <a:off x="381300" y="685800"/>
+            <a:ext cx="6096000" cy="3429000"/>
+          </a:xfrm>
+          <a:custGeom>
+            <a:rect b="b" l="l" r="r" t="t"/>
+            <a:pathLst>
+              <a:path extrusionOk="0" h="120000" w="120000">
+                <a:moveTo>
+                  <a:pt x="0" y="0"/>
+                </a:moveTo>
+                <a:lnTo>
+                  <a:pt x="120000" y="0"/>
+                </a:lnTo>
+                <a:lnTo>
+                  <a:pt x="120000" y="120000"/>
+                </a:lnTo>
+                <a:lnTo>
+                  <a:pt x="0" y="120000"/>
+                </a:lnTo>
+                <a:close/>
+              </a:path>
+            </a:pathLst>
+          </a:custGeom>
+        </p:spPr>
+      </p:sp>
+      <p:sp>
+        <p:nvSpPr>
+          <p:cNvPr id="122" name="Google Shape;122;gee5de2ac8c_0_36:notes"/>
+          <p:cNvSpPr txBox="1"/>
+          <p:nvPr>
+            <p:ph idx="1" type="body"/>
+          </p:nvPr>
+        </p:nvSpPr>
+        <p:spPr>
+          <a:xfrm>
+            <a:off x="685800" y="4343400"/>
+            <a:ext cx="5486400" cy="4114800"/>
+          </a:xfrm>
+          <a:prstGeom prst="rect">
+            <a:avLst/>
+          </a:prstGeom>
+        </p:spPr>
+        <p:txBody>
+          <a:bodyPr anchorCtr="0" anchor="t" bIns="91425" lIns="91425" spcFirstLastPara="1" rIns="91425" wrap="square" tIns="91425">
+            <a:noAutofit/>
+          </a:bodyPr>
+          <a:lstStyle/>
+          <a:p>
+            <a:pPr indent="0" lvl="0" marL="0" rtl="0" algn="l">
+              <a:spcBef>
+                <a:spcPts val="0"/>
+              </a:spcBef>
+              <a:spcAft>
+                <a:spcPts val="0"/>
+              </a:spcAft>
+              <a:buNone/>
+            </a:pPr>
+            <a:r>
+              <a:t/>
+            </a:r>
+            <a:endParaRPr/>
+          </a:p>
+        </p:txBody>
+      </p:sp>
+    </p:spTree>
+  </p:cSld>
+  <p:clrMapOvr>
+    <a:masterClrMapping/>
+  </p:clrMapOvr>
+</p:notes>
+</file>
+
+<file path=ppt/notesSlides/notesSlide15.xml><?xml version="1.0" encoding="utf-8"?>
+<p:notes xmlns:a="http://schemas.openxmlformats.org/drawingml/2006/main" xmlns:r="http://schemas.openxmlformats.org/officeDocument/2006/relationships" xmlns:mc="http://schemas.openxmlformats.org/markup-compatibility/2006" xmlns:mv="urn:schemas-microsoft-com:mac:vml" xmlns:p="http://schemas.openxmlformats.org/presentationml/2006/main" xmlns:c="http://schemas.openxmlformats.org/drawingml/2006/chart" xmlns:dgm="http://schemas.openxmlformats.org/drawingml/2006/diagram" xmlns:o="urn:schemas-microsoft-com:office:office" xmlns:v="urn:schemas-microsoft-com:vml" xmlns:pvml="urn:schemas-microsoft-com:office:powerpoint" xmlns:com="http://schemas.openxmlformats.org/drawingml/2006/compatibility" xmlns:p14="http://schemas.microsoft.com/office/powerpoint/2010/main" xmlns:p15="http://schemas.microsoft.com/office/powerpoint/2012/main" xmlns:ahyp="http://schemas.microsoft.com/office/drawing/2018/hyperlinkcolor" showMasterPhAnim="0" showMasterSp="0">
+  <p:cSld>
+    <p:spTree>
+      <p:nvGrpSpPr>
+        <p:cNvPr id="125" name="Shape 125"/>
+        <p:cNvGrpSpPr/>
+        <p:nvPr/>
+      </p:nvGrpSpPr>
+      <p:grpSpPr>
+        <a:xfrm>
+          <a:off x="0" y="0"/>
+          <a:ext cx="0" cy="0"/>
+          <a:chOff x="0" y="0"/>
+          <a:chExt cx="0" cy="0"/>
+        </a:xfrm>
+      </p:grpSpPr>
+      <p:sp>
+        <p:nvSpPr>
+          <p:cNvPr id="126" name="Google Shape;126;gee5de2ac8c_0_40:notes"/>
+          <p:cNvSpPr/>
+          <p:nvPr>
+            <p:ph idx="2" type="sldImg"/>
+          </p:nvPr>
+        </p:nvSpPr>
+        <p:spPr>
+          <a:xfrm>
+            <a:off x="381300" y="685800"/>
+            <a:ext cx="6096000" cy="3429000"/>
+          </a:xfrm>
+          <a:custGeom>
+            <a:rect b="b" l="l" r="r" t="t"/>
+            <a:pathLst>
+              <a:path extrusionOk="0" h="120000" w="120000">
+                <a:moveTo>
+                  <a:pt x="0" y="0"/>
+                </a:moveTo>
+                <a:lnTo>
+                  <a:pt x="120000" y="0"/>
+                </a:lnTo>
+                <a:lnTo>
+                  <a:pt x="120000" y="120000"/>
+                </a:lnTo>
+                <a:lnTo>
+                  <a:pt x="0" y="120000"/>
+                </a:lnTo>
+                <a:close/>
+              </a:path>
+            </a:pathLst>
+          </a:custGeom>
+        </p:spPr>
+      </p:sp>
+      <p:sp>
+        <p:nvSpPr>
+          <p:cNvPr id="127" name="Google Shape;127;gee5de2ac8c_0_40:notes"/>
+          <p:cNvSpPr txBox="1"/>
+          <p:nvPr>
+            <p:ph idx="1" type="body"/>
+          </p:nvPr>
+        </p:nvSpPr>
+        <p:spPr>
+          <a:xfrm>
+            <a:off x="685800" y="4343400"/>
+            <a:ext cx="5486400" cy="4114800"/>
+          </a:xfrm>
+          <a:prstGeom prst="rect">
+            <a:avLst/>
+          </a:prstGeom>
+        </p:spPr>
+        <p:txBody>
+          <a:bodyPr anchorCtr="0" anchor="t" bIns="91425" lIns="91425" spcFirstLastPara="1" rIns="91425" wrap="square" tIns="91425">
+            <a:noAutofit/>
+          </a:bodyPr>
+          <a:lstStyle/>
+          <a:p>
+            <a:pPr indent="0" lvl="0" marL="0" rtl="0" algn="l">
+              <a:spcBef>
+                <a:spcPts val="0"/>
+              </a:spcBef>
+              <a:spcAft>
+                <a:spcPts val="0"/>
+              </a:spcAft>
+              <a:buNone/>
+            </a:pPr>
+            <a:r>
+              <a:t/>
+            </a:r>
+            <a:endParaRPr/>
+          </a:p>
+        </p:txBody>
+      </p:sp>
+    </p:spTree>
+  </p:cSld>
+  <p:clrMapOvr>
+    <a:masterClrMapping/>
+  </p:clrMapOvr>
+</p:notes>
+</file>
+
+<file path=ppt/notesSlides/notesSlide16.xml><?xml version="1.0" encoding="utf-8"?>
+<p:notes xmlns:a="http://schemas.openxmlformats.org/drawingml/2006/main" xmlns:r="http://schemas.openxmlformats.org/officeDocument/2006/relationships" xmlns:mc="http://schemas.openxmlformats.org/markup-compatibility/2006" xmlns:mv="urn:schemas-microsoft-com:mac:vml" xmlns:p="http://schemas.openxmlformats.org/presentationml/2006/main" xmlns:c="http://schemas.openxmlformats.org/drawingml/2006/chart" xmlns:dgm="http://schemas.openxmlformats.org/drawingml/2006/diagram" xmlns:o="urn:schemas-microsoft-com:office:office" xmlns:v="urn:schemas-microsoft-com:vml" xmlns:pvml="urn:schemas-microsoft-com:office:powerpoint" xmlns:com="http://schemas.openxmlformats.org/drawingml/2006/compatibility" xmlns:p14="http://schemas.microsoft.com/office/powerpoint/2010/main" xmlns:p15="http://schemas.microsoft.com/office/powerpoint/2012/main" xmlns:ahyp="http://schemas.microsoft.com/office/drawing/2018/hyperlinkcolor" showMasterPhAnim="0" showMasterSp="0">
+  <p:cSld>
+    <p:spTree>
+      <p:nvGrpSpPr>
+        <p:cNvPr id="130" name="Shape 130"/>
+        <p:cNvGrpSpPr/>
+        <p:nvPr/>
+      </p:nvGrpSpPr>
+      <p:grpSpPr>
+        <a:xfrm>
+          <a:off x="0" y="0"/>
+          <a:ext cx="0" cy="0"/>
+          <a:chOff x="0" y="0"/>
+          <a:chExt cx="0" cy="0"/>
+        </a:xfrm>
+      </p:grpSpPr>
+      <p:sp>
+        <p:nvSpPr>
+          <p:cNvPr id="131" name="Google Shape;131;gee5de2ac8c_0_44:notes"/>
+          <p:cNvSpPr/>
+          <p:nvPr>
+            <p:ph idx="2" type="sldImg"/>
+          </p:nvPr>
+        </p:nvSpPr>
+        <p:spPr>
+          <a:xfrm>
+            <a:off x="381300" y="685800"/>
+            <a:ext cx="6096000" cy="3429000"/>
+          </a:xfrm>
+          <a:custGeom>
+            <a:rect b="b" l="l" r="r" t="t"/>
+            <a:pathLst>
+              <a:path extrusionOk="0" h="120000" w="120000">
+                <a:moveTo>
+                  <a:pt x="0" y="0"/>
+                </a:moveTo>
+                <a:lnTo>
+                  <a:pt x="120000" y="0"/>
+                </a:lnTo>
+                <a:lnTo>
+                  <a:pt x="120000" y="120000"/>
+                </a:lnTo>
+                <a:lnTo>
+                  <a:pt x="0" y="120000"/>
+                </a:lnTo>
+                <a:close/>
+              </a:path>
+            </a:pathLst>
+          </a:custGeom>
+        </p:spPr>
+      </p:sp>
+      <p:sp>
+        <p:nvSpPr>
+          <p:cNvPr id="132" name="Google Shape;132;gee5de2ac8c_0_44:notes"/>
+          <p:cNvSpPr txBox="1"/>
+          <p:nvPr>
+            <p:ph idx="1" type="body"/>
+          </p:nvPr>
+        </p:nvSpPr>
+        <p:spPr>
+          <a:xfrm>
+            <a:off x="685800" y="4343400"/>
+            <a:ext cx="5486400" cy="4114800"/>
+          </a:xfrm>
+          <a:prstGeom prst="rect">
+            <a:avLst/>
+          </a:prstGeom>
+        </p:spPr>
+        <p:txBody>
+          <a:bodyPr anchorCtr="0" anchor="t" bIns="91425" lIns="91425" spcFirstLastPara="1" rIns="91425" wrap="square" tIns="91425">
+            <a:noAutofit/>
+          </a:bodyPr>
+          <a:lstStyle/>
+          <a:p>
+            <a:pPr indent="0" lvl="0" marL="0" rtl="0" algn="l">
+              <a:spcBef>
+                <a:spcPts val="0"/>
+              </a:spcBef>
+              <a:spcAft>
+                <a:spcPts val="0"/>
+              </a:spcAft>
+              <a:buNone/>
+            </a:pPr>
+            <a:r>
+              <a:t/>
+            </a:r>
+            <a:endParaRPr/>
+          </a:p>
+        </p:txBody>
+      </p:sp>
+    </p:spTree>
+  </p:cSld>
+  <p:clrMapOvr>
+    <a:masterClrMapping/>
+  </p:clrMapOvr>
+</p:notes>
+</file>
+
+<file path=ppt/notesSlides/notesSlide17.xml><?xml version="1.0" encoding="utf-8"?>
+<p:notes xmlns:a="http://schemas.openxmlformats.org/drawingml/2006/main" xmlns:r="http://schemas.openxmlformats.org/officeDocument/2006/relationships" xmlns:mc="http://schemas.openxmlformats.org/markup-compatibility/2006" xmlns:mv="urn:schemas-microsoft-com:mac:vml" xmlns:p="http://schemas.openxmlformats.org/presentationml/2006/main" xmlns:c="http://schemas.openxmlformats.org/drawingml/2006/chart" xmlns:dgm="http://schemas.openxmlformats.org/drawingml/2006/diagram" xmlns:o="urn:schemas-microsoft-com:office:office" xmlns:v="urn:schemas-microsoft-com:vml" xmlns:pvml="urn:schemas-microsoft-com:office:powerpoint" xmlns:com="http://schemas.openxmlformats.org/drawingml/2006/compatibility" xmlns:p14="http://schemas.microsoft.com/office/powerpoint/2010/main" xmlns:p15="http://schemas.microsoft.com/office/powerpoint/2012/main" xmlns:ahyp="http://schemas.microsoft.com/office/drawing/2018/hyperlinkcolor" showMasterPhAnim="0" showMasterSp="0">
+  <p:cSld>
+    <p:spTree>
+      <p:nvGrpSpPr>
+        <p:cNvPr id="135" name="Shape 135"/>
+        <p:cNvGrpSpPr/>
+        <p:nvPr/>
+      </p:nvGrpSpPr>
+      <p:grpSpPr>
+        <a:xfrm>
+          <a:off x="0" y="0"/>
+          <a:ext cx="0" cy="0"/>
+          <a:chOff x="0" y="0"/>
+          <a:chExt cx="0" cy="0"/>
+        </a:xfrm>
+      </p:grpSpPr>
+      <p:sp>
+        <p:nvSpPr>
+          <p:cNvPr id="136" name="Google Shape;136;gee5de2ac8c_0_48:notes"/>
+          <p:cNvSpPr/>
+          <p:nvPr>
+            <p:ph idx="2" type="sldImg"/>
+          </p:nvPr>
+        </p:nvSpPr>
+        <p:spPr>
+          <a:xfrm>
+            <a:off x="381300" y="685800"/>
+            <a:ext cx="6096000" cy="3429000"/>
+          </a:xfrm>
+          <a:custGeom>
+            <a:rect b="b" l="l" r="r" t="t"/>
+            <a:pathLst>
+              <a:path extrusionOk="0" h="120000" w="120000">
+                <a:moveTo>
+                  <a:pt x="0" y="0"/>
+                </a:moveTo>
+                <a:lnTo>
+                  <a:pt x="120000" y="0"/>
+                </a:lnTo>
+                <a:lnTo>
+                  <a:pt x="120000" y="120000"/>
+                </a:lnTo>
+                <a:lnTo>
+                  <a:pt x="0" y="120000"/>
+                </a:lnTo>
+                <a:close/>
+              </a:path>
+            </a:pathLst>
+          </a:custGeom>
+        </p:spPr>
+      </p:sp>
+      <p:sp>
+        <p:nvSpPr>
+          <p:cNvPr id="137" name="Google Shape;137;gee5de2ac8c_0_48:notes"/>
+          <p:cNvSpPr txBox="1"/>
+          <p:nvPr>
+            <p:ph idx="1" type="body"/>
+          </p:nvPr>
+        </p:nvSpPr>
+        <p:spPr>
+          <a:xfrm>
+            <a:off x="685800" y="4343400"/>
+            <a:ext cx="5486400" cy="4114800"/>
+          </a:xfrm>
+          <a:prstGeom prst="rect">
+            <a:avLst/>
+          </a:prstGeom>
+        </p:spPr>
+        <p:txBody>
+          <a:bodyPr anchorCtr="0" anchor="t" bIns="91425" lIns="91425" spcFirstLastPara="1" rIns="91425" wrap="square" tIns="91425">
+            <a:noAutofit/>
+          </a:bodyPr>
+          <a:lstStyle/>
+          <a:p>
+            <a:pPr indent="0" lvl="0" marL="0" rtl="0" algn="l">
+              <a:spcBef>
+                <a:spcPts val="0"/>
+              </a:spcBef>
+              <a:spcAft>
+                <a:spcPts val="0"/>
+              </a:spcAft>
+              <a:buNone/>
+            </a:pPr>
+            <a:r>
+              <a:t/>
+            </a:r>
+            <a:endParaRPr/>
+          </a:p>
+        </p:txBody>
+      </p:sp>
+    </p:spTree>
+  </p:cSld>
+  <p:clrMapOvr>
+    <a:masterClrMapping/>
+  </p:clrMapOvr>
+</p:notes>
+</file>
+
+<file path=ppt/notesSlides/notesSlide18.xml><?xml version="1.0" encoding="utf-8"?>
+<p:notes xmlns:a="http://schemas.openxmlformats.org/drawingml/2006/main" xmlns:r="http://schemas.openxmlformats.org/officeDocument/2006/relationships" xmlns:mc="http://schemas.openxmlformats.org/markup-compatibility/2006" xmlns:mv="urn:schemas-microsoft-com:mac:vml" xmlns:p="http://schemas.openxmlformats.org/presentationml/2006/main" xmlns:c="http://schemas.openxmlformats.org/drawingml/2006/chart" xmlns:dgm="http://schemas.openxmlformats.org/drawingml/2006/diagram" xmlns:o="urn:schemas-microsoft-com:office:office" xmlns:v="urn:schemas-microsoft-com:vml" xmlns:pvml="urn:schemas-microsoft-com:office:powerpoint" xmlns:com="http://schemas.openxmlformats.org/drawingml/2006/compatibility" xmlns:p14="http://schemas.microsoft.com/office/powerpoint/2010/main" xmlns:p15="http://schemas.microsoft.com/office/powerpoint/2012/main" xmlns:ahyp="http://schemas.microsoft.com/office/drawing/2018/hyperlinkcolor" showMasterPhAnim="0" showMasterSp="0">
+  <p:cSld>
+    <p:spTree>
+      <p:nvGrpSpPr>
+        <p:cNvPr id="140" name="Shape 140"/>
+        <p:cNvGrpSpPr/>
+        <p:nvPr/>
+      </p:nvGrpSpPr>
+      <p:grpSpPr>
+        <a:xfrm>
+          <a:off x="0" y="0"/>
+          <a:ext cx="0" cy="0"/>
+          <a:chOff x="0" y="0"/>
+          <a:chExt cx="0" cy="0"/>
+        </a:xfrm>
+      </p:grpSpPr>
+      <p:sp>
+        <p:nvSpPr>
+          <p:cNvPr id="141" name="Google Shape;141;gee5de2ac8c_0_52:notes"/>
+          <p:cNvSpPr/>
+          <p:nvPr>
+            <p:ph idx="2" type="sldImg"/>
+          </p:nvPr>
+        </p:nvSpPr>
+        <p:spPr>
+          <a:xfrm>
+            <a:off x="381300" y="685800"/>
+            <a:ext cx="6096000" cy="3429000"/>
+          </a:xfrm>
+          <a:custGeom>
+            <a:rect b="b" l="l" r="r" t="t"/>
+            <a:pathLst>
+              <a:path extrusionOk="0" h="120000" w="120000">
+                <a:moveTo>
+                  <a:pt x="0" y="0"/>
+                </a:moveTo>
+                <a:lnTo>
+                  <a:pt x="120000" y="0"/>
+                </a:lnTo>
+                <a:lnTo>
+                  <a:pt x="120000" y="120000"/>
+                </a:lnTo>
+                <a:lnTo>
+                  <a:pt x="0" y="120000"/>
+                </a:lnTo>
+                <a:close/>
+              </a:path>
+            </a:pathLst>
+          </a:custGeom>
+        </p:spPr>
+      </p:sp>
+      <p:sp>
+        <p:nvSpPr>
+          <p:cNvPr id="142" name="Google Shape;142;gee5de2ac8c_0_52:notes"/>
+          <p:cNvSpPr txBox="1"/>
+          <p:nvPr>
+            <p:ph idx="1" type="body"/>
+          </p:nvPr>
+        </p:nvSpPr>
+        <p:spPr>
+          <a:xfrm>
+            <a:off x="685800" y="4343400"/>
+            <a:ext cx="5486400" cy="4114800"/>
+          </a:xfrm>
+          <a:prstGeom prst="rect">
+            <a:avLst/>
+          </a:prstGeom>
+        </p:spPr>
+        <p:txBody>
+          <a:bodyPr anchorCtr="0" anchor="t" bIns="91425" lIns="91425" spcFirstLastPara="1" rIns="91425" wrap="square" tIns="91425">
+            <a:noAutofit/>
+          </a:bodyPr>
+          <a:lstStyle/>
+          <a:p>
+            <a:pPr indent="0" lvl="0" marL="0" rtl="0" algn="l">
+              <a:spcBef>
+                <a:spcPts val="0"/>
+              </a:spcBef>
+              <a:spcAft>
+                <a:spcPts val="0"/>
+              </a:spcAft>
+              <a:buNone/>
+            </a:pPr>
+            <a:r>
+              <a:t/>
+            </a:r>
+            <a:endParaRPr/>
+          </a:p>
+        </p:txBody>
+      </p:sp>
+    </p:spTree>
+  </p:cSld>
+  <p:clrMapOvr>
+    <a:masterClrMapping/>
+  </p:clrMapOvr>
+</p:notes>
+</file>
+
+<file path=ppt/notesSlides/notesSlide19.xml><?xml version="1.0" encoding="utf-8"?>
+<p:notes xmlns:a="http://schemas.openxmlformats.org/drawingml/2006/main" xmlns:r="http://schemas.openxmlformats.org/officeDocument/2006/relationships" xmlns:mc="http://schemas.openxmlformats.org/markup-compatibility/2006" xmlns:mv="urn:schemas-microsoft-com:mac:vml" xmlns:p="http://schemas.openxmlformats.org/presentationml/2006/main" xmlns:c="http://schemas.openxmlformats.org/drawingml/2006/chart" xmlns:dgm="http://schemas.openxmlformats.org/drawingml/2006/diagram" xmlns:o="urn:schemas-microsoft-com:office:office" xmlns:v="urn:schemas-microsoft-com:vml" xmlns:pvml="urn:schemas-microsoft-com:office:powerpoint" xmlns:com="http://schemas.openxmlformats.org/drawingml/2006/compatibility" xmlns:p14="http://schemas.microsoft.com/office/powerpoint/2010/main" xmlns:p15="http://schemas.microsoft.com/office/powerpoint/2012/main" xmlns:ahyp="http://schemas.microsoft.com/office/drawing/2018/hyperlinkcolor" showMasterPhAnim="0" showMasterSp="0">
+  <p:cSld>
+    <p:spTree>
+      <p:nvGrpSpPr>
+        <p:cNvPr id="145" name="Shape 145"/>
+        <p:cNvGrpSpPr/>
+        <p:nvPr/>
+      </p:nvGrpSpPr>
+      <p:grpSpPr>
+        <a:xfrm>
+          <a:off x="0" y="0"/>
+          <a:ext cx="0" cy="0"/>
+          <a:chOff x="0" y="0"/>
+          <a:chExt cx="0" cy="0"/>
+        </a:xfrm>
+      </p:grpSpPr>
+      <p:sp>
+        <p:nvSpPr>
+          <p:cNvPr id="146" name="Google Shape;146;gee5de2ac8c_0_56:notes"/>
+          <p:cNvSpPr/>
+          <p:nvPr>
+            <p:ph idx="2" type="sldImg"/>
+          </p:nvPr>
+        </p:nvSpPr>
+        <p:spPr>
+          <a:xfrm>
+            <a:off x="381300" y="685800"/>
+            <a:ext cx="6096000" cy="3429000"/>
+          </a:xfrm>
+          <a:custGeom>
+            <a:rect b="b" l="l" r="r" t="t"/>
+            <a:pathLst>
+              <a:path extrusionOk="0" h="120000" w="120000">
+                <a:moveTo>
+                  <a:pt x="0" y="0"/>
+                </a:moveTo>
+                <a:lnTo>
+                  <a:pt x="120000" y="0"/>
+                </a:lnTo>
+                <a:lnTo>
+                  <a:pt x="120000" y="120000"/>
+                </a:lnTo>
+                <a:lnTo>
+                  <a:pt x="0" y="120000"/>
+                </a:lnTo>
+                <a:close/>
+              </a:path>
+            </a:pathLst>
+          </a:custGeom>
+        </p:spPr>
+      </p:sp>
+      <p:sp>
+        <p:nvSpPr>
+          <p:cNvPr id="147" name="Google Shape;147;gee5de2ac8c_0_56:notes"/>
           <p:cNvSpPr txBox="1"/>
           <p:nvPr>
             <p:ph idx="1" type="body"/>
@@ -790,6 +1799,600 @@
 </file>
 
 <file path=ppt/notesSlides/notesSlide2.xml><?xml version="1.0" encoding="utf-8"?>
+<p:notes xmlns:a="http://schemas.openxmlformats.org/drawingml/2006/main" xmlns:r="http://schemas.openxmlformats.org/officeDocument/2006/relationships" xmlns:mc="http://schemas.openxmlformats.org/markup-compatibility/2006" xmlns:mv="urn:schemas-microsoft-com:mac:vml" xmlns:p="http://schemas.openxmlformats.org/presentationml/2006/main" xmlns:c="http://schemas.openxmlformats.org/drawingml/2006/chart" xmlns:dgm="http://schemas.openxmlformats.org/drawingml/2006/diagram" xmlns:o="urn:schemas-microsoft-com:office:office" xmlns:v="urn:schemas-microsoft-com:vml" xmlns:pvml="urn:schemas-microsoft-com:office:powerpoint" xmlns:com="http://schemas.openxmlformats.org/drawingml/2006/compatibility" xmlns:p14="http://schemas.microsoft.com/office/powerpoint/2010/main" xmlns:p15="http://schemas.microsoft.com/office/powerpoint/2012/main" xmlns:ahyp="http://schemas.microsoft.com/office/drawing/2018/hyperlinkcolor" showMasterPhAnim="0" showMasterSp="0">
+  <p:cSld>
+    <p:spTree>
+      <p:nvGrpSpPr>
+        <p:cNvPr id="57" name="Shape 57"/>
+        <p:cNvGrpSpPr/>
+        <p:nvPr/>
+      </p:nvGrpSpPr>
+      <p:grpSpPr>
+        <a:xfrm>
+          <a:off x="0" y="0"/>
+          <a:ext cx="0" cy="0"/>
+          <a:chOff x="0" y="0"/>
+          <a:chExt cx="0" cy="0"/>
+        </a:xfrm>
+      </p:grpSpPr>
+      <p:sp>
+        <p:nvSpPr>
+          <p:cNvPr id="58" name="Google Shape;58;gee5de2ac8c_0_0:notes"/>
+          <p:cNvSpPr/>
+          <p:nvPr>
+            <p:ph idx="2" type="sldImg"/>
+          </p:nvPr>
+        </p:nvSpPr>
+        <p:spPr>
+          <a:xfrm>
+            <a:off x="381300" y="685800"/>
+            <a:ext cx="6096000" cy="3429000"/>
+          </a:xfrm>
+          <a:custGeom>
+            <a:rect b="b" l="l" r="r" t="t"/>
+            <a:pathLst>
+              <a:path extrusionOk="0" h="120000" w="120000">
+                <a:moveTo>
+                  <a:pt x="0" y="0"/>
+                </a:moveTo>
+                <a:lnTo>
+                  <a:pt x="120000" y="0"/>
+                </a:lnTo>
+                <a:lnTo>
+                  <a:pt x="120000" y="120000"/>
+                </a:lnTo>
+                <a:lnTo>
+                  <a:pt x="0" y="120000"/>
+                </a:lnTo>
+                <a:close/>
+              </a:path>
+            </a:pathLst>
+          </a:custGeom>
+        </p:spPr>
+      </p:sp>
+      <p:sp>
+        <p:nvSpPr>
+          <p:cNvPr id="59" name="Google Shape;59;gee5de2ac8c_0_0:notes"/>
+          <p:cNvSpPr txBox="1"/>
+          <p:nvPr>
+            <p:ph idx="1" type="body"/>
+          </p:nvPr>
+        </p:nvSpPr>
+        <p:spPr>
+          <a:xfrm>
+            <a:off x="685800" y="4343400"/>
+            <a:ext cx="5486400" cy="4114800"/>
+          </a:xfrm>
+          <a:prstGeom prst="rect">
+            <a:avLst/>
+          </a:prstGeom>
+        </p:spPr>
+        <p:txBody>
+          <a:bodyPr anchorCtr="0" anchor="t" bIns="91425" lIns="91425" spcFirstLastPara="1" rIns="91425" wrap="square" tIns="91425">
+            <a:noAutofit/>
+          </a:bodyPr>
+          <a:lstStyle/>
+          <a:p>
+            <a:pPr indent="0" lvl="0" marL="0" rtl="0" algn="l">
+              <a:spcBef>
+                <a:spcPts val="0"/>
+              </a:spcBef>
+              <a:spcAft>
+                <a:spcPts val="0"/>
+              </a:spcAft>
+              <a:buNone/>
+            </a:pPr>
+            <a:r>
+              <a:t/>
+            </a:r>
+            <a:endParaRPr/>
+          </a:p>
+        </p:txBody>
+      </p:sp>
+    </p:spTree>
+  </p:cSld>
+  <p:clrMapOvr>
+    <a:masterClrMapping/>
+  </p:clrMapOvr>
+</p:notes>
+</file>
+
+<file path=ppt/notesSlides/notesSlide20.xml><?xml version="1.0" encoding="utf-8"?>
+<p:notes xmlns:a="http://schemas.openxmlformats.org/drawingml/2006/main" xmlns:r="http://schemas.openxmlformats.org/officeDocument/2006/relationships" xmlns:mc="http://schemas.openxmlformats.org/markup-compatibility/2006" xmlns:mv="urn:schemas-microsoft-com:mac:vml" xmlns:p="http://schemas.openxmlformats.org/presentationml/2006/main" xmlns:c="http://schemas.openxmlformats.org/drawingml/2006/chart" xmlns:dgm="http://schemas.openxmlformats.org/drawingml/2006/diagram" xmlns:o="urn:schemas-microsoft-com:office:office" xmlns:v="urn:schemas-microsoft-com:vml" xmlns:pvml="urn:schemas-microsoft-com:office:powerpoint" xmlns:com="http://schemas.openxmlformats.org/drawingml/2006/compatibility" xmlns:p14="http://schemas.microsoft.com/office/powerpoint/2010/main" xmlns:p15="http://schemas.microsoft.com/office/powerpoint/2012/main" xmlns:ahyp="http://schemas.microsoft.com/office/drawing/2018/hyperlinkcolor" showMasterPhAnim="0" showMasterSp="0">
+  <p:cSld>
+    <p:spTree>
+      <p:nvGrpSpPr>
+        <p:cNvPr id="150" name="Shape 150"/>
+        <p:cNvGrpSpPr/>
+        <p:nvPr/>
+      </p:nvGrpSpPr>
+      <p:grpSpPr>
+        <a:xfrm>
+          <a:off x="0" y="0"/>
+          <a:ext cx="0" cy="0"/>
+          <a:chOff x="0" y="0"/>
+          <a:chExt cx="0" cy="0"/>
+        </a:xfrm>
+      </p:grpSpPr>
+      <p:sp>
+        <p:nvSpPr>
+          <p:cNvPr id="151" name="Google Shape;151;gee5de2ac8c_0_60:notes"/>
+          <p:cNvSpPr/>
+          <p:nvPr>
+            <p:ph idx="2" type="sldImg"/>
+          </p:nvPr>
+        </p:nvSpPr>
+        <p:spPr>
+          <a:xfrm>
+            <a:off x="381300" y="685800"/>
+            <a:ext cx="6096000" cy="3429000"/>
+          </a:xfrm>
+          <a:custGeom>
+            <a:rect b="b" l="l" r="r" t="t"/>
+            <a:pathLst>
+              <a:path extrusionOk="0" h="120000" w="120000">
+                <a:moveTo>
+                  <a:pt x="0" y="0"/>
+                </a:moveTo>
+                <a:lnTo>
+                  <a:pt x="120000" y="0"/>
+                </a:lnTo>
+                <a:lnTo>
+                  <a:pt x="120000" y="120000"/>
+                </a:lnTo>
+                <a:lnTo>
+                  <a:pt x="0" y="120000"/>
+                </a:lnTo>
+                <a:close/>
+              </a:path>
+            </a:pathLst>
+          </a:custGeom>
+        </p:spPr>
+      </p:sp>
+      <p:sp>
+        <p:nvSpPr>
+          <p:cNvPr id="152" name="Google Shape;152;gee5de2ac8c_0_60:notes"/>
+          <p:cNvSpPr txBox="1"/>
+          <p:nvPr>
+            <p:ph idx="1" type="body"/>
+          </p:nvPr>
+        </p:nvSpPr>
+        <p:spPr>
+          <a:xfrm>
+            <a:off x="685800" y="4343400"/>
+            <a:ext cx="5486400" cy="4114800"/>
+          </a:xfrm>
+          <a:prstGeom prst="rect">
+            <a:avLst/>
+          </a:prstGeom>
+        </p:spPr>
+        <p:txBody>
+          <a:bodyPr anchorCtr="0" anchor="t" bIns="91425" lIns="91425" spcFirstLastPara="1" rIns="91425" wrap="square" tIns="91425">
+            <a:noAutofit/>
+          </a:bodyPr>
+          <a:lstStyle/>
+          <a:p>
+            <a:pPr indent="0" lvl="0" marL="0" rtl="0" algn="l">
+              <a:spcBef>
+                <a:spcPts val="0"/>
+              </a:spcBef>
+              <a:spcAft>
+                <a:spcPts val="0"/>
+              </a:spcAft>
+              <a:buNone/>
+            </a:pPr>
+            <a:r>
+              <a:t/>
+            </a:r>
+            <a:endParaRPr/>
+          </a:p>
+        </p:txBody>
+      </p:sp>
+    </p:spTree>
+  </p:cSld>
+  <p:clrMapOvr>
+    <a:masterClrMapping/>
+  </p:clrMapOvr>
+</p:notes>
+</file>
+
+<file path=ppt/notesSlides/notesSlide21.xml><?xml version="1.0" encoding="utf-8"?>
+<p:notes xmlns:a="http://schemas.openxmlformats.org/drawingml/2006/main" xmlns:r="http://schemas.openxmlformats.org/officeDocument/2006/relationships" xmlns:mc="http://schemas.openxmlformats.org/markup-compatibility/2006" xmlns:mv="urn:schemas-microsoft-com:mac:vml" xmlns:p="http://schemas.openxmlformats.org/presentationml/2006/main" xmlns:c="http://schemas.openxmlformats.org/drawingml/2006/chart" xmlns:dgm="http://schemas.openxmlformats.org/drawingml/2006/diagram" xmlns:o="urn:schemas-microsoft-com:office:office" xmlns:v="urn:schemas-microsoft-com:vml" xmlns:pvml="urn:schemas-microsoft-com:office:powerpoint" xmlns:com="http://schemas.openxmlformats.org/drawingml/2006/compatibility" xmlns:p14="http://schemas.microsoft.com/office/powerpoint/2010/main" xmlns:p15="http://schemas.microsoft.com/office/powerpoint/2012/main" xmlns:ahyp="http://schemas.microsoft.com/office/drawing/2018/hyperlinkcolor" showMasterPhAnim="0" showMasterSp="0">
+  <p:cSld>
+    <p:spTree>
+      <p:nvGrpSpPr>
+        <p:cNvPr id="155" name="Shape 155"/>
+        <p:cNvGrpSpPr/>
+        <p:nvPr/>
+      </p:nvGrpSpPr>
+      <p:grpSpPr>
+        <a:xfrm>
+          <a:off x="0" y="0"/>
+          <a:ext cx="0" cy="0"/>
+          <a:chOff x="0" y="0"/>
+          <a:chExt cx="0" cy="0"/>
+        </a:xfrm>
+      </p:grpSpPr>
+      <p:sp>
+        <p:nvSpPr>
+          <p:cNvPr id="156" name="Google Shape;156;gee5de2ac8c_0_64:notes"/>
+          <p:cNvSpPr/>
+          <p:nvPr>
+            <p:ph idx="2" type="sldImg"/>
+          </p:nvPr>
+        </p:nvSpPr>
+        <p:spPr>
+          <a:xfrm>
+            <a:off x="381300" y="685800"/>
+            <a:ext cx="6096000" cy="3429000"/>
+          </a:xfrm>
+          <a:custGeom>
+            <a:rect b="b" l="l" r="r" t="t"/>
+            <a:pathLst>
+              <a:path extrusionOk="0" h="120000" w="120000">
+                <a:moveTo>
+                  <a:pt x="0" y="0"/>
+                </a:moveTo>
+                <a:lnTo>
+                  <a:pt x="120000" y="0"/>
+                </a:lnTo>
+                <a:lnTo>
+                  <a:pt x="120000" y="120000"/>
+                </a:lnTo>
+                <a:lnTo>
+                  <a:pt x="0" y="120000"/>
+                </a:lnTo>
+                <a:close/>
+              </a:path>
+            </a:pathLst>
+          </a:custGeom>
+        </p:spPr>
+      </p:sp>
+      <p:sp>
+        <p:nvSpPr>
+          <p:cNvPr id="157" name="Google Shape;157;gee5de2ac8c_0_64:notes"/>
+          <p:cNvSpPr txBox="1"/>
+          <p:nvPr>
+            <p:ph idx="1" type="body"/>
+          </p:nvPr>
+        </p:nvSpPr>
+        <p:spPr>
+          <a:xfrm>
+            <a:off x="685800" y="4343400"/>
+            <a:ext cx="5486400" cy="4114800"/>
+          </a:xfrm>
+          <a:prstGeom prst="rect">
+            <a:avLst/>
+          </a:prstGeom>
+        </p:spPr>
+        <p:txBody>
+          <a:bodyPr anchorCtr="0" anchor="t" bIns="91425" lIns="91425" spcFirstLastPara="1" rIns="91425" wrap="square" tIns="91425">
+            <a:noAutofit/>
+          </a:bodyPr>
+          <a:lstStyle/>
+          <a:p>
+            <a:pPr indent="0" lvl="0" marL="0" rtl="0" algn="l">
+              <a:spcBef>
+                <a:spcPts val="0"/>
+              </a:spcBef>
+              <a:spcAft>
+                <a:spcPts val="0"/>
+              </a:spcAft>
+              <a:buNone/>
+            </a:pPr>
+            <a:r>
+              <a:t/>
+            </a:r>
+            <a:endParaRPr/>
+          </a:p>
+        </p:txBody>
+      </p:sp>
+    </p:spTree>
+  </p:cSld>
+  <p:clrMapOvr>
+    <a:masterClrMapping/>
+  </p:clrMapOvr>
+</p:notes>
+</file>
+
+<file path=ppt/notesSlides/notesSlide22.xml><?xml version="1.0" encoding="utf-8"?>
+<p:notes xmlns:a="http://schemas.openxmlformats.org/drawingml/2006/main" xmlns:r="http://schemas.openxmlformats.org/officeDocument/2006/relationships" xmlns:mc="http://schemas.openxmlformats.org/markup-compatibility/2006" xmlns:mv="urn:schemas-microsoft-com:mac:vml" xmlns:p="http://schemas.openxmlformats.org/presentationml/2006/main" xmlns:c="http://schemas.openxmlformats.org/drawingml/2006/chart" xmlns:dgm="http://schemas.openxmlformats.org/drawingml/2006/diagram" xmlns:o="urn:schemas-microsoft-com:office:office" xmlns:v="urn:schemas-microsoft-com:vml" xmlns:pvml="urn:schemas-microsoft-com:office:powerpoint" xmlns:com="http://schemas.openxmlformats.org/drawingml/2006/compatibility" xmlns:p14="http://schemas.microsoft.com/office/powerpoint/2010/main" xmlns:p15="http://schemas.microsoft.com/office/powerpoint/2012/main" xmlns:ahyp="http://schemas.microsoft.com/office/drawing/2018/hyperlinkcolor" showMasterPhAnim="0" showMasterSp="0">
+  <p:cSld>
+    <p:spTree>
+      <p:nvGrpSpPr>
+        <p:cNvPr id="160" name="Shape 160"/>
+        <p:cNvGrpSpPr/>
+        <p:nvPr/>
+      </p:nvGrpSpPr>
+      <p:grpSpPr>
+        <a:xfrm>
+          <a:off x="0" y="0"/>
+          <a:ext cx="0" cy="0"/>
+          <a:chOff x="0" y="0"/>
+          <a:chExt cx="0" cy="0"/>
+        </a:xfrm>
+      </p:grpSpPr>
+      <p:sp>
+        <p:nvSpPr>
+          <p:cNvPr id="161" name="Google Shape;161;gee5de2ac8c_0_68:notes"/>
+          <p:cNvSpPr/>
+          <p:nvPr>
+            <p:ph idx="2" type="sldImg"/>
+          </p:nvPr>
+        </p:nvSpPr>
+        <p:spPr>
+          <a:xfrm>
+            <a:off x="381300" y="685800"/>
+            <a:ext cx="6096000" cy="3429000"/>
+          </a:xfrm>
+          <a:custGeom>
+            <a:rect b="b" l="l" r="r" t="t"/>
+            <a:pathLst>
+              <a:path extrusionOk="0" h="120000" w="120000">
+                <a:moveTo>
+                  <a:pt x="0" y="0"/>
+                </a:moveTo>
+                <a:lnTo>
+                  <a:pt x="120000" y="0"/>
+                </a:lnTo>
+                <a:lnTo>
+                  <a:pt x="120000" y="120000"/>
+                </a:lnTo>
+                <a:lnTo>
+                  <a:pt x="0" y="120000"/>
+                </a:lnTo>
+                <a:close/>
+              </a:path>
+            </a:pathLst>
+          </a:custGeom>
+        </p:spPr>
+      </p:sp>
+      <p:sp>
+        <p:nvSpPr>
+          <p:cNvPr id="162" name="Google Shape;162;gee5de2ac8c_0_68:notes"/>
+          <p:cNvSpPr txBox="1"/>
+          <p:nvPr>
+            <p:ph idx="1" type="body"/>
+          </p:nvPr>
+        </p:nvSpPr>
+        <p:spPr>
+          <a:xfrm>
+            <a:off x="685800" y="4343400"/>
+            <a:ext cx="5486400" cy="4114800"/>
+          </a:xfrm>
+          <a:prstGeom prst="rect">
+            <a:avLst/>
+          </a:prstGeom>
+        </p:spPr>
+        <p:txBody>
+          <a:bodyPr anchorCtr="0" anchor="t" bIns="91425" lIns="91425" spcFirstLastPara="1" rIns="91425" wrap="square" tIns="91425">
+            <a:noAutofit/>
+          </a:bodyPr>
+          <a:lstStyle/>
+          <a:p>
+            <a:pPr indent="0" lvl="0" marL="0" rtl="0" algn="l">
+              <a:spcBef>
+                <a:spcPts val="0"/>
+              </a:spcBef>
+              <a:spcAft>
+                <a:spcPts val="0"/>
+              </a:spcAft>
+              <a:buNone/>
+            </a:pPr>
+            <a:r>
+              <a:t/>
+            </a:r>
+            <a:endParaRPr/>
+          </a:p>
+        </p:txBody>
+      </p:sp>
+    </p:spTree>
+  </p:cSld>
+  <p:clrMapOvr>
+    <a:masterClrMapping/>
+  </p:clrMapOvr>
+</p:notes>
+</file>
+
+<file path=ppt/notesSlides/notesSlide23.xml><?xml version="1.0" encoding="utf-8"?>
+<p:notes xmlns:a="http://schemas.openxmlformats.org/drawingml/2006/main" xmlns:r="http://schemas.openxmlformats.org/officeDocument/2006/relationships" xmlns:mc="http://schemas.openxmlformats.org/markup-compatibility/2006" xmlns:mv="urn:schemas-microsoft-com:mac:vml" xmlns:p="http://schemas.openxmlformats.org/presentationml/2006/main" xmlns:c="http://schemas.openxmlformats.org/drawingml/2006/chart" xmlns:dgm="http://schemas.openxmlformats.org/drawingml/2006/diagram" xmlns:o="urn:schemas-microsoft-com:office:office" xmlns:v="urn:schemas-microsoft-com:vml" xmlns:pvml="urn:schemas-microsoft-com:office:powerpoint" xmlns:com="http://schemas.openxmlformats.org/drawingml/2006/compatibility" xmlns:p14="http://schemas.microsoft.com/office/powerpoint/2010/main" xmlns:p15="http://schemas.microsoft.com/office/powerpoint/2012/main" xmlns:ahyp="http://schemas.microsoft.com/office/drawing/2018/hyperlinkcolor" showMasterPhAnim="0" showMasterSp="0">
+  <p:cSld>
+    <p:spTree>
+      <p:nvGrpSpPr>
+        <p:cNvPr id="165" name="Shape 165"/>
+        <p:cNvGrpSpPr/>
+        <p:nvPr/>
+      </p:nvGrpSpPr>
+      <p:grpSpPr>
+        <a:xfrm>
+          <a:off x="0" y="0"/>
+          <a:ext cx="0" cy="0"/>
+          <a:chOff x="0" y="0"/>
+          <a:chExt cx="0" cy="0"/>
+        </a:xfrm>
+      </p:grpSpPr>
+      <p:sp>
+        <p:nvSpPr>
+          <p:cNvPr id="166" name="Google Shape;166;gee5de2ac8c_0_72:notes"/>
+          <p:cNvSpPr/>
+          <p:nvPr>
+            <p:ph idx="2" type="sldImg"/>
+          </p:nvPr>
+        </p:nvSpPr>
+        <p:spPr>
+          <a:xfrm>
+            <a:off x="381300" y="685800"/>
+            <a:ext cx="6096000" cy="3429000"/>
+          </a:xfrm>
+          <a:custGeom>
+            <a:rect b="b" l="l" r="r" t="t"/>
+            <a:pathLst>
+              <a:path extrusionOk="0" h="120000" w="120000">
+                <a:moveTo>
+                  <a:pt x="0" y="0"/>
+                </a:moveTo>
+                <a:lnTo>
+                  <a:pt x="120000" y="0"/>
+                </a:lnTo>
+                <a:lnTo>
+                  <a:pt x="120000" y="120000"/>
+                </a:lnTo>
+                <a:lnTo>
+                  <a:pt x="0" y="120000"/>
+                </a:lnTo>
+                <a:close/>
+              </a:path>
+            </a:pathLst>
+          </a:custGeom>
+        </p:spPr>
+      </p:sp>
+      <p:sp>
+        <p:nvSpPr>
+          <p:cNvPr id="167" name="Google Shape;167;gee5de2ac8c_0_72:notes"/>
+          <p:cNvSpPr txBox="1"/>
+          <p:nvPr>
+            <p:ph idx="1" type="body"/>
+          </p:nvPr>
+        </p:nvSpPr>
+        <p:spPr>
+          <a:xfrm>
+            <a:off x="685800" y="4343400"/>
+            <a:ext cx="5486400" cy="4114800"/>
+          </a:xfrm>
+          <a:prstGeom prst="rect">
+            <a:avLst/>
+          </a:prstGeom>
+        </p:spPr>
+        <p:txBody>
+          <a:bodyPr anchorCtr="0" anchor="t" bIns="91425" lIns="91425" spcFirstLastPara="1" rIns="91425" wrap="square" tIns="91425">
+            <a:noAutofit/>
+          </a:bodyPr>
+          <a:lstStyle/>
+          <a:p>
+            <a:pPr indent="0" lvl="0" marL="0" rtl="0" algn="l">
+              <a:spcBef>
+                <a:spcPts val="0"/>
+              </a:spcBef>
+              <a:spcAft>
+                <a:spcPts val="0"/>
+              </a:spcAft>
+              <a:buNone/>
+            </a:pPr>
+            <a:r>
+              <a:t/>
+            </a:r>
+            <a:endParaRPr/>
+          </a:p>
+        </p:txBody>
+      </p:sp>
+    </p:spTree>
+  </p:cSld>
+  <p:clrMapOvr>
+    <a:masterClrMapping/>
+  </p:clrMapOvr>
+</p:notes>
+</file>
+
+<file path=ppt/notesSlides/notesSlide24.xml><?xml version="1.0" encoding="utf-8"?>
+<p:notes xmlns:a="http://schemas.openxmlformats.org/drawingml/2006/main" xmlns:r="http://schemas.openxmlformats.org/officeDocument/2006/relationships" xmlns:mc="http://schemas.openxmlformats.org/markup-compatibility/2006" xmlns:mv="urn:schemas-microsoft-com:mac:vml" xmlns:p="http://schemas.openxmlformats.org/presentationml/2006/main" xmlns:c="http://schemas.openxmlformats.org/drawingml/2006/chart" xmlns:dgm="http://schemas.openxmlformats.org/drawingml/2006/diagram" xmlns:o="urn:schemas-microsoft-com:office:office" xmlns:v="urn:schemas-microsoft-com:vml" xmlns:pvml="urn:schemas-microsoft-com:office:powerpoint" xmlns:com="http://schemas.openxmlformats.org/drawingml/2006/compatibility" xmlns:p14="http://schemas.microsoft.com/office/powerpoint/2010/main" xmlns:p15="http://schemas.microsoft.com/office/powerpoint/2012/main" xmlns:ahyp="http://schemas.microsoft.com/office/drawing/2018/hyperlinkcolor" showMasterPhAnim="0" showMasterSp="0">
+  <p:cSld>
+    <p:spTree>
+      <p:nvGrpSpPr>
+        <p:cNvPr id="170" name="Shape 170"/>
+        <p:cNvGrpSpPr/>
+        <p:nvPr/>
+      </p:nvGrpSpPr>
+      <p:grpSpPr>
+        <a:xfrm>
+          <a:off x="0" y="0"/>
+          <a:ext cx="0" cy="0"/>
+          <a:chOff x="0" y="0"/>
+          <a:chExt cx="0" cy="0"/>
+        </a:xfrm>
+      </p:grpSpPr>
+      <p:sp>
+        <p:nvSpPr>
+          <p:cNvPr id="171" name="Google Shape;171;gee5de2ac8c_0_76:notes"/>
+          <p:cNvSpPr/>
+          <p:nvPr>
+            <p:ph idx="2" type="sldImg"/>
+          </p:nvPr>
+        </p:nvSpPr>
+        <p:spPr>
+          <a:xfrm>
+            <a:off x="381300" y="685800"/>
+            <a:ext cx="6096000" cy="3429000"/>
+          </a:xfrm>
+          <a:custGeom>
+            <a:rect b="b" l="l" r="r" t="t"/>
+            <a:pathLst>
+              <a:path extrusionOk="0" h="120000" w="120000">
+                <a:moveTo>
+                  <a:pt x="0" y="0"/>
+                </a:moveTo>
+                <a:lnTo>
+                  <a:pt x="120000" y="0"/>
+                </a:lnTo>
+                <a:lnTo>
+                  <a:pt x="120000" y="120000"/>
+                </a:lnTo>
+                <a:lnTo>
+                  <a:pt x="0" y="120000"/>
+                </a:lnTo>
+                <a:close/>
+              </a:path>
+            </a:pathLst>
+          </a:custGeom>
+        </p:spPr>
+      </p:sp>
+      <p:sp>
+        <p:nvSpPr>
+          <p:cNvPr id="172" name="Google Shape;172;gee5de2ac8c_0_76:notes"/>
+          <p:cNvSpPr txBox="1"/>
+          <p:nvPr>
+            <p:ph idx="1" type="body"/>
+          </p:nvPr>
+        </p:nvSpPr>
+        <p:spPr>
+          <a:xfrm>
+            <a:off x="685800" y="4343400"/>
+            <a:ext cx="5486400" cy="4114800"/>
+          </a:xfrm>
+          <a:prstGeom prst="rect">
+            <a:avLst/>
+          </a:prstGeom>
+        </p:spPr>
+        <p:txBody>
+          <a:bodyPr anchorCtr="0" anchor="t" bIns="91425" lIns="91425" spcFirstLastPara="1" rIns="91425" wrap="square" tIns="91425">
+            <a:noAutofit/>
+          </a:bodyPr>
+          <a:lstStyle/>
+          <a:p>
+            <a:pPr indent="0" lvl="0" marL="0" rtl="0" algn="l">
+              <a:spcBef>
+                <a:spcPts val="0"/>
+              </a:spcBef>
+              <a:spcAft>
+                <a:spcPts val="0"/>
+              </a:spcAft>
+              <a:buNone/>
+            </a:pPr>
+            <a:r>
+              <a:t/>
+            </a:r>
+            <a:endParaRPr/>
+          </a:p>
+        </p:txBody>
+      </p:sp>
+    </p:spTree>
+  </p:cSld>
+  <p:clrMapOvr>
+    <a:masterClrMapping/>
+  </p:clrMapOvr>
+</p:notes>
+</file>
+
+<file path=ppt/notesSlides/notesSlide3.xml><?xml version="1.0" encoding="utf-8"?>
 <p:notes xmlns:a="http://schemas.openxmlformats.org/drawingml/2006/main" xmlns:r="http://schemas.openxmlformats.org/officeDocument/2006/relationships" xmlns:mc="http://schemas.openxmlformats.org/markup-compatibility/2006" xmlns:mv="urn:schemas-microsoft-com:mac:vml" xmlns:p="http://schemas.openxmlformats.org/presentationml/2006/main" xmlns:c="http://schemas.openxmlformats.org/drawingml/2006/chart" xmlns:dgm="http://schemas.openxmlformats.org/drawingml/2006/diagram" xmlns:o="urn:schemas-microsoft-com:office:office" xmlns:v="urn:schemas-microsoft-com:vml" xmlns:pvml="urn:schemas-microsoft-com:office:powerpoint" xmlns:com="http://schemas.openxmlformats.org/drawingml/2006/compatibility" xmlns:p14="http://schemas.microsoft.com/office/powerpoint/2010/main" xmlns:p15="http://schemas.microsoft.com/office/powerpoint/2012/main" xmlns:ahyp="http://schemas.microsoft.com/office/drawing/2018/hyperlinkcolor" showMasterPhAnim="0" showMasterSp="0">
   <p:cSld>
     <p:spTree>
@@ -888,7 +2491,7 @@
 </p:notes>
 </file>
 
-<file path=ppt/notesSlides/notesSlide3.xml><?xml version="1.0" encoding="utf-8"?>
+<file path=ppt/notesSlides/notesSlide4.xml><?xml version="1.0" encoding="utf-8"?>
 <p:notes xmlns:a="http://schemas.openxmlformats.org/drawingml/2006/main" xmlns:r="http://schemas.openxmlformats.org/officeDocument/2006/relationships" xmlns:mc="http://schemas.openxmlformats.org/markup-compatibility/2006" xmlns:mv="urn:schemas-microsoft-com:mac:vml" xmlns:p="http://schemas.openxmlformats.org/presentationml/2006/main" xmlns:c="http://schemas.openxmlformats.org/drawingml/2006/chart" xmlns:dgm="http://schemas.openxmlformats.org/drawingml/2006/diagram" xmlns:o="urn:schemas-microsoft-com:office:office" xmlns:v="urn:schemas-microsoft-com:vml" xmlns:pvml="urn:schemas-microsoft-com:office:powerpoint" xmlns:com="http://schemas.openxmlformats.org/drawingml/2006/compatibility" xmlns:p14="http://schemas.microsoft.com/office/powerpoint/2010/main" xmlns:p15="http://schemas.microsoft.com/office/powerpoint/2012/main" xmlns:ahyp="http://schemas.microsoft.com/office/drawing/2018/hyperlinkcolor" showMasterPhAnim="0" showMasterSp="0">
   <p:cSld>
     <p:spTree>
@@ -987,7 +2590,7 @@
 </p:notes>
 </file>
 
-<file path=ppt/notesSlides/notesSlide4.xml><?xml version="1.0" encoding="utf-8"?>
+<file path=ppt/notesSlides/notesSlide5.xml><?xml version="1.0" encoding="utf-8"?>
 <p:notes xmlns:a="http://schemas.openxmlformats.org/drawingml/2006/main" xmlns:r="http://schemas.openxmlformats.org/officeDocument/2006/relationships" xmlns:mc="http://schemas.openxmlformats.org/markup-compatibility/2006" xmlns:mv="urn:schemas-microsoft-com:mac:vml" xmlns:p="http://schemas.openxmlformats.org/presentationml/2006/main" xmlns:c="http://schemas.openxmlformats.org/drawingml/2006/chart" xmlns:dgm="http://schemas.openxmlformats.org/drawingml/2006/diagram" xmlns:o="urn:schemas-microsoft-com:office:office" xmlns:v="urn:schemas-microsoft-com:vml" xmlns:pvml="urn:schemas-microsoft-com:office:powerpoint" xmlns:com="http://schemas.openxmlformats.org/drawingml/2006/compatibility" xmlns:p14="http://schemas.microsoft.com/office/powerpoint/2010/main" xmlns:p15="http://schemas.microsoft.com/office/powerpoint/2012/main" xmlns:ahyp="http://schemas.microsoft.com/office/drawing/2018/hyperlinkcolor" showMasterPhAnim="0" showMasterSp="0">
   <p:cSld>
     <p:spTree>
@@ -1086,7 +2689,7 @@
 </p:notes>
 </file>
 
-<file path=ppt/notesSlides/notesSlide5.xml><?xml version="1.0" encoding="utf-8"?>
+<file path=ppt/notesSlides/notesSlide6.xml><?xml version="1.0" encoding="utf-8"?>
 <p:notes xmlns:a="http://schemas.openxmlformats.org/drawingml/2006/main" xmlns:r="http://schemas.openxmlformats.org/officeDocument/2006/relationships" xmlns:mc="http://schemas.openxmlformats.org/markup-compatibility/2006" xmlns:mv="urn:schemas-microsoft-com:mac:vml" xmlns:p="http://schemas.openxmlformats.org/presentationml/2006/main" xmlns:c="http://schemas.openxmlformats.org/drawingml/2006/chart" xmlns:dgm="http://schemas.openxmlformats.org/drawingml/2006/diagram" xmlns:o="urn:schemas-microsoft-com:office:office" xmlns:v="urn:schemas-microsoft-com:vml" xmlns:pvml="urn:schemas-microsoft-com:office:powerpoint" xmlns:com="http://schemas.openxmlformats.org/drawingml/2006/compatibility" xmlns:p14="http://schemas.microsoft.com/office/powerpoint/2010/main" xmlns:p15="http://schemas.microsoft.com/office/powerpoint/2012/main" xmlns:ahyp="http://schemas.microsoft.com/office/drawing/2018/hyperlinkcolor" showMasterPhAnim="0" showMasterSp="0">
   <p:cSld>
     <p:spTree>
@@ -1141,6 +2744,303 @@
       <p:sp>
         <p:nvSpPr>
           <p:cNvPr id="81" name="Google Shape;81;ge7d56ed7de_0_0:notes"/>
+          <p:cNvSpPr txBox="1"/>
+          <p:nvPr>
+            <p:ph idx="1" type="body"/>
+          </p:nvPr>
+        </p:nvSpPr>
+        <p:spPr>
+          <a:xfrm>
+            <a:off x="685800" y="4343400"/>
+            <a:ext cx="5486400" cy="4114800"/>
+          </a:xfrm>
+          <a:prstGeom prst="rect">
+            <a:avLst/>
+          </a:prstGeom>
+        </p:spPr>
+        <p:txBody>
+          <a:bodyPr anchorCtr="0" anchor="t" bIns="91425" lIns="91425" spcFirstLastPara="1" rIns="91425" wrap="square" tIns="91425">
+            <a:noAutofit/>
+          </a:bodyPr>
+          <a:lstStyle/>
+          <a:p>
+            <a:pPr indent="0" lvl="0" marL="0" rtl="0" algn="l">
+              <a:spcBef>
+                <a:spcPts val="0"/>
+              </a:spcBef>
+              <a:spcAft>
+                <a:spcPts val="0"/>
+              </a:spcAft>
+              <a:buNone/>
+            </a:pPr>
+            <a:r>
+              <a:t/>
+            </a:r>
+            <a:endParaRPr/>
+          </a:p>
+        </p:txBody>
+      </p:sp>
+    </p:spTree>
+  </p:cSld>
+  <p:clrMapOvr>
+    <a:masterClrMapping/>
+  </p:clrMapOvr>
+</p:notes>
+</file>
+
+<file path=ppt/notesSlides/notesSlide7.xml><?xml version="1.0" encoding="utf-8"?>
+<p:notes xmlns:a="http://schemas.openxmlformats.org/drawingml/2006/main" xmlns:r="http://schemas.openxmlformats.org/officeDocument/2006/relationships" xmlns:mc="http://schemas.openxmlformats.org/markup-compatibility/2006" xmlns:mv="urn:schemas-microsoft-com:mac:vml" xmlns:p="http://schemas.openxmlformats.org/presentationml/2006/main" xmlns:c="http://schemas.openxmlformats.org/drawingml/2006/chart" xmlns:dgm="http://schemas.openxmlformats.org/drawingml/2006/diagram" xmlns:o="urn:schemas-microsoft-com:office:office" xmlns:v="urn:schemas-microsoft-com:vml" xmlns:pvml="urn:schemas-microsoft-com:office:powerpoint" xmlns:com="http://schemas.openxmlformats.org/drawingml/2006/compatibility" xmlns:p14="http://schemas.microsoft.com/office/powerpoint/2010/main" xmlns:p15="http://schemas.microsoft.com/office/powerpoint/2012/main" xmlns:ahyp="http://schemas.microsoft.com/office/drawing/2018/hyperlinkcolor" showMasterPhAnim="0" showMasterSp="0">
+  <p:cSld>
+    <p:spTree>
+      <p:nvGrpSpPr>
+        <p:cNvPr id="85" name="Shape 85"/>
+        <p:cNvGrpSpPr/>
+        <p:nvPr/>
+      </p:nvGrpSpPr>
+      <p:grpSpPr>
+        <a:xfrm>
+          <a:off x="0" y="0"/>
+          <a:ext cx="0" cy="0"/>
+          <a:chOff x="0" y="0"/>
+          <a:chExt cx="0" cy="0"/>
+        </a:xfrm>
+      </p:grpSpPr>
+      <p:sp>
+        <p:nvSpPr>
+          <p:cNvPr id="86" name="Google Shape;86;gee5de2ac8c_0_5:notes"/>
+          <p:cNvSpPr/>
+          <p:nvPr>
+            <p:ph idx="2" type="sldImg"/>
+          </p:nvPr>
+        </p:nvSpPr>
+        <p:spPr>
+          <a:xfrm>
+            <a:off x="381300" y="685800"/>
+            <a:ext cx="6096000" cy="3429000"/>
+          </a:xfrm>
+          <a:custGeom>
+            <a:rect b="b" l="l" r="r" t="t"/>
+            <a:pathLst>
+              <a:path extrusionOk="0" h="120000" w="120000">
+                <a:moveTo>
+                  <a:pt x="0" y="0"/>
+                </a:moveTo>
+                <a:lnTo>
+                  <a:pt x="120000" y="0"/>
+                </a:lnTo>
+                <a:lnTo>
+                  <a:pt x="120000" y="120000"/>
+                </a:lnTo>
+                <a:lnTo>
+                  <a:pt x="0" y="120000"/>
+                </a:lnTo>
+                <a:close/>
+              </a:path>
+            </a:pathLst>
+          </a:custGeom>
+        </p:spPr>
+      </p:sp>
+      <p:sp>
+        <p:nvSpPr>
+          <p:cNvPr id="87" name="Google Shape;87;gee5de2ac8c_0_5:notes"/>
+          <p:cNvSpPr txBox="1"/>
+          <p:nvPr>
+            <p:ph idx="1" type="body"/>
+          </p:nvPr>
+        </p:nvSpPr>
+        <p:spPr>
+          <a:xfrm>
+            <a:off x="685800" y="4343400"/>
+            <a:ext cx="5486400" cy="4114800"/>
+          </a:xfrm>
+          <a:prstGeom prst="rect">
+            <a:avLst/>
+          </a:prstGeom>
+        </p:spPr>
+        <p:txBody>
+          <a:bodyPr anchorCtr="0" anchor="t" bIns="91425" lIns="91425" spcFirstLastPara="1" rIns="91425" wrap="square" tIns="91425">
+            <a:noAutofit/>
+          </a:bodyPr>
+          <a:lstStyle/>
+          <a:p>
+            <a:pPr indent="0" lvl="0" marL="0" rtl="0" algn="l">
+              <a:spcBef>
+                <a:spcPts val="0"/>
+              </a:spcBef>
+              <a:spcAft>
+                <a:spcPts val="0"/>
+              </a:spcAft>
+              <a:buNone/>
+            </a:pPr>
+            <a:r>
+              <a:t/>
+            </a:r>
+            <a:endParaRPr/>
+          </a:p>
+        </p:txBody>
+      </p:sp>
+    </p:spTree>
+  </p:cSld>
+  <p:clrMapOvr>
+    <a:masterClrMapping/>
+  </p:clrMapOvr>
+</p:notes>
+</file>
+
+<file path=ppt/notesSlides/notesSlide8.xml><?xml version="1.0" encoding="utf-8"?>
+<p:notes xmlns:a="http://schemas.openxmlformats.org/drawingml/2006/main" xmlns:r="http://schemas.openxmlformats.org/officeDocument/2006/relationships" xmlns:mc="http://schemas.openxmlformats.org/markup-compatibility/2006" xmlns:mv="urn:schemas-microsoft-com:mac:vml" xmlns:p="http://schemas.openxmlformats.org/presentationml/2006/main" xmlns:c="http://schemas.openxmlformats.org/drawingml/2006/chart" xmlns:dgm="http://schemas.openxmlformats.org/drawingml/2006/diagram" xmlns:o="urn:schemas-microsoft-com:office:office" xmlns:v="urn:schemas-microsoft-com:vml" xmlns:pvml="urn:schemas-microsoft-com:office:powerpoint" xmlns:com="http://schemas.openxmlformats.org/drawingml/2006/compatibility" xmlns:p14="http://schemas.microsoft.com/office/powerpoint/2010/main" xmlns:p15="http://schemas.microsoft.com/office/powerpoint/2012/main" xmlns:ahyp="http://schemas.microsoft.com/office/drawing/2018/hyperlinkcolor" showMasterPhAnim="0" showMasterSp="0">
+  <p:cSld>
+    <p:spTree>
+      <p:nvGrpSpPr>
+        <p:cNvPr id="90" name="Shape 90"/>
+        <p:cNvGrpSpPr/>
+        <p:nvPr/>
+      </p:nvGrpSpPr>
+      <p:grpSpPr>
+        <a:xfrm>
+          <a:off x="0" y="0"/>
+          <a:ext cx="0" cy="0"/>
+          <a:chOff x="0" y="0"/>
+          <a:chExt cx="0" cy="0"/>
+        </a:xfrm>
+      </p:grpSpPr>
+      <p:sp>
+        <p:nvSpPr>
+          <p:cNvPr id="91" name="Google Shape;91;gee5de2ac8c_0_10:notes"/>
+          <p:cNvSpPr/>
+          <p:nvPr>
+            <p:ph idx="2" type="sldImg"/>
+          </p:nvPr>
+        </p:nvSpPr>
+        <p:spPr>
+          <a:xfrm>
+            <a:off x="381300" y="685800"/>
+            <a:ext cx="6096000" cy="3429000"/>
+          </a:xfrm>
+          <a:custGeom>
+            <a:rect b="b" l="l" r="r" t="t"/>
+            <a:pathLst>
+              <a:path extrusionOk="0" h="120000" w="120000">
+                <a:moveTo>
+                  <a:pt x="0" y="0"/>
+                </a:moveTo>
+                <a:lnTo>
+                  <a:pt x="120000" y="0"/>
+                </a:lnTo>
+                <a:lnTo>
+                  <a:pt x="120000" y="120000"/>
+                </a:lnTo>
+                <a:lnTo>
+                  <a:pt x="0" y="120000"/>
+                </a:lnTo>
+                <a:close/>
+              </a:path>
+            </a:pathLst>
+          </a:custGeom>
+        </p:spPr>
+      </p:sp>
+      <p:sp>
+        <p:nvSpPr>
+          <p:cNvPr id="92" name="Google Shape;92;gee5de2ac8c_0_10:notes"/>
+          <p:cNvSpPr txBox="1"/>
+          <p:nvPr>
+            <p:ph idx="1" type="body"/>
+          </p:nvPr>
+        </p:nvSpPr>
+        <p:spPr>
+          <a:xfrm>
+            <a:off x="685800" y="4343400"/>
+            <a:ext cx="5486400" cy="4114800"/>
+          </a:xfrm>
+          <a:prstGeom prst="rect">
+            <a:avLst/>
+          </a:prstGeom>
+        </p:spPr>
+        <p:txBody>
+          <a:bodyPr anchorCtr="0" anchor="t" bIns="91425" lIns="91425" spcFirstLastPara="1" rIns="91425" wrap="square" tIns="91425">
+            <a:noAutofit/>
+          </a:bodyPr>
+          <a:lstStyle/>
+          <a:p>
+            <a:pPr indent="0" lvl="0" marL="0" rtl="0" algn="l">
+              <a:spcBef>
+                <a:spcPts val="0"/>
+              </a:spcBef>
+              <a:spcAft>
+                <a:spcPts val="0"/>
+              </a:spcAft>
+              <a:buNone/>
+            </a:pPr>
+            <a:r>
+              <a:t/>
+            </a:r>
+            <a:endParaRPr/>
+          </a:p>
+        </p:txBody>
+      </p:sp>
+    </p:spTree>
+  </p:cSld>
+  <p:clrMapOvr>
+    <a:masterClrMapping/>
+  </p:clrMapOvr>
+</p:notes>
+</file>
+
+<file path=ppt/notesSlides/notesSlide9.xml><?xml version="1.0" encoding="utf-8"?>
+<p:notes xmlns:a="http://schemas.openxmlformats.org/drawingml/2006/main" xmlns:r="http://schemas.openxmlformats.org/officeDocument/2006/relationships" xmlns:mc="http://schemas.openxmlformats.org/markup-compatibility/2006" xmlns:mv="urn:schemas-microsoft-com:mac:vml" xmlns:p="http://schemas.openxmlformats.org/presentationml/2006/main" xmlns:c="http://schemas.openxmlformats.org/drawingml/2006/chart" xmlns:dgm="http://schemas.openxmlformats.org/drawingml/2006/diagram" xmlns:o="urn:schemas-microsoft-com:office:office" xmlns:v="urn:schemas-microsoft-com:vml" xmlns:pvml="urn:schemas-microsoft-com:office:powerpoint" xmlns:com="http://schemas.openxmlformats.org/drawingml/2006/compatibility" xmlns:p14="http://schemas.microsoft.com/office/powerpoint/2010/main" xmlns:p15="http://schemas.microsoft.com/office/powerpoint/2012/main" xmlns:ahyp="http://schemas.microsoft.com/office/drawing/2018/hyperlinkcolor" showMasterPhAnim="0" showMasterSp="0">
+  <p:cSld>
+    <p:spTree>
+      <p:nvGrpSpPr>
+        <p:cNvPr id="95" name="Shape 95"/>
+        <p:cNvGrpSpPr/>
+        <p:nvPr/>
+      </p:nvGrpSpPr>
+      <p:grpSpPr>
+        <a:xfrm>
+          <a:off x="0" y="0"/>
+          <a:ext cx="0" cy="0"/>
+          <a:chOff x="0" y="0"/>
+          <a:chExt cx="0" cy="0"/>
+        </a:xfrm>
+      </p:grpSpPr>
+      <p:sp>
+        <p:nvSpPr>
+          <p:cNvPr id="96" name="Google Shape;96;gee5de2ac8c_0_16:notes"/>
+          <p:cNvSpPr/>
+          <p:nvPr>
+            <p:ph idx="2" type="sldImg"/>
+          </p:nvPr>
+        </p:nvSpPr>
+        <p:spPr>
+          <a:xfrm>
+            <a:off x="381300" y="685800"/>
+            <a:ext cx="6096000" cy="3429000"/>
+          </a:xfrm>
+          <a:custGeom>
+            <a:rect b="b" l="l" r="r" t="t"/>
+            <a:pathLst>
+              <a:path extrusionOk="0" h="120000" w="120000">
+                <a:moveTo>
+                  <a:pt x="0" y="0"/>
+                </a:moveTo>
+                <a:lnTo>
+                  <a:pt x="120000" y="0"/>
+                </a:lnTo>
+                <a:lnTo>
+                  <a:pt x="120000" y="120000"/>
+                </a:lnTo>
+                <a:lnTo>
+                  <a:pt x="0" y="120000"/>
+                </a:lnTo>
+                <a:close/>
+              </a:path>
+            </a:pathLst>
+          </a:custGeom>
+        </p:spPr>
+      </p:sp>
+      <p:sp>
+        <p:nvSpPr>
+          <p:cNvPr id="97" name="Google Shape;97;gee5de2ac8c_0_16:notes"/>
           <p:cNvSpPr txBox="1"/>
           <p:nvPr>
             <p:ph idx="1" type="body"/>
@@ -1202,153 +3102,9 @@
           <a:chExt cx="0" cy="0"/>
         </a:xfrm>
       </p:grpSpPr>
-      <p:grpSp>
-        <p:nvGrpSpPr>
-          <p:cNvPr id="10" name="Google Shape;10;p2"/>
-          <p:cNvGrpSpPr/>
-          <p:nvPr/>
-        </p:nvGrpSpPr>
-        <p:grpSpPr>
-          <a:xfrm>
-            <a:off x="4350279" y="2855377"/>
-            <a:ext cx="443589" cy="105632"/>
-            <a:chOff x="4137525" y="2915950"/>
-            <a:chExt cx="869100" cy="207000"/>
-          </a:xfrm>
-        </p:grpSpPr>
-        <p:sp>
-          <p:nvSpPr>
-            <p:cNvPr id="11" name="Google Shape;11;p2"/>
-            <p:cNvSpPr/>
-            <p:nvPr/>
-          </p:nvSpPr>
-          <p:spPr>
-            <a:xfrm>
-              <a:off x="4468575" y="2915950"/>
-              <a:ext cx="207000" cy="207000"/>
-            </a:xfrm>
-            <a:prstGeom prst="ellipse">
-              <a:avLst/>
-            </a:prstGeom>
-            <a:solidFill>
-              <a:schemeClr val="dk1"/>
-            </a:solidFill>
-            <a:ln>
-              <a:noFill/>
-            </a:ln>
-          </p:spPr>
-          <p:txBody>
-            <a:bodyPr anchorCtr="0" anchor="ctr" bIns="91425" lIns="91425" spcFirstLastPara="1" rIns="91425" wrap="square" tIns="91425">
-              <a:noAutofit/>
-            </a:bodyPr>
-            <a:lstStyle/>
-            <a:p>
-              <a:pPr indent="0" lvl="0" marL="0" rtl="0" algn="l">
-                <a:spcBef>
-                  <a:spcPts val="0"/>
-                </a:spcBef>
-                <a:spcAft>
-                  <a:spcPts val="0"/>
-                </a:spcAft>
-                <a:buNone/>
-              </a:pPr>
-              <a:r>
-                <a:t/>
-              </a:r>
-              <a:endParaRPr/>
-            </a:p>
-          </p:txBody>
-        </p:sp>
-        <p:sp>
-          <p:nvSpPr>
-            <p:cNvPr id="12" name="Google Shape;12;p2"/>
-            <p:cNvSpPr/>
-            <p:nvPr/>
-          </p:nvSpPr>
-          <p:spPr>
-            <a:xfrm>
-              <a:off x="4799625" y="2915950"/>
-              <a:ext cx="207000" cy="207000"/>
-            </a:xfrm>
-            <a:prstGeom prst="ellipse">
-              <a:avLst/>
-            </a:prstGeom>
-            <a:solidFill>
-              <a:schemeClr val="dk1"/>
-            </a:solidFill>
-            <a:ln>
-              <a:noFill/>
-            </a:ln>
-          </p:spPr>
-          <p:txBody>
-            <a:bodyPr anchorCtr="0" anchor="ctr" bIns="91425" lIns="91425" spcFirstLastPara="1" rIns="91425" wrap="square" tIns="91425">
-              <a:noAutofit/>
-            </a:bodyPr>
-            <a:lstStyle/>
-            <a:p>
-              <a:pPr indent="0" lvl="0" marL="0" rtl="0" algn="l">
-                <a:spcBef>
-                  <a:spcPts val="0"/>
-                </a:spcBef>
-                <a:spcAft>
-                  <a:spcPts val="0"/>
-                </a:spcAft>
-                <a:buNone/>
-              </a:pPr>
-              <a:r>
-                <a:t/>
-              </a:r>
-              <a:endParaRPr/>
-            </a:p>
-          </p:txBody>
-        </p:sp>
-        <p:sp>
-          <p:nvSpPr>
-            <p:cNvPr id="13" name="Google Shape;13;p2"/>
-            <p:cNvSpPr/>
-            <p:nvPr/>
-          </p:nvSpPr>
-          <p:spPr>
-            <a:xfrm>
-              <a:off x="4137525" y="2915950"/>
-              <a:ext cx="207000" cy="207000"/>
-            </a:xfrm>
-            <a:prstGeom prst="ellipse">
-              <a:avLst/>
-            </a:prstGeom>
-            <a:solidFill>
-              <a:schemeClr val="dk1"/>
-            </a:solidFill>
-            <a:ln>
-              <a:noFill/>
-            </a:ln>
-          </p:spPr>
-          <p:txBody>
-            <a:bodyPr anchorCtr="0" anchor="ctr" bIns="91425" lIns="91425" spcFirstLastPara="1" rIns="91425" wrap="square" tIns="91425">
-              <a:noAutofit/>
-            </a:bodyPr>
-            <a:lstStyle/>
-            <a:p>
-              <a:pPr indent="0" lvl="0" marL="0" rtl="0" algn="l">
-                <a:spcBef>
-                  <a:spcPts val="0"/>
-                </a:spcBef>
-                <a:spcAft>
-                  <a:spcPts val="0"/>
-                </a:spcAft>
-                <a:buNone/>
-              </a:pPr>
-              <a:r>
-                <a:t/>
-              </a:r>
-              <a:endParaRPr/>
-            </a:p>
-          </p:txBody>
-        </p:sp>
-      </p:grpSp>
       <p:sp>
         <p:nvSpPr>
-          <p:cNvPr id="14" name="Google Shape;14;p2"/>
+          <p:cNvPr id="10" name="Google Shape;10;p2"/>
           <p:cNvSpPr txBox="1"/>
           <p:nvPr>
             <p:ph type="ctrTitle"/>
@@ -1356,8 +3112,8 @@
         </p:nvSpPr>
         <p:spPr>
           <a:xfrm>
-            <a:off x="671258" y="990800"/>
-            <a:ext cx="7801500" cy="1730100"/>
+            <a:off x="311708" y="744575"/>
+            <a:ext cx="8520600" cy="2052600"/>
           </a:xfrm>
           <a:prstGeom prst="rect">
             <a:avLst/>
@@ -1375,9 +3131,9 @@
               <a:spcAft>
                 <a:spcPts val="0"/>
               </a:spcAft>
-              <a:buSzPts val="4800"/>
-              <a:buNone/>
-              <a:defRPr sz="4800"/>
+              <a:buSzPts val="5200"/>
+              <a:buNone/>
+              <a:defRPr sz="5200"/>
             </a:lvl1pPr>
             <a:lvl2pPr lvl="1" algn="ctr">
               <a:spcBef>
@@ -1386,9 +3142,9 @@
               <a:spcAft>
                 <a:spcPts val="0"/>
               </a:spcAft>
-              <a:buSzPts val="4800"/>
-              <a:buNone/>
-              <a:defRPr sz="4800"/>
+              <a:buSzPts val="5200"/>
+              <a:buNone/>
+              <a:defRPr sz="5200"/>
             </a:lvl2pPr>
             <a:lvl3pPr lvl="2" algn="ctr">
               <a:spcBef>
@@ -1397,9 +3153,9 @@
               <a:spcAft>
                 <a:spcPts val="0"/>
               </a:spcAft>
-              <a:buSzPts val="4800"/>
-              <a:buNone/>
-              <a:defRPr sz="4800"/>
+              <a:buSzPts val="5200"/>
+              <a:buNone/>
+              <a:defRPr sz="5200"/>
             </a:lvl3pPr>
             <a:lvl4pPr lvl="3" algn="ctr">
               <a:spcBef>
@@ -1408,9 +3164,9 @@
               <a:spcAft>
                 <a:spcPts val="0"/>
               </a:spcAft>
-              <a:buSzPts val="4800"/>
-              <a:buNone/>
-              <a:defRPr sz="4800"/>
+              <a:buSzPts val="5200"/>
+              <a:buNone/>
+              <a:defRPr sz="5200"/>
             </a:lvl4pPr>
             <a:lvl5pPr lvl="4" algn="ctr">
               <a:spcBef>
@@ -1419,9 +3175,9 @@
               <a:spcAft>
                 <a:spcPts val="0"/>
               </a:spcAft>
-              <a:buSzPts val="4800"/>
-              <a:buNone/>
-              <a:defRPr sz="4800"/>
+              <a:buSzPts val="5200"/>
+              <a:buNone/>
+              <a:defRPr sz="5200"/>
             </a:lvl5pPr>
             <a:lvl6pPr lvl="5" algn="ctr">
               <a:spcBef>
@@ -1430,9 +3186,9 @@
               <a:spcAft>
                 <a:spcPts val="0"/>
               </a:spcAft>
-              <a:buSzPts val="4800"/>
-              <a:buNone/>
-              <a:defRPr sz="4800"/>
+              <a:buSzPts val="5200"/>
+              <a:buNone/>
+              <a:defRPr sz="5200"/>
             </a:lvl6pPr>
             <a:lvl7pPr lvl="6" algn="ctr">
               <a:spcBef>
@@ -1441,9 +3197,9 @@
               <a:spcAft>
                 <a:spcPts val="0"/>
               </a:spcAft>
-              <a:buSzPts val="4800"/>
-              <a:buNone/>
-              <a:defRPr sz="4800"/>
+              <a:buSzPts val="5200"/>
+              <a:buNone/>
+              <a:defRPr sz="5200"/>
             </a:lvl7pPr>
             <a:lvl8pPr lvl="7" algn="ctr">
               <a:spcBef>
@@ -1452,9 +3208,9 @@
               <a:spcAft>
                 <a:spcPts val="0"/>
               </a:spcAft>
-              <a:buSzPts val="4800"/>
-              <a:buNone/>
-              <a:defRPr sz="4800"/>
+              <a:buSzPts val="5200"/>
+              <a:buNone/>
+              <a:defRPr sz="5200"/>
             </a:lvl8pPr>
             <a:lvl9pPr lvl="8" algn="ctr">
               <a:spcBef>
@@ -1463,9 +3219,9 @@
               <a:spcAft>
                 <a:spcPts val="0"/>
               </a:spcAft>
-              <a:buSzPts val="4800"/>
-              <a:buNone/>
-              <a:defRPr sz="4800"/>
+              <a:buSzPts val="5200"/>
+              <a:buNone/>
+              <a:defRPr sz="5200"/>
             </a:lvl9pPr>
           </a:lstStyle>
           <a:p/>
@@ -1473,7 +3229,7 @@
       </p:sp>
       <p:sp>
         <p:nvSpPr>
-          <p:cNvPr id="15" name="Google Shape;15;p2"/>
+          <p:cNvPr id="11" name="Google Shape;11;p2"/>
           <p:cNvSpPr txBox="1"/>
           <p:nvPr>
             <p:ph idx="1" type="subTitle"/>
@@ -1481,8 +3237,8 @@
         </p:nvSpPr>
         <p:spPr>
           <a:xfrm>
-            <a:off x="671250" y="3174876"/>
-            <a:ext cx="7801500" cy="792600"/>
+            <a:off x="311700" y="2834125"/>
+            <a:ext cx="8520600" cy="792600"/>
           </a:xfrm>
           <a:prstGeom prst="rect">
             <a:avLst/>
@@ -1503,9 +3259,9 @@
               <a:spcAft>
                 <a:spcPts val="0"/>
               </a:spcAft>
-              <a:buSzPts val="2100"/>
-              <a:buNone/>
-              <a:defRPr sz="2100"/>
+              <a:buSzPts val="2800"/>
+              <a:buNone/>
+              <a:defRPr sz="2800"/>
             </a:lvl1pPr>
             <a:lvl2pPr lvl="1" algn="ctr">
               <a:lnSpc>
@@ -1517,9 +3273,9 @@
               <a:spcAft>
                 <a:spcPts val="0"/>
               </a:spcAft>
-              <a:buSzPts val="2100"/>
-              <a:buNone/>
-              <a:defRPr sz="2100"/>
+              <a:buSzPts val="2800"/>
+              <a:buNone/>
+              <a:defRPr sz="2800"/>
             </a:lvl2pPr>
             <a:lvl3pPr lvl="2" algn="ctr">
               <a:lnSpc>
@@ -1531,9 +3287,9 @@
               <a:spcAft>
                 <a:spcPts val="0"/>
               </a:spcAft>
-              <a:buSzPts val="2100"/>
-              <a:buNone/>
-              <a:defRPr sz="2100"/>
+              <a:buSzPts val="2800"/>
+              <a:buNone/>
+              <a:defRPr sz="2800"/>
             </a:lvl3pPr>
             <a:lvl4pPr lvl="3" algn="ctr">
               <a:lnSpc>
@@ -1545,9 +3301,9 @@
               <a:spcAft>
                 <a:spcPts val="0"/>
               </a:spcAft>
-              <a:buSzPts val="2100"/>
-              <a:buNone/>
-              <a:defRPr sz="2100"/>
+              <a:buSzPts val="2800"/>
+              <a:buNone/>
+              <a:defRPr sz="2800"/>
             </a:lvl4pPr>
             <a:lvl5pPr lvl="4" algn="ctr">
               <a:lnSpc>
@@ -1559,9 +3315,9 @@
               <a:spcAft>
                 <a:spcPts val="0"/>
               </a:spcAft>
-              <a:buSzPts val="2100"/>
-              <a:buNone/>
-              <a:defRPr sz="2100"/>
+              <a:buSzPts val="2800"/>
+              <a:buNone/>
+              <a:defRPr sz="2800"/>
             </a:lvl5pPr>
             <a:lvl6pPr lvl="5" algn="ctr">
               <a:lnSpc>
@@ -1573,9 +3329,9 @@
               <a:spcAft>
                 <a:spcPts val="0"/>
               </a:spcAft>
-              <a:buSzPts val="2100"/>
-              <a:buNone/>
-              <a:defRPr sz="2100"/>
+              <a:buSzPts val="2800"/>
+              <a:buNone/>
+              <a:defRPr sz="2800"/>
             </a:lvl6pPr>
             <a:lvl7pPr lvl="6" algn="ctr">
               <a:lnSpc>
@@ -1587,9 +3343,9 @@
               <a:spcAft>
                 <a:spcPts val="0"/>
               </a:spcAft>
-              <a:buSzPts val="2100"/>
-              <a:buNone/>
-              <a:defRPr sz="2100"/>
+              <a:buSzPts val="2800"/>
+              <a:buNone/>
+              <a:defRPr sz="2800"/>
             </a:lvl7pPr>
             <a:lvl8pPr lvl="7" algn="ctr">
               <a:lnSpc>
@@ -1601,9 +3357,9 @@
               <a:spcAft>
                 <a:spcPts val="0"/>
               </a:spcAft>
-              <a:buSzPts val="2100"/>
-              <a:buNone/>
-              <a:defRPr sz="2100"/>
+              <a:buSzPts val="2800"/>
+              <a:buNone/>
+              <a:defRPr sz="2800"/>
             </a:lvl8pPr>
             <a:lvl9pPr lvl="8" algn="ctr">
               <a:lnSpc>
@@ -1615,9 +3371,9 @@
               <a:spcAft>
                 <a:spcPts val="0"/>
               </a:spcAft>
-              <a:buSzPts val="2100"/>
-              <a:buNone/>
-              <a:defRPr sz="2100"/>
+              <a:buSzPts val="2800"/>
+              <a:buNone/>
+              <a:defRPr sz="2800"/>
             </a:lvl9pPr>
           </a:lstStyle>
           <a:p/>
@@ -1625,7 +3381,7 @@
       </p:sp>
       <p:sp>
         <p:nvSpPr>
-          <p:cNvPr id="16" name="Google Shape;16;p2"/>
+          <p:cNvPr id="12" name="Google Shape;12;p2"/>
           <p:cNvSpPr txBox="1"/>
           <p:nvPr>
             <p:ph idx="12" type="sldNum"/>
@@ -1633,7 +3389,7 @@
         </p:nvSpPr>
         <p:spPr>
           <a:xfrm>
-            <a:off x="8490250" y="4681009"/>
+            <a:off x="8472458" y="4663217"/>
             <a:ext cx="548700" cy="393600"/>
           </a:xfrm>
           <a:prstGeom prst="rect">
@@ -1713,7 +3469,7 @@
   <p:cSld name="BIG_NUMBER">
     <p:spTree>
       <p:nvGrpSpPr>
-        <p:cNvPr id="49" name="Shape 49"/>
+        <p:cNvPr id="44" name="Shape 44"/>
         <p:cNvGrpSpPr/>
         <p:nvPr/>
       </p:nvGrpSpPr>
@@ -1727,7 +3483,7 @@
       </p:grpSpPr>
       <p:sp>
         <p:nvSpPr>
-          <p:cNvPr id="50" name="Google Shape;50;p11"/>
+          <p:cNvPr id="45" name="Google Shape;45;p11"/>
           <p:cNvSpPr txBox="1"/>
           <p:nvPr>
             <p:ph hasCustomPrompt="1" type="title"/>
@@ -1735,8 +3491,8 @@
         </p:nvSpPr>
         <p:spPr>
           <a:xfrm>
-            <a:off x="311700" y="1255275"/>
-            <a:ext cx="8520600" cy="1890600"/>
+            <a:off x="311700" y="1106125"/>
+            <a:ext cx="8520600" cy="1963500"/>
           </a:xfrm>
           <a:prstGeom prst="rect">
             <a:avLst/>
@@ -1856,7 +3612,7 @@
       </p:sp>
       <p:sp>
         <p:nvSpPr>
-          <p:cNvPr id="51" name="Google Shape;51;p11"/>
+          <p:cNvPr id="46" name="Google Shape;46;p11"/>
           <p:cNvSpPr txBox="1"/>
           <p:nvPr>
             <p:ph idx="1" type="body"/>
@@ -1864,7 +3620,7 @@
         </p:nvSpPr>
         <p:spPr>
           <a:xfrm>
-            <a:off x="311700" y="3228425"/>
+            <a:off x="311700" y="3152225"/>
             <a:ext cx="8520600" cy="1300800"/>
           </a:xfrm>
           <a:prstGeom prst="rect">
@@ -1981,7 +3737,7 @@
       </p:sp>
       <p:sp>
         <p:nvSpPr>
-          <p:cNvPr id="52" name="Google Shape;52;p11"/>
+          <p:cNvPr id="47" name="Google Shape;47;p11"/>
           <p:cNvSpPr txBox="1"/>
           <p:nvPr>
             <p:ph idx="12" type="sldNum"/>
@@ -1989,7 +3745,7 @@
         </p:nvSpPr>
         <p:spPr>
           <a:xfrm>
-            <a:off x="8490250" y="4681009"/>
+            <a:off x="8472458" y="4663217"/>
             <a:ext cx="548700" cy="393600"/>
           </a:xfrm>
           <a:prstGeom prst="rect">
@@ -2069,7 +3825,7 @@
   <p:cSld name="BLANK">
     <p:spTree>
       <p:nvGrpSpPr>
-        <p:cNvPr id="53" name="Shape 53"/>
+        <p:cNvPr id="48" name="Shape 48"/>
         <p:cNvGrpSpPr/>
         <p:nvPr/>
       </p:nvGrpSpPr>
@@ -2083,7 +3839,7 @@
       </p:grpSpPr>
       <p:sp>
         <p:nvSpPr>
-          <p:cNvPr id="54" name="Google Shape;54;p12"/>
+          <p:cNvPr id="49" name="Google Shape;49;p12"/>
           <p:cNvSpPr txBox="1"/>
           <p:nvPr>
             <p:ph idx="12" type="sldNum"/>
@@ -2091,7 +3847,7 @@
         </p:nvSpPr>
         <p:spPr>
           <a:xfrm>
-            <a:off x="8490250" y="4681009"/>
+            <a:off x="8472458" y="4663217"/>
             <a:ext cx="548700" cy="393600"/>
           </a:xfrm>
           <a:prstGeom prst="rect">
@@ -2171,7 +3927,7 @@
   <p:cSld name="SECTION_HEADER">
     <p:spTree>
       <p:nvGrpSpPr>
-        <p:cNvPr id="17" name="Shape 17"/>
+        <p:cNvPr id="13" name="Shape 13"/>
         <p:cNvGrpSpPr/>
         <p:nvPr/>
       </p:nvGrpSpPr>
@@ -2185,7 +3941,7 @@
       </p:grpSpPr>
       <p:sp>
         <p:nvSpPr>
-          <p:cNvPr id="18" name="Google Shape;18;p3"/>
+          <p:cNvPr id="14" name="Google Shape;14;p3"/>
           <p:cNvSpPr txBox="1"/>
           <p:nvPr>
             <p:ph type="title"/>
@@ -2193,8 +3949,8 @@
         </p:nvSpPr>
         <p:spPr>
           <a:xfrm>
-            <a:off x="671250" y="2141250"/>
-            <a:ext cx="7852200" cy="861000"/>
+            <a:off x="311700" y="2150850"/>
+            <a:ext cx="8520600" cy="841800"/>
           </a:xfrm>
           <a:prstGeom prst="rect">
             <a:avLst/>
@@ -2310,7 +4066,7 @@
       </p:sp>
       <p:sp>
         <p:nvSpPr>
-          <p:cNvPr id="19" name="Google Shape;19;p3"/>
+          <p:cNvPr id="15" name="Google Shape;15;p3"/>
           <p:cNvSpPr txBox="1"/>
           <p:nvPr>
             <p:ph idx="12" type="sldNum"/>
@@ -2318,7 +4074,7 @@
         </p:nvSpPr>
         <p:spPr>
           <a:xfrm>
-            <a:off x="8490250" y="4681009"/>
+            <a:off x="8472458" y="4663217"/>
             <a:ext cx="548700" cy="393600"/>
           </a:xfrm>
           <a:prstGeom prst="rect">
@@ -2398,7 +4154,7 @@
   <p:cSld name="TITLE_AND_BODY">
     <p:spTree>
       <p:nvGrpSpPr>
-        <p:cNvPr id="20" name="Shape 20"/>
+        <p:cNvPr id="16" name="Shape 16"/>
         <p:cNvGrpSpPr/>
         <p:nvPr/>
       </p:nvGrpSpPr>
@@ -2412,7 +4168,7 @@
       </p:grpSpPr>
       <p:sp>
         <p:nvSpPr>
-          <p:cNvPr id="21" name="Google Shape;21;p4"/>
+          <p:cNvPr id="17" name="Google Shape;17;p4"/>
           <p:cNvSpPr txBox="1"/>
           <p:nvPr>
             <p:ph type="title"/>
@@ -2439,7 +4195,7 @@
               <a:spcAft>
                 <a:spcPts val="0"/>
               </a:spcAft>
-              <a:buSzPts val="3000"/>
+              <a:buSzPts val="2800"/>
               <a:buNone/>
               <a:defRPr/>
             </a:lvl1pPr>
@@ -2450,7 +4206,7 @@
               <a:spcAft>
                 <a:spcPts val="0"/>
               </a:spcAft>
-              <a:buSzPts val="3000"/>
+              <a:buSzPts val="2800"/>
               <a:buNone/>
               <a:defRPr/>
             </a:lvl2pPr>
@@ -2461,7 +4217,7 @@
               <a:spcAft>
                 <a:spcPts val="0"/>
               </a:spcAft>
-              <a:buSzPts val="3000"/>
+              <a:buSzPts val="2800"/>
               <a:buNone/>
               <a:defRPr/>
             </a:lvl3pPr>
@@ -2472,7 +4228,7 @@
               <a:spcAft>
                 <a:spcPts val="0"/>
               </a:spcAft>
-              <a:buSzPts val="3000"/>
+              <a:buSzPts val="2800"/>
               <a:buNone/>
               <a:defRPr/>
             </a:lvl4pPr>
@@ -2483,7 +4239,7 @@
               <a:spcAft>
                 <a:spcPts val="0"/>
               </a:spcAft>
-              <a:buSzPts val="3000"/>
+              <a:buSzPts val="2800"/>
               <a:buNone/>
               <a:defRPr/>
             </a:lvl5pPr>
@@ -2494,7 +4250,7 @@
               <a:spcAft>
                 <a:spcPts val="0"/>
               </a:spcAft>
-              <a:buSzPts val="3000"/>
+              <a:buSzPts val="2800"/>
               <a:buNone/>
               <a:defRPr/>
             </a:lvl6pPr>
@@ -2505,7 +4261,7 @@
               <a:spcAft>
                 <a:spcPts val="0"/>
               </a:spcAft>
-              <a:buSzPts val="3000"/>
+              <a:buSzPts val="2800"/>
               <a:buNone/>
               <a:defRPr/>
             </a:lvl7pPr>
@@ -2516,7 +4272,7 @@
               <a:spcAft>
                 <a:spcPts val="0"/>
               </a:spcAft>
-              <a:buSzPts val="3000"/>
+              <a:buSzPts val="2800"/>
               <a:buNone/>
               <a:defRPr/>
             </a:lvl8pPr>
@@ -2527,7 +4283,7 @@
               <a:spcAft>
                 <a:spcPts val="0"/>
               </a:spcAft>
-              <a:buSzPts val="3000"/>
+              <a:buSzPts val="2800"/>
               <a:buNone/>
               <a:defRPr/>
             </a:lvl9pPr>
@@ -2537,7 +4293,7 @@
       </p:sp>
       <p:sp>
         <p:nvSpPr>
-          <p:cNvPr id="22" name="Google Shape;22;p4"/>
+          <p:cNvPr id="18" name="Google Shape;18;p4"/>
           <p:cNvSpPr txBox="1"/>
           <p:nvPr>
             <p:ph idx="1" type="body"/>
@@ -2662,7 +4418,7 @@
       </p:sp>
       <p:sp>
         <p:nvSpPr>
-          <p:cNvPr id="23" name="Google Shape;23;p4"/>
+          <p:cNvPr id="19" name="Google Shape;19;p4"/>
           <p:cNvSpPr txBox="1"/>
           <p:nvPr>
             <p:ph idx="12" type="sldNum"/>
@@ -2670,7 +4426,7 @@
         </p:nvSpPr>
         <p:spPr>
           <a:xfrm>
-            <a:off x="8490250" y="4681009"/>
+            <a:off x="8472458" y="4663217"/>
             <a:ext cx="548700" cy="393600"/>
           </a:xfrm>
           <a:prstGeom prst="rect">
@@ -2750,7 +4506,7 @@
   <p:cSld name="TITLE_AND_TWO_COLUMNS">
     <p:spTree>
       <p:nvGrpSpPr>
-        <p:cNvPr id="24" name="Shape 24"/>
+        <p:cNvPr id="20" name="Shape 20"/>
         <p:cNvGrpSpPr/>
         <p:nvPr/>
       </p:nvGrpSpPr>
@@ -2764,7 +4520,7 @@
       </p:grpSpPr>
       <p:sp>
         <p:nvSpPr>
-          <p:cNvPr id="25" name="Google Shape;25;p5"/>
+          <p:cNvPr id="21" name="Google Shape;21;p5"/>
           <p:cNvSpPr txBox="1"/>
           <p:nvPr>
             <p:ph type="title"/>
@@ -2791,7 +4547,7 @@
               <a:spcAft>
                 <a:spcPts val="0"/>
               </a:spcAft>
-              <a:buSzPts val="3000"/>
+              <a:buSzPts val="2800"/>
               <a:buNone/>
               <a:defRPr/>
             </a:lvl1pPr>
@@ -2802,7 +4558,7 @@
               <a:spcAft>
                 <a:spcPts val="0"/>
               </a:spcAft>
-              <a:buSzPts val="3000"/>
+              <a:buSzPts val="2800"/>
               <a:buNone/>
               <a:defRPr/>
             </a:lvl2pPr>
@@ -2813,7 +4569,7 @@
               <a:spcAft>
                 <a:spcPts val="0"/>
               </a:spcAft>
-              <a:buSzPts val="3000"/>
+              <a:buSzPts val="2800"/>
               <a:buNone/>
               <a:defRPr/>
             </a:lvl3pPr>
@@ -2824,7 +4580,7 @@
               <a:spcAft>
                 <a:spcPts val="0"/>
               </a:spcAft>
-              <a:buSzPts val="3000"/>
+              <a:buSzPts val="2800"/>
               <a:buNone/>
               <a:defRPr/>
             </a:lvl4pPr>
@@ -2835,7 +4591,7 @@
               <a:spcAft>
                 <a:spcPts val="0"/>
               </a:spcAft>
-              <a:buSzPts val="3000"/>
+              <a:buSzPts val="2800"/>
               <a:buNone/>
               <a:defRPr/>
             </a:lvl5pPr>
@@ -2846,7 +4602,7 @@
               <a:spcAft>
                 <a:spcPts val="0"/>
               </a:spcAft>
-              <a:buSzPts val="3000"/>
+              <a:buSzPts val="2800"/>
               <a:buNone/>
               <a:defRPr/>
             </a:lvl6pPr>
@@ -2857,7 +4613,7 @@
               <a:spcAft>
                 <a:spcPts val="0"/>
               </a:spcAft>
-              <a:buSzPts val="3000"/>
+              <a:buSzPts val="2800"/>
               <a:buNone/>
               <a:defRPr/>
             </a:lvl7pPr>
@@ -2868,7 +4624,7 @@
               <a:spcAft>
                 <a:spcPts val="0"/>
               </a:spcAft>
-              <a:buSzPts val="3000"/>
+              <a:buSzPts val="2800"/>
               <a:buNone/>
               <a:defRPr/>
             </a:lvl8pPr>
@@ -2879,7 +4635,7 @@
               <a:spcAft>
                 <a:spcPts val="0"/>
               </a:spcAft>
-              <a:buSzPts val="3000"/>
+              <a:buSzPts val="2800"/>
               <a:buNone/>
               <a:defRPr/>
             </a:lvl9pPr>
@@ -2889,7 +4645,7 @@
       </p:sp>
       <p:sp>
         <p:nvSpPr>
-          <p:cNvPr id="26" name="Google Shape;26;p5"/>
+          <p:cNvPr id="22" name="Google Shape;22;p5"/>
           <p:cNvSpPr txBox="1"/>
           <p:nvPr>
             <p:ph idx="1" type="body"/>
@@ -3014,7 +4770,7 @@
       </p:sp>
       <p:sp>
         <p:nvSpPr>
-          <p:cNvPr id="27" name="Google Shape;27;p5"/>
+          <p:cNvPr id="23" name="Google Shape;23;p5"/>
           <p:cNvSpPr txBox="1"/>
           <p:nvPr>
             <p:ph idx="2" type="body"/>
@@ -3139,7 +4895,7 @@
       </p:sp>
       <p:sp>
         <p:nvSpPr>
-          <p:cNvPr id="28" name="Google Shape;28;p5"/>
+          <p:cNvPr id="24" name="Google Shape;24;p5"/>
           <p:cNvSpPr txBox="1"/>
           <p:nvPr>
             <p:ph idx="12" type="sldNum"/>
@@ -3147,7 +4903,7 @@
         </p:nvSpPr>
         <p:spPr>
           <a:xfrm>
-            <a:off x="8490250" y="4681009"/>
+            <a:off x="8472458" y="4663217"/>
             <a:ext cx="548700" cy="393600"/>
           </a:xfrm>
           <a:prstGeom prst="rect">
@@ -3227,7 +4983,7 @@
   <p:cSld name="TITLE_ONLY">
     <p:spTree>
       <p:nvGrpSpPr>
-        <p:cNvPr id="29" name="Shape 29"/>
+        <p:cNvPr id="25" name="Shape 25"/>
         <p:cNvGrpSpPr/>
         <p:nvPr/>
       </p:nvGrpSpPr>
@@ -3241,7 +4997,7 @@
       </p:grpSpPr>
       <p:sp>
         <p:nvSpPr>
-          <p:cNvPr id="30" name="Google Shape;30;p6"/>
+          <p:cNvPr id="26" name="Google Shape;26;p6"/>
           <p:cNvSpPr txBox="1"/>
           <p:nvPr>
             <p:ph type="title"/>
@@ -3268,7 +5024,7 @@
               <a:spcAft>
                 <a:spcPts val="0"/>
               </a:spcAft>
-              <a:buSzPts val="3000"/>
+              <a:buSzPts val="2800"/>
               <a:buNone/>
               <a:defRPr/>
             </a:lvl1pPr>
@@ -3279,7 +5035,7 @@
               <a:spcAft>
                 <a:spcPts val="0"/>
               </a:spcAft>
-              <a:buSzPts val="3000"/>
+              <a:buSzPts val="2800"/>
               <a:buNone/>
               <a:defRPr/>
             </a:lvl2pPr>
@@ -3290,7 +5046,7 @@
               <a:spcAft>
                 <a:spcPts val="0"/>
               </a:spcAft>
-              <a:buSzPts val="3000"/>
+              <a:buSzPts val="2800"/>
               <a:buNone/>
               <a:defRPr/>
             </a:lvl3pPr>
@@ -3301,7 +5057,7 @@
               <a:spcAft>
                 <a:spcPts val="0"/>
               </a:spcAft>
-              <a:buSzPts val="3000"/>
+              <a:buSzPts val="2800"/>
               <a:buNone/>
               <a:defRPr/>
             </a:lvl4pPr>
@@ -3312,7 +5068,7 @@
               <a:spcAft>
                 <a:spcPts val="0"/>
               </a:spcAft>
-              <a:buSzPts val="3000"/>
+              <a:buSzPts val="2800"/>
               <a:buNone/>
               <a:defRPr/>
             </a:lvl5pPr>
@@ -3323,7 +5079,7 @@
               <a:spcAft>
                 <a:spcPts val="0"/>
               </a:spcAft>
-              <a:buSzPts val="3000"/>
+              <a:buSzPts val="2800"/>
               <a:buNone/>
               <a:defRPr/>
             </a:lvl6pPr>
@@ -3334,7 +5090,7 @@
               <a:spcAft>
                 <a:spcPts val="0"/>
               </a:spcAft>
-              <a:buSzPts val="3000"/>
+              <a:buSzPts val="2800"/>
               <a:buNone/>
               <a:defRPr/>
             </a:lvl7pPr>
@@ -3345,7 +5101,7 @@
               <a:spcAft>
                 <a:spcPts val="0"/>
               </a:spcAft>
-              <a:buSzPts val="3000"/>
+              <a:buSzPts val="2800"/>
               <a:buNone/>
               <a:defRPr/>
             </a:lvl8pPr>
@@ -3356,7 +5112,7 @@
               <a:spcAft>
                 <a:spcPts val="0"/>
               </a:spcAft>
-              <a:buSzPts val="3000"/>
+              <a:buSzPts val="2800"/>
               <a:buNone/>
               <a:defRPr/>
             </a:lvl9pPr>
@@ -3366,7 +5122,7 @@
       </p:sp>
       <p:sp>
         <p:nvSpPr>
-          <p:cNvPr id="31" name="Google Shape;31;p6"/>
+          <p:cNvPr id="27" name="Google Shape;27;p6"/>
           <p:cNvSpPr txBox="1"/>
           <p:nvPr>
             <p:ph idx="12" type="sldNum"/>
@@ -3374,7 +5130,7 @@
         </p:nvSpPr>
         <p:spPr>
           <a:xfrm>
-            <a:off x="8490250" y="4681009"/>
+            <a:off x="8472458" y="4663217"/>
             <a:ext cx="548700" cy="393600"/>
           </a:xfrm>
           <a:prstGeom prst="rect">
@@ -3454,7 +5210,7 @@
   <p:cSld name="ONE_COLUMN_TEXT">
     <p:spTree>
       <p:nvGrpSpPr>
-        <p:cNvPr id="32" name="Shape 32"/>
+        <p:cNvPr id="28" name="Shape 28"/>
         <p:cNvGrpSpPr/>
         <p:nvPr/>
       </p:nvGrpSpPr>
@@ -3468,7 +5224,7 @@
       </p:grpSpPr>
       <p:sp>
         <p:nvSpPr>
-          <p:cNvPr id="33" name="Google Shape;33;p7"/>
+          <p:cNvPr id="29" name="Google Shape;29;p7"/>
           <p:cNvSpPr txBox="1"/>
           <p:nvPr>
             <p:ph type="title"/>
@@ -3593,7 +5349,7 @@
       </p:sp>
       <p:sp>
         <p:nvSpPr>
-          <p:cNvPr id="34" name="Google Shape;34;p7"/>
+          <p:cNvPr id="30" name="Google Shape;30;p7"/>
           <p:cNvSpPr txBox="1"/>
           <p:nvPr>
             <p:ph idx="1" type="body"/>
@@ -3718,7 +5474,7 @@
       </p:sp>
       <p:sp>
         <p:nvSpPr>
-          <p:cNvPr id="35" name="Google Shape;35;p7"/>
+          <p:cNvPr id="31" name="Google Shape;31;p7"/>
           <p:cNvSpPr txBox="1"/>
           <p:nvPr>
             <p:ph idx="12" type="sldNum"/>
@@ -3726,7 +5482,7 @@
         </p:nvSpPr>
         <p:spPr>
           <a:xfrm>
-            <a:off x="8490250" y="4681009"/>
+            <a:off x="8472458" y="4663217"/>
             <a:ext cx="548700" cy="393600"/>
           </a:xfrm>
           <a:prstGeom prst="rect">
@@ -3804,16 +5560,9 @@
 <file path=ppt/slideLayouts/slideLayout7.xml><?xml version="1.0" encoding="utf-8"?>
 <p:sldLayout xmlns:a="http://schemas.openxmlformats.org/drawingml/2006/main" xmlns:r="http://schemas.openxmlformats.org/officeDocument/2006/relationships" xmlns:mc="http://schemas.openxmlformats.org/markup-compatibility/2006" xmlns:mv="urn:schemas-microsoft-com:mac:vml" xmlns:p="http://schemas.openxmlformats.org/presentationml/2006/main" xmlns:c="http://schemas.openxmlformats.org/drawingml/2006/chart" xmlns:dgm="http://schemas.openxmlformats.org/drawingml/2006/diagram" xmlns:o="urn:schemas-microsoft-com:office:office" xmlns:v="urn:schemas-microsoft-com:vml" xmlns:pvml="urn:schemas-microsoft-com:office:powerpoint" xmlns:com="http://schemas.openxmlformats.org/drawingml/2006/compatibility" xmlns:p14="http://schemas.microsoft.com/office/powerpoint/2010/main" xmlns:p15="http://schemas.microsoft.com/office/powerpoint/2012/main" xmlns:ahyp="http://schemas.microsoft.com/office/drawing/2018/hyperlinkcolor" matchingName="Main point">
   <p:cSld name="MAIN_POINT">
-    <p:bg>
-      <p:bgPr>
-        <a:solidFill>
-          <a:schemeClr val="lt2"/>
-        </a:solidFill>
-      </p:bgPr>
-    </p:bg>
     <p:spTree>
       <p:nvGrpSpPr>
-        <p:cNvPr id="36" name="Shape 36"/>
+        <p:cNvPr id="32" name="Shape 32"/>
         <p:cNvGrpSpPr/>
         <p:nvPr/>
       </p:nvGrpSpPr>
@@ -3827,7 +5576,7 @@
       </p:grpSpPr>
       <p:sp>
         <p:nvSpPr>
-          <p:cNvPr id="37" name="Google Shape;37;p8"/>
+          <p:cNvPr id="33" name="Google Shape;33;p8"/>
           <p:cNvSpPr txBox="1"/>
           <p:nvPr>
             <p:ph type="title"/>
@@ -3835,8 +5584,8 @@
         </p:nvSpPr>
         <p:spPr>
           <a:xfrm>
-            <a:off x="490250" y="526350"/>
-            <a:ext cx="6227100" cy="4090800"/>
+            <a:off x="490250" y="450150"/>
+            <a:ext cx="6367800" cy="4090800"/>
           </a:xfrm>
           <a:prstGeom prst="rect">
             <a:avLst/>
@@ -3854,16 +5603,9 @@
               <a:spcAft>
                 <a:spcPts val="0"/>
               </a:spcAft>
-              <a:buClr>
-                <a:schemeClr val="lt1"/>
-              </a:buClr>
               <a:buSzPts val="4800"/>
               <a:buNone/>
-              <a:defRPr sz="4800">
-                <a:solidFill>
-                  <a:schemeClr val="lt1"/>
-                </a:solidFill>
-              </a:defRPr>
+              <a:defRPr sz="4800"/>
             </a:lvl1pPr>
             <a:lvl2pPr lvl="1">
               <a:spcBef>
@@ -3872,16 +5614,9 @@
               <a:spcAft>
                 <a:spcPts val="0"/>
               </a:spcAft>
-              <a:buClr>
-                <a:schemeClr val="lt1"/>
-              </a:buClr>
               <a:buSzPts val="4800"/>
               <a:buNone/>
-              <a:defRPr sz="4800">
-                <a:solidFill>
-                  <a:schemeClr val="lt1"/>
-                </a:solidFill>
-              </a:defRPr>
+              <a:defRPr sz="4800"/>
             </a:lvl2pPr>
             <a:lvl3pPr lvl="2">
               <a:spcBef>
@@ -3890,16 +5625,9 @@
               <a:spcAft>
                 <a:spcPts val="0"/>
               </a:spcAft>
-              <a:buClr>
-                <a:schemeClr val="lt1"/>
-              </a:buClr>
               <a:buSzPts val="4800"/>
               <a:buNone/>
-              <a:defRPr sz="4800">
-                <a:solidFill>
-                  <a:schemeClr val="lt1"/>
-                </a:solidFill>
-              </a:defRPr>
+              <a:defRPr sz="4800"/>
             </a:lvl3pPr>
             <a:lvl4pPr lvl="3">
               <a:spcBef>
@@ -3908,16 +5636,9 @@
               <a:spcAft>
                 <a:spcPts val="0"/>
               </a:spcAft>
-              <a:buClr>
-                <a:schemeClr val="lt1"/>
-              </a:buClr>
               <a:buSzPts val="4800"/>
               <a:buNone/>
-              <a:defRPr sz="4800">
-                <a:solidFill>
-                  <a:schemeClr val="lt1"/>
-                </a:solidFill>
-              </a:defRPr>
+              <a:defRPr sz="4800"/>
             </a:lvl4pPr>
             <a:lvl5pPr lvl="4">
               <a:spcBef>
@@ -3926,16 +5647,9 @@
               <a:spcAft>
                 <a:spcPts val="0"/>
               </a:spcAft>
-              <a:buClr>
-                <a:schemeClr val="lt1"/>
-              </a:buClr>
               <a:buSzPts val="4800"/>
               <a:buNone/>
-              <a:defRPr sz="4800">
-                <a:solidFill>
-                  <a:schemeClr val="lt1"/>
-                </a:solidFill>
-              </a:defRPr>
+              <a:defRPr sz="4800"/>
             </a:lvl5pPr>
             <a:lvl6pPr lvl="5">
               <a:spcBef>
@@ -3944,16 +5658,9 @@
               <a:spcAft>
                 <a:spcPts val="0"/>
               </a:spcAft>
-              <a:buClr>
-                <a:schemeClr val="lt1"/>
-              </a:buClr>
               <a:buSzPts val="4800"/>
               <a:buNone/>
-              <a:defRPr sz="4800">
-                <a:solidFill>
-                  <a:schemeClr val="lt1"/>
-                </a:solidFill>
-              </a:defRPr>
+              <a:defRPr sz="4800"/>
             </a:lvl6pPr>
             <a:lvl7pPr lvl="6">
               <a:spcBef>
@@ -3962,16 +5669,9 @@
               <a:spcAft>
                 <a:spcPts val="0"/>
               </a:spcAft>
-              <a:buClr>
-                <a:schemeClr val="lt1"/>
-              </a:buClr>
               <a:buSzPts val="4800"/>
               <a:buNone/>
-              <a:defRPr sz="4800">
-                <a:solidFill>
-                  <a:schemeClr val="lt1"/>
-                </a:solidFill>
-              </a:defRPr>
+              <a:defRPr sz="4800"/>
             </a:lvl7pPr>
             <a:lvl8pPr lvl="7">
               <a:spcBef>
@@ -3980,16 +5680,9 @@
               <a:spcAft>
                 <a:spcPts val="0"/>
               </a:spcAft>
-              <a:buClr>
-                <a:schemeClr val="lt1"/>
-              </a:buClr>
               <a:buSzPts val="4800"/>
               <a:buNone/>
-              <a:defRPr sz="4800">
-                <a:solidFill>
-                  <a:schemeClr val="lt1"/>
-                </a:solidFill>
-              </a:defRPr>
+              <a:defRPr sz="4800"/>
             </a:lvl8pPr>
             <a:lvl9pPr lvl="8">
               <a:spcBef>
@@ -3998,16 +5691,9 @@
               <a:spcAft>
                 <a:spcPts val="0"/>
               </a:spcAft>
-              <a:buClr>
-                <a:schemeClr val="lt1"/>
-              </a:buClr>
               <a:buSzPts val="4800"/>
               <a:buNone/>
-              <a:defRPr sz="4800">
-                <a:solidFill>
-                  <a:schemeClr val="lt1"/>
-                </a:solidFill>
-              </a:defRPr>
+              <a:defRPr sz="4800"/>
             </a:lvl9pPr>
           </a:lstStyle>
           <a:p/>
@@ -4015,7 +5701,7 @@
       </p:sp>
       <p:sp>
         <p:nvSpPr>
-          <p:cNvPr id="38" name="Google Shape;38;p8"/>
+          <p:cNvPr id="34" name="Google Shape;34;p8"/>
           <p:cNvSpPr txBox="1"/>
           <p:nvPr>
             <p:ph idx="12" type="sldNum"/>
@@ -4023,7 +5709,7 @@
         </p:nvSpPr>
         <p:spPr>
           <a:xfrm>
-            <a:off x="8490250" y="4681009"/>
+            <a:off x="8472458" y="4663217"/>
             <a:ext cx="548700" cy="393600"/>
           </a:xfrm>
           <a:prstGeom prst="rect">
@@ -4037,75 +5723,39 @@
           <a:lstStyle>
             <a:lvl1pPr lvl="0">
               <a:buNone/>
-              <a:defRPr>
-                <a:solidFill>
-                  <a:schemeClr val="lt1"/>
-                </a:solidFill>
-              </a:defRPr>
+              <a:defRPr/>
             </a:lvl1pPr>
             <a:lvl2pPr lvl="1">
               <a:buNone/>
-              <a:defRPr>
-                <a:solidFill>
-                  <a:schemeClr val="lt1"/>
-                </a:solidFill>
-              </a:defRPr>
+              <a:defRPr/>
             </a:lvl2pPr>
             <a:lvl3pPr lvl="2">
               <a:buNone/>
-              <a:defRPr>
-                <a:solidFill>
-                  <a:schemeClr val="lt1"/>
-                </a:solidFill>
-              </a:defRPr>
+              <a:defRPr/>
             </a:lvl3pPr>
             <a:lvl4pPr lvl="3">
               <a:buNone/>
-              <a:defRPr>
-                <a:solidFill>
-                  <a:schemeClr val="lt1"/>
-                </a:solidFill>
-              </a:defRPr>
+              <a:defRPr/>
             </a:lvl4pPr>
             <a:lvl5pPr lvl="4">
               <a:buNone/>
-              <a:defRPr>
-                <a:solidFill>
-                  <a:schemeClr val="lt1"/>
-                </a:solidFill>
-              </a:defRPr>
+              <a:defRPr/>
             </a:lvl5pPr>
             <a:lvl6pPr lvl="5">
               <a:buNone/>
-              <a:defRPr>
-                <a:solidFill>
-                  <a:schemeClr val="lt1"/>
-                </a:solidFill>
-              </a:defRPr>
+              <a:defRPr/>
             </a:lvl6pPr>
             <a:lvl7pPr lvl="6">
               <a:buNone/>
-              <a:defRPr>
-                <a:solidFill>
-                  <a:schemeClr val="lt1"/>
-                </a:solidFill>
-              </a:defRPr>
+              <a:defRPr/>
             </a:lvl7pPr>
             <a:lvl8pPr lvl="7">
               <a:buNone/>
-              <a:defRPr>
-                <a:solidFill>
-                  <a:schemeClr val="lt1"/>
-                </a:solidFill>
-              </a:defRPr>
+              <a:defRPr/>
             </a:lvl8pPr>
             <a:lvl9pPr lvl="8">
               <a:buNone/>
-              <a:defRPr>
-                <a:solidFill>
-                  <a:schemeClr val="lt1"/>
-                </a:solidFill>
-              </a:defRPr>
+              <a:defRPr/>
             </a:lvl9pPr>
           </a:lstStyle>
           <a:p>
@@ -4139,7 +5789,7 @@
   <p:cSld name="SECTION_TITLE_AND_DESCRIPTION">
     <p:spTree>
       <p:nvGrpSpPr>
-        <p:cNvPr id="39" name="Shape 39"/>
+        <p:cNvPr id="35" name="Shape 35"/>
         <p:cNvGrpSpPr/>
         <p:nvPr/>
       </p:nvGrpSpPr>
@@ -4153,20 +5803,20 @@
       </p:grpSpPr>
       <p:sp>
         <p:nvSpPr>
-          <p:cNvPr id="40" name="Google Shape;40;p9"/>
+          <p:cNvPr id="36" name="Google Shape;36;p9"/>
           <p:cNvSpPr/>
           <p:nvPr/>
         </p:nvSpPr>
         <p:spPr>
           <a:xfrm>
-            <a:off x="4572000" y="0"/>
+            <a:off x="4572000" y="-125"/>
             <a:ext cx="4572000" cy="5143500"/>
           </a:xfrm>
           <a:prstGeom prst="rect">
             <a:avLst/>
           </a:prstGeom>
           <a:solidFill>
-            <a:schemeClr val="dk1"/>
+            <a:schemeClr val="lt2"/>
           </a:solidFill>
           <a:ln>
             <a:noFill/>
@@ -4194,35 +5844,9 @@
           </a:p>
         </p:txBody>
       </p:sp>
-      <p:cxnSp>
-        <p:nvCxnSpPr>
-          <p:cNvPr id="41" name="Google Shape;41;p9"/>
-          <p:cNvCxnSpPr/>
-          <p:nvPr/>
-        </p:nvCxnSpPr>
-        <p:spPr>
-          <a:xfrm>
-            <a:off x="5029675" y="4495500"/>
-            <a:ext cx="468300" cy="0"/>
-          </a:xfrm>
-          <a:prstGeom prst="straightConnector1">
-            <a:avLst/>
-          </a:prstGeom>
-          <a:noFill/>
-          <a:ln cap="flat" cmpd="sng" w="19050">
-            <a:solidFill>
-              <a:schemeClr val="lt1"/>
-            </a:solidFill>
-            <a:prstDash val="solid"/>
-            <a:round/>
-            <a:headEnd len="sm" w="sm" type="none"/>
-            <a:tailEnd len="sm" w="sm" type="none"/>
-          </a:ln>
-        </p:spPr>
-      </p:cxnSp>
       <p:sp>
         <p:nvSpPr>
-          <p:cNvPr id="42" name="Google Shape;42;p9"/>
+          <p:cNvPr id="37" name="Google Shape;37;p9"/>
           <p:cNvSpPr txBox="1"/>
           <p:nvPr>
             <p:ph type="title"/>
@@ -4230,8 +5854,8 @@
         </p:nvSpPr>
         <p:spPr>
           <a:xfrm>
-            <a:off x="265500" y="1081400"/>
-            <a:ext cx="4045200" cy="1710300"/>
+            <a:off x="265500" y="1233175"/>
+            <a:ext cx="4045200" cy="1482300"/>
           </a:xfrm>
           <a:prstGeom prst="rect">
             <a:avLst/>
@@ -4347,7 +5971,7 @@
       </p:sp>
       <p:sp>
         <p:nvSpPr>
-          <p:cNvPr id="43" name="Google Shape;43;p9"/>
+          <p:cNvPr id="38" name="Google Shape;38;p9"/>
           <p:cNvSpPr txBox="1"/>
           <p:nvPr>
             <p:ph idx="1" type="subTitle"/>
@@ -4355,8 +5979,8 @@
         </p:nvSpPr>
         <p:spPr>
           <a:xfrm>
-            <a:off x="265500" y="2845201"/>
-            <a:ext cx="4045200" cy="1345500"/>
+            <a:off x="265500" y="2803075"/>
+            <a:ext cx="4045200" cy="1235100"/>
           </a:xfrm>
           <a:prstGeom prst="rect">
             <a:avLst/>
@@ -4377,16 +6001,9 @@
               <a:spcAft>
                 <a:spcPts val="0"/>
               </a:spcAft>
-              <a:buClr>
-                <a:schemeClr val="dk1"/>
-              </a:buClr>
               <a:buSzPts val="2100"/>
               <a:buNone/>
-              <a:defRPr sz="2100">
-                <a:solidFill>
-                  <a:schemeClr val="dk1"/>
-                </a:solidFill>
-              </a:defRPr>
+              <a:defRPr sz="2100"/>
             </a:lvl1pPr>
             <a:lvl2pPr lvl="1" algn="ctr">
               <a:lnSpc>
@@ -4398,16 +6015,9 @@
               <a:spcAft>
                 <a:spcPts val="0"/>
               </a:spcAft>
-              <a:buClr>
-                <a:schemeClr val="dk1"/>
-              </a:buClr>
               <a:buSzPts val="2100"/>
               <a:buNone/>
-              <a:defRPr sz="2100">
-                <a:solidFill>
-                  <a:schemeClr val="dk1"/>
-                </a:solidFill>
-              </a:defRPr>
+              <a:defRPr sz="2100"/>
             </a:lvl2pPr>
             <a:lvl3pPr lvl="2" algn="ctr">
               <a:lnSpc>
@@ -4419,16 +6029,9 @@
               <a:spcAft>
                 <a:spcPts val="0"/>
               </a:spcAft>
-              <a:buClr>
-                <a:schemeClr val="dk1"/>
-              </a:buClr>
               <a:buSzPts val="2100"/>
               <a:buNone/>
-              <a:defRPr sz="2100">
-                <a:solidFill>
-                  <a:schemeClr val="dk1"/>
-                </a:solidFill>
-              </a:defRPr>
+              <a:defRPr sz="2100"/>
             </a:lvl3pPr>
             <a:lvl4pPr lvl="3" algn="ctr">
               <a:lnSpc>
@@ -4440,16 +6043,9 @@
               <a:spcAft>
                 <a:spcPts val="0"/>
               </a:spcAft>
-              <a:buClr>
-                <a:schemeClr val="dk1"/>
-              </a:buClr>
               <a:buSzPts val="2100"/>
               <a:buNone/>
-              <a:defRPr sz="2100">
-                <a:solidFill>
-                  <a:schemeClr val="dk1"/>
-                </a:solidFill>
-              </a:defRPr>
+              <a:defRPr sz="2100"/>
             </a:lvl4pPr>
             <a:lvl5pPr lvl="4" algn="ctr">
               <a:lnSpc>
@@ -4461,16 +6057,9 @@
               <a:spcAft>
                 <a:spcPts val="0"/>
               </a:spcAft>
-              <a:buClr>
-                <a:schemeClr val="dk1"/>
-              </a:buClr>
               <a:buSzPts val="2100"/>
               <a:buNone/>
-              <a:defRPr sz="2100">
-                <a:solidFill>
-                  <a:schemeClr val="dk1"/>
-                </a:solidFill>
-              </a:defRPr>
+              <a:defRPr sz="2100"/>
             </a:lvl5pPr>
             <a:lvl6pPr lvl="5" algn="ctr">
               <a:lnSpc>
@@ -4482,16 +6071,9 @@
               <a:spcAft>
                 <a:spcPts val="0"/>
               </a:spcAft>
-              <a:buClr>
-                <a:schemeClr val="dk1"/>
-              </a:buClr>
               <a:buSzPts val="2100"/>
               <a:buNone/>
-              <a:defRPr sz="2100">
-                <a:solidFill>
-                  <a:schemeClr val="dk1"/>
-                </a:solidFill>
-              </a:defRPr>
+              <a:defRPr sz="2100"/>
             </a:lvl6pPr>
             <a:lvl7pPr lvl="6" algn="ctr">
               <a:lnSpc>
@@ -4503,16 +6085,9 @@
               <a:spcAft>
                 <a:spcPts val="0"/>
               </a:spcAft>
-              <a:buClr>
-                <a:schemeClr val="dk1"/>
-              </a:buClr>
               <a:buSzPts val="2100"/>
               <a:buNone/>
-              <a:defRPr sz="2100">
-                <a:solidFill>
-                  <a:schemeClr val="dk1"/>
-                </a:solidFill>
-              </a:defRPr>
+              <a:defRPr sz="2100"/>
             </a:lvl7pPr>
             <a:lvl8pPr lvl="7" algn="ctr">
               <a:lnSpc>
@@ -4524,16 +6099,9 @@
               <a:spcAft>
                 <a:spcPts val="0"/>
               </a:spcAft>
-              <a:buClr>
-                <a:schemeClr val="dk1"/>
-              </a:buClr>
               <a:buSzPts val="2100"/>
               <a:buNone/>
-              <a:defRPr sz="2100">
-                <a:solidFill>
-                  <a:schemeClr val="dk1"/>
-                </a:solidFill>
-              </a:defRPr>
+              <a:defRPr sz="2100"/>
             </a:lvl8pPr>
             <a:lvl9pPr lvl="8" algn="ctr">
               <a:lnSpc>
@@ -4545,16 +6113,9 @@
               <a:spcAft>
                 <a:spcPts val="0"/>
               </a:spcAft>
-              <a:buClr>
-                <a:schemeClr val="dk1"/>
-              </a:buClr>
               <a:buSzPts val="2100"/>
               <a:buNone/>
-              <a:defRPr sz="2100">
-                <a:solidFill>
-                  <a:schemeClr val="dk1"/>
-                </a:solidFill>
-              </a:defRPr>
+              <a:defRPr sz="2100"/>
             </a:lvl9pPr>
           </a:lstStyle>
           <a:p/>
@@ -4562,7 +6123,7 @@
       </p:sp>
       <p:sp>
         <p:nvSpPr>
-          <p:cNvPr id="44" name="Google Shape;44;p9"/>
+          <p:cNvPr id="39" name="Google Shape;39;p9"/>
           <p:cNvSpPr txBox="1"/>
           <p:nvPr>
             <p:ph idx="2" type="body"/>
@@ -4570,7 +6131,7 @@
         </p:nvSpPr>
         <p:spPr>
           <a:xfrm>
-            <a:off x="4939500" y="724200"/>
+            <a:off x="4939500" y="724075"/>
             <a:ext cx="3837000" cy="3695100"/>
           </a:xfrm>
           <a:prstGeom prst="rect">
@@ -4589,16 +6150,9 @@
               <a:spcAft>
                 <a:spcPts val="0"/>
               </a:spcAft>
-              <a:buClr>
-                <a:schemeClr val="lt1"/>
-              </a:buClr>
               <a:buSzPts val="1800"/>
               <a:buChar char="●"/>
-              <a:defRPr>
-                <a:solidFill>
-                  <a:schemeClr val="lt1"/>
-                </a:solidFill>
-              </a:defRPr>
+              <a:defRPr/>
             </a:lvl1pPr>
             <a:lvl2pPr indent="-317500" lvl="1" marL="914400">
               <a:spcBef>
@@ -4607,16 +6161,9 @@
               <a:spcAft>
                 <a:spcPts val="0"/>
               </a:spcAft>
-              <a:buClr>
-                <a:schemeClr val="lt1"/>
-              </a:buClr>
               <a:buSzPts val="1400"/>
               <a:buChar char="○"/>
-              <a:defRPr>
-                <a:solidFill>
-                  <a:schemeClr val="lt1"/>
-                </a:solidFill>
-              </a:defRPr>
+              <a:defRPr/>
             </a:lvl2pPr>
             <a:lvl3pPr indent="-317500" lvl="2" marL="1371600">
               <a:spcBef>
@@ -4625,16 +6172,9 @@
               <a:spcAft>
                 <a:spcPts val="0"/>
               </a:spcAft>
-              <a:buClr>
-                <a:schemeClr val="lt1"/>
-              </a:buClr>
               <a:buSzPts val="1400"/>
               <a:buChar char="■"/>
-              <a:defRPr>
-                <a:solidFill>
-                  <a:schemeClr val="lt1"/>
-                </a:solidFill>
-              </a:defRPr>
+              <a:defRPr/>
             </a:lvl3pPr>
             <a:lvl4pPr indent="-317500" lvl="3" marL="1828800">
               <a:spcBef>
@@ -4643,16 +6183,9 @@
               <a:spcAft>
                 <a:spcPts val="0"/>
               </a:spcAft>
-              <a:buClr>
-                <a:schemeClr val="lt1"/>
-              </a:buClr>
               <a:buSzPts val="1400"/>
               <a:buChar char="●"/>
-              <a:defRPr>
-                <a:solidFill>
-                  <a:schemeClr val="lt1"/>
-                </a:solidFill>
-              </a:defRPr>
+              <a:defRPr/>
             </a:lvl4pPr>
             <a:lvl5pPr indent="-317500" lvl="4" marL="2286000">
               <a:spcBef>
@@ -4661,16 +6194,9 @@
               <a:spcAft>
                 <a:spcPts val="0"/>
               </a:spcAft>
-              <a:buClr>
-                <a:schemeClr val="lt1"/>
-              </a:buClr>
               <a:buSzPts val="1400"/>
               <a:buChar char="○"/>
-              <a:defRPr>
-                <a:solidFill>
-                  <a:schemeClr val="lt1"/>
-                </a:solidFill>
-              </a:defRPr>
+              <a:defRPr/>
             </a:lvl5pPr>
             <a:lvl6pPr indent="-317500" lvl="5" marL="2743200">
               <a:spcBef>
@@ -4679,16 +6205,9 @@
               <a:spcAft>
                 <a:spcPts val="0"/>
               </a:spcAft>
-              <a:buClr>
-                <a:schemeClr val="lt1"/>
-              </a:buClr>
               <a:buSzPts val="1400"/>
               <a:buChar char="■"/>
-              <a:defRPr>
-                <a:solidFill>
-                  <a:schemeClr val="lt1"/>
-                </a:solidFill>
-              </a:defRPr>
+              <a:defRPr/>
             </a:lvl6pPr>
             <a:lvl7pPr indent="-317500" lvl="6" marL="3200400">
               <a:spcBef>
@@ -4697,16 +6216,9 @@
               <a:spcAft>
                 <a:spcPts val="0"/>
               </a:spcAft>
-              <a:buClr>
-                <a:schemeClr val="lt1"/>
-              </a:buClr>
               <a:buSzPts val="1400"/>
               <a:buChar char="●"/>
-              <a:defRPr>
-                <a:solidFill>
-                  <a:schemeClr val="lt1"/>
-                </a:solidFill>
-              </a:defRPr>
+              <a:defRPr/>
             </a:lvl7pPr>
             <a:lvl8pPr indent="-317500" lvl="7" marL="3657600">
               <a:spcBef>
@@ -4715,16 +6227,9 @@
               <a:spcAft>
                 <a:spcPts val="0"/>
               </a:spcAft>
-              <a:buClr>
-                <a:schemeClr val="lt1"/>
-              </a:buClr>
               <a:buSzPts val="1400"/>
               <a:buChar char="○"/>
-              <a:defRPr>
-                <a:solidFill>
-                  <a:schemeClr val="lt1"/>
-                </a:solidFill>
-              </a:defRPr>
+              <a:defRPr/>
             </a:lvl8pPr>
             <a:lvl9pPr indent="-317500" lvl="8" marL="4114800">
               <a:spcBef>
@@ -4733,16 +6238,9 @@
               <a:spcAft>
                 <a:spcPts val="0"/>
               </a:spcAft>
-              <a:buClr>
-                <a:schemeClr val="lt1"/>
-              </a:buClr>
               <a:buSzPts val="1400"/>
               <a:buChar char="■"/>
-              <a:defRPr>
-                <a:solidFill>
-                  <a:schemeClr val="lt1"/>
-                </a:solidFill>
-              </a:defRPr>
+              <a:defRPr/>
             </a:lvl9pPr>
           </a:lstStyle>
           <a:p/>
@@ -4750,7 +6248,7 @@
       </p:sp>
       <p:sp>
         <p:nvSpPr>
-          <p:cNvPr id="45" name="Google Shape;45;p9"/>
+          <p:cNvPr id="40" name="Google Shape;40;p9"/>
           <p:cNvSpPr txBox="1"/>
           <p:nvPr>
             <p:ph idx="12" type="sldNum"/>
@@ -4758,7 +6256,7 @@
         </p:nvSpPr>
         <p:spPr>
           <a:xfrm>
-            <a:off x="8490250" y="4681009"/>
+            <a:off x="8472458" y="4663217"/>
             <a:ext cx="548700" cy="393600"/>
           </a:xfrm>
           <a:prstGeom prst="rect">
@@ -4772,75 +6270,39 @@
           <a:lstStyle>
             <a:lvl1pPr lvl="0">
               <a:buNone/>
-              <a:defRPr>
-                <a:solidFill>
-                  <a:schemeClr val="lt1"/>
-                </a:solidFill>
-              </a:defRPr>
+              <a:defRPr/>
             </a:lvl1pPr>
             <a:lvl2pPr lvl="1">
               <a:buNone/>
-              <a:defRPr>
-                <a:solidFill>
-                  <a:schemeClr val="lt1"/>
-                </a:solidFill>
-              </a:defRPr>
+              <a:defRPr/>
             </a:lvl2pPr>
             <a:lvl3pPr lvl="2">
               <a:buNone/>
-              <a:defRPr>
-                <a:solidFill>
-                  <a:schemeClr val="lt1"/>
-                </a:solidFill>
-              </a:defRPr>
+              <a:defRPr/>
             </a:lvl3pPr>
             <a:lvl4pPr lvl="3">
               <a:buNone/>
-              <a:defRPr>
-                <a:solidFill>
-                  <a:schemeClr val="lt1"/>
-                </a:solidFill>
-              </a:defRPr>
+              <a:defRPr/>
             </a:lvl4pPr>
             <a:lvl5pPr lvl="4">
               <a:buNone/>
-              <a:defRPr>
-                <a:solidFill>
-                  <a:schemeClr val="lt1"/>
-                </a:solidFill>
-              </a:defRPr>
+              <a:defRPr/>
             </a:lvl5pPr>
             <a:lvl6pPr lvl="5">
               <a:buNone/>
-              <a:defRPr>
-                <a:solidFill>
-                  <a:schemeClr val="lt1"/>
-                </a:solidFill>
-              </a:defRPr>
+              <a:defRPr/>
             </a:lvl6pPr>
             <a:lvl7pPr lvl="6">
               <a:buNone/>
-              <a:defRPr>
-                <a:solidFill>
-                  <a:schemeClr val="lt1"/>
-                </a:solidFill>
-              </a:defRPr>
+              <a:defRPr/>
             </a:lvl7pPr>
             <a:lvl8pPr lvl="7">
               <a:buNone/>
-              <a:defRPr>
-                <a:solidFill>
-                  <a:schemeClr val="lt1"/>
-                </a:solidFill>
-              </a:defRPr>
+              <a:defRPr/>
             </a:lvl8pPr>
             <a:lvl9pPr lvl="8">
               <a:buNone/>
-              <a:defRPr>
-                <a:solidFill>
-                  <a:schemeClr val="lt1"/>
-                </a:solidFill>
-              </a:defRPr>
+              <a:defRPr/>
             </a:lvl9pPr>
           </a:lstStyle>
           <a:p>
@@ -4874,7 +6336,7 @@
   <p:cSld name="CAPTION_ONLY">
     <p:spTree>
       <p:nvGrpSpPr>
-        <p:cNvPr id="46" name="Shape 46"/>
+        <p:cNvPr id="41" name="Shape 41"/>
         <p:cNvGrpSpPr/>
         <p:nvPr/>
       </p:nvGrpSpPr>
@@ -4888,7 +6350,7 @@
       </p:grpSpPr>
       <p:sp>
         <p:nvSpPr>
-          <p:cNvPr id="47" name="Google Shape;47;p10"/>
+          <p:cNvPr id="42" name="Google Shape;42;p10"/>
           <p:cNvSpPr txBox="1"/>
           <p:nvPr>
             <p:ph idx="1" type="body"/>
@@ -4918,21 +6380,9 @@
               <a:spcAft>
                 <a:spcPts val="0"/>
               </a:spcAft>
-              <a:buClr>
-                <a:schemeClr val="dk1"/>
-              </a:buClr>
-              <a:buSzPts val="2100"/>
-              <a:buFont typeface="Oswald"/>
-              <a:buNone/>
-              <a:defRPr sz="2100">
-                <a:solidFill>
-                  <a:schemeClr val="dk1"/>
-                </a:solidFill>
-                <a:latin typeface="Oswald"/>
-                <a:ea typeface="Oswald"/>
-                <a:cs typeface="Oswald"/>
-                <a:sym typeface="Oswald"/>
-              </a:defRPr>
+              <a:buSzPts val="1800"/>
+              <a:buNone/>
+              <a:defRPr/>
             </a:lvl1pPr>
           </a:lstStyle>
           <a:p/>
@@ -4940,7 +6390,7 @@
       </p:sp>
       <p:sp>
         <p:nvSpPr>
-          <p:cNvPr id="48" name="Google Shape;48;p10"/>
+          <p:cNvPr id="43" name="Google Shape;43;p10"/>
           <p:cNvSpPr txBox="1"/>
           <p:nvPr>
             <p:ph idx="12" type="sldNum"/>
@@ -4948,7 +6398,7 @@
         </p:nvSpPr>
         <p:spPr>
           <a:xfrm>
-            <a:off x="8490250" y="4681009"/>
+            <a:off x="8472458" y="4663217"/>
             <a:ext cx="548700" cy="393600"/>
           </a:xfrm>
           <a:prstGeom prst="rect">
@@ -5025,7 +6475,7 @@
 
 <file path=ppt/slideMasters/slideMaster1.xml><?xml version="1.0" encoding="utf-8"?>
 <p:sldMaster xmlns:a="http://schemas.openxmlformats.org/drawingml/2006/main" xmlns:r="http://schemas.openxmlformats.org/officeDocument/2006/relationships" xmlns:mc="http://schemas.openxmlformats.org/markup-compatibility/2006" xmlns:mv="urn:schemas-microsoft-com:mac:vml" xmlns:p="http://schemas.openxmlformats.org/presentationml/2006/main" xmlns:c="http://schemas.openxmlformats.org/drawingml/2006/chart" xmlns:dgm="http://schemas.openxmlformats.org/drawingml/2006/diagram" xmlns:o="urn:schemas-microsoft-com:office:office" xmlns:v="urn:schemas-microsoft-com:vml" xmlns:pvml="urn:schemas-microsoft-com:office:powerpoint" xmlns:com="http://schemas.openxmlformats.org/drawingml/2006/compatibility" xmlns:p14="http://schemas.microsoft.com/office/powerpoint/2010/main" xmlns:p15="http://schemas.microsoft.com/office/powerpoint/2012/main" xmlns:ahyp="http://schemas.microsoft.com/office/drawing/2018/hyperlinkcolor">
-  <p:cSld name="slate">
+  <p:cSld name="simple-light-2">
     <p:bg>
       <p:bgPr>
         <a:solidFill>
@@ -5083,17 +6533,12 @@
               <a:buClr>
                 <a:schemeClr val="dk1"/>
               </a:buClr>
-              <a:buSzPts val="3000"/>
-              <a:buFont typeface="Oswald"/>
-              <a:buNone/>
-              <a:defRPr sz="3000">
+              <a:buSzPts val="2800"/>
+              <a:buNone/>
+              <a:defRPr sz="2800">
                 <a:solidFill>
                   <a:schemeClr val="dk1"/>
                 </a:solidFill>
-                <a:latin typeface="Oswald"/>
-                <a:ea typeface="Oswald"/>
-                <a:cs typeface="Oswald"/>
-                <a:sym typeface="Oswald"/>
               </a:defRPr>
             </a:lvl1pPr>
             <a:lvl2pPr lvl="1">
@@ -5106,17 +6551,12 @@
               <a:buClr>
                 <a:schemeClr val="dk1"/>
               </a:buClr>
-              <a:buSzPts val="3000"/>
-              <a:buFont typeface="Oswald"/>
-              <a:buNone/>
-              <a:defRPr sz="3000">
+              <a:buSzPts val="2800"/>
+              <a:buNone/>
+              <a:defRPr sz="2800">
                 <a:solidFill>
                   <a:schemeClr val="dk1"/>
                 </a:solidFill>
-                <a:latin typeface="Oswald"/>
-                <a:ea typeface="Oswald"/>
-                <a:cs typeface="Oswald"/>
-                <a:sym typeface="Oswald"/>
               </a:defRPr>
             </a:lvl2pPr>
             <a:lvl3pPr lvl="2">
@@ -5129,17 +6569,12 @@
               <a:buClr>
                 <a:schemeClr val="dk1"/>
               </a:buClr>
-              <a:buSzPts val="3000"/>
-              <a:buFont typeface="Oswald"/>
-              <a:buNone/>
-              <a:defRPr sz="3000">
+              <a:buSzPts val="2800"/>
+              <a:buNone/>
+              <a:defRPr sz="2800">
                 <a:solidFill>
                   <a:schemeClr val="dk1"/>
                 </a:solidFill>
-                <a:latin typeface="Oswald"/>
-                <a:ea typeface="Oswald"/>
-                <a:cs typeface="Oswald"/>
-                <a:sym typeface="Oswald"/>
               </a:defRPr>
             </a:lvl3pPr>
             <a:lvl4pPr lvl="3">
@@ -5152,17 +6587,12 @@
               <a:buClr>
                 <a:schemeClr val="dk1"/>
               </a:buClr>
-              <a:buSzPts val="3000"/>
-              <a:buFont typeface="Oswald"/>
-              <a:buNone/>
-              <a:defRPr sz="3000">
+              <a:buSzPts val="2800"/>
+              <a:buNone/>
+              <a:defRPr sz="2800">
                 <a:solidFill>
                   <a:schemeClr val="dk1"/>
                 </a:solidFill>
-                <a:latin typeface="Oswald"/>
-                <a:ea typeface="Oswald"/>
-                <a:cs typeface="Oswald"/>
-                <a:sym typeface="Oswald"/>
               </a:defRPr>
             </a:lvl4pPr>
             <a:lvl5pPr lvl="4">
@@ -5175,17 +6605,12 @@
               <a:buClr>
                 <a:schemeClr val="dk1"/>
               </a:buClr>
-              <a:buSzPts val="3000"/>
-              <a:buFont typeface="Oswald"/>
-              <a:buNone/>
-              <a:defRPr sz="3000">
+              <a:buSzPts val="2800"/>
+              <a:buNone/>
+              <a:defRPr sz="2800">
                 <a:solidFill>
                   <a:schemeClr val="dk1"/>
                 </a:solidFill>
-                <a:latin typeface="Oswald"/>
-                <a:ea typeface="Oswald"/>
-                <a:cs typeface="Oswald"/>
-                <a:sym typeface="Oswald"/>
               </a:defRPr>
             </a:lvl5pPr>
             <a:lvl6pPr lvl="5">
@@ -5198,17 +6623,12 @@
               <a:buClr>
                 <a:schemeClr val="dk1"/>
               </a:buClr>
-              <a:buSzPts val="3000"/>
-              <a:buFont typeface="Oswald"/>
-              <a:buNone/>
-              <a:defRPr sz="3000">
+              <a:buSzPts val="2800"/>
+              <a:buNone/>
+              <a:defRPr sz="2800">
                 <a:solidFill>
                   <a:schemeClr val="dk1"/>
                 </a:solidFill>
-                <a:latin typeface="Oswald"/>
-                <a:ea typeface="Oswald"/>
-                <a:cs typeface="Oswald"/>
-                <a:sym typeface="Oswald"/>
               </a:defRPr>
             </a:lvl6pPr>
             <a:lvl7pPr lvl="6">
@@ -5221,17 +6641,12 @@
               <a:buClr>
                 <a:schemeClr val="dk1"/>
               </a:buClr>
-              <a:buSzPts val="3000"/>
-              <a:buFont typeface="Oswald"/>
-              <a:buNone/>
-              <a:defRPr sz="3000">
+              <a:buSzPts val="2800"/>
+              <a:buNone/>
+              <a:defRPr sz="2800">
                 <a:solidFill>
                   <a:schemeClr val="dk1"/>
                 </a:solidFill>
-                <a:latin typeface="Oswald"/>
-                <a:ea typeface="Oswald"/>
-                <a:cs typeface="Oswald"/>
-                <a:sym typeface="Oswald"/>
               </a:defRPr>
             </a:lvl7pPr>
             <a:lvl8pPr lvl="7">
@@ -5244,17 +6659,12 @@
               <a:buClr>
                 <a:schemeClr val="dk1"/>
               </a:buClr>
-              <a:buSzPts val="3000"/>
-              <a:buFont typeface="Oswald"/>
-              <a:buNone/>
-              <a:defRPr sz="3000">
+              <a:buSzPts val="2800"/>
+              <a:buNone/>
+              <a:defRPr sz="2800">
                 <a:solidFill>
                   <a:schemeClr val="dk1"/>
                 </a:solidFill>
-                <a:latin typeface="Oswald"/>
-                <a:ea typeface="Oswald"/>
-                <a:cs typeface="Oswald"/>
-                <a:sym typeface="Oswald"/>
               </a:defRPr>
             </a:lvl8pPr>
             <a:lvl9pPr lvl="8">
@@ -5267,17 +6677,12 @@
               <a:buClr>
                 <a:schemeClr val="dk1"/>
               </a:buClr>
-              <a:buSzPts val="3000"/>
-              <a:buFont typeface="Oswald"/>
-              <a:buNone/>
-              <a:defRPr sz="3000">
+              <a:buSzPts val="2800"/>
+              <a:buNone/>
+              <a:defRPr sz="2800">
                 <a:solidFill>
                   <a:schemeClr val="dk1"/>
                 </a:solidFill>
-                <a:latin typeface="Oswald"/>
-                <a:ea typeface="Oswald"/>
-                <a:cs typeface="Oswald"/>
-                <a:sym typeface="Oswald"/>
               </a:defRPr>
             </a:lvl9pPr>
           </a:lstStyle>
@@ -5321,19 +6726,14 @@
                 <a:spcPts val="0"/>
               </a:spcAft>
               <a:buClr>
-                <a:schemeClr val="accent3"/>
+                <a:schemeClr val="dk2"/>
               </a:buClr>
               <a:buSzPts val="1800"/>
-              <a:buFont typeface="Average"/>
               <a:buChar char="●"/>
               <a:defRPr sz="1800">
                 <a:solidFill>
-                  <a:schemeClr val="accent3"/>
+                  <a:schemeClr val="dk2"/>
                 </a:solidFill>
-                <a:latin typeface="Average"/>
-                <a:ea typeface="Average"/>
-                <a:cs typeface="Average"/>
-                <a:sym typeface="Average"/>
               </a:defRPr>
             </a:lvl1pPr>
             <a:lvl2pPr indent="-317500" lvl="1" marL="914400">
@@ -5347,19 +6747,14 @@
                 <a:spcPts val="0"/>
               </a:spcAft>
               <a:buClr>
-                <a:schemeClr val="accent3"/>
+                <a:schemeClr val="dk2"/>
               </a:buClr>
               <a:buSzPts val="1400"/>
-              <a:buFont typeface="Average"/>
               <a:buChar char="○"/>
               <a:defRPr>
                 <a:solidFill>
-                  <a:schemeClr val="accent3"/>
+                  <a:schemeClr val="dk2"/>
                 </a:solidFill>
-                <a:latin typeface="Average"/>
-                <a:ea typeface="Average"/>
-                <a:cs typeface="Average"/>
-                <a:sym typeface="Average"/>
               </a:defRPr>
             </a:lvl2pPr>
             <a:lvl3pPr indent="-317500" lvl="2" marL="1371600">
@@ -5373,19 +6768,14 @@
                 <a:spcPts val="0"/>
               </a:spcAft>
               <a:buClr>
-                <a:schemeClr val="accent3"/>
+                <a:schemeClr val="dk2"/>
               </a:buClr>
               <a:buSzPts val="1400"/>
-              <a:buFont typeface="Average"/>
               <a:buChar char="■"/>
               <a:defRPr>
                 <a:solidFill>
-                  <a:schemeClr val="accent3"/>
+                  <a:schemeClr val="dk2"/>
                 </a:solidFill>
-                <a:latin typeface="Average"/>
-                <a:ea typeface="Average"/>
-                <a:cs typeface="Average"/>
-                <a:sym typeface="Average"/>
               </a:defRPr>
             </a:lvl3pPr>
             <a:lvl4pPr indent="-317500" lvl="3" marL="1828800">
@@ -5399,19 +6789,14 @@
                 <a:spcPts val="0"/>
               </a:spcAft>
               <a:buClr>
-                <a:schemeClr val="accent3"/>
+                <a:schemeClr val="dk2"/>
               </a:buClr>
               <a:buSzPts val="1400"/>
-              <a:buFont typeface="Average"/>
               <a:buChar char="●"/>
               <a:defRPr>
                 <a:solidFill>
-                  <a:schemeClr val="accent3"/>
+                  <a:schemeClr val="dk2"/>
                 </a:solidFill>
-                <a:latin typeface="Average"/>
-                <a:ea typeface="Average"/>
-                <a:cs typeface="Average"/>
-                <a:sym typeface="Average"/>
               </a:defRPr>
             </a:lvl4pPr>
             <a:lvl5pPr indent="-317500" lvl="4" marL="2286000">
@@ -5425,19 +6810,14 @@
                 <a:spcPts val="0"/>
               </a:spcAft>
               <a:buClr>
-                <a:schemeClr val="accent3"/>
+                <a:schemeClr val="dk2"/>
               </a:buClr>
               <a:buSzPts val="1400"/>
-              <a:buFont typeface="Average"/>
               <a:buChar char="○"/>
               <a:defRPr>
                 <a:solidFill>
-                  <a:schemeClr val="accent3"/>
+                  <a:schemeClr val="dk2"/>
                 </a:solidFill>
-                <a:latin typeface="Average"/>
-                <a:ea typeface="Average"/>
-                <a:cs typeface="Average"/>
-                <a:sym typeface="Average"/>
               </a:defRPr>
             </a:lvl5pPr>
             <a:lvl6pPr indent="-317500" lvl="5" marL="2743200">
@@ -5451,19 +6831,14 @@
                 <a:spcPts val="0"/>
               </a:spcAft>
               <a:buClr>
-                <a:schemeClr val="accent3"/>
+                <a:schemeClr val="dk2"/>
               </a:buClr>
               <a:buSzPts val="1400"/>
-              <a:buFont typeface="Average"/>
               <a:buChar char="■"/>
               <a:defRPr>
                 <a:solidFill>
-                  <a:schemeClr val="accent3"/>
+                  <a:schemeClr val="dk2"/>
                 </a:solidFill>
-                <a:latin typeface="Average"/>
-                <a:ea typeface="Average"/>
-                <a:cs typeface="Average"/>
-                <a:sym typeface="Average"/>
               </a:defRPr>
             </a:lvl6pPr>
             <a:lvl7pPr indent="-317500" lvl="6" marL="3200400">
@@ -5477,19 +6852,14 @@
                 <a:spcPts val="0"/>
               </a:spcAft>
               <a:buClr>
-                <a:schemeClr val="accent3"/>
+                <a:schemeClr val="dk2"/>
               </a:buClr>
               <a:buSzPts val="1400"/>
-              <a:buFont typeface="Average"/>
               <a:buChar char="●"/>
               <a:defRPr>
                 <a:solidFill>
-                  <a:schemeClr val="accent3"/>
+                  <a:schemeClr val="dk2"/>
                 </a:solidFill>
-                <a:latin typeface="Average"/>
-                <a:ea typeface="Average"/>
-                <a:cs typeface="Average"/>
-                <a:sym typeface="Average"/>
               </a:defRPr>
             </a:lvl7pPr>
             <a:lvl8pPr indent="-317500" lvl="7" marL="3657600">
@@ -5503,19 +6873,14 @@
                 <a:spcPts val="0"/>
               </a:spcAft>
               <a:buClr>
-                <a:schemeClr val="accent3"/>
+                <a:schemeClr val="dk2"/>
               </a:buClr>
               <a:buSzPts val="1400"/>
-              <a:buFont typeface="Average"/>
               <a:buChar char="○"/>
               <a:defRPr>
                 <a:solidFill>
-                  <a:schemeClr val="accent3"/>
+                  <a:schemeClr val="dk2"/>
                 </a:solidFill>
-                <a:latin typeface="Average"/>
-                <a:ea typeface="Average"/>
-                <a:cs typeface="Average"/>
-                <a:sym typeface="Average"/>
               </a:defRPr>
             </a:lvl8pPr>
             <a:lvl9pPr indent="-317500" lvl="8" marL="4114800">
@@ -5529,19 +6894,14 @@
                 <a:spcPts val="0"/>
               </a:spcAft>
               <a:buClr>
-                <a:schemeClr val="accent3"/>
+                <a:schemeClr val="dk2"/>
               </a:buClr>
               <a:buSzPts val="1400"/>
-              <a:buFont typeface="Average"/>
               <a:buChar char="■"/>
               <a:defRPr>
                 <a:solidFill>
-                  <a:schemeClr val="accent3"/>
+                  <a:schemeClr val="dk2"/>
                 </a:solidFill>
-                <a:latin typeface="Average"/>
-                <a:ea typeface="Average"/>
-                <a:cs typeface="Average"/>
-                <a:sym typeface="Average"/>
               </a:defRPr>
             </a:lvl9pPr>
           </a:lstStyle>
@@ -5558,7 +6918,7 @@
         </p:nvSpPr>
         <p:spPr>
           <a:xfrm>
-            <a:off x="8490250" y="4681009"/>
+            <a:off x="8472458" y="4663217"/>
             <a:ext cx="548700" cy="393600"/>
           </a:xfrm>
           <a:prstGeom prst="rect">
@@ -5578,108 +6938,72 @@
               <a:buNone/>
               <a:defRPr sz="1000">
                 <a:solidFill>
-                  <a:schemeClr val="accent3"/>
+                  <a:schemeClr val="dk2"/>
                 </a:solidFill>
-                <a:latin typeface="Average"/>
-                <a:ea typeface="Average"/>
-                <a:cs typeface="Average"/>
-                <a:sym typeface="Average"/>
               </a:defRPr>
             </a:lvl1pPr>
             <a:lvl2pPr lvl="1" algn="r">
               <a:buNone/>
               <a:defRPr sz="1000">
                 <a:solidFill>
-                  <a:schemeClr val="accent3"/>
+                  <a:schemeClr val="dk2"/>
                 </a:solidFill>
-                <a:latin typeface="Average"/>
-                <a:ea typeface="Average"/>
-                <a:cs typeface="Average"/>
-                <a:sym typeface="Average"/>
               </a:defRPr>
             </a:lvl2pPr>
             <a:lvl3pPr lvl="2" algn="r">
               <a:buNone/>
               <a:defRPr sz="1000">
                 <a:solidFill>
-                  <a:schemeClr val="accent3"/>
+                  <a:schemeClr val="dk2"/>
                 </a:solidFill>
-                <a:latin typeface="Average"/>
-                <a:ea typeface="Average"/>
-                <a:cs typeface="Average"/>
-                <a:sym typeface="Average"/>
               </a:defRPr>
             </a:lvl3pPr>
             <a:lvl4pPr lvl="3" algn="r">
               <a:buNone/>
               <a:defRPr sz="1000">
                 <a:solidFill>
-                  <a:schemeClr val="accent3"/>
+                  <a:schemeClr val="dk2"/>
                 </a:solidFill>
-                <a:latin typeface="Average"/>
-                <a:ea typeface="Average"/>
-                <a:cs typeface="Average"/>
-                <a:sym typeface="Average"/>
               </a:defRPr>
             </a:lvl4pPr>
             <a:lvl5pPr lvl="4" algn="r">
               <a:buNone/>
               <a:defRPr sz="1000">
                 <a:solidFill>
-                  <a:schemeClr val="accent3"/>
+                  <a:schemeClr val="dk2"/>
                 </a:solidFill>
-                <a:latin typeface="Average"/>
-                <a:ea typeface="Average"/>
-                <a:cs typeface="Average"/>
-                <a:sym typeface="Average"/>
               </a:defRPr>
             </a:lvl5pPr>
             <a:lvl6pPr lvl="5" algn="r">
               <a:buNone/>
               <a:defRPr sz="1000">
                 <a:solidFill>
-                  <a:schemeClr val="accent3"/>
+                  <a:schemeClr val="dk2"/>
                 </a:solidFill>
-                <a:latin typeface="Average"/>
-                <a:ea typeface="Average"/>
-                <a:cs typeface="Average"/>
-                <a:sym typeface="Average"/>
               </a:defRPr>
             </a:lvl6pPr>
             <a:lvl7pPr lvl="6" algn="r">
               <a:buNone/>
               <a:defRPr sz="1000">
                 <a:solidFill>
-                  <a:schemeClr val="accent3"/>
+                  <a:schemeClr val="dk2"/>
                 </a:solidFill>
-                <a:latin typeface="Average"/>
-                <a:ea typeface="Average"/>
-                <a:cs typeface="Average"/>
-                <a:sym typeface="Average"/>
               </a:defRPr>
             </a:lvl7pPr>
             <a:lvl8pPr lvl="7" algn="r">
               <a:buNone/>
               <a:defRPr sz="1000">
                 <a:solidFill>
-                  <a:schemeClr val="accent3"/>
+                  <a:schemeClr val="dk2"/>
                 </a:solidFill>
-                <a:latin typeface="Average"/>
-                <a:ea typeface="Average"/>
-                <a:cs typeface="Average"/>
-                <a:sym typeface="Average"/>
               </a:defRPr>
             </a:lvl8pPr>
             <a:lvl9pPr lvl="8" algn="r">
               <a:buNone/>
               <a:defRPr sz="1000">
                 <a:solidFill>
-                  <a:schemeClr val="accent3"/>
+                  <a:schemeClr val="dk2"/>
                 </a:solidFill>
-                <a:latin typeface="Average"/>
-                <a:ea typeface="Average"/>
-                <a:cs typeface="Average"/>
-                <a:sym typeface="Average"/>
               </a:defRPr>
             </a:lvl9pPr>
           </a:lstStyle>
@@ -6411,11 +7735,11 @@
 </file>
 
 <file path=ppt/slides/slide1.xml><?xml version="1.0" encoding="utf-8"?>
-<p:sld xmlns:a="http://schemas.openxmlformats.org/drawingml/2006/main" xmlns:r="http://schemas.openxmlformats.org/officeDocument/2006/relationships" xmlns:mc="http://schemas.openxmlformats.org/markup-compatibility/2006" xmlns:mv="urn:schemas-microsoft-com:mac:vml" xmlns:p="http://schemas.openxmlformats.org/presentationml/2006/main" xmlns:c="http://schemas.openxmlformats.org/drawingml/2006/chart" xmlns:dgm="http://schemas.openxmlformats.org/drawingml/2006/diagram" xmlns:o="urn:schemas-microsoft-com:office:office" xmlns:v="urn:schemas-microsoft-com:vml" xmlns:pvml="urn:schemas-microsoft-com:office:powerpoint" xmlns:com="http://schemas.openxmlformats.org/drawingml/2006/compatibility" xmlns:p14="http://schemas.microsoft.com/office/powerpoint/2010/main" xmlns:p15="http://schemas.microsoft.com/office/powerpoint/2012/main" xmlns:ahyp="http://schemas.microsoft.com/office/drawing/2018/hyperlinkcolor">
+<p:sld xmlns:a="http://schemas.openxmlformats.org/drawingml/2006/main" xmlns:r="http://schemas.openxmlformats.org/officeDocument/2006/relationships" xmlns:mc="http://schemas.openxmlformats.org/markup-compatibility/2006" xmlns:mv="urn:schemas-microsoft-com:mac:vml" xmlns:p="http://schemas.openxmlformats.org/presentationml/2006/main" xmlns:c="http://schemas.openxmlformats.org/drawingml/2006/chart" xmlns:dgm="http://schemas.openxmlformats.org/drawingml/2006/diagram" xmlns:o="urn:schemas-microsoft-com:office:office" xmlns:v="urn:schemas-microsoft-com:vml" xmlns:pvml="urn:schemas-microsoft-com:office:powerpoint" xmlns:com="http://schemas.openxmlformats.org/drawingml/2006/compatibility" xmlns:p14="http://schemas.microsoft.com/office/powerpoint/2010/main" xmlns:p15="http://schemas.microsoft.com/office/powerpoint/2012/main" xmlns:ahyp="http://schemas.microsoft.com/office/drawing/2018/hyperlinkcolor" show="0">
   <p:cSld>
     <p:spTree>
       <p:nvGrpSpPr>
-        <p:cNvPr id="58" name="Shape 58"/>
+        <p:cNvPr id="53" name="Shape 53"/>
         <p:cNvGrpSpPr/>
         <p:nvPr/>
       </p:nvGrpSpPr>
@@ -6429,7 +7753,7 @@
       </p:grpSpPr>
       <p:sp>
         <p:nvSpPr>
-          <p:cNvPr id="59" name="Google Shape;59;p13"/>
+          <p:cNvPr id="54" name="Google Shape;54;p13"/>
           <p:cNvSpPr txBox="1"/>
           <p:nvPr>
             <p:ph type="ctrTitle"/>
@@ -6437,8 +7761,8 @@
         </p:nvSpPr>
         <p:spPr>
           <a:xfrm>
-            <a:off x="671258" y="990800"/>
-            <a:ext cx="7801500" cy="1730100"/>
+            <a:off x="311708" y="744575"/>
+            <a:ext cx="8520600" cy="2052600"/>
           </a:xfrm>
           <a:prstGeom prst="rect">
             <a:avLst/>
@@ -6469,7 +7793,7 @@
       </p:sp>
       <p:sp>
         <p:nvSpPr>
-          <p:cNvPr id="60" name="Google Shape;60;p13"/>
+          <p:cNvPr id="55" name="Google Shape;55;p13"/>
           <p:cNvSpPr txBox="1"/>
           <p:nvPr>
             <p:ph idx="1" type="subTitle"/>
@@ -6545,7 +7869,7 @@
       </p:sp>
       <p:sp>
         <p:nvSpPr>
-          <p:cNvPr id="61" name="Google Shape;61;p13"/>
+          <p:cNvPr id="56" name="Google Shape;56;p13"/>
           <p:cNvSpPr txBox="1"/>
           <p:nvPr>
             <p:ph idx="1" type="subTitle"/>
@@ -6591,7 +7915,867 @@
 </p:sld>
 </file>
 
+<file path=ppt/slides/slide10.xml><?xml version="1.0" encoding="utf-8"?>
+<p:sld xmlns:a="http://schemas.openxmlformats.org/drawingml/2006/main" xmlns:r="http://schemas.openxmlformats.org/officeDocument/2006/relationships" xmlns:mc="http://schemas.openxmlformats.org/markup-compatibility/2006" xmlns:mv="urn:schemas-microsoft-com:mac:vml" xmlns:p="http://schemas.openxmlformats.org/presentationml/2006/main" xmlns:c="http://schemas.openxmlformats.org/drawingml/2006/chart" xmlns:dgm="http://schemas.openxmlformats.org/drawingml/2006/diagram" xmlns:o="urn:schemas-microsoft-com:office:office" xmlns:v="urn:schemas-microsoft-com:vml" xmlns:pvml="urn:schemas-microsoft-com:office:powerpoint" xmlns:com="http://schemas.openxmlformats.org/drawingml/2006/compatibility" xmlns:p14="http://schemas.microsoft.com/office/powerpoint/2010/main" xmlns:p15="http://schemas.microsoft.com/office/powerpoint/2012/main" xmlns:ahyp="http://schemas.microsoft.com/office/drawing/2018/hyperlinkcolor">
+  <p:cSld>
+    <p:spTree>
+      <p:nvGrpSpPr>
+        <p:cNvPr id="103" name="Shape 103"/>
+        <p:cNvGrpSpPr/>
+        <p:nvPr/>
+      </p:nvGrpSpPr>
+      <p:grpSpPr>
+        <a:xfrm>
+          <a:off x="0" y="0"/>
+          <a:ext cx="0" cy="0"/>
+          <a:chOff x="0" y="0"/>
+          <a:chExt cx="0" cy="0"/>
+        </a:xfrm>
+      </p:grpSpPr>
+      <p:pic>
+        <p:nvPicPr>
+          <p:cNvPr id="104" name="Google Shape;104;p22"/>
+          <p:cNvPicPr preferRelativeResize="0"/>
+          <p:nvPr/>
+        </p:nvPicPr>
+        <p:blipFill>
+          <a:blip r:embed="rId3">
+            <a:alphaModFix/>
+          </a:blip>
+          <a:stretch>
+            <a:fillRect/>
+          </a:stretch>
+        </p:blipFill>
+        <p:spPr>
+          <a:xfrm>
+            <a:off x="152400" y="152400"/>
+            <a:ext cx="7130007" cy="4838701"/>
+          </a:xfrm>
+          <a:prstGeom prst="rect">
+            <a:avLst/>
+          </a:prstGeom>
+          <a:noFill/>
+          <a:ln>
+            <a:noFill/>
+          </a:ln>
+        </p:spPr>
+      </p:pic>
+    </p:spTree>
+  </p:cSld>
+  <p:clrMapOvr>
+    <a:masterClrMapping/>
+  </p:clrMapOvr>
+</p:sld>
+</file>
+
+<file path=ppt/slides/slide11.xml><?xml version="1.0" encoding="utf-8"?>
+<p:sld xmlns:a="http://schemas.openxmlformats.org/drawingml/2006/main" xmlns:r="http://schemas.openxmlformats.org/officeDocument/2006/relationships" xmlns:mc="http://schemas.openxmlformats.org/markup-compatibility/2006" xmlns:mv="urn:schemas-microsoft-com:mac:vml" xmlns:p="http://schemas.openxmlformats.org/presentationml/2006/main" xmlns:c="http://schemas.openxmlformats.org/drawingml/2006/chart" xmlns:dgm="http://schemas.openxmlformats.org/drawingml/2006/diagram" xmlns:o="urn:schemas-microsoft-com:office:office" xmlns:v="urn:schemas-microsoft-com:vml" xmlns:pvml="urn:schemas-microsoft-com:office:powerpoint" xmlns:com="http://schemas.openxmlformats.org/drawingml/2006/compatibility" xmlns:p14="http://schemas.microsoft.com/office/powerpoint/2010/main" xmlns:p15="http://schemas.microsoft.com/office/powerpoint/2012/main" xmlns:ahyp="http://schemas.microsoft.com/office/drawing/2018/hyperlinkcolor">
+  <p:cSld>
+    <p:spTree>
+      <p:nvGrpSpPr>
+        <p:cNvPr id="108" name="Shape 108"/>
+        <p:cNvGrpSpPr/>
+        <p:nvPr/>
+      </p:nvGrpSpPr>
+      <p:grpSpPr>
+        <a:xfrm>
+          <a:off x="0" y="0"/>
+          <a:ext cx="0" cy="0"/>
+          <a:chOff x="0" y="0"/>
+          <a:chExt cx="0" cy="0"/>
+        </a:xfrm>
+      </p:grpSpPr>
+      <p:pic>
+        <p:nvPicPr>
+          <p:cNvPr id="109" name="Google Shape;109;p23"/>
+          <p:cNvPicPr preferRelativeResize="0"/>
+          <p:nvPr/>
+        </p:nvPicPr>
+        <p:blipFill>
+          <a:blip r:embed="rId3">
+            <a:alphaModFix/>
+          </a:blip>
+          <a:stretch>
+            <a:fillRect/>
+          </a:stretch>
+        </p:blipFill>
+        <p:spPr>
+          <a:xfrm>
+            <a:off x="152400" y="152400"/>
+            <a:ext cx="7498570" cy="4838700"/>
+          </a:xfrm>
+          <a:prstGeom prst="rect">
+            <a:avLst/>
+          </a:prstGeom>
+          <a:noFill/>
+          <a:ln>
+            <a:noFill/>
+          </a:ln>
+        </p:spPr>
+      </p:pic>
+    </p:spTree>
+  </p:cSld>
+  <p:clrMapOvr>
+    <a:masterClrMapping/>
+  </p:clrMapOvr>
+</p:sld>
+</file>
+
+<file path=ppt/slides/slide12.xml><?xml version="1.0" encoding="utf-8"?>
+<p:sld xmlns:a="http://schemas.openxmlformats.org/drawingml/2006/main" xmlns:r="http://schemas.openxmlformats.org/officeDocument/2006/relationships" xmlns:mc="http://schemas.openxmlformats.org/markup-compatibility/2006" xmlns:mv="urn:schemas-microsoft-com:mac:vml" xmlns:p="http://schemas.openxmlformats.org/presentationml/2006/main" xmlns:c="http://schemas.openxmlformats.org/drawingml/2006/chart" xmlns:dgm="http://schemas.openxmlformats.org/drawingml/2006/diagram" xmlns:o="urn:schemas-microsoft-com:office:office" xmlns:v="urn:schemas-microsoft-com:vml" xmlns:pvml="urn:schemas-microsoft-com:office:powerpoint" xmlns:com="http://schemas.openxmlformats.org/drawingml/2006/compatibility" xmlns:p14="http://schemas.microsoft.com/office/powerpoint/2010/main" xmlns:p15="http://schemas.microsoft.com/office/powerpoint/2012/main" xmlns:ahyp="http://schemas.microsoft.com/office/drawing/2018/hyperlinkcolor">
+  <p:cSld>
+    <p:spTree>
+      <p:nvGrpSpPr>
+        <p:cNvPr id="113" name="Shape 113"/>
+        <p:cNvGrpSpPr/>
+        <p:nvPr/>
+      </p:nvGrpSpPr>
+      <p:grpSpPr>
+        <a:xfrm>
+          <a:off x="0" y="0"/>
+          <a:ext cx="0" cy="0"/>
+          <a:chOff x="0" y="0"/>
+          <a:chExt cx="0" cy="0"/>
+        </a:xfrm>
+      </p:grpSpPr>
+      <p:pic>
+        <p:nvPicPr>
+          <p:cNvPr id="114" name="Google Shape;114;p24"/>
+          <p:cNvPicPr preferRelativeResize="0"/>
+          <p:nvPr/>
+        </p:nvPicPr>
+        <p:blipFill>
+          <a:blip r:embed="rId3">
+            <a:alphaModFix/>
+          </a:blip>
+          <a:stretch>
+            <a:fillRect/>
+          </a:stretch>
+        </p:blipFill>
+        <p:spPr>
+          <a:xfrm>
+            <a:off x="152400" y="152400"/>
+            <a:ext cx="7113763" cy="4838701"/>
+          </a:xfrm>
+          <a:prstGeom prst="rect">
+            <a:avLst/>
+          </a:prstGeom>
+          <a:noFill/>
+          <a:ln>
+            <a:noFill/>
+          </a:ln>
+        </p:spPr>
+      </p:pic>
+    </p:spTree>
+  </p:cSld>
+  <p:clrMapOvr>
+    <a:masterClrMapping/>
+  </p:clrMapOvr>
+</p:sld>
+</file>
+
+<file path=ppt/slides/slide13.xml><?xml version="1.0" encoding="utf-8"?>
+<p:sld xmlns:a="http://schemas.openxmlformats.org/drawingml/2006/main" xmlns:r="http://schemas.openxmlformats.org/officeDocument/2006/relationships" xmlns:mc="http://schemas.openxmlformats.org/markup-compatibility/2006" xmlns:mv="urn:schemas-microsoft-com:mac:vml" xmlns:p="http://schemas.openxmlformats.org/presentationml/2006/main" xmlns:c="http://schemas.openxmlformats.org/drawingml/2006/chart" xmlns:dgm="http://schemas.openxmlformats.org/drawingml/2006/diagram" xmlns:o="urn:schemas-microsoft-com:office:office" xmlns:v="urn:schemas-microsoft-com:vml" xmlns:pvml="urn:schemas-microsoft-com:office:powerpoint" xmlns:com="http://schemas.openxmlformats.org/drawingml/2006/compatibility" xmlns:p14="http://schemas.microsoft.com/office/powerpoint/2010/main" xmlns:p15="http://schemas.microsoft.com/office/powerpoint/2012/main" xmlns:ahyp="http://schemas.microsoft.com/office/drawing/2018/hyperlinkcolor">
+  <p:cSld>
+    <p:spTree>
+      <p:nvGrpSpPr>
+        <p:cNvPr id="118" name="Shape 118"/>
+        <p:cNvGrpSpPr/>
+        <p:nvPr/>
+      </p:nvGrpSpPr>
+      <p:grpSpPr>
+        <a:xfrm>
+          <a:off x="0" y="0"/>
+          <a:ext cx="0" cy="0"/>
+          <a:chOff x="0" y="0"/>
+          <a:chExt cx="0" cy="0"/>
+        </a:xfrm>
+      </p:grpSpPr>
+      <p:pic>
+        <p:nvPicPr>
+          <p:cNvPr id="119" name="Google Shape;119;p25"/>
+          <p:cNvPicPr preferRelativeResize="0"/>
+          <p:nvPr/>
+        </p:nvPicPr>
+        <p:blipFill>
+          <a:blip r:embed="rId3">
+            <a:alphaModFix/>
+          </a:blip>
+          <a:stretch>
+            <a:fillRect/>
+          </a:stretch>
+        </p:blipFill>
+        <p:spPr>
+          <a:xfrm>
+            <a:off x="152400" y="152400"/>
+            <a:ext cx="7153738" cy="4838699"/>
+          </a:xfrm>
+          <a:prstGeom prst="rect">
+            <a:avLst/>
+          </a:prstGeom>
+          <a:noFill/>
+          <a:ln>
+            <a:noFill/>
+          </a:ln>
+        </p:spPr>
+      </p:pic>
+    </p:spTree>
+  </p:cSld>
+  <p:clrMapOvr>
+    <a:masterClrMapping/>
+  </p:clrMapOvr>
+</p:sld>
+</file>
+
+<file path=ppt/slides/slide14.xml><?xml version="1.0" encoding="utf-8"?>
+<p:sld xmlns:a="http://schemas.openxmlformats.org/drawingml/2006/main" xmlns:r="http://schemas.openxmlformats.org/officeDocument/2006/relationships" xmlns:mc="http://schemas.openxmlformats.org/markup-compatibility/2006" xmlns:mv="urn:schemas-microsoft-com:mac:vml" xmlns:p="http://schemas.openxmlformats.org/presentationml/2006/main" xmlns:c="http://schemas.openxmlformats.org/drawingml/2006/chart" xmlns:dgm="http://schemas.openxmlformats.org/drawingml/2006/diagram" xmlns:o="urn:schemas-microsoft-com:office:office" xmlns:v="urn:schemas-microsoft-com:vml" xmlns:pvml="urn:schemas-microsoft-com:office:powerpoint" xmlns:com="http://schemas.openxmlformats.org/drawingml/2006/compatibility" xmlns:p14="http://schemas.microsoft.com/office/powerpoint/2010/main" xmlns:p15="http://schemas.microsoft.com/office/powerpoint/2012/main" xmlns:ahyp="http://schemas.microsoft.com/office/drawing/2018/hyperlinkcolor">
+  <p:cSld>
+    <p:spTree>
+      <p:nvGrpSpPr>
+        <p:cNvPr id="123" name="Shape 123"/>
+        <p:cNvGrpSpPr/>
+        <p:nvPr/>
+      </p:nvGrpSpPr>
+      <p:grpSpPr>
+        <a:xfrm>
+          <a:off x="0" y="0"/>
+          <a:ext cx="0" cy="0"/>
+          <a:chOff x="0" y="0"/>
+          <a:chExt cx="0" cy="0"/>
+        </a:xfrm>
+      </p:grpSpPr>
+      <p:pic>
+        <p:nvPicPr>
+          <p:cNvPr id="124" name="Google Shape;124;p26"/>
+          <p:cNvPicPr preferRelativeResize="0"/>
+          <p:nvPr/>
+        </p:nvPicPr>
+        <p:blipFill>
+          <a:blip r:embed="rId3">
+            <a:alphaModFix/>
+          </a:blip>
+          <a:stretch>
+            <a:fillRect/>
+          </a:stretch>
+        </p:blipFill>
+        <p:spPr>
+          <a:xfrm>
+            <a:off x="152400" y="152400"/>
+            <a:ext cx="8493717" cy="4838699"/>
+          </a:xfrm>
+          <a:prstGeom prst="rect">
+            <a:avLst/>
+          </a:prstGeom>
+          <a:noFill/>
+          <a:ln>
+            <a:noFill/>
+          </a:ln>
+        </p:spPr>
+      </p:pic>
+    </p:spTree>
+  </p:cSld>
+  <p:clrMapOvr>
+    <a:masterClrMapping/>
+  </p:clrMapOvr>
+</p:sld>
+</file>
+
+<file path=ppt/slides/slide15.xml><?xml version="1.0" encoding="utf-8"?>
+<p:sld xmlns:a="http://schemas.openxmlformats.org/drawingml/2006/main" xmlns:r="http://schemas.openxmlformats.org/officeDocument/2006/relationships" xmlns:mc="http://schemas.openxmlformats.org/markup-compatibility/2006" xmlns:mv="urn:schemas-microsoft-com:mac:vml" xmlns:p="http://schemas.openxmlformats.org/presentationml/2006/main" xmlns:c="http://schemas.openxmlformats.org/drawingml/2006/chart" xmlns:dgm="http://schemas.openxmlformats.org/drawingml/2006/diagram" xmlns:o="urn:schemas-microsoft-com:office:office" xmlns:v="urn:schemas-microsoft-com:vml" xmlns:pvml="urn:schemas-microsoft-com:office:powerpoint" xmlns:com="http://schemas.openxmlformats.org/drawingml/2006/compatibility" xmlns:p14="http://schemas.microsoft.com/office/powerpoint/2010/main" xmlns:p15="http://schemas.microsoft.com/office/powerpoint/2012/main" xmlns:ahyp="http://schemas.microsoft.com/office/drawing/2018/hyperlinkcolor">
+  <p:cSld>
+    <p:spTree>
+      <p:nvGrpSpPr>
+        <p:cNvPr id="128" name="Shape 128"/>
+        <p:cNvGrpSpPr/>
+        <p:nvPr/>
+      </p:nvGrpSpPr>
+      <p:grpSpPr>
+        <a:xfrm>
+          <a:off x="0" y="0"/>
+          <a:ext cx="0" cy="0"/>
+          <a:chOff x="0" y="0"/>
+          <a:chExt cx="0" cy="0"/>
+        </a:xfrm>
+      </p:grpSpPr>
+      <p:pic>
+        <p:nvPicPr>
+          <p:cNvPr id="129" name="Google Shape;129;p27"/>
+          <p:cNvPicPr preferRelativeResize="0"/>
+          <p:nvPr/>
+        </p:nvPicPr>
+        <p:blipFill>
+          <a:blip r:embed="rId3">
+            <a:alphaModFix/>
+          </a:blip>
+          <a:stretch>
+            <a:fillRect/>
+          </a:stretch>
+        </p:blipFill>
+        <p:spPr>
+          <a:xfrm>
+            <a:off x="152400" y="152400"/>
+            <a:ext cx="7675179" cy="4838700"/>
+          </a:xfrm>
+          <a:prstGeom prst="rect">
+            <a:avLst/>
+          </a:prstGeom>
+          <a:noFill/>
+          <a:ln>
+            <a:noFill/>
+          </a:ln>
+        </p:spPr>
+      </p:pic>
+    </p:spTree>
+  </p:cSld>
+  <p:clrMapOvr>
+    <a:masterClrMapping/>
+  </p:clrMapOvr>
+</p:sld>
+</file>
+
+<file path=ppt/slides/slide16.xml><?xml version="1.0" encoding="utf-8"?>
+<p:sld xmlns:a="http://schemas.openxmlformats.org/drawingml/2006/main" xmlns:r="http://schemas.openxmlformats.org/officeDocument/2006/relationships" xmlns:mc="http://schemas.openxmlformats.org/markup-compatibility/2006" xmlns:mv="urn:schemas-microsoft-com:mac:vml" xmlns:p="http://schemas.openxmlformats.org/presentationml/2006/main" xmlns:c="http://schemas.openxmlformats.org/drawingml/2006/chart" xmlns:dgm="http://schemas.openxmlformats.org/drawingml/2006/diagram" xmlns:o="urn:schemas-microsoft-com:office:office" xmlns:v="urn:schemas-microsoft-com:vml" xmlns:pvml="urn:schemas-microsoft-com:office:powerpoint" xmlns:com="http://schemas.openxmlformats.org/drawingml/2006/compatibility" xmlns:p14="http://schemas.microsoft.com/office/powerpoint/2010/main" xmlns:p15="http://schemas.microsoft.com/office/powerpoint/2012/main" xmlns:ahyp="http://schemas.microsoft.com/office/drawing/2018/hyperlinkcolor">
+  <p:cSld>
+    <p:spTree>
+      <p:nvGrpSpPr>
+        <p:cNvPr id="133" name="Shape 133"/>
+        <p:cNvGrpSpPr/>
+        <p:nvPr/>
+      </p:nvGrpSpPr>
+      <p:grpSpPr>
+        <a:xfrm>
+          <a:off x="0" y="0"/>
+          <a:ext cx="0" cy="0"/>
+          <a:chOff x="0" y="0"/>
+          <a:chExt cx="0" cy="0"/>
+        </a:xfrm>
+      </p:grpSpPr>
+      <p:pic>
+        <p:nvPicPr>
+          <p:cNvPr id="134" name="Google Shape;134;p28"/>
+          <p:cNvPicPr preferRelativeResize="0"/>
+          <p:nvPr/>
+        </p:nvPicPr>
+        <p:blipFill>
+          <a:blip r:embed="rId3">
+            <a:alphaModFix/>
+          </a:blip>
+          <a:stretch>
+            <a:fillRect/>
+          </a:stretch>
+        </p:blipFill>
+        <p:spPr>
+          <a:xfrm>
+            <a:off x="152400" y="152400"/>
+            <a:ext cx="8839202" cy="2849205"/>
+          </a:xfrm>
+          <a:prstGeom prst="rect">
+            <a:avLst/>
+          </a:prstGeom>
+          <a:noFill/>
+          <a:ln>
+            <a:noFill/>
+          </a:ln>
+        </p:spPr>
+      </p:pic>
+    </p:spTree>
+  </p:cSld>
+  <p:clrMapOvr>
+    <a:masterClrMapping/>
+  </p:clrMapOvr>
+</p:sld>
+</file>
+
+<file path=ppt/slides/slide17.xml><?xml version="1.0" encoding="utf-8"?>
+<p:sld xmlns:a="http://schemas.openxmlformats.org/drawingml/2006/main" xmlns:r="http://schemas.openxmlformats.org/officeDocument/2006/relationships" xmlns:mc="http://schemas.openxmlformats.org/markup-compatibility/2006" xmlns:mv="urn:schemas-microsoft-com:mac:vml" xmlns:p="http://schemas.openxmlformats.org/presentationml/2006/main" xmlns:c="http://schemas.openxmlformats.org/drawingml/2006/chart" xmlns:dgm="http://schemas.openxmlformats.org/drawingml/2006/diagram" xmlns:o="urn:schemas-microsoft-com:office:office" xmlns:v="urn:schemas-microsoft-com:vml" xmlns:pvml="urn:schemas-microsoft-com:office:powerpoint" xmlns:com="http://schemas.openxmlformats.org/drawingml/2006/compatibility" xmlns:p14="http://schemas.microsoft.com/office/powerpoint/2010/main" xmlns:p15="http://schemas.microsoft.com/office/powerpoint/2012/main" xmlns:ahyp="http://schemas.microsoft.com/office/drawing/2018/hyperlinkcolor">
+  <p:cSld>
+    <p:spTree>
+      <p:nvGrpSpPr>
+        <p:cNvPr id="138" name="Shape 138"/>
+        <p:cNvGrpSpPr/>
+        <p:nvPr/>
+      </p:nvGrpSpPr>
+      <p:grpSpPr>
+        <a:xfrm>
+          <a:off x="0" y="0"/>
+          <a:ext cx="0" cy="0"/>
+          <a:chOff x="0" y="0"/>
+          <a:chExt cx="0" cy="0"/>
+        </a:xfrm>
+      </p:grpSpPr>
+      <p:pic>
+        <p:nvPicPr>
+          <p:cNvPr id="139" name="Google Shape;139;p29"/>
+          <p:cNvPicPr preferRelativeResize="0"/>
+          <p:nvPr/>
+        </p:nvPicPr>
+        <p:blipFill>
+          <a:blip r:embed="rId3">
+            <a:alphaModFix/>
+          </a:blip>
+          <a:stretch>
+            <a:fillRect/>
+          </a:stretch>
+        </p:blipFill>
+        <p:spPr>
+          <a:xfrm>
+            <a:off x="152400" y="152400"/>
+            <a:ext cx="7163703" cy="4838701"/>
+          </a:xfrm>
+          <a:prstGeom prst="rect">
+            <a:avLst/>
+          </a:prstGeom>
+          <a:noFill/>
+          <a:ln>
+            <a:noFill/>
+          </a:ln>
+        </p:spPr>
+      </p:pic>
+    </p:spTree>
+  </p:cSld>
+  <p:clrMapOvr>
+    <a:masterClrMapping/>
+  </p:clrMapOvr>
+</p:sld>
+</file>
+
+<file path=ppt/slides/slide18.xml><?xml version="1.0" encoding="utf-8"?>
+<p:sld xmlns:a="http://schemas.openxmlformats.org/drawingml/2006/main" xmlns:r="http://schemas.openxmlformats.org/officeDocument/2006/relationships" xmlns:mc="http://schemas.openxmlformats.org/markup-compatibility/2006" xmlns:mv="urn:schemas-microsoft-com:mac:vml" xmlns:p="http://schemas.openxmlformats.org/presentationml/2006/main" xmlns:c="http://schemas.openxmlformats.org/drawingml/2006/chart" xmlns:dgm="http://schemas.openxmlformats.org/drawingml/2006/diagram" xmlns:o="urn:schemas-microsoft-com:office:office" xmlns:v="urn:schemas-microsoft-com:vml" xmlns:pvml="urn:schemas-microsoft-com:office:powerpoint" xmlns:com="http://schemas.openxmlformats.org/drawingml/2006/compatibility" xmlns:p14="http://schemas.microsoft.com/office/powerpoint/2010/main" xmlns:p15="http://schemas.microsoft.com/office/powerpoint/2012/main" xmlns:ahyp="http://schemas.microsoft.com/office/drawing/2018/hyperlinkcolor">
+  <p:cSld>
+    <p:spTree>
+      <p:nvGrpSpPr>
+        <p:cNvPr id="143" name="Shape 143"/>
+        <p:cNvGrpSpPr/>
+        <p:nvPr/>
+      </p:nvGrpSpPr>
+      <p:grpSpPr>
+        <a:xfrm>
+          <a:off x="0" y="0"/>
+          <a:ext cx="0" cy="0"/>
+          <a:chOff x="0" y="0"/>
+          <a:chExt cx="0" cy="0"/>
+        </a:xfrm>
+      </p:grpSpPr>
+      <p:pic>
+        <p:nvPicPr>
+          <p:cNvPr id="144" name="Google Shape;144;p30"/>
+          <p:cNvPicPr preferRelativeResize="0"/>
+          <p:nvPr/>
+        </p:nvPicPr>
+        <p:blipFill>
+          <a:blip r:embed="rId3">
+            <a:alphaModFix/>
+          </a:blip>
+          <a:stretch>
+            <a:fillRect/>
+          </a:stretch>
+        </p:blipFill>
+        <p:spPr>
+          <a:xfrm>
+            <a:off x="152400" y="152400"/>
+            <a:ext cx="8467727" cy="4838701"/>
+          </a:xfrm>
+          <a:prstGeom prst="rect">
+            <a:avLst/>
+          </a:prstGeom>
+          <a:noFill/>
+          <a:ln>
+            <a:noFill/>
+          </a:ln>
+        </p:spPr>
+      </p:pic>
+    </p:spTree>
+  </p:cSld>
+  <p:clrMapOvr>
+    <a:masterClrMapping/>
+  </p:clrMapOvr>
+</p:sld>
+</file>
+
+<file path=ppt/slides/slide19.xml><?xml version="1.0" encoding="utf-8"?>
+<p:sld xmlns:a="http://schemas.openxmlformats.org/drawingml/2006/main" xmlns:r="http://schemas.openxmlformats.org/officeDocument/2006/relationships" xmlns:mc="http://schemas.openxmlformats.org/markup-compatibility/2006" xmlns:mv="urn:schemas-microsoft-com:mac:vml" xmlns:p="http://schemas.openxmlformats.org/presentationml/2006/main" xmlns:c="http://schemas.openxmlformats.org/drawingml/2006/chart" xmlns:dgm="http://schemas.openxmlformats.org/drawingml/2006/diagram" xmlns:o="urn:schemas-microsoft-com:office:office" xmlns:v="urn:schemas-microsoft-com:vml" xmlns:pvml="urn:schemas-microsoft-com:office:powerpoint" xmlns:com="http://schemas.openxmlformats.org/drawingml/2006/compatibility" xmlns:p14="http://schemas.microsoft.com/office/powerpoint/2010/main" xmlns:p15="http://schemas.microsoft.com/office/powerpoint/2012/main" xmlns:ahyp="http://schemas.microsoft.com/office/drawing/2018/hyperlinkcolor">
+  <p:cSld>
+    <p:spTree>
+      <p:nvGrpSpPr>
+        <p:cNvPr id="148" name="Shape 148"/>
+        <p:cNvGrpSpPr/>
+        <p:nvPr/>
+      </p:nvGrpSpPr>
+      <p:grpSpPr>
+        <a:xfrm>
+          <a:off x="0" y="0"/>
+          <a:ext cx="0" cy="0"/>
+          <a:chOff x="0" y="0"/>
+          <a:chExt cx="0" cy="0"/>
+        </a:xfrm>
+      </p:grpSpPr>
+      <p:pic>
+        <p:nvPicPr>
+          <p:cNvPr id="149" name="Google Shape;149;p31"/>
+          <p:cNvPicPr preferRelativeResize="0"/>
+          <p:nvPr/>
+        </p:nvPicPr>
+        <p:blipFill>
+          <a:blip r:embed="rId3">
+            <a:alphaModFix/>
+          </a:blip>
+          <a:stretch>
+            <a:fillRect/>
+          </a:stretch>
+        </p:blipFill>
+        <p:spPr>
+          <a:xfrm>
+            <a:off x="152400" y="152400"/>
+            <a:ext cx="7126818" cy="4838699"/>
+          </a:xfrm>
+          <a:prstGeom prst="rect">
+            <a:avLst/>
+          </a:prstGeom>
+          <a:noFill/>
+          <a:ln>
+            <a:noFill/>
+          </a:ln>
+        </p:spPr>
+      </p:pic>
+    </p:spTree>
+  </p:cSld>
+  <p:clrMapOvr>
+    <a:masterClrMapping/>
+  </p:clrMapOvr>
+</p:sld>
+</file>
+
 <file path=ppt/slides/slide2.xml><?xml version="1.0" encoding="utf-8"?>
+<p:sld xmlns:a="http://schemas.openxmlformats.org/drawingml/2006/main" xmlns:r="http://schemas.openxmlformats.org/officeDocument/2006/relationships" xmlns:mc="http://schemas.openxmlformats.org/markup-compatibility/2006" xmlns:mv="urn:schemas-microsoft-com:mac:vml" xmlns:p="http://schemas.openxmlformats.org/presentationml/2006/main" xmlns:c="http://schemas.openxmlformats.org/drawingml/2006/chart" xmlns:dgm="http://schemas.openxmlformats.org/drawingml/2006/diagram" xmlns:o="urn:schemas-microsoft-com:office:office" xmlns:v="urn:schemas-microsoft-com:vml" xmlns:pvml="urn:schemas-microsoft-com:office:powerpoint" xmlns:com="http://schemas.openxmlformats.org/drawingml/2006/compatibility" xmlns:p14="http://schemas.microsoft.com/office/powerpoint/2010/main" xmlns:p15="http://schemas.microsoft.com/office/powerpoint/2012/main" xmlns:ahyp="http://schemas.microsoft.com/office/drawing/2018/hyperlinkcolor">
+  <p:cSld>
+    <p:spTree>
+      <p:nvGrpSpPr>
+        <p:cNvPr id="60" name="Shape 60"/>
+        <p:cNvGrpSpPr/>
+        <p:nvPr/>
+      </p:nvGrpSpPr>
+      <p:grpSpPr>
+        <a:xfrm>
+          <a:off x="0" y="0"/>
+          <a:ext cx="0" cy="0"/>
+          <a:chOff x="0" y="0"/>
+          <a:chExt cx="0" cy="0"/>
+        </a:xfrm>
+      </p:grpSpPr>
+      <p:sp>
+        <p:nvSpPr>
+          <p:cNvPr id="61" name="Google Shape;61;p14"/>
+          <p:cNvSpPr txBox="1"/>
+          <p:nvPr>
+            <p:ph type="title"/>
+          </p:nvPr>
+        </p:nvSpPr>
+        <p:spPr>
+          <a:xfrm>
+            <a:off x="311700" y="2150850"/>
+            <a:ext cx="8520600" cy="841800"/>
+          </a:xfrm>
+          <a:prstGeom prst="rect">
+            <a:avLst/>
+          </a:prstGeom>
+        </p:spPr>
+        <p:txBody>
+          <a:bodyPr anchorCtr="0" anchor="ctr" bIns="91425" lIns="91425" spcFirstLastPara="1" rIns="91425" wrap="square" tIns="91425">
+            <a:normAutofit/>
+          </a:bodyPr>
+          <a:lstStyle/>
+          <a:p>
+            <a:pPr indent="0" lvl="0" marL="0" rtl="0" algn="ctr">
+              <a:spcBef>
+                <a:spcPts val="0"/>
+              </a:spcBef>
+              <a:spcAft>
+                <a:spcPts val="0"/>
+              </a:spcAft>
+              <a:buNone/>
+            </a:pPr>
+            <a:r>
+              <a:rPr lang="en"/>
+              <a:t>Ideation Phase</a:t>
+            </a:r>
+            <a:endParaRPr/>
+          </a:p>
+        </p:txBody>
+      </p:sp>
+    </p:spTree>
+  </p:cSld>
+  <p:clrMapOvr>
+    <a:masterClrMapping/>
+  </p:clrMapOvr>
+</p:sld>
+</file>
+
+<file path=ppt/slides/slide20.xml><?xml version="1.0" encoding="utf-8"?>
+<p:sld xmlns:a="http://schemas.openxmlformats.org/drawingml/2006/main" xmlns:r="http://schemas.openxmlformats.org/officeDocument/2006/relationships" xmlns:mc="http://schemas.openxmlformats.org/markup-compatibility/2006" xmlns:mv="urn:schemas-microsoft-com:mac:vml" xmlns:p="http://schemas.openxmlformats.org/presentationml/2006/main" xmlns:c="http://schemas.openxmlformats.org/drawingml/2006/chart" xmlns:dgm="http://schemas.openxmlformats.org/drawingml/2006/diagram" xmlns:o="urn:schemas-microsoft-com:office:office" xmlns:v="urn:schemas-microsoft-com:vml" xmlns:pvml="urn:schemas-microsoft-com:office:powerpoint" xmlns:com="http://schemas.openxmlformats.org/drawingml/2006/compatibility" xmlns:p14="http://schemas.microsoft.com/office/powerpoint/2010/main" xmlns:p15="http://schemas.microsoft.com/office/powerpoint/2012/main" xmlns:ahyp="http://schemas.microsoft.com/office/drawing/2018/hyperlinkcolor">
+  <p:cSld>
+    <p:spTree>
+      <p:nvGrpSpPr>
+        <p:cNvPr id="153" name="Shape 153"/>
+        <p:cNvGrpSpPr/>
+        <p:nvPr/>
+      </p:nvGrpSpPr>
+      <p:grpSpPr>
+        <a:xfrm>
+          <a:off x="0" y="0"/>
+          <a:ext cx="0" cy="0"/>
+          <a:chOff x="0" y="0"/>
+          <a:chExt cx="0" cy="0"/>
+        </a:xfrm>
+      </p:grpSpPr>
+      <p:pic>
+        <p:nvPicPr>
+          <p:cNvPr id="154" name="Google Shape;154;p32"/>
+          <p:cNvPicPr preferRelativeResize="0"/>
+          <p:nvPr/>
+        </p:nvPicPr>
+        <p:blipFill>
+          <a:blip r:embed="rId3">
+            <a:alphaModFix/>
+          </a:blip>
+          <a:stretch>
+            <a:fillRect/>
+          </a:stretch>
+        </p:blipFill>
+        <p:spPr>
+          <a:xfrm>
+            <a:off x="152400" y="152400"/>
+            <a:ext cx="7163703" cy="4838701"/>
+          </a:xfrm>
+          <a:prstGeom prst="rect">
+            <a:avLst/>
+          </a:prstGeom>
+          <a:noFill/>
+          <a:ln>
+            <a:noFill/>
+          </a:ln>
+        </p:spPr>
+      </p:pic>
+    </p:spTree>
+  </p:cSld>
+  <p:clrMapOvr>
+    <a:masterClrMapping/>
+  </p:clrMapOvr>
+</p:sld>
+</file>
+
+<file path=ppt/slides/slide21.xml><?xml version="1.0" encoding="utf-8"?>
+<p:sld xmlns:a="http://schemas.openxmlformats.org/drawingml/2006/main" xmlns:r="http://schemas.openxmlformats.org/officeDocument/2006/relationships" xmlns:mc="http://schemas.openxmlformats.org/markup-compatibility/2006" xmlns:mv="urn:schemas-microsoft-com:mac:vml" xmlns:p="http://schemas.openxmlformats.org/presentationml/2006/main" xmlns:c="http://schemas.openxmlformats.org/drawingml/2006/chart" xmlns:dgm="http://schemas.openxmlformats.org/drawingml/2006/diagram" xmlns:o="urn:schemas-microsoft-com:office:office" xmlns:v="urn:schemas-microsoft-com:vml" xmlns:pvml="urn:schemas-microsoft-com:office:powerpoint" xmlns:com="http://schemas.openxmlformats.org/drawingml/2006/compatibility" xmlns:p14="http://schemas.microsoft.com/office/powerpoint/2010/main" xmlns:p15="http://schemas.microsoft.com/office/powerpoint/2012/main" xmlns:ahyp="http://schemas.microsoft.com/office/drawing/2018/hyperlinkcolor">
+  <p:cSld>
+    <p:spTree>
+      <p:nvGrpSpPr>
+        <p:cNvPr id="158" name="Shape 158"/>
+        <p:cNvGrpSpPr/>
+        <p:nvPr/>
+      </p:nvGrpSpPr>
+      <p:grpSpPr>
+        <a:xfrm>
+          <a:off x="0" y="0"/>
+          <a:ext cx="0" cy="0"/>
+          <a:chOff x="0" y="0"/>
+          <a:chExt cx="0" cy="0"/>
+        </a:xfrm>
+      </p:grpSpPr>
+      <p:pic>
+        <p:nvPicPr>
+          <p:cNvPr id="159" name="Google Shape;159;p33"/>
+          <p:cNvPicPr preferRelativeResize="0"/>
+          <p:nvPr/>
+        </p:nvPicPr>
+        <p:blipFill>
+          <a:blip r:embed="rId3">
+            <a:alphaModFix/>
+          </a:blip>
+          <a:stretch>
+            <a:fillRect/>
+          </a:stretch>
+        </p:blipFill>
+        <p:spPr>
+          <a:xfrm>
+            <a:off x="152400" y="152400"/>
+            <a:ext cx="7144119" cy="4838700"/>
+          </a:xfrm>
+          <a:prstGeom prst="rect">
+            <a:avLst/>
+          </a:prstGeom>
+          <a:noFill/>
+          <a:ln>
+            <a:noFill/>
+          </a:ln>
+        </p:spPr>
+      </p:pic>
+    </p:spTree>
+  </p:cSld>
+  <p:clrMapOvr>
+    <a:masterClrMapping/>
+  </p:clrMapOvr>
+</p:sld>
+</file>
+
+<file path=ppt/slides/slide22.xml><?xml version="1.0" encoding="utf-8"?>
+<p:sld xmlns:a="http://schemas.openxmlformats.org/drawingml/2006/main" xmlns:r="http://schemas.openxmlformats.org/officeDocument/2006/relationships" xmlns:mc="http://schemas.openxmlformats.org/markup-compatibility/2006" xmlns:mv="urn:schemas-microsoft-com:mac:vml" xmlns:p="http://schemas.openxmlformats.org/presentationml/2006/main" xmlns:c="http://schemas.openxmlformats.org/drawingml/2006/chart" xmlns:dgm="http://schemas.openxmlformats.org/drawingml/2006/diagram" xmlns:o="urn:schemas-microsoft-com:office:office" xmlns:v="urn:schemas-microsoft-com:vml" xmlns:pvml="urn:schemas-microsoft-com:office:powerpoint" xmlns:com="http://schemas.openxmlformats.org/drawingml/2006/compatibility" xmlns:p14="http://schemas.microsoft.com/office/powerpoint/2010/main" xmlns:p15="http://schemas.microsoft.com/office/powerpoint/2012/main" xmlns:ahyp="http://schemas.microsoft.com/office/drawing/2018/hyperlinkcolor">
+  <p:cSld>
+    <p:spTree>
+      <p:nvGrpSpPr>
+        <p:cNvPr id="163" name="Shape 163"/>
+        <p:cNvGrpSpPr/>
+        <p:nvPr/>
+      </p:nvGrpSpPr>
+      <p:grpSpPr>
+        <a:xfrm>
+          <a:off x="0" y="0"/>
+          <a:ext cx="0" cy="0"/>
+          <a:chOff x="0" y="0"/>
+          <a:chExt cx="0" cy="0"/>
+        </a:xfrm>
+      </p:grpSpPr>
+      <p:pic>
+        <p:nvPicPr>
+          <p:cNvPr id="164" name="Google Shape;164;p34"/>
+          <p:cNvPicPr preferRelativeResize="0"/>
+          <p:nvPr/>
+        </p:nvPicPr>
+        <p:blipFill>
+          <a:blip r:embed="rId3">
+            <a:alphaModFix/>
+          </a:blip>
+          <a:stretch>
+            <a:fillRect/>
+          </a:stretch>
+        </p:blipFill>
+        <p:spPr>
+          <a:xfrm>
+            <a:off x="152400" y="152400"/>
+            <a:ext cx="7133897" cy="4838701"/>
+          </a:xfrm>
+          <a:prstGeom prst="rect">
+            <a:avLst/>
+          </a:prstGeom>
+          <a:noFill/>
+          <a:ln>
+            <a:noFill/>
+          </a:ln>
+        </p:spPr>
+      </p:pic>
+    </p:spTree>
+  </p:cSld>
+  <p:clrMapOvr>
+    <a:masterClrMapping/>
+  </p:clrMapOvr>
+</p:sld>
+</file>
+
+<file path=ppt/slides/slide23.xml><?xml version="1.0" encoding="utf-8"?>
+<p:sld xmlns:a="http://schemas.openxmlformats.org/drawingml/2006/main" xmlns:r="http://schemas.openxmlformats.org/officeDocument/2006/relationships" xmlns:mc="http://schemas.openxmlformats.org/markup-compatibility/2006" xmlns:mv="urn:schemas-microsoft-com:mac:vml" xmlns:p="http://schemas.openxmlformats.org/presentationml/2006/main" xmlns:c="http://schemas.openxmlformats.org/drawingml/2006/chart" xmlns:dgm="http://schemas.openxmlformats.org/drawingml/2006/diagram" xmlns:o="urn:schemas-microsoft-com:office:office" xmlns:v="urn:schemas-microsoft-com:vml" xmlns:pvml="urn:schemas-microsoft-com:office:powerpoint" xmlns:com="http://schemas.openxmlformats.org/drawingml/2006/compatibility" xmlns:p14="http://schemas.microsoft.com/office/powerpoint/2010/main" xmlns:p15="http://schemas.microsoft.com/office/powerpoint/2012/main" xmlns:ahyp="http://schemas.microsoft.com/office/drawing/2018/hyperlinkcolor">
+  <p:cSld>
+    <p:spTree>
+      <p:nvGrpSpPr>
+        <p:cNvPr id="168" name="Shape 168"/>
+        <p:cNvGrpSpPr/>
+        <p:nvPr/>
+      </p:nvGrpSpPr>
+      <p:grpSpPr>
+        <a:xfrm>
+          <a:off x="0" y="0"/>
+          <a:ext cx="0" cy="0"/>
+          <a:chOff x="0" y="0"/>
+          <a:chExt cx="0" cy="0"/>
+        </a:xfrm>
+      </p:grpSpPr>
+      <p:pic>
+        <p:nvPicPr>
+          <p:cNvPr id="169" name="Google Shape;169;p35"/>
+          <p:cNvPicPr preferRelativeResize="0"/>
+          <p:nvPr/>
+        </p:nvPicPr>
+        <p:blipFill>
+          <a:blip r:embed="rId3">
+            <a:alphaModFix/>
+          </a:blip>
+          <a:stretch>
+            <a:fillRect/>
+          </a:stretch>
+        </p:blipFill>
+        <p:spPr>
+          <a:xfrm>
+            <a:off x="152400" y="152400"/>
+            <a:ext cx="6992869" cy="4838699"/>
+          </a:xfrm>
+          <a:prstGeom prst="rect">
+            <a:avLst/>
+          </a:prstGeom>
+          <a:noFill/>
+          <a:ln>
+            <a:noFill/>
+          </a:ln>
+        </p:spPr>
+      </p:pic>
+    </p:spTree>
+  </p:cSld>
+  <p:clrMapOvr>
+    <a:masterClrMapping/>
+  </p:clrMapOvr>
+</p:sld>
+</file>
+
+<file path=ppt/slides/slide24.xml><?xml version="1.0" encoding="utf-8"?>
+<p:sld xmlns:a="http://schemas.openxmlformats.org/drawingml/2006/main" xmlns:r="http://schemas.openxmlformats.org/officeDocument/2006/relationships" xmlns:mc="http://schemas.openxmlformats.org/markup-compatibility/2006" xmlns:mv="urn:schemas-microsoft-com:mac:vml" xmlns:p="http://schemas.openxmlformats.org/presentationml/2006/main" xmlns:c="http://schemas.openxmlformats.org/drawingml/2006/chart" xmlns:dgm="http://schemas.openxmlformats.org/drawingml/2006/diagram" xmlns:o="urn:schemas-microsoft-com:office:office" xmlns:v="urn:schemas-microsoft-com:vml" xmlns:pvml="urn:schemas-microsoft-com:office:powerpoint" xmlns:com="http://schemas.openxmlformats.org/drawingml/2006/compatibility" xmlns:p14="http://schemas.microsoft.com/office/powerpoint/2010/main" xmlns:p15="http://schemas.microsoft.com/office/powerpoint/2012/main" xmlns:ahyp="http://schemas.microsoft.com/office/drawing/2018/hyperlinkcolor">
+  <p:cSld>
+    <p:spTree>
+      <p:nvGrpSpPr>
+        <p:cNvPr id="173" name="Shape 173"/>
+        <p:cNvGrpSpPr/>
+        <p:nvPr/>
+      </p:nvGrpSpPr>
+      <p:grpSpPr>
+        <a:xfrm>
+          <a:off x="0" y="0"/>
+          <a:ext cx="0" cy="0"/>
+          <a:chOff x="0" y="0"/>
+          <a:chExt cx="0" cy="0"/>
+        </a:xfrm>
+      </p:grpSpPr>
+      <p:pic>
+        <p:nvPicPr>
+          <p:cNvPr id="174" name="Google Shape;174;p36"/>
+          <p:cNvPicPr preferRelativeResize="0"/>
+          <p:nvPr/>
+        </p:nvPicPr>
+        <p:blipFill>
+          <a:blip r:embed="rId3">
+            <a:alphaModFix/>
+          </a:blip>
+          <a:stretch>
+            <a:fillRect/>
+          </a:stretch>
+        </p:blipFill>
+        <p:spPr>
+          <a:xfrm>
+            <a:off x="152400" y="152400"/>
+            <a:ext cx="6872638" cy="4838700"/>
+          </a:xfrm>
+          <a:prstGeom prst="rect">
+            <a:avLst/>
+          </a:prstGeom>
+          <a:noFill/>
+          <a:ln>
+            <a:noFill/>
+          </a:ln>
+        </p:spPr>
+      </p:pic>
+    </p:spTree>
+  </p:cSld>
+  <p:clrMapOvr>
+    <a:masterClrMapping/>
+  </p:clrMapOvr>
+</p:sld>
+</file>
+
+<file path=ppt/slides/slide3.xml><?xml version="1.0" encoding="utf-8"?>
 <p:sld xmlns:a="http://schemas.openxmlformats.org/drawingml/2006/main" xmlns:r="http://schemas.openxmlformats.org/officeDocument/2006/relationships" xmlns:mc="http://schemas.openxmlformats.org/markup-compatibility/2006" xmlns:mv="urn:schemas-microsoft-com:mac:vml" xmlns:p="http://schemas.openxmlformats.org/presentationml/2006/main" xmlns:c="http://schemas.openxmlformats.org/drawingml/2006/chart" xmlns:dgm="http://schemas.openxmlformats.org/drawingml/2006/diagram" xmlns:o="urn:schemas-microsoft-com:office:office" xmlns:v="urn:schemas-microsoft-com:vml" xmlns:pvml="urn:schemas-microsoft-com:office:powerpoint" xmlns:com="http://schemas.openxmlformats.org/drawingml/2006/compatibility" xmlns:p14="http://schemas.microsoft.com/office/powerpoint/2010/main" xmlns:p15="http://schemas.microsoft.com/office/powerpoint/2012/main" xmlns:ahyp="http://schemas.microsoft.com/office/drawing/2018/hyperlinkcolor">
   <p:cSld>
     <p:spTree>
@@ -6610,7 +8794,7 @@
       </p:grpSpPr>
       <p:sp>
         <p:nvSpPr>
-          <p:cNvPr id="66" name="Google Shape;66;p14"/>
+          <p:cNvPr id="66" name="Google Shape;66;p15"/>
           <p:cNvSpPr txBox="1"/>
           <p:nvPr>
             <p:ph type="title"/>
@@ -6650,7 +8834,7 @@
       </p:sp>
       <p:sp>
         <p:nvSpPr>
-          <p:cNvPr id="67" name="Google Shape;67;p14"/>
+          <p:cNvPr id="67" name="Google Shape;67;p15"/>
           <p:cNvSpPr txBox="1"/>
           <p:nvPr>
             <p:ph idx="1" type="body"/>
@@ -6785,13 +8969,13 @@
 </p:sld>
 </file>
 
-<file path=ppt/slides/slide3.xml><?xml version="1.0" encoding="utf-8"?>
+<file path=ppt/slides/slide4.xml><?xml version="1.0" encoding="utf-8"?>
 <p:sld xmlns:a="http://schemas.openxmlformats.org/drawingml/2006/main" xmlns:r="http://schemas.openxmlformats.org/officeDocument/2006/relationships" xmlns:mc="http://schemas.openxmlformats.org/markup-compatibility/2006" xmlns:mv="urn:schemas-microsoft-com:mac:vml" xmlns:p="http://schemas.openxmlformats.org/presentationml/2006/main" xmlns:c="http://schemas.openxmlformats.org/drawingml/2006/chart" xmlns:dgm="http://schemas.openxmlformats.org/drawingml/2006/diagram" xmlns:o="urn:schemas-microsoft-com:office:office" xmlns:v="urn:schemas-microsoft-com:vml" xmlns:pvml="urn:schemas-microsoft-com:office:powerpoint" xmlns:com="http://schemas.openxmlformats.org/drawingml/2006/compatibility" xmlns:p14="http://schemas.microsoft.com/office/powerpoint/2010/main" xmlns:p15="http://schemas.microsoft.com/office/powerpoint/2012/main" xmlns:ahyp="http://schemas.microsoft.com/office/drawing/2018/hyperlinkcolor">
   <p:cSld>
     <p:bg>
       <p:bgPr>
         <a:solidFill>
-          <a:schemeClr val="dk1"/>
+          <a:schemeClr val="lt1"/>
         </a:solidFill>
       </p:bgPr>
     </p:bg>
@@ -6811,7 +8995,7 @@
       </p:grpSpPr>
       <p:pic>
         <p:nvPicPr>
-          <p:cNvPr id="72" name="Google Shape;72;p15"/>
+          <p:cNvPr id="72" name="Google Shape;72;p16"/>
           <p:cNvPicPr preferRelativeResize="0"/>
           <p:nvPr/>
         </p:nvPicPr>
@@ -6845,7 +9029,7 @@
 </p:sld>
 </file>
 
-<file path=ppt/slides/slide4.xml><?xml version="1.0" encoding="utf-8"?>
+<file path=ppt/slides/slide5.xml><?xml version="1.0" encoding="utf-8"?>
 <p:sld xmlns:a="http://schemas.openxmlformats.org/drawingml/2006/main" xmlns:r="http://schemas.openxmlformats.org/officeDocument/2006/relationships" xmlns:mc="http://schemas.openxmlformats.org/markup-compatibility/2006" xmlns:mv="urn:schemas-microsoft-com:mac:vml" xmlns:p="http://schemas.openxmlformats.org/presentationml/2006/main" xmlns:c="http://schemas.openxmlformats.org/drawingml/2006/chart" xmlns:dgm="http://schemas.openxmlformats.org/drawingml/2006/diagram" xmlns:o="urn:schemas-microsoft-com:office:office" xmlns:v="urn:schemas-microsoft-com:vml" xmlns:pvml="urn:schemas-microsoft-com:office:powerpoint" xmlns:com="http://schemas.openxmlformats.org/drawingml/2006/compatibility" xmlns:p14="http://schemas.microsoft.com/office/powerpoint/2010/main" xmlns:p15="http://schemas.microsoft.com/office/powerpoint/2012/main" xmlns:ahyp="http://schemas.microsoft.com/office/drawing/2018/hyperlinkcolor">
   <p:cSld>
     <p:spTree>
@@ -6864,7 +9048,7 @@
       </p:grpSpPr>
       <p:sp>
         <p:nvSpPr>
-          <p:cNvPr id="77" name="Google Shape;77;p16"/>
+          <p:cNvPr id="77" name="Google Shape;77;p17"/>
           <p:cNvSpPr txBox="1"/>
           <p:nvPr>
             <p:ph type="title"/>
@@ -6904,7 +9088,7 @@
       </p:sp>
       <p:sp>
         <p:nvSpPr>
-          <p:cNvPr id="78" name="Google Shape;78;p16"/>
+          <p:cNvPr id="78" name="Google Shape;78;p17"/>
           <p:cNvSpPr txBox="1"/>
           <p:nvPr>
             <p:ph idx="1" type="body"/>
@@ -6921,7 +9105,7 @@
         </p:spPr>
         <p:txBody>
           <a:bodyPr anchorCtr="0" anchor="t" bIns="91425" lIns="91425" spcFirstLastPara="1" rIns="91425" wrap="square" tIns="91425">
-            <a:normAutofit fontScale="92500" lnSpcReduction="20000"/>
+            <a:normAutofit fontScale="85000" lnSpcReduction="10000"/>
           </a:bodyPr>
           <a:lstStyle/>
           <a:p>
@@ -6941,7 +9125,7 @@
             <a:endParaRPr/>
           </a:p>
           <a:p>
-            <a:pPr indent="-334327" lvl="0" marL="457200" rtl="0" algn="l">
+            <a:pPr indent="-325755" lvl="0" marL="457200" rtl="0" algn="l">
               <a:spcBef>
                 <a:spcPts val="1200"/>
               </a:spcBef>
@@ -6958,7 +9142,7 @@
             <a:endParaRPr/>
           </a:p>
           <a:p>
-            <a:pPr indent="-334327" lvl="0" marL="457200" rtl="0" algn="l">
+            <a:pPr indent="-325755" lvl="0" marL="457200" rtl="0" algn="l">
               <a:spcBef>
                 <a:spcPts val="0"/>
               </a:spcBef>
@@ -6975,7 +9159,7 @@
             <a:endParaRPr/>
           </a:p>
           <a:p>
-            <a:pPr indent="-334327" lvl="0" marL="457200" rtl="0" algn="l">
+            <a:pPr indent="-325755" lvl="0" marL="457200" rtl="0" algn="l">
               <a:spcBef>
                 <a:spcPts val="0"/>
               </a:spcBef>
@@ -6992,7 +9176,7 @@
             <a:endParaRPr/>
           </a:p>
           <a:p>
-            <a:pPr indent="-334327" lvl="0" marL="457200" rtl="0" algn="l">
+            <a:pPr indent="-325755" lvl="0" marL="457200" rtl="0" algn="l">
               <a:spcBef>
                 <a:spcPts val="0"/>
               </a:spcBef>
@@ -7025,7 +9209,7 @@
             <a:endParaRPr/>
           </a:p>
           <a:p>
-            <a:pPr indent="-334327" lvl="0" marL="457200" rtl="0" algn="l">
+            <a:pPr indent="-325755" lvl="0" marL="457200" rtl="0" algn="l">
               <a:spcBef>
                 <a:spcPts val="1200"/>
               </a:spcBef>
@@ -7042,7 +9226,7 @@
             <a:endParaRPr/>
           </a:p>
           <a:p>
-            <a:pPr indent="-334327" lvl="0" marL="457200" rtl="0" algn="l">
+            <a:pPr indent="-325755" lvl="0" marL="457200" rtl="0" algn="l">
               <a:spcBef>
                 <a:spcPts val="0"/>
               </a:spcBef>
@@ -7059,7 +9243,7 @@
             <a:endParaRPr/>
           </a:p>
           <a:p>
-            <a:pPr indent="-334327" lvl="0" marL="457200" rtl="0" algn="l">
+            <a:pPr indent="-325755" lvl="0" marL="457200" rtl="0" algn="l">
               <a:spcBef>
                 <a:spcPts val="0"/>
               </a:spcBef>
@@ -7076,7 +9260,7 @@
             <a:endParaRPr/>
           </a:p>
           <a:p>
-            <a:pPr indent="-334327" lvl="0" marL="457200" rtl="0" algn="l">
+            <a:pPr indent="-325755" lvl="0" marL="457200" rtl="0" algn="l">
               <a:spcBef>
                 <a:spcPts val="0"/>
               </a:spcBef>
@@ -7093,7 +9277,7 @@
             <a:endParaRPr/>
           </a:p>
           <a:p>
-            <a:pPr indent="-334327" lvl="0" marL="457200" rtl="0" algn="l">
+            <a:pPr indent="-325755" lvl="0" marL="457200" rtl="0" algn="l">
               <a:spcBef>
                 <a:spcPts val="0"/>
               </a:spcBef>
@@ -7119,7 +9303,7 @@
 </p:sld>
 </file>
 
-<file path=ppt/slides/slide5.xml><?xml version="1.0" encoding="utf-8"?>
+<file path=ppt/slides/slide6.xml><?xml version="1.0" encoding="utf-8"?>
 <p:sld xmlns:a="http://schemas.openxmlformats.org/drawingml/2006/main" xmlns:r="http://schemas.openxmlformats.org/officeDocument/2006/relationships" xmlns:mc="http://schemas.openxmlformats.org/markup-compatibility/2006" xmlns:mv="urn:schemas-microsoft-com:mac:vml" xmlns:p="http://schemas.openxmlformats.org/presentationml/2006/main" xmlns:c="http://schemas.openxmlformats.org/drawingml/2006/chart" xmlns:dgm="http://schemas.openxmlformats.org/drawingml/2006/diagram" xmlns:o="urn:schemas-microsoft-com:office:office" xmlns:v="urn:schemas-microsoft-com:vml" xmlns:pvml="urn:schemas-microsoft-com:office:powerpoint" xmlns:com="http://schemas.openxmlformats.org/drawingml/2006/compatibility" xmlns:p14="http://schemas.microsoft.com/office/powerpoint/2010/main" xmlns:p15="http://schemas.microsoft.com/office/powerpoint/2012/main" xmlns:ahyp="http://schemas.microsoft.com/office/drawing/2018/hyperlinkcolor">
   <p:cSld>
     <p:spTree>
@@ -7138,7 +9322,7 @@
       </p:grpSpPr>
       <p:sp>
         <p:nvSpPr>
-          <p:cNvPr id="83" name="Google Shape;83;p17"/>
+          <p:cNvPr id="83" name="Google Shape;83;p18"/>
           <p:cNvSpPr txBox="1"/>
           <p:nvPr>
             <p:ph type="title"/>
@@ -7178,7 +9362,7 @@
       </p:sp>
       <p:sp>
         <p:nvSpPr>
-          <p:cNvPr id="84" name="Google Shape;84;p17"/>
+          <p:cNvPr id="84" name="Google Shape;84;p18"/>
           <p:cNvSpPr txBox="1"/>
           <p:nvPr>
             <p:ph idx="1" type="body"/>
@@ -7291,45 +9475,216 @@
 </p:sld>
 </file>
 
+<file path=ppt/slides/slide7.xml><?xml version="1.0" encoding="utf-8"?>
+<p:sld xmlns:a="http://schemas.openxmlformats.org/drawingml/2006/main" xmlns:r="http://schemas.openxmlformats.org/officeDocument/2006/relationships" xmlns:mc="http://schemas.openxmlformats.org/markup-compatibility/2006" xmlns:mv="urn:schemas-microsoft-com:mac:vml" xmlns:p="http://schemas.openxmlformats.org/presentationml/2006/main" xmlns:c="http://schemas.openxmlformats.org/drawingml/2006/chart" xmlns:dgm="http://schemas.openxmlformats.org/drawingml/2006/diagram" xmlns:o="urn:schemas-microsoft-com:office:office" xmlns:v="urn:schemas-microsoft-com:vml" xmlns:pvml="urn:schemas-microsoft-com:office:powerpoint" xmlns:com="http://schemas.openxmlformats.org/drawingml/2006/compatibility" xmlns:p14="http://schemas.microsoft.com/office/powerpoint/2010/main" xmlns:p15="http://schemas.microsoft.com/office/powerpoint/2012/main" xmlns:ahyp="http://schemas.microsoft.com/office/drawing/2018/hyperlinkcolor">
+  <p:cSld>
+    <p:spTree>
+      <p:nvGrpSpPr>
+        <p:cNvPr id="88" name="Shape 88"/>
+        <p:cNvGrpSpPr/>
+        <p:nvPr/>
+      </p:nvGrpSpPr>
+      <p:grpSpPr>
+        <a:xfrm>
+          <a:off x="0" y="0"/>
+          <a:ext cx="0" cy="0"/>
+          <a:chOff x="0" y="0"/>
+          <a:chExt cx="0" cy="0"/>
+        </a:xfrm>
+      </p:grpSpPr>
+      <p:sp>
+        <p:nvSpPr>
+          <p:cNvPr id="89" name="Google Shape;89;p19"/>
+          <p:cNvSpPr txBox="1"/>
+          <p:nvPr>
+            <p:ph type="title"/>
+          </p:nvPr>
+        </p:nvSpPr>
+        <p:spPr>
+          <a:xfrm>
+            <a:off x="311700" y="2150850"/>
+            <a:ext cx="8520600" cy="841800"/>
+          </a:xfrm>
+          <a:prstGeom prst="rect">
+            <a:avLst/>
+          </a:prstGeom>
+        </p:spPr>
+        <p:txBody>
+          <a:bodyPr anchorCtr="0" anchor="ctr" bIns="91425" lIns="91425" spcFirstLastPara="1" rIns="91425" wrap="square" tIns="91425">
+            <a:normAutofit/>
+          </a:bodyPr>
+          <a:lstStyle/>
+          <a:p>
+            <a:pPr indent="0" lvl="0" marL="0" rtl="0" algn="ctr">
+              <a:spcBef>
+                <a:spcPts val="0"/>
+              </a:spcBef>
+              <a:spcAft>
+                <a:spcPts val="0"/>
+              </a:spcAft>
+              <a:buNone/>
+            </a:pPr>
+            <a:r>
+              <a:rPr lang="en"/>
+              <a:t>Project Building Phase</a:t>
+            </a:r>
+            <a:endParaRPr/>
+          </a:p>
+        </p:txBody>
+      </p:sp>
+    </p:spTree>
+  </p:cSld>
+  <p:clrMapOvr>
+    <a:masterClrMapping/>
+  </p:clrMapOvr>
+</p:sld>
+</file>
+
+<file path=ppt/slides/slide8.xml><?xml version="1.0" encoding="utf-8"?>
+<p:sld xmlns:a="http://schemas.openxmlformats.org/drawingml/2006/main" xmlns:r="http://schemas.openxmlformats.org/officeDocument/2006/relationships" xmlns:mc="http://schemas.openxmlformats.org/markup-compatibility/2006" xmlns:mv="urn:schemas-microsoft-com:mac:vml" xmlns:p="http://schemas.openxmlformats.org/presentationml/2006/main" xmlns:c="http://schemas.openxmlformats.org/drawingml/2006/chart" xmlns:dgm="http://schemas.openxmlformats.org/drawingml/2006/diagram" xmlns:o="urn:schemas-microsoft-com:office:office" xmlns:v="urn:schemas-microsoft-com:vml" xmlns:pvml="urn:schemas-microsoft-com:office:powerpoint" xmlns:com="http://schemas.openxmlformats.org/drawingml/2006/compatibility" xmlns:p14="http://schemas.microsoft.com/office/powerpoint/2010/main" xmlns:p15="http://schemas.microsoft.com/office/powerpoint/2012/main" xmlns:ahyp="http://schemas.microsoft.com/office/drawing/2018/hyperlinkcolor">
+  <p:cSld>
+    <p:spTree>
+      <p:nvGrpSpPr>
+        <p:cNvPr id="93" name="Shape 93"/>
+        <p:cNvGrpSpPr/>
+        <p:nvPr/>
+      </p:nvGrpSpPr>
+      <p:grpSpPr>
+        <a:xfrm>
+          <a:off x="0" y="0"/>
+          <a:ext cx="0" cy="0"/>
+          <a:chOff x="0" y="0"/>
+          <a:chExt cx="0" cy="0"/>
+        </a:xfrm>
+      </p:grpSpPr>
+      <p:pic>
+        <p:nvPicPr>
+          <p:cNvPr id="94" name="Google Shape;94;p20"/>
+          <p:cNvPicPr preferRelativeResize="0"/>
+          <p:nvPr/>
+        </p:nvPicPr>
+        <p:blipFill>
+          <a:blip r:embed="rId3">
+            <a:alphaModFix/>
+          </a:blip>
+          <a:stretch>
+            <a:fillRect/>
+          </a:stretch>
+        </p:blipFill>
+        <p:spPr>
+          <a:xfrm>
+            <a:off x="152400" y="152400"/>
+            <a:ext cx="7111018" cy="4838700"/>
+          </a:xfrm>
+          <a:prstGeom prst="rect">
+            <a:avLst/>
+          </a:prstGeom>
+          <a:noFill/>
+          <a:ln>
+            <a:noFill/>
+          </a:ln>
+        </p:spPr>
+      </p:pic>
+    </p:spTree>
+  </p:cSld>
+  <p:clrMapOvr>
+    <a:masterClrMapping/>
+  </p:clrMapOvr>
+</p:sld>
+</file>
+
+<file path=ppt/slides/slide9.xml><?xml version="1.0" encoding="utf-8"?>
+<p:sld xmlns:a="http://schemas.openxmlformats.org/drawingml/2006/main" xmlns:r="http://schemas.openxmlformats.org/officeDocument/2006/relationships" xmlns:mc="http://schemas.openxmlformats.org/markup-compatibility/2006" xmlns:mv="urn:schemas-microsoft-com:mac:vml" xmlns:p="http://schemas.openxmlformats.org/presentationml/2006/main" xmlns:c="http://schemas.openxmlformats.org/drawingml/2006/chart" xmlns:dgm="http://schemas.openxmlformats.org/drawingml/2006/diagram" xmlns:o="urn:schemas-microsoft-com:office:office" xmlns:v="urn:schemas-microsoft-com:vml" xmlns:pvml="urn:schemas-microsoft-com:office:powerpoint" xmlns:com="http://schemas.openxmlformats.org/drawingml/2006/compatibility" xmlns:p14="http://schemas.microsoft.com/office/powerpoint/2010/main" xmlns:p15="http://schemas.microsoft.com/office/powerpoint/2012/main" xmlns:ahyp="http://schemas.microsoft.com/office/drawing/2018/hyperlinkcolor">
+  <p:cSld>
+    <p:spTree>
+      <p:nvGrpSpPr>
+        <p:cNvPr id="98" name="Shape 98"/>
+        <p:cNvGrpSpPr/>
+        <p:nvPr/>
+      </p:nvGrpSpPr>
+      <p:grpSpPr>
+        <a:xfrm>
+          <a:off x="0" y="0"/>
+          <a:ext cx="0" cy="0"/>
+          <a:chOff x="0" y="0"/>
+          <a:chExt cx="0" cy="0"/>
+        </a:xfrm>
+      </p:grpSpPr>
+      <p:pic>
+        <p:nvPicPr>
+          <p:cNvPr id="99" name="Google Shape;99;p21"/>
+          <p:cNvPicPr preferRelativeResize="0"/>
+          <p:nvPr/>
+        </p:nvPicPr>
+        <p:blipFill>
+          <a:blip r:embed="rId3">
+            <a:alphaModFix/>
+          </a:blip>
+          <a:stretch>
+            <a:fillRect/>
+          </a:stretch>
+        </p:blipFill>
+        <p:spPr>
+          <a:xfrm>
+            <a:off x="152400" y="152400"/>
+            <a:ext cx="7721638" cy="4838700"/>
+          </a:xfrm>
+          <a:prstGeom prst="rect">
+            <a:avLst/>
+          </a:prstGeom>
+          <a:noFill/>
+          <a:ln>
+            <a:noFill/>
+          </a:ln>
+        </p:spPr>
+      </p:pic>
+    </p:spTree>
+  </p:cSld>
+  <p:clrMapOvr>
+    <a:masterClrMapping/>
+  </p:clrMapOvr>
+</p:sld>
+</file>
+
 <file path=ppt/theme/theme1.xml><?xml version="1.0" encoding="utf-8"?>
-<a:theme xmlns:a="http://schemas.openxmlformats.org/drawingml/2006/main" xmlns:r="http://schemas.openxmlformats.org/officeDocument/2006/relationships" name="Slate">
+<a:theme xmlns:a="http://schemas.openxmlformats.org/drawingml/2006/main" xmlns:r="http://schemas.openxmlformats.org/officeDocument/2006/relationships" name="Simple Light">
   <a:themeElements>
-    <a:clrScheme name="Slate">
+    <a:clrScheme name="Simple Light">
       <a:dk1>
-        <a:srgbClr val="FFFFFF"/>
+        <a:srgbClr val="000000"/>
       </a:dk1>
       <a:lt1>
-        <a:srgbClr val="37474F"/>
+        <a:srgbClr val="FFFFFF"/>
       </a:lt1>
       <a:dk2>
-        <a:srgbClr val="9E9E9E"/>
+        <a:srgbClr val="595959"/>
       </a:dk2>
       <a:lt2>
-        <a:srgbClr val="E0E0E0"/>
+        <a:srgbClr val="EEEEEE"/>
       </a:lt2>
       <a:accent1>
-        <a:srgbClr val="616161"/>
+        <a:srgbClr val="4285F4"/>
       </a:accent1>
       <a:accent2>
-        <a:srgbClr val="78909C"/>
+        <a:srgbClr val="212121"/>
       </a:accent2>
       <a:accent3>
-        <a:srgbClr val="CACACA"/>
+        <a:srgbClr val="78909C"/>
       </a:accent3>
       <a:accent4>
-        <a:srgbClr val="64FFDA"/>
+        <a:srgbClr val="FFAB40"/>
       </a:accent4>
       <a:accent5>
-        <a:srgbClr val="FFD966"/>
+        <a:srgbClr val="0097A7"/>
       </a:accent5>
       <a:accent6>
-        <a:srgbClr val="F5F5F5"/>
+        <a:srgbClr val="EEFF41"/>
       </a:accent6>
       <a:hlink>
-        <a:srgbClr val="FFD966"/>
+        <a:srgbClr val="0097A7"/>
       </a:hlink>
       <a:folHlink>
-        <a:srgbClr val="FFD966"/>
+        <a:srgbClr val="0097A7"/>
       </a:folHlink>
     </a:clrScheme>
     <a:fontScheme name="Office">

--- a/StanleyX Hackathon.pptx
+++ b/StanleyX Hackathon.pptx
@@ -2,36 +2,47 @@
 <file path=ppt/presentation.xml><?xml version="1.0" encoding="utf-8"?>
 <p:presentation xmlns:a="http://schemas.openxmlformats.org/drawingml/2006/main" xmlns:r="http://schemas.openxmlformats.org/officeDocument/2006/relationships" xmlns:mc="http://schemas.openxmlformats.org/markup-compatibility/2006" xmlns:mv="urn:schemas-microsoft-com:mac:vml" xmlns:p="http://schemas.openxmlformats.org/presentationml/2006/main" xmlns:c="http://schemas.openxmlformats.org/drawingml/2006/chart" xmlns:dgm="http://schemas.openxmlformats.org/drawingml/2006/diagram" xmlns:o="urn:schemas-microsoft-com:office:office" xmlns:v="urn:schemas-microsoft-com:vml" xmlns:pvml="urn:schemas-microsoft-com:office:powerpoint" xmlns:com="http://schemas.openxmlformats.org/drawingml/2006/compatibility" xmlns:p14="http://schemas.microsoft.com/office/powerpoint/2010/main" xmlns:p15="http://schemas.microsoft.com/office/powerpoint/2012/main" xmlns:ahyp="http://schemas.microsoft.com/office/drawing/2018/hyperlinkcolor" autoCompressPictures="0" strictFirstAndLastChars="0" saveSubsetFonts="1">
   <p:sldMasterIdLst>
-    <p:sldMasterId id="2147483659" r:id="rId4"/>
+    <p:sldMasterId id="2147483659" r:id="rId5"/>
   </p:sldMasterIdLst>
   <p:notesMasterIdLst>
-    <p:notesMasterId r:id="rId5"/>
+    <p:notesMasterId r:id="rId6"/>
   </p:notesMasterIdLst>
   <p:sldIdLst>
-    <p:sldId id="256" r:id="rId6"/>
-    <p:sldId id="257" r:id="rId7"/>
-    <p:sldId id="258" r:id="rId8"/>
-    <p:sldId id="259" r:id="rId9"/>
-    <p:sldId id="260" r:id="rId10"/>
-    <p:sldId id="261" r:id="rId11"/>
-    <p:sldId id="262" r:id="rId12"/>
-    <p:sldId id="263" r:id="rId13"/>
-    <p:sldId id="264" r:id="rId14"/>
-    <p:sldId id="265" r:id="rId15"/>
-    <p:sldId id="266" r:id="rId16"/>
-    <p:sldId id="267" r:id="rId17"/>
-    <p:sldId id="268" r:id="rId18"/>
-    <p:sldId id="269" r:id="rId19"/>
-    <p:sldId id="270" r:id="rId20"/>
-    <p:sldId id="271" r:id="rId21"/>
-    <p:sldId id="272" r:id="rId22"/>
-    <p:sldId id="273" r:id="rId23"/>
-    <p:sldId id="274" r:id="rId24"/>
-    <p:sldId id="275" r:id="rId25"/>
-    <p:sldId id="276" r:id="rId26"/>
-    <p:sldId id="277" r:id="rId27"/>
-    <p:sldId id="278" r:id="rId28"/>
-    <p:sldId id="279" r:id="rId29"/>
+    <p:sldId id="256" r:id="rId7"/>
+    <p:sldId id="257" r:id="rId8"/>
+    <p:sldId id="258" r:id="rId9"/>
+    <p:sldId id="259" r:id="rId10"/>
+    <p:sldId id="260" r:id="rId11"/>
+    <p:sldId id="261" r:id="rId12"/>
+    <p:sldId id="262" r:id="rId13"/>
+    <p:sldId id="263" r:id="rId14"/>
+    <p:sldId id="264" r:id="rId15"/>
+    <p:sldId id="265" r:id="rId16"/>
+    <p:sldId id="266" r:id="rId17"/>
+    <p:sldId id="267" r:id="rId18"/>
+    <p:sldId id="268" r:id="rId19"/>
+    <p:sldId id="269" r:id="rId20"/>
+    <p:sldId id="270" r:id="rId21"/>
+    <p:sldId id="271" r:id="rId22"/>
+    <p:sldId id="272" r:id="rId23"/>
+    <p:sldId id="273" r:id="rId24"/>
+    <p:sldId id="274" r:id="rId25"/>
+    <p:sldId id="275" r:id="rId26"/>
+    <p:sldId id="276" r:id="rId27"/>
+    <p:sldId id="277" r:id="rId28"/>
+    <p:sldId id="278" r:id="rId29"/>
+    <p:sldId id="279" r:id="rId30"/>
+    <p:sldId id="280" r:id="rId31"/>
+    <p:sldId id="281" r:id="rId32"/>
+    <p:sldId id="282" r:id="rId33"/>
+    <p:sldId id="283" r:id="rId34"/>
+    <p:sldId id="284" r:id="rId35"/>
+    <p:sldId id="285" r:id="rId36"/>
+    <p:sldId id="286" r:id="rId37"/>
+    <p:sldId id="287" r:id="rId38"/>
+    <p:sldId id="288" r:id="rId39"/>
+    <p:sldId id="289" r:id="rId40"/>
+    <p:sldId id="290" r:id="rId41"/>
   </p:sldIdLst>
   <p:sldSz cy="5143500" cx="9144000"/>
   <p:notesSz cx="6858000" cy="9144000"/>
@@ -813,7 +824,7 @@
   <p:cSld>
     <p:spTree>
       <p:nvGrpSpPr>
-        <p:cNvPr id="100" name="Shape 100"/>
+        <p:cNvPr id="107" name="Shape 107"/>
         <p:cNvGrpSpPr/>
         <p:nvPr/>
       </p:nvGrpSpPr>
@@ -827,7 +838,7 @@
       </p:grpSpPr>
       <p:sp>
         <p:nvSpPr>
-          <p:cNvPr id="101" name="Google Shape;101;gee5de2ac8c_0_20:notes"/>
+          <p:cNvPr id="108" name="Google Shape;108;gcb135a8522_0_0:notes"/>
           <p:cNvSpPr/>
           <p:nvPr>
             <p:ph idx="2" type="sldImg"/>
@@ -862,7 +873,7 @@
       </p:sp>
       <p:sp>
         <p:nvSpPr>
-          <p:cNvPr id="102" name="Google Shape;102;gee5de2ac8c_0_20:notes"/>
+          <p:cNvPr id="109" name="Google Shape;109;gcb135a8522_0_0:notes"/>
           <p:cNvSpPr txBox="1"/>
           <p:nvPr>
             <p:ph idx="1" type="body"/>
@@ -912,7 +923,7 @@
   <p:cSld>
     <p:spTree>
       <p:nvGrpSpPr>
-        <p:cNvPr id="105" name="Shape 105"/>
+        <p:cNvPr id="126" name="Shape 126"/>
         <p:cNvGrpSpPr/>
         <p:nvPr/>
       </p:nvGrpSpPr>
@@ -926,7 +937,7 @@
       </p:grpSpPr>
       <p:sp>
         <p:nvSpPr>
-          <p:cNvPr id="106" name="Google Shape;106;gee5de2ac8c_0_24:notes"/>
+          <p:cNvPr id="127" name="Google Shape;127;gcb135a8522_0_144:notes"/>
           <p:cNvSpPr/>
           <p:nvPr>
             <p:ph idx="2" type="sldImg"/>
@@ -961,7 +972,7 @@
       </p:sp>
       <p:sp>
         <p:nvSpPr>
-          <p:cNvPr id="107" name="Google Shape;107;gee5de2ac8c_0_24:notes"/>
+          <p:cNvPr id="128" name="Google Shape;128;gcb135a8522_0_144:notes"/>
           <p:cNvSpPr txBox="1"/>
           <p:nvPr>
             <p:ph idx="1" type="body"/>
@@ -1011,7 +1022,7 @@
   <p:cSld>
     <p:spTree>
       <p:nvGrpSpPr>
-        <p:cNvPr id="110" name="Shape 110"/>
+        <p:cNvPr id="133" name="Shape 133"/>
         <p:cNvGrpSpPr/>
         <p:nvPr/>
       </p:nvGrpSpPr>
@@ -1025,7 +1036,7 @@
       </p:grpSpPr>
       <p:sp>
         <p:nvSpPr>
-          <p:cNvPr id="111" name="Google Shape;111;gee5de2ac8c_0_28:notes"/>
+          <p:cNvPr id="134" name="Google Shape;134;geba9f15af2_0_55:notes"/>
           <p:cNvSpPr/>
           <p:nvPr>
             <p:ph idx="2" type="sldImg"/>
@@ -1060,7 +1071,7 @@
       </p:sp>
       <p:sp>
         <p:nvSpPr>
-          <p:cNvPr id="112" name="Google Shape;112;gee5de2ac8c_0_28:notes"/>
+          <p:cNvPr id="135" name="Google Shape;135;geba9f15af2_0_55:notes"/>
           <p:cNvSpPr txBox="1"/>
           <p:nvPr>
             <p:ph idx="1" type="body"/>
@@ -1110,7 +1121,7 @@
   <p:cSld>
     <p:spTree>
       <p:nvGrpSpPr>
-        <p:cNvPr id="115" name="Shape 115"/>
+        <p:cNvPr id="139" name="Shape 139"/>
         <p:cNvGrpSpPr/>
         <p:nvPr/>
       </p:nvGrpSpPr>
@@ -1124,7 +1135,7 @@
       </p:grpSpPr>
       <p:sp>
         <p:nvSpPr>
-          <p:cNvPr id="116" name="Google Shape;116;gee5de2ac8c_0_32:notes"/>
+          <p:cNvPr id="140" name="Google Shape;140;geba9f15af2_0_16:notes"/>
           <p:cNvSpPr/>
           <p:nvPr>
             <p:ph idx="2" type="sldImg"/>
@@ -1159,7 +1170,7 @@
       </p:sp>
       <p:sp>
         <p:nvSpPr>
-          <p:cNvPr id="117" name="Google Shape;117;gee5de2ac8c_0_32:notes"/>
+          <p:cNvPr id="141" name="Google Shape;141;geba9f15af2_0_16:notes"/>
           <p:cNvSpPr txBox="1"/>
           <p:nvPr>
             <p:ph idx="1" type="body"/>
@@ -1209,7 +1220,7 @@
   <p:cSld>
     <p:spTree>
       <p:nvGrpSpPr>
-        <p:cNvPr id="120" name="Shape 120"/>
+        <p:cNvPr id="144" name="Shape 144"/>
         <p:cNvGrpSpPr/>
         <p:nvPr/>
       </p:nvGrpSpPr>
@@ -1223,7 +1234,7 @@
       </p:grpSpPr>
       <p:sp>
         <p:nvSpPr>
-          <p:cNvPr id="121" name="Google Shape;121;gee5de2ac8c_0_36:notes"/>
+          <p:cNvPr id="145" name="Google Shape;145;gee5de2ac8c_0_10:notes"/>
           <p:cNvSpPr/>
           <p:nvPr>
             <p:ph idx="2" type="sldImg"/>
@@ -1258,7 +1269,7 @@
       </p:sp>
       <p:sp>
         <p:nvSpPr>
-          <p:cNvPr id="122" name="Google Shape;122;gee5de2ac8c_0_36:notes"/>
+          <p:cNvPr id="146" name="Google Shape;146;gee5de2ac8c_0_10:notes"/>
           <p:cNvSpPr txBox="1"/>
           <p:nvPr>
             <p:ph idx="1" type="body"/>
@@ -1308,7 +1319,7 @@
   <p:cSld>
     <p:spTree>
       <p:nvGrpSpPr>
-        <p:cNvPr id="125" name="Shape 125"/>
+        <p:cNvPr id="149" name="Shape 149"/>
         <p:cNvGrpSpPr/>
         <p:nvPr/>
       </p:nvGrpSpPr>
@@ -1322,7 +1333,7 @@
       </p:grpSpPr>
       <p:sp>
         <p:nvSpPr>
-          <p:cNvPr id="126" name="Google Shape;126;gee5de2ac8c_0_40:notes"/>
+          <p:cNvPr id="150" name="Google Shape;150;gee5de2ac8c_0_16:notes"/>
           <p:cNvSpPr/>
           <p:nvPr>
             <p:ph idx="2" type="sldImg"/>
@@ -1357,7 +1368,7 @@
       </p:sp>
       <p:sp>
         <p:nvSpPr>
-          <p:cNvPr id="127" name="Google Shape;127;gee5de2ac8c_0_40:notes"/>
+          <p:cNvPr id="151" name="Google Shape;151;gee5de2ac8c_0_16:notes"/>
           <p:cNvSpPr txBox="1"/>
           <p:nvPr>
             <p:ph idx="1" type="body"/>
@@ -1407,7 +1418,7 @@
   <p:cSld>
     <p:spTree>
       <p:nvGrpSpPr>
-        <p:cNvPr id="130" name="Shape 130"/>
+        <p:cNvPr id="154" name="Shape 154"/>
         <p:cNvGrpSpPr/>
         <p:nvPr/>
       </p:nvGrpSpPr>
@@ -1421,7 +1432,7 @@
       </p:grpSpPr>
       <p:sp>
         <p:nvSpPr>
-          <p:cNvPr id="131" name="Google Shape;131;gee5de2ac8c_0_44:notes"/>
+          <p:cNvPr id="155" name="Google Shape;155;gee5de2ac8c_0_20:notes"/>
           <p:cNvSpPr/>
           <p:nvPr>
             <p:ph idx="2" type="sldImg"/>
@@ -1456,7 +1467,7 @@
       </p:sp>
       <p:sp>
         <p:nvSpPr>
-          <p:cNvPr id="132" name="Google Shape;132;gee5de2ac8c_0_44:notes"/>
+          <p:cNvPr id="156" name="Google Shape;156;gee5de2ac8c_0_20:notes"/>
           <p:cNvSpPr txBox="1"/>
           <p:nvPr>
             <p:ph idx="1" type="body"/>
@@ -1506,7 +1517,7 @@
   <p:cSld>
     <p:spTree>
       <p:nvGrpSpPr>
-        <p:cNvPr id="135" name="Shape 135"/>
+        <p:cNvPr id="159" name="Shape 159"/>
         <p:cNvGrpSpPr/>
         <p:nvPr/>
       </p:nvGrpSpPr>
@@ -1520,7 +1531,7 @@
       </p:grpSpPr>
       <p:sp>
         <p:nvSpPr>
-          <p:cNvPr id="136" name="Google Shape;136;gee5de2ac8c_0_48:notes"/>
+          <p:cNvPr id="160" name="Google Shape;160;gee5de2ac8c_0_24:notes"/>
           <p:cNvSpPr/>
           <p:nvPr>
             <p:ph idx="2" type="sldImg"/>
@@ -1555,7 +1566,7 @@
       </p:sp>
       <p:sp>
         <p:nvSpPr>
-          <p:cNvPr id="137" name="Google Shape;137;gee5de2ac8c_0_48:notes"/>
+          <p:cNvPr id="161" name="Google Shape;161;gee5de2ac8c_0_24:notes"/>
           <p:cNvSpPr txBox="1"/>
           <p:nvPr>
             <p:ph idx="1" type="body"/>
@@ -1605,7 +1616,7 @@
   <p:cSld>
     <p:spTree>
       <p:nvGrpSpPr>
-        <p:cNvPr id="140" name="Shape 140"/>
+        <p:cNvPr id="164" name="Shape 164"/>
         <p:cNvGrpSpPr/>
         <p:nvPr/>
       </p:nvGrpSpPr>
@@ -1619,7 +1630,7 @@
       </p:grpSpPr>
       <p:sp>
         <p:nvSpPr>
-          <p:cNvPr id="141" name="Google Shape;141;gee5de2ac8c_0_52:notes"/>
+          <p:cNvPr id="165" name="Google Shape;165;gee5de2ac8c_0_28:notes"/>
           <p:cNvSpPr/>
           <p:nvPr>
             <p:ph idx="2" type="sldImg"/>
@@ -1654,7 +1665,7 @@
       </p:sp>
       <p:sp>
         <p:nvSpPr>
-          <p:cNvPr id="142" name="Google Shape;142;gee5de2ac8c_0_52:notes"/>
+          <p:cNvPr id="166" name="Google Shape;166;gee5de2ac8c_0_28:notes"/>
           <p:cNvSpPr txBox="1"/>
           <p:nvPr>
             <p:ph idx="1" type="body"/>
@@ -1704,7 +1715,7 @@
   <p:cSld>
     <p:spTree>
       <p:nvGrpSpPr>
-        <p:cNvPr id="145" name="Shape 145"/>
+        <p:cNvPr id="169" name="Shape 169"/>
         <p:cNvGrpSpPr/>
         <p:nvPr/>
       </p:nvGrpSpPr>
@@ -1718,7 +1729,7 @@
       </p:grpSpPr>
       <p:sp>
         <p:nvSpPr>
-          <p:cNvPr id="146" name="Google Shape;146;gee5de2ac8c_0_56:notes"/>
+          <p:cNvPr id="170" name="Google Shape;170;gee5de2ac8c_0_32:notes"/>
           <p:cNvSpPr/>
           <p:nvPr>
             <p:ph idx="2" type="sldImg"/>
@@ -1753,7 +1764,7 @@
       </p:sp>
       <p:sp>
         <p:nvSpPr>
-          <p:cNvPr id="147" name="Google Shape;147;gee5de2ac8c_0_56:notes"/>
+          <p:cNvPr id="171" name="Google Shape;171;gee5de2ac8c_0_32:notes"/>
           <p:cNvSpPr txBox="1"/>
           <p:nvPr>
             <p:ph idx="1" type="body"/>
@@ -1817,7 +1828,7 @@
       </p:grpSpPr>
       <p:sp>
         <p:nvSpPr>
-          <p:cNvPr id="58" name="Google Shape;58;gee5de2ac8c_0_0:notes"/>
+          <p:cNvPr id="58" name="Google Shape;58;geba9f15af2_0_44:notes"/>
           <p:cNvSpPr/>
           <p:nvPr>
             <p:ph idx="2" type="sldImg"/>
@@ -1852,7 +1863,7 @@
       </p:sp>
       <p:sp>
         <p:nvSpPr>
-          <p:cNvPr id="59" name="Google Shape;59;gee5de2ac8c_0_0:notes"/>
+          <p:cNvPr id="59" name="Google Shape;59;geba9f15af2_0_44:notes"/>
           <p:cNvSpPr txBox="1"/>
           <p:nvPr>
             <p:ph idx="1" type="body"/>
@@ -1902,7 +1913,7 @@
   <p:cSld>
     <p:spTree>
       <p:nvGrpSpPr>
-        <p:cNvPr id="150" name="Shape 150"/>
+        <p:cNvPr id="174" name="Shape 174"/>
         <p:cNvGrpSpPr/>
         <p:nvPr/>
       </p:nvGrpSpPr>
@@ -1916,7 +1927,7 @@
       </p:grpSpPr>
       <p:sp>
         <p:nvSpPr>
-          <p:cNvPr id="151" name="Google Shape;151;gee5de2ac8c_0_60:notes"/>
+          <p:cNvPr id="175" name="Google Shape;175;gee5de2ac8c_0_36:notes"/>
           <p:cNvSpPr/>
           <p:nvPr>
             <p:ph idx="2" type="sldImg"/>
@@ -1951,7 +1962,7 @@
       </p:sp>
       <p:sp>
         <p:nvSpPr>
-          <p:cNvPr id="152" name="Google Shape;152;gee5de2ac8c_0_60:notes"/>
+          <p:cNvPr id="176" name="Google Shape;176;gee5de2ac8c_0_36:notes"/>
           <p:cNvSpPr txBox="1"/>
           <p:nvPr>
             <p:ph idx="1" type="body"/>
@@ -2001,7 +2012,7 @@
   <p:cSld>
     <p:spTree>
       <p:nvGrpSpPr>
-        <p:cNvPr id="155" name="Shape 155"/>
+        <p:cNvPr id="179" name="Shape 179"/>
         <p:cNvGrpSpPr/>
         <p:nvPr/>
       </p:nvGrpSpPr>
@@ -2015,7 +2026,7 @@
       </p:grpSpPr>
       <p:sp>
         <p:nvSpPr>
-          <p:cNvPr id="156" name="Google Shape;156;gee5de2ac8c_0_64:notes"/>
+          <p:cNvPr id="180" name="Google Shape;180;gee5de2ac8c_0_40:notes"/>
           <p:cNvSpPr/>
           <p:nvPr>
             <p:ph idx="2" type="sldImg"/>
@@ -2050,7 +2061,7 @@
       </p:sp>
       <p:sp>
         <p:nvSpPr>
-          <p:cNvPr id="157" name="Google Shape;157;gee5de2ac8c_0_64:notes"/>
+          <p:cNvPr id="181" name="Google Shape;181;gee5de2ac8c_0_40:notes"/>
           <p:cNvSpPr txBox="1"/>
           <p:nvPr>
             <p:ph idx="1" type="body"/>
@@ -2100,7 +2111,7 @@
   <p:cSld>
     <p:spTree>
       <p:nvGrpSpPr>
-        <p:cNvPr id="160" name="Shape 160"/>
+        <p:cNvPr id="184" name="Shape 184"/>
         <p:cNvGrpSpPr/>
         <p:nvPr/>
       </p:nvGrpSpPr>
@@ -2114,7 +2125,7 @@
       </p:grpSpPr>
       <p:sp>
         <p:nvSpPr>
-          <p:cNvPr id="161" name="Google Shape;161;gee5de2ac8c_0_68:notes"/>
+          <p:cNvPr id="185" name="Google Shape;185;gee5de2ac8c_0_44:notes"/>
           <p:cNvSpPr/>
           <p:nvPr>
             <p:ph idx="2" type="sldImg"/>
@@ -2149,7 +2160,7 @@
       </p:sp>
       <p:sp>
         <p:nvSpPr>
-          <p:cNvPr id="162" name="Google Shape;162;gee5de2ac8c_0_68:notes"/>
+          <p:cNvPr id="186" name="Google Shape;186;gee5de2ac8c_0_44:notes"/>
           <p:cNvSpPr txBox="1"/>
           <p:nvPr>
             <p:ph idx="1" type="body"/>
@@ -2199,7 +2210,7 @@
   <p:cSld>
     <p:spTree>
       <p:nvGrpSpPr>
-        <p:cNvPr id="165" name="Shape 165"/>
+        <p:cNvPr id="189" name="Shape 189"/>
         <p:cNvGrpSpPr/>
         <p:nvPr/>
       </p:nvGrpSpPr>
@@ -2213,7 +2224,7 @@
       </p:grpSpPr>
       <p:sp>
         <p:nvSpPr>
-          <p:cNvPr id="166" name="Google Shape;166;gee5de2ac8c_0_72:notes"/>
+          <p:cNvPr id="190" name="Google Shape;190;gee5de2ac8c_0_48:notes"/>
           <p:cNvSpPr/>
           <p:nvPr>
             <p:ph idx="2" type="sldImg"/>
@@ -2248,7 +2259,7 @@
       </p:sp>
       <p:sp>
         <p:nvSpPr>
-          <p:cNvPr id="167" name="Google Shape;167;gee5de2ac8c_0_72:notes"/>
+          <p:cNvPr id="191" name="Google Shape;191;gee5de2ac8c_0_48:notes"/>
           <p:cNvSpPr txBox="1"/>
           <p:nvPr>
             <p:ph idx="1" type="body"/>
@@ -2298,7 +2309,7 @@
   <p:cSld>
     <p:spTree>
       <p:nvGrpSpPr>
-        <p:cNvPr id="170" name="Shape 170"/>
+        <p:cNvPr id="194" name="Shape 194"/>
         <p:cNvGrpSpPr/>
         <p:nvPr/>
       </p:nvGrpSpPr>
@@ -2312,7 +2323,7 @@
       </p:grpSpPr>
       <p:sp>
         <p:nvSpPr>
-          <p:cNvPr id="171" name="Google Shape;171;gee5de2ac8c_0_76:notes"/>
+          <p:cNvPr id="195" name="Google Shape;195;gee5de2ac8c_0_52:notes"/>
           <p:cNvSpPr/>
           <p:nvPr>
             <p:ph idx="2" type="sldImg"/>
@@ -2347,7 +2358,502 @@
       </p:sp>
       <p:sp>
         <p:nvSpPr>
-          <p:cNvPr id="172" name="Google Shape;172;gee5de2ac8c_0_76:notes"/>
+          <p:cNvPr id="196" name="Google Shape;196;gee5de2ac8c_0_52:notes"/>
+          <p:cNvSpPr txBox="1"/>
+          <p:nvPr>
+            <p:ph idx="1" type="body"/>
+          </p:nvPr>
+        </p:nvSpPr>
+        <p:spPr>
+          <a:xfrm>
+            <a:off x="685800" y="4343400"/>
+            <a:ext cx="5486400" cy="4114800"/>
+          </a:xfrm>
+          <a:prstGeom prst="rect">
+            <a:avLst/>
+          </a:prstGeom>
+        </p:spPr>
+        <p:txBody>
+          <a:bodyPr anchorCtr="0" anchor="t" bIns="91425" lIns="91425" spcFirstLastPara="1" rIns="91425" wrap="square" tIns="91425">
+            <a:noAutofit/>
+          </a:bodyPr>
+          <a:lstStyle/>
+          <a:p>
+            <a:pPr indent="0" lvl="0" marL="0" rtl="0" algn="l">
+              <a:spcBef>
+                <a:spcPts val="0"/>
+              </a:spcBef>
+              <a:spcAft>
+                <a:spcPts val="0"/>
+              </a:spcAft>
+              <a:buNone/>
+            </a:pPr>
+            <a:r>
+              <a:t/>
+            </a:r>
+            <a:endParaRPr/>
+          </a:p>
+        </p:txBody>
+      </p:sp>
+    </p:spTree>
+  </p:cSld>
+  <p:clrMapOvr>
+    <a:masterClrMapping/>
+  </p:clrMapOvr>
+</p:notes>
+</file>
+
+<file path=ppt/notesSlides/notesSlide25.xml><?xml version="1.0" encoding="utf-8"?>
+<p:notes xmlns:a="http://schemas.openxmlformats.org/drawingml/2006/main" xmlns:r="http://schemas.openxmlformats.org/officeDocument/2006/relationships" xmlns:mc="http://schemas.openxmlformats.org/markup-compatibility/2006" xmlns:mv="urn:schemas-microsoft-com:mac:vml" xmlns:p="http://schemas.openxmlformats.org/presentationml/2006/main" xmlns:c="http://schemas.openxmlformats.org/drawingml/2006/chart" xmlns:dgm="http://schemas.openxmlformats.org/drawingml/2006/diagram" xmlns:o="urn:schemas-microsoft-com:office:office" xmlns:v="urn:schemas-microsoft-com:vml" xmlns:pvml="urn:schemas-microsoft-com:office:powerpoint" xmlns:com="http://schemas.openxmlformats.org/drawingml/2006/compatibility" xmlns:p14="http://schemas.microsoft.com/office/powerpoint/2010/main" xmlns:p15="http://schemas.microsoft.com/office/powerpoint/2012/main" xmlns:ahyp="http://schemas.microsoft.com/office/drawing/2018/hyperlinkcolor" showMasterPhAnim="0" showMasterSp="0">
+  <p:cSld>
+    <p:spTree>
+      <p:nvGrpSpPr>
+        <p:cNvPr id="199" name="Shape 199"/>
+        <p:cNvGrpSpPr/>
+        <p:nvPr/>
+      </p:nvGrpSpPr>
+      <p:grpSpPr>
+        <a:xfrm>
+          <a:off x="0" y="0"/>
+          <a:ext cx="0" cy="0"/>
+          <a:chOff x="0" y="0"/>
+          <a:chExt cx="0" cy="0"/>
+        </a:xfrm>
+      </p:grpSpPr>
+      <p:sp>
+        <p:nvSpPr>
+          <p:cNvPr id="200" name="Google Shape;200;gee5de2ac8c_0_56:notes"/>
+          <p:cNvSpPr/>
+          <p:nvPr>
+            <p:ph idx="2" type="sldImg"/>
+          </p:nvPr>
+        </p:nvSpPr>
+        <p:spPr>
+          <a:xfrm>
+            <a:off x="381300" y="685800"/>
+            <a:ext cx="6096000" cy="3429000"/>
+          </a:xfrm>
+          <a:custGeom>
+            <a:rect b="b" l="l" r="r" t="t"/>
+            <a:pathLst>
+              <a:path extrusionOk="0" h="120000" w="120000">
+                <a:moveTo>
+                  <a:pt x="0" y="0"/>
+                </a:moveTo>
+                <a:lnTo>
+                  <a:pt x="120000" y="0"/>
+                </a:lnTo>
+                <a:lnTo>
+                  <a:pt x="120000" y="120000"/>
+                </a:lnTo>
+                <a:lnTo>
+                  <a:pt x="0" y="120000"/>
+                </a:lnTo>
+                <a:close/>
+              </a:path>
+            </a:pathLst>
+          </a:custGeom>
+        </p:spPr>
+      </p:sp>
+      <p:sp>
+        <p:nvSpPr>
+          <p:cNvPr id="201" name="Google Shape;201;gee5de2ac8c_0_56:notes"/>
+          <p:cNvSpPr txBox="1"/>
+          <p:nvPr>
+            <p:ph idx="1" type="body"/>
+          </p:nvPr>
+        </p:nvSpPr>
+        <p:spPr>
+          <a:xfrm>
+            <a:off x="685800" y="4343400"/>
+            <a:ext cx="5486400" cy="4114800"/>
+          </a:xfrm>
+          <a:prstGeom prst="rect">
+            <a:avLst/>
+          </a:prstGeom>
+        </p:spPr>
+        <p:txBody>
+          <a:bodyPr anchorCtr="0" anchor="t" bIns="91425" lIns="91425" spcFirstLastPara="1" rIns="91425" wrap="square" tIns="91425">
+            <a:noAutofit/>
+          </a:bodyPr>
+          <a:lstStyle/>
+          <a:p>
+            <a:pPr indent="0" lvl="0" marL="0" rtl="0" algn="l">
+              <a:spcBef>
+                <a:spcPts val="0"/>
+              </a:spcBef>
+              <a:spcAft>
+                <a:spcPts val="0"/>
+              </a:spcAft>
+              <a:buNone/>
+            </a:pPr>
+            <a:r>
+              <a:t/>
+            </a:r>
+            <a:endParaRPr/>
+          </a:p>
+        </p:txBody>
+      </p:sp>
+    </p:spTree>
+  </p:cSld>
+  <p:clrMapOvr>
+    <a:masterClrMapping/>
+  </p:clrMapOvr>
+</p:notes>
+</file>
+
+<file path=ppt/notesSlides/notesSlide26.xml><?xml version="1.0" encoding="utf-8"?>
+<p:notes xmlns:a="http://schemas.openxmlformats.org/drawingml/2006/main" xmlns:r="http://schemas.openxmlformats.org/officeDocument/2006/relationships" xmlns:mc="http://schemas.openxmlformats.org/markup-compatibility/2006" xmlns:mv="urn:schemas-microsoft-com:mac:vml" xmlns:p="http://schemas.openxmlformats.org/presentationml/2006/main" xmlns:c="http://schemas.openxmlformats.org/drawingml/2006/chart" xmlns:dgm="http://schemas.openxmlformats.org/drawingml/2006/diagram" xmlns:o="urn:schemas-microsoft-com:office:office" xmlns:v="urn:schemas-microsoft-com:vml" xmlns:pvml="urn:schemas-microsoft-com:office:powerpoint" xmlns:com="http://schemas.openxmlformats.org/drawingml/2006/compatibility" xmlns:p14="http://schemas.microsoft.com/office/powerpoint/2010/main" xmlns:p15="http://schemas.microsoft.com/office/powerpoint/2012/main" xmlns:ahyp="http://schemas.microsoft.com/office/drawing/2018/hyperlinkcolor" showMasterPhAnim="0" showMasterSp="0">
+  <p:cSld>
+    <p:spTree>
+      <p:nvGrpSpPr>
+        <p:cNvPr id="204" name="Shape 204"/>
+        <p:cNvGrpSpPr/>
+        <p:nvPr/>
+      </p:nvGrpSpPr>
+      <p:grpSpPr>
+        <a:xfrm>
+          <a:off x="0" y="0"/>
+          <a:ext cx="0" cy="0"/>
+          <a:chOff x="0" y="0"/>
+          <a:chExt cx="0" cy="0"/>
+        </a:xfrm>
+      </p:grpSpPr>
+      <p:sp>
+        <p:nvSpPr>
+          <p:cNvPr id="205" name="Google Shape;205;gee5de2ac8c_0_60:notes"/>
+          <p:cNvSpPr/>
+          <p:nvPr>
+            <p:ph idx="2" type="sldImg"/>
+          </p:nvPr>
+        </p:nvSpPr>
+        <p:spPr>
+          <a:xfrm>
+            <a:off x="381300" y="685800"/>
+            <a:ext cx="6096000" cy="3429000"/>
+          </a:xfrm>
+          <a:custGeom>
+            <a:rect b="b" l="l" r="r" t="t"/>
+            <a:pathLst>
+              <a:path extrusionOk="0" h="120000" w="120000">
+                <a:moveTo>
+                  <a:pt x="0" y="0"/>
+                </a:moveTo>
+                <a:lnTo>
+                  <a:pt x="120000" y="0"/>
+                </a:lnTo>
+                <a:lnTo>
+                  <a:pt x="120000" y="120000"/>
+                </a:lnTo>
+                <a:lnTo>
+                  <a:pt x="0" y="120000"/>
+                </a:lnTo>
+                <a:close/>
+              </a:path>
+            </a:pathLst>
+          </a:custGeom>
+        </p:spPr>
+      </p:sp>
+      <p:sp>
+        <p:nvSpPr>
+          <p:cNvPr id="206" name="Google Shape;206;gee5de2ac8c_0_60:notes"/>
+          <p:cNvSpPr txBox="1"/>
+          <p:nvPr>
+            <p:ph idx="1" type="body"/>
+          </p:nvPr>
+        </p:nvSpPr>
+        <p:spPr>
+          <a:xfrm>
+            <a:off x="685800" y="4343400"/>
+            <a:ext cx="5486400" cy="4114800"/>
+          </a:xfrm>
+          <a:prstGeom prst="rect">
+            <a:avLst/>
+          </a:prstGeom>
+        </p:spPr>
+        <p:txBody>
+          <a:bodyPr anchorCtr="0" anchor="t" bIns="91425" lIns="91425" spcFirstLastPara="1" rIns="91425" wrap="square" tIns="91425">
+            <a:noAutofit/>
+          </a:bodyPr>
+          <a:lstStyle/>
+          <a:p>
+            <a:pPr indent="0" lvl="0" marL="0" rtl="0" algn="l">
+              <a:spcBef>
+                <a:spcPts val="0"/>
+              </a:spcBef>
+              <a:spcAft>
+                <a:spcPts val="0"/>
+              </a:spcAft>
+              <a:buNone/>
+            </a:pPr>
+            <a:r>
+              <a:t/>
+            </a:r>
+            <a:endParaRPr/>
+          </a:p>
+        </p:txBody>
+      </p:sp>
+    </p:spTree>
+  </p:cSld>
+  <p:clrMapOvr>
+    <a:masterClrMapping/>
+  </p:clrMapOvr>
+</p:notes>
+</file>
+
+<file path=ppt/notesSlides/notesSlide27.xml><?xml version="1.0" encoding="utf-8"?>
+<p:notes xmlns:a="http://schemas.openxmlformats.org/drawingml/2006/main" xmlns:r="http://schemas.openxmlformats.org/officeDocument/2006/relationships" xmlns:mc="http://schemas.openxmlformats.org/markup-compatibility/2006" xmlns:mv="urn:schemas-microsoft-com:mac:vml" xmlns:p="http://schemas.openxmlformats.org/presentationml/2006/main" xmlns:c="http://schemas.openxmlformats.org/drawingml/2006/chart" xmlns:dgm="http://schemas.openxmlformats.org/drawingml/2006/diagram" xmlns:o="urn:schemas-microsoft-com:office:office" xmlns:v="urn:schemas-microsoft-com:vml" xmlns:pvml="urn:schemas-microsoft-com:office:powerpoint" xmlns:com="http://schemas.openxmlformats.org/drawingml/2006/compatibility" xmlns:p14="http://schemas.microsoft.com/office/powerpoint/2010/main" xmlns:p15="http://schemas.microsoft.com/office/powerpoint/2012/main" xmlns:ahyp="http://schemas.microsoft.com/office/drawing/2018/hyperlinkcolor" showMasterPhAnim="0" showMasterSp="0">
+  <p:cSld>
+    <p:spTree>
+      <p:nvGrpSpPr>
+        <p:cNvPr id="209" name="Shape 209"/>
+        <p:cNvGrpSpPr/>
+        <p:nvPr/>
+      </p:nvGrpSpPr>
+      <p:grpSpPr>
+        <a:xfrm>
+          <a:off x="0" y="0"/>
+          <a:ext cx="0" cy="0"/>
+          <a:chOff x="0" y="0"/>
+          <a:chExt cx="0" cy="0"/>
+        </a:xfrm>
+      </p:grpSpPr>
+      <p:sp>
+        <p:nvSpPr>
+          <p:cNvPr id="210" name="Google Shape;210;gee5de2ac8c_0_64:notes"/>
+          <p:cNvSpPr/>
+          <p:nvPr>
+            <p:ph idx="2" type="sldImg"/>
+          </p:nvPr>
+        </p:nvSpPr>
+        <p:spPr>
+          <a:xfrm>
+            <a:off x="381300" y="685800"/>
+            <a:ext cx="6096000" cy="3429000"/>
+          </a:xfrm>
+          <a:custGeom>
+            <a:rect b="b" l="l" r="r" t="t"/>
+            <a:pathLst>
+              <a:path extrusionOk="0" h="120000" w="120000">
+                <a:moveTo>
+                  <a:pt x="0" y="0"/>
+                </a:moveTo>
+                <a:lnTo>
+                  <a:pt x="120000" y="0"/>
+                </a:lnTo>
+                <a:lnTo>
+                  <a:pt x="120000" y="120000"/>
+                </a:lnTo>
+                <a:lnTo>
+                  <a:pt x="0" y="120000"/>
+                </a:lnTo>
+                <a:close/>
+              </a:path>
+            </a:pathLst>
+          </a:custGeom>
+        </p:spPr>
+      </p:sp>
+      <p:sp>
+        <p:nvSpPr>
+          <p:cNvPr id="211" name="Google Shape;211;gee5de2ac8c_0_64:notes"/>
+          <p:cNvSpPr txBox="1"/>
+          <p:nvPr>
+            <p:ph idx="1" type="body"/>
+          </p:nvPr>
+        </p:nvSpPr>
+        <p:spPr>
+          <a:xfrm>
+            <a:off x="685800" y="4343400"/>
+            <a:ext cx="5486400" cy="4114800"/>
+          </a:xfrm>
+          <a:prstGeom prst="rect">
+            <a:avLst/>
+          </a:prstGeom>
+        </p:spPr>
+        <p:txBody>
+          <a:bodyPr anchorCtr="0" anchor="t" bIns="91425" lIns="91425" spcFirstLastPara="1" rIns="91425" wrap="square" tIns="91425">
+            <a:noAutofit/>
+          </a:bodyPr>
+          <a:lstStyle/>
+          <a:p>
+            <a:pPr indent="0" lvl="0" marL="0" rtl="0" algn="l">
+              <a:spcBef>
+                <a:spcPts val="0"/>
+              </a:spcBef>
+              <a:spcAft>
+                <a:spcPts val="0"/>
+              </a:spcAft>
+              <a:buNone/>
+            </a:pPr>
+            <a:r>
+              <a:t/>
+            </a:r>
+            <a:endParaRPr/>
+          </a:p>
+        </p:txBody>
+      </p:sp>
+    </p:spTree>
+  </p:cSld>
+  <p:clrMapOvr>
+    <a:masterClrMapping/>
+  </p:clrMapOvr>
+</p:notes>
+</file>
+
+<file path=ppt/notesSlides/notesSlide28.xml><?xml version="1.0" encoding="utf-8"?>
+<p:notes xmlns:a="http://schemas.openxmlformats.org/drawingml/2006/main" xmlns:r="http://schemas.openxmlformats.org/officeDocument/2006/relationships" xmlns:mc="http://schemas.openxmlformats.org/markup-compatibility/2006" xmlns:mv="urn:schemas-microsoft-com:mac:vml" xmlns:p="http://schemas.openxmlformats.org/presentationml/2006/main" xmlns:c="http://schemas.openxmlformats.org/drawingml/2006/chart" xmlns:dgm="http://schemas.openxmlformats.org/drawingml/2006/diagram" xmlns:o="urn:schemas-microsoft-com:office:office" xmlns:v="urn:schemas-microsoft-com:vml" xmlns:pvml="urn:schemas-microsoft-com:office:powerpoint" xmlns:com="http://schemas.openxmlformats.org/drawingml/2006/compatibility" xmlns:p14="http://schemas.microsoft.com/office/powerpoint/2010/main" xmlns:p15="http://schemas.microsoft.com/office/powerpoint/2012/main" xmlns:ahyp="http://schemas.microsoft.com/office/drawing/2018/hyperlinkcolor" showMasterPhAnim="0" showMasterSp="0">
+  <p:cSld>
+    <p:spTree>
+      <p:nvGrpSpPr>
+        <p:cNvPr id="214" name="Shape 214"/>
+        <p:cNvGrpSpPr/>
+        <p:nvPr/>
+      </p:nvGrpSpPr>
+      <p:grpSpPr>
+        <a:xfrm>
+          <a:off x="0" y="0"/>
+          <a:ext cx="0" cy="0"/>
+          <a:chOff x="0" y="0"/>
+          <a:chExt cx="0" cy="0"/>
+        </a:xfrm>
+      </p:grpSpPr>
+      <p:sp>
+        <p:nvSpPr>
+          <p:cNvPr id="215" name="Google Shape;215;gee5de2ac8c_0_68:notes"/>
+          <p:cNvSpPr/>
+          <p:nvPr>
+            <p:ph idx="2" type="sldImg"/>
+          </p:nvPr>
+        </p:nvSpPr>
+        <p:spPr>
+          <a:xfrm>
+            <a:off x="381300" y="685800"/>
+            <a:ext cx="6096000" cy="3429000"/>
+          </a:xfrm>
+          <a:custGeom>
+            <a:rect b="b" l="l" r="r" t="t"/>
+            <a:pathLst>
+              <a:path extrusionOk="0" h="120000" w="120000">
+                <a:moveTo>
+                  <a:pt x="0" y="0"/>
+                </a:moveTo>
+                <a:lnTo>
+                  <a:pt x="120000" y="0"/>
+                </a:lnTo>
+                <a:lnTo>
+                  <a:pt x="120000" y="120000"/>
+                </a:lnTo>
+                <a:lnTo>
+                  <a:pt x="0" y="120000"/>
+                </a:lnTo>
+                <a:close/>
+              </a:path>
+            </a:pathLst>
+          </a:custGeom>
+        </p:spPr>
+      </p:sp>
+      <p:sp>
+        <p:nvSpPr>
+          <p:cNvPr id="216" name="Google Shape;216;gee5de2ac8c_0_68:notes"/>
+          <p:cNvSpPr txBox="1"/>
+          <p:nvPr>
+            <p:ph idx="1" type="body"/>
+          </p:nvPr>
+        </p:nvSpPr>
+        <p:spPr>
+          <a:xfrm>
+            <a:off x="685800" y="4343400"/>
+            <a:ext cx="5486400" cy="4114800"/>
+          </a:xfrm>
+          <a:prstGeom prst="rect">
+            <a:avLst/>
+          </a:prstGeom>
+        </p:spPr>
+        <p:txBody>
+          <a:bodyPr anchorCtr="0" anchor="t" bIns="91425" lIns="91425" spcFirstLastPara="1" rIns="91425" wrap="square" tIns="91425">
+            <a:noAutofit/>
+          </a:bodyPr>
+          <a:lstStyle/>
+          <a:p>
+            <a:pPr indent="0" lvl="0" marL="0" rtl="0" algn="l">
+              <a:spcBef>
+                <a:spcPts val="0"/>
+              </a:spcBef>
+              <a:spcAft>
+                <a:spcPts val="0"/>
+              </a:spcAft>
+              <a:buNone/>
+            </a:pPr>
+            <a:r>
+              <a:t/>
+            </a:r>
+            <a:endParaRPr/>
+          </a:p>
+        </p:txBody>
+      </p:sp>
+    </p:spTree>
+  </p:cSld>
+  <p:clrMapOvr>
+    <a:masterClrMapping/>
+  </p:clrMapOvr>
+</p:notes>
+</file>
+
+<file path=ppt/notesSlides/notesSlide29.xml><?xml version="1.0" encoding="utf-8"?>
+<p:notes xmlns:a="http://schemas.openxmlformats.org/drawingml/2006/main" xmlns:r="http://schemas.openxmlformats.org/officeDocument/2006/relationships" xmlns:mc="http://schemas.openxmlformats.org/markup-compatibility/2006" xmlns:mv="urn:schemas-microsoft-com:mac:vml" xmlns:p="http://schemas.openxmlformats.org/presentationml/2006/main" xmlns:c="http://schemas.openxmlformats.org/drawingml/2006/chart" xmlns:dgm="http://schemas.openxmlformats.org/drawingml/2006/diagram" xmlns:o="urn:schemas-microsoft-com:office:office" xmlns:v="urn:schemas-microsoft-com:vml" xmlns:pvml="urn:schemas-microsoft-com:office:powerpoint" xmlns:com="http://schemas.openxmlformats.org/drawingml/2006/compatibility" xmlns:p14="http://schemas.microsoft.com/office/powerpoint/2010/main" xmlns:p15="http://schemas.microsoft.com/office/powerpoint/2012/main" xmlns:ahyp="http://schemas.microsoft.com/office/drawing/2018/hyperlinkcolor" showMasterPhAnim="0" showMasterSp="0">
+  <p:cSld>
+    <p:spTree>
+      <p:nvGrpSpPr>
+        <p:cNvPr id="219" name="Shape 219"/>
+        <p:cNvGrpSpPr/>
+        <p:nvPr/>
+      </p:nvGrpSpPr>
+      <p:grpSpPr>
+        <a:xfrm>
+          <a:off x="0" y="0"/>
+          <a:ext cx="0" cy="0"/>
+          <a:chOff x="0" y="0"/>
+          <a:chExt cx="0" cy="0"/>
+        </a:xfrm>
+      </p:grpSpPr>
+      <p:sp>
+        <p:nvSpPr>
+          <p:cNvPr id="220" name="Google Shape;220;gee5de2ac8c_0_72:notes"/>
+          <p:cNvSpPr/>
+          <p:nvPr>
+            <p:ph idx="2" type="sldImg"/>
+          </p:nvPr>
+        </p:nvSpPr>
+        <p:spPr>
+          <a:xfrm>
+            <a:off x="381300" y="685800"/>
+            <a:ext cx="6096000" cy="3429000"/>
+          </a:xfrm>
+          <a:custGeom>
+            <a:rect b="b" l="l" r="r" t="t"/>
+            <a:pathLst>
+              <a:path extrusionOk="0" h="120000" w="120000">
+                <a:moveTo>
+                  <a:pt x="0" y="0"/>
+                </a:moveTo>
+                <a:lnTo>
+                  <a:pt x="120000" y="0"/>
+                </a:lnTo>
+                <a:lnTo>
+                  <a:pt x="120000" y="120000"/>
+                </a:lnTo>
+                <a:lnTo>
+                  <a:pt x="0" y="120000"/>
+                </a:lnTo>
+                <a:close/>
+              </a:path>
+            </a:pathLst>
+          </a:custGeom>
+        </p:spPr>
+      </p:sp>
+      <p:sp>
+        <p:nvSpPr>
+          <p:cNvPr id="221" name="Google Shape;221;gee5de2ac8c_0_72:notes"/>
           <p:cNvSpPr txBox="1"/>
           <p:nvPr>
             <p:ph idx="1" type="body"/>
@@ -2397,7 +2903,7 @@
   <p:cSld>
     <p:spTree>
       <p:nvGrpSpPr>
-        <p:cNvPr id="62" name="Shape 62"/>
+        <p:cNvPr id="63" name="Shape 63"/>
         <p:cNvGrpSpPr/>
         <p:nvPr/>
       </p:nvGrpSpPr>
@@ -2411,7 +2917,7 @@
       </p:grpSpPr>
       <p:sp>
         <p:nvSpPr>
-          <p:cNvPr id="63" name="Google Shape;63;ge44c1f6c49_0_0:notes"/>
+          <p:cNvPr id="64" name="Google Shape;64;geba9f15af2_0_4:notes"/>
           <p:cNvSpPr/>
           <p:nvPr>
             <p:ph idx="2" type="sldImg"/>
@@ -2446,7 +2952,601 @@
       </p:sp>
       <p:sp>
         <p:nvSpPr>
-          <p:cNvPr id="64" name="Google Shape;64;ge44c1f6c49_0_0:notes"/>
+          <p:cNvPr id="65" name="Google Shape;65;geba9f15af2_0_4:notes"/>
+          <p:cNvSpPr txBox="1"/>
+          <p:nvPr>
+            <p:ph idx="1" type="body"/>
+          </p:nvPr>
+        </p:nvSpPr>
+        <p:spPr>
+          <a:xfrm>
+            <a:off x="685800" y="4343400"/>
+            <a:ext cx="5486400" cy="4114800"/>
+          </a:xfrm>
+          <a:prstGeom prst="rect">
+            <a:avLst/>
+          </a:prstGeom>
+        </p:spPr>
+        <p:txBody>
+          <a:bodyPr anchorCtr="0" anchor="t" bIns="91425" lIns="91425" spcFirstLastPara="1" rIns="91425" wrap="square" tIns="91425">
+            <a:noAutofit/>
+          </a:bodyPr>
+          <a:lstStyle/>
+          <a:p>
+            <a:pPr indent="0" lvl="0" marL="0" rtl="0" algn="l">
+              <a:spcBef>
+                <a:spcPts val="0"/>
+              </a:spcBef>
+              <a:spcAft>
+                <a:spcPts val="0"/>
+              </a:spcAft>
+              <a:buNone/>
+            </a:pPr>
+            <a:r>
+              <a:t/>
+            </a:r>
+            <a:endParaRPr/>
+          </a:p>
+        </p:txBody>
+      </p:sp>
+    </p:spTree>
+  </p:cSld>
+  <p:clrMapOvr>
+    <a:masterClrMapping/>
+  </p:clrMapOvr>
+</p:notes>
+</file>
+
+<file path=ppt/notesSlides/notesSlide30.xml><?xml version="1.0" encoding="utf-8"?>
+<p:notes xmlns:a="http://schemas.openxmlformats.org/drawingml/2006/main" xmlns:r="http://schemas.openxmlformats.org/officeDocument/2006/relationships" xmlns:mc="http://schemas.openxmlformats.org/markup-compatibility/2006" xmlns:mv="urn:schemas-microsoft-com:mac:vml" xmlns:p="http://schemas.openxmlformats.org/presentationml/2006/main" xmlns:c="http://schemas.openxmlformats.org/drawingml/2006/chart" xmlns:dgm="http://schemas.openxmlformats.org/drawingml/2006/diagram" xmlns:o="urn:schemas-microsoft-com:office:office" xmlns:v="urn:schemas-microsoft-com:vml" xmlns:pvml="urn:schemas-microsoft-com:office:powerpoint" xmlns:com="http://schemas.openxmlformats.org/drawingml/2006/compatibility" xmlns:p14="http://schemas.microsoft.com/office/powerpoint/2010/main" xmlns:p15="http://schemas.microsoft.com/office/powerpoint/2012/main" xmlns:ahyp="http://schemas.microsoft.com/office/drawing/2018/hyperlinkcolor" showMasterPhAnim="0" showMasterSp="0">
+  <p:cSld>
+    <p:spTree>
+      <p:nvGrpSpPr>
+        <p:cNvPr id="224" name="Shape 224"/>
+        <p:cNvGrpSpPr/>
+        <p:nvPr/>
+      </p:nvGrpSpPr>
+      <p:grpSpPr>
+        <a:xfrm>
+          <a:off x="0" y="0"/>
+          <a:ext cx="0" cy="0"/>
+          <a:chOff x="0" y="0"/>
+          <a:chExt cx="0" cy="0"/>
+        </a:xfrm>
+      </p:grpSpPr>
+      <p:sp>
+        <p:nvSpPr>
+          <p:cNvPr id="225" name="Google Shape;225;gee5de2ac8c_0_76:notes"/>
+          <p:cNvSpPr/>
+          <p:nvPr>
+            <p:ph idx="2" type="sldImg"/>
+          </p:nvPr>
+        </p:nvSpPr>
+        <p:spPr>
+          <a:xfrm>
+            <a:off x="381300" y="685800"/>
+            <a:ext cx="6096000" cy="3429000"/>
+          </a:xfrm>
+          <a:custGeom>
+            <a:rect b="b" l="l" r="r" t="t"/>
+            <a:pathLst>
+              <a:path extrusionOk="0" h="120000" w="120000">
+                <a:moveTo>
+                  <a:pt x="0" y="0"/>
+                </a:moveTo>
+                <a:lnTo>
+                  <a:pt x="120000" y="0"/>
+                </a:lnTo>
+                <a:lnTo>
+                  <a:pt x="120000" y="120000"/>
+                </a:lnTo>
+                <a:lnTo>
+                  <a:pt x="0" y="120000"/>
+                </a:lnTo>
+                <a:close/>
+              </a:path>
+            </a:pathLst>
+          </a:custGeom>
+        </p:spPr>
+      </p:sp>
+      <p:sp>
+        <p:nvSpPr>
+          <p:cNvPr id="226" name="Google Shape;226;gee5de2ac8c_0_76:notes"/>
+          <p:cNvSpPr txBox="1"/>
+          <p:nvPr>
+            <p:ph idx="1" type="body"/>
+          </p:nvPr>
+        </p:nvSpPr>
+        <p:spPr>
+          <a:xfrm>
+            <a:off x="685800" y="4343400"/>
+            <a:ext cx="5486400" cy="4114800"/>
+          </a:xfrm>
+          <a:prstGeom prst="rect">
+            <a:avLst/>
+          </a:prstGeom>
+        </p:spPr>
+        <p:txBody>
+          <a:bodyPr anchorCtr="0" anchor="t" bIns="91425" lIns="91425" spcFirstLastPara="1" rIns="91425" wrap="square" tIns="91425">
+            <a:noAutofit/>
+          </a:bodyPr>
+          <a:lstStyle/>
+          <a:p>
+            <a:pPr indent="0" lvl="0" marL="0" rtl="0" algn="l">
+              <a:spcBef>
+                <a:spcPts val="0"/>
+              </a:spcBef>
+              <a:spcAft>
+                <a:spcPts val="0"/>
+              </a:spcAft>
+              <a:buNone/>
+            </a:pPr>
+            <a:r>
+              <a:t/>
+            </a:r>
+            <a:endParaRPr/>
+          </a:p>
+        </p:txBody>
+      </p:sp>
+    </p:spTree>
+  </p:cSld>
+  <p:clrMapOvr>
+    <a:masterClrMapping/>
+  </p:clrMapOvr>
+</p:notes>
+</file>
+
+<file path=ppt/notesSlides/notesSlide31.xml><?xml version="1.0" encoding="utf-8"?>
+<p:notes xmlns:a="http://schemas.openxmlformats.org/drawingml/2006/main" xmlns:r="http://schemas.openxmlformats.org/officeDocument/2006/relationships" xmlns:mc="http://schemas.openxmlformats.org/markup-compatibility/2006" xmlns:mv="urn:schemas-microsoft-com:mac:vml" xmlns:p="http://schemas.openxmlformats.org/presentationml/2006/main" xmlns:c="http://schemas.openxmlformats.org/drawingml/2006/chart" xmlns:dgm="http://schemas.openxmlformats.org/drawingml/2006/diagram" xmlns:o="urn:schemas-microsoft-com:office:office" xmlns:v="urn:schemas-microsoft-com:vml" xmlns:pvml="urn:schemas-microsoft-com:office:powerpoint" xmlns:com="http://schemas.openxmlformats.org/drawingml/2006/compatibility" xmlns:p14="http://schemas.microsoft.com/office/powerpoint/2010/main" xmlns:p15="http://schemas.microsoft.com/office/powerpoint/2012/main" xmlns:ahyp="http://schemas.microsoft.com/office/drawing/2018/hyperlinkcolor" showMasterPhAnim="0" showMasterSp="0">
+  <p:cSld>
+    <p:spTree>
+      <p:nvGrpSpPr>
+        <p:cNvPr id="229" name="Shape 229"/>
+        <p:cNvGrpSpPr/>
+        <p:nvPr/>
+      </p:nvGrpSpPr>
+      <p:grpSpPr>
+        <a:xfrm>
+          <a:off x="0" y="0"/>
+          <a:ext cx="0" cy="0"/>
+          <a:chOff x="0" y="0"/>
+          <a:chExt cx="0" cy="0"/>
+        </a:xfrm>
+      </p:grpSpPr>
+      <p:sp>
+        <p:nvSpPr>
+          <p:cNvPr id="230" name="Google Shape;230;gee5de2ac8c_0_80:notes"/>
+          <p:cNvSpPr/>
+          <p:nvPr>
+            <p:ph idx="2" type="sldImg"/>
+          </p:nvPr>
+        </p:nvSpPr>
+        <p:spPr>
+          <a:xfrm>
+            <a:off x="381300" y="685800"/>
+            <a:ext cx="6096000" cy="3429000"/>
+          </a:xfrm>
+          <a:custGeom>
+            <a:rect b="b" l="l" r="r" t="t"/>
+            <a:pathLst>
+              <a:path extrusionOk="0" h="120000" w="120000">
+                <a:moveTo>
+                  <a:pt x="0" y="0"/>
+                </a:moveTo>
+                <a:lnTo>
+                  <a:pt x="120000" y="0"/>
+                </a:lnTo>
+                <a:lnTo>
+                  <a:pt x="120000" y="120000"/>
+                </a:lnTo>
+                <a:lnTo>
+                  <a:pt x="0" y="120000"/>
+                </a:lnTo>
+                <a:close/>
+              </a:path>
+            </a:pathLst>
+          </a:custGeom>
+        </p:spPr>
+      </p:sp>
+      <p:sp>
+        <p:nvSpPr>
+          <p:cNvPr id="231" name="Google Shape;231;gee5de2ac8c_0_80:notes"/>
+          <p:cNvSpPr txBox="1"/>
+          <p:nvPr>
+            <p:ph idx="1" type="body"/>
+          </p:nvPr>
+        </p:nvSpPr>
+        <p:spPr>
+          <a:xfrm>
+            <a:off x="685800" y="4343400"/>
+            <a:ext cx="5486400" cy="4114800"/>
+          </a:xfrm>
+          <a:prstGeom prst="rect">
+            <a:avLst/>
+          </a:prstGeom>
+        </p:spPr>
+        <p:txBody>
+          <a:bodyPr anchorCtr="0" anchor="t" bIns="91425" lIns="91425" spcFirstLastPara="1" rIns="91425" wrap="square" tIns="91425">
+            <a:noAutofit/>
+          </a:bodyPr>
+          <a:lstStyle/>
+          <a:p>
+            <a:pPr indent="0" lvl="0" marL="0" rtl="0" algn="l">
+              <a:spcBef>
+                <a:spcPts val="0"/>
+              </a:spcBef>
+              <a:spcAft>
+                <a:spcPts val="0"/>
+              </a:spcAft>
+              <a:buNone/>
+            </a:pPr>
+            <a:r>
+              <a:t/>
+            </a:r>
+            <a:endParaRPr/>
+          </a:p>
+        </p:txBody>
+      </p:sp>
+    </p:spTree>
+  </p:cSld>
+  <p:clrMapOvr>
+    <a:masterClrMapping/>
+  </p:clrMapOvr>
+</p:notes>
+</file>
+
+<file path=ppt/notesSlides/notesSlide32.xml><?xml version="1.0" encoding="utf-8"?>
+<p:notes xmlns:a="http://schemas.openxmlformats.org/drawingml/2006/main" xmlns:r="http://schemas.openxmlformats.org/officeDocument/2006/relationships" xmlns:mc="http://schemas.openxmlformats.org/markup-compatibility/2006" xmlns:mv="urn:schemas-microsoft-com:mac:vml" xmlns:p="http://schemas.openxmlformats.org/presentationml/2006/main" xmlns:c="http://schemas.openxmlformats.org/drawingml/2006/chart" xmlns:dgm="http://schemas.openxmlformats.org/drawingml/2006/diagram" xmlns:o="urn:schemas-microsoft-com:office:office" xmlns:v="urn:schemas-microsoft-com:vml" xmlns:pvml="urn:schemas-microsoft-com:office:powerpoint" xmlns:com="http://schemas.openxmlformats.org/drawingml/2006/compatibility" xmlns:p14="http://schemas.microsoft.com/office/powerpoint/2010/main" xmlns:p15="http://schemas.microsoft.com/office/powerpoint/2012/main" xmlns:ahyp="http://schemas.microsoft.com/office/drawing/2018/hyperlinkcolor" showMasterPhAnim="0" showMasterSp="0">
+  <p:cSld>
+    <p:spTree>
+      <p:nvGrpSpPr>
+        <p:cNvPr id="238" name="Shape 238"/>
+        <p:cNvGrpSpPr/>
+        <p:nvPr/>
+      </p:nvGrpSpPr>
+      <p:grpSpPr>
+        <a:xfrm>
+          <a:off x="0" y="0"/>
+          <a:ext cx="0" cy="0"/>
+          <a:chOff x="0" y="0"/>
+          <a:chExt cx="0" cy="0"/>
+        </a:xfrm>
+      </p:grpSpPr>
+      <p:sp>
+        <p:nvSpPr>
+          <p:cNvPr id="239" name="Google Shape;239;gee5de2ac8c_0_89:notes"/>
+          <p:cNvSpPr/>
+          <p:nvPr>
+            <p:ph idx="2" type="sldImg"/>
+          </p:nvPr>
+        </p:nvSpPr>
+        <p:spPr>
+          <a:xfrm>
+            <a:off x="381300" y="685800"/>
+            <a:ext cx="6096000" cy="3429000"/>
+          </a:xfrm>
+          <a:custGeom>
+            <a:rect b="b" l="l" r="r" t="t"/>
+            <a:pathLst>
+              <a:path extrusionOk="0" h="120000" w="120000">
+                <a:moveTo>
+                  <a:pt x="0" y="0"/>
+                </a:moveTo>
+                <a:lnTo>
+                  <a:pt x="120000" y="0"/>
+                </a:lnTo>
+                <a:lnTo>
+                  <a:pt x="120000" y="120000"/>
+                </a:lnTo>
+                <a:lnTo>
+                  <a:pt x="0" y="120000"/>
+                </a:lnTo>
+                <a:close/>
+              </a:path>
+            </a:pathLst>
+          </a:custGeom>
+        </p:spPr>
+      </p:sp>
+      <p:sp>
+        <p:nvSpPr>
+          <p:cNvPr id="240" name="Google Shape;240;gee5de2ac8c_0_89:notes"/>
+          <p:cNvSpPr txBox="1"/>
+          <p:nvPr>
+            <p:ph idx="1" type="body"/>
+          </p:nvPr>
+        </p:nvSpPr>
+        <p:spPr>
+          <a:xfrm>
+            <a:off x="685800" y="4343400"/>
+            <a:ext cx="5486400" cy="4114800"/>
+          </a:xfrm>
+          <a:prstGeom prst="rect">
+            <a:avLst/>
+          </a:prstGeom>
+        </p:spPr>
+        <p:txBody>
+          <a:bodyPr anchorCtr="0" anchor="t" bIns="91425" lIns="91425" spcFirstLastPara="1" rIns="91425" wrap="square" tIns="91425">
+            <a:noAutofit/>
+          </a:bodyPr>
+          <a:lstStyle/>
+          <a:p>
+            <a:pPr indent="0" lvl="0" marL="0" rtl="0" algn="l">
+              <a:spcBef>
+                <a:spcPts val="0"/>
+              </a:spcBef>
+              <a:spcAft>
+                <a:spcPts val="0"/>
+              </a:spcAft>
+              <a:buNone/>
+            </a:pPr>
+            <a:r>
+              <a:t/>
+            </a:r>
+            <a:endParaRPr/>
+          </a:p>
+        </p:txBody>
+      </p:sp>
+    </p:spTree>
+  </p:cSld>
+  <p:clrMapOvr>
+    <a:masterClrMapping/>
+  </p:clrMapOvr>
+</p:notes>
+</file>
+
+<file path=ppt/notesSlides/notesSlide33.xml><?xml version="1.0" encoding="utf-8"?>
+<p:notes xmlns:a="http://schemas.openxmlformats.org/drawingml/2006/main" xmlns:r="http://schemas.openxmlformats.org/officeDocument/2006/relationships" xmlns:mc="http://schemas.openxmlformats.org/markup-compatibility/2006" xmlns:mv="urn:schemas-microsoft-com:mac:vml" xmlns:p="http://schemas.openxmlformats.org/presentationml/2006/main" xmlns:c="http://schemas.openxmlformats.org/drawingml/2006/chart" xmlns:dgm="http://schemas.openxmlformats.org/drawingml/2006/diagram" xmlns:o="urn:schemas-microsoft-com:office:office" xmlns:v="urn:schemas-microsoft-com:vml" xmlns:pvml="urn:schemas-microsoft-com:office:powerpoint" xmlns:com="http://schemas.openxmlformats.org/drawingml/2006/compatibility" xmlns:p14="http://schemas.microsoft.com/office/powerpoint/2010/main" xmlns:p15="http://schemas.microsoft.com/office/powerpoint/2012/main" xmlns:ahyp="http://schemas.microsoft.com/office/drawing/2018/hyperlinkcolor" showMasterPhAnim="0" showMasterSp="0">
+  <p:cSld>
+    <p:spTree>
+      <p:nvGrpSpPr>
+        <p:cNvPr id="247" name="Shape 247"/>
+        <p:cNvGrpSpPr/>
+        <p:nvPr/>
+      </p:nvGrpSpPr>
+      <p:grpSpPr>
+        <a:xfrm>
+          <a:off x="0" y="0"/>
+          <a:ext cx="0" cy="0"/>
+          <a:chOff x="0" y="0"/>
+          <a:chExt cx="0" cy="0"/>
+        </a:xfrm>
+      </p:grpSpPr>
+      <p:sp>
+        <p:nvSpPr>
+          <p:cNvPr id="248" name="Google Shape;248;geba9f15af2_0_0:notes"/>
+          <p:cNvSpPr/>
+          <p:nvPr>
+            <p:ph idx="2" type="sldImg"/>
+          </p:nvPr>
+        </p:nvSpPr>
+        <p:spPr>
+          <a:xfrm>
+            <a:off x="381300" y="685800"/>
+            <a:ext cx="6096000" cy="3429000"/>
+          </a:xfrm>
+          <a:custGeom>
+            <a:rect b="b" l="l" r="r" t="t"/>
+            <a:pathLst>
+              <a:path extrusionOk="0" h="120000" w="120000">
+                <a:moveTo>
+                  <a:pt x="0" y="0"/>
+                </a:moveTo>
+                <a:lnTo>
+                  <a:pt x="120000" y="0"/>
+                </a:lnTo>
+                <a:lnTo>
+                  <a:pt x="120000" y="120000"/>
+                </a:lnTo>
+                <a:lnTo>
+                  <a:pt x="0" y="120000"/>
+                </a:lnTo>
+                <a:close/>
+              </a:path>
+            </a:pathLst>
+          </a:custGeom>
+        </p:spPr>
+      </p:sp>
+      <p:sp>
+        <p:nvSpPr>
+          <p:cNvPr id="249" name="Google Shape;249;geba9f15af2_0_0:notes"/>
+          <p:cNvSpPr txBox="1"/>
+          <p:nvPr>
+            <p:ph idx="1" type="body"/>
+          </p:nvPr>
+        </p:nvSpPr>
+        <p:spPr>
+          <a:xfrm>
+            <a:off x="685800" y="4343400"/>
+            <a:ext cx="5486400" cy="4114800"/>
+          </a:xfrm>
+          <a:prstGeom prst="rect">
+            <a:avLst/>
+          </a:prstGeom>
+        </p:spPr>
+        <p:txBody>
+          <a:bodyPr anchorCtr="0" anchor="t" bIns="91425" lIns="91425" spcFirstLastPara="1" rIns="91425" wrap="square" tIns="91425">
+            <a:noAutofit/>
+          </a:bodyPr>
+          <a:lstStyle/>
+          <a:p>
+            <a:pPr indent="0" lvl="0" marL="0" rtl="0" algn="l">
+              <a:spcBef>
+                <a:spcPts val="0"/>
+              </a:spcBef>
+              <a:spcAft>
+                <a:spcPts val="0"/>
+              </a:spcAft>
+              <a:buNone/>
+            </a:pPr>
+            <a:r>
+              <a:t/>
+            </a:r>
+            <a:endParaRPr/>
+          </a:p>
+        </p:txBody>
+      </p:sp>
+    </p:spTree>
+  </p:cSld>
+  <p:clrMapOvr>
+    <a:masterClrMapping/>
+  </p:clrMapOvr>
+</p:notes>
+</file>
+
+<file path=ppt/notesSlides/notesSlide34.xml><?xml version="1.0" encoding="utf-8"?>
+<p:notes xmlns:a="http://schemas.openxmlformats.org/drawingml/2006/main" xmlns:r="http://schemas.openxmlformats.org/officeDocument/2006/relationships" xmlns:mc="http://schemas.openxmlformats.org/markup-compatibility/2006" xmlns:mv="urn:schemas-microsoft-com:mac:vml" xmlns:p="http://schemas.openxmlformats.org/presentationml/2006/main" xmlns:c="http://schemas.openxmlformats.org/drawingml/2006/chart" xmlns:dgm="http://schemas.openxmlformats.org/drawingml/2006/diagram" xmlns:o="urn:schemas-microsoft-com:office:office" xmlns:v="urn:schemas-microsoft-com:vml" xmlns:pvml="urn:schemas-microsoft-com:office:powerpoint" xmlns:com="http://schemas.openxmlformats.org/drawingml/2006/compatibility" xmlns:p14="http://schemas.microsoft.com/office/powerpoint/2010/main" xmlns:p15="http://schemas.microsoft.com/office/powerpoint/2012/main" xmlns:ahyp="http://schemas.microsoft.com/office/drawing/2018/hyperlinkcolor" showMasterPhAnim="0" showMasterSp="0">
+  <p:cSld>
+    <p:spTree>
+      <p:nvGrpSpPr>
+        <p:cNvPr id="252" name="Shape 252"/>
+        <p:cNvGrpSpPr/>
+        <p:nvPr/>
+      </p:nvGrpSpPr>
+      <p:grpSpPr>
+        <a:xfrm>
+          <a:off x="0" y="0"/>
+          <a:ext cx="0" cy="0"/>
+          <a:chOff x="0" y="0"/>
+          <a:chExt cx="0" cy="0"/>
+        </a:xfrm>
+      </p:grpSpPr>
+      <p:sp>
+        <p:nvSpPr>
+          <p:cNvPr id="253" name="Google Shape;253;geba9f15af2_0_21:notes"/>
+          <p:cNvSpPr/>
+          <p:nvPr>
+            <p:ph idx="2" type="sldImg"/>
+          </p:nvPr>
+        </p:nvSpPr>
+        <p:spPr>
+          <a:xfrm>
+            <a:off x="381300" y="685800"/>
+            <a:ext cx="6096000" cy="3429000"/>
+          </a:xfrm>
+          <a:custGeom>
+            <a:rect b="b" l="l" r="r" t="t"/>
+            <a:pathLst>
+              <a:path extrusionOk="0" h="120000" w="120000">
+                <a:moveTo>
+                  <a:pt x="0" y="0"/>
+                </a:moveTo>
+                <a:lnTo>
+                  <a:pt x="120000" y="0"/>
+                </a:lnTo>
+                <a:lnTo>
+                  <a:pt x="120000" y="120000"/>
+                </a:lnTo>
+                <a:lnTo>
+                  <a:pt x="0" y="120000"/>
+                </a:lnTo>
+                <a:close/>
+              </a:path>
+            </a:pathLst>
+          </a:custGeom>
+        </p:spPr>
+      </p:sp>
+      <p:sp>
+        <p:nvSpPr>
+          <p:cNvPr id="254" name="Google Shape;254;geba9f15af2_0_21:notes"/>
+          <p:cNvSpPr txBox="1"/>
+          <p:nvPr>
+            <p:ph idx="1" type="body"/>
+          </p:nvPr>
+        </p:nvSpPr>
+        <p:spPr>
+          <a:xfrm>
+            <a:off x="685800" y="4343400"/>
+            <a:ext cx="5486400" cy="4114800"/>
+          </a:xfrm>
+          <a:prstGeom prst="rect">
+            <a:avLst/>
+          </a:prstGeom>
+        </p:spPr>
+        <p:txBody>
+          <a:bodyPr anchorCtr="0" anchor="t" bIns="91425" lIns="91425" spcFirstLastPara="1" rIns="91425" wrap="square" tIns="91425">
+            <a:noAutofit/>
+          </a:bodyPr>
+          <a:lstStyle/>
+          <a:p>
+            <a:pPr indent="0" lvl="0" marL="0" rtl="0" algn="l">
+              <a:spcBef>
+                <a:spcPts val="0"/>
+              </a:spcBef>
+              <a:spcAft>
+                <a:spcPts val="0"/>
+              </a:spcAft>
+              <a:buNone/>
+            </a:pPr>
+            <a:r>
+              <a:t/>
+            </a:r>
+            <a:endParaRPr/>
+          </a:p>
+        </p:txBody>
+      </p:sp>
+    </p:spTree>
+  </p:cSld>
+  <p:clrMapOvr>
+    <a:masterClrMapping/>
+  </p:clrMapOvr>
+</p:notes>
+</file>
+
+<file path=ppt/notesSlides/notesSlide35.xml><?xml version="1.0" encoding="utf-8"?>
+<p:notes xmlns:a="http://schemas.openxmlformats.org/drawingml/2006/main" xmlns:r="http://schemas.openxmlformats.org/officeDocument/2006/relationships" xmlns:mc="http://schemas.openxmlformats.org/markup-compatibility/2006" xmlns:mv="urn:schemas-microsoft-com:mac:vml" xmlns:p="http://schemas.openxmlformats.org/presentationml/2006/main" xmlns:c="http://schemas.openxmlformats.org/drawingml/2006/chart" xmlns:dgm="http://schemas.openxmlformats.org/drawingml/2006/diagram" xmlns:o="urn:schemas-microsoft-com:office:office" xmlns:v="urn:schemas-microsoft-com:vml" xmlns:pvml="urn:schemas-microsoft-com:office:powerpoint" xmlns:com="http://schemas.openxmlformats.org/drawingml/2006/compatibility" xmlns:p14="http://schemas.microsoft.com/office/powerpoint/2010/main" xmlns:p15="http://schemas.microsoft.com/office/powerpoint/2012/main" xmlns:ahyp="http://schemas.microsoft.com/office/drawing/2018/hyperlinkcolor" showMasterPhAnim="0" showMasterSp="0">
+  <p:cSld>
+    <p:spTree>
+      <p:nvGrpSpPr>
+        <p:cNvPr id="260" name="Shape 260"/>
+        <p:cNvGrpSpPr/>
+        <p:nvPr/>
+      </p:nvGrpSpPr>
+      <p:grpSpPr>
+        <a:xfrm>
+          <a:off x="0" y="0"/>
+          <a:ext cx="0" cy="0"/>
+          <a:chOff x="0" y="0"/>
+          <a:chExt cx="0" cy="0"/>
+        </a:xfrm>
+      </p:grpSpPr>
+      <p:sp>
+        <p:nvSpPr>
+          <p:cNvPr id="261" name="Google Shape;261;geba9f15af2_0_39:notes"/>
+          <p:cNvSpPr/>
+          <p:nvPr>
+            <p:ph idx="2" type="sldImg"/>
+          </p:nvPr>
+        </p:nvSpPr>
+        <p:spPr>
+          <a:xfrm>
+            <a:off x="381300" y="685800"/>
+            <a:ext cx="6096000" cy="3429000"/>
+          </a:xfrm>
+          <a:custGeom>
+            <a:rect b="b" l="l" r="r" t="t"/>
+            <a:pathLst>
+              <a:path extrusionOk="0" h="120000" w="120000">
+                <a:moveTo>
+                  <a:pt x="0" y="0"/>
+                </a:moveTo>
+                <a:lnTo>
+                  <a:pt x="120000" y="0"/>
+                </a:lnTo>
+                <a:lnTo>
+                  <a:pt x="120000" y="120000"/>
+                </a:lnTo>
+                <a:lnTo>
+                  <a:pt x="0" y="120000"/>
+                </a:lnTo>
+                <a:close/>
+              </a:path>
+            </a:pathLst>
+          </a:custGeom>
+        </p:spPr>
+      </p:sp>
+      <p:sp>
+        <p:nvSpPr>
+          <p:cNvPr id="262" name="Google Shape;262;geba9f15af2_0_39:notes"/>
           <p:cNvSpPr txBox="1"/>
           <p:nvPr>
             <p:ph idx="1" type="body"/>
@@ -2496,7 +3596,7 @@
   <p:cSld>
     <p:spTree>
       <p:nvGrpSpPr>
-        <p:cNvPr id="68" name="Shape 68"/>
+        <p:cNvPr id="69" name="Shape 69"/>
         <p:cNvGrpSpPr/>
         <p:nvPr/>
       </p:nvGrpSpPr>
@@ -2510,7 +3610,7 @@
       </p:grpSpPr>
       <p:sp>
         <p:nvSpPr>
-          <p:cNvPr id="69" name="Google Shape;69;ge44c1f6c49_0_219:notes"/>
+          <p:cNvPr id="70" name="Google Shape;70;geba9f15af2_0_10:notes"/>
           <p:cNvSpPr/>
           <p:nvPr>
             <p:ph idx="2" type="sldImg"/>
@@ -2545,7 +3645,7 @@
       </p:sp>
       <p:sp>
         <p:nvSpPr>
-          <p:cNvPr id="70" name="Google Shape;70;ge44c1f6c49_0_219:notes"/>
+          <p:cNvPr id="71" name="Google Shape;71;geba9f15af2_0_10:notes"/>
           <p:cNvSpPr txBox="1"/>
           <p:nvPr>
             <p:ph idx="1" type="body"/>
@@ -2595,7 +3695,7 @@
   <p:cSld>
     <p:spTree>
       <p:nvGrpSpPr>
-        <p:cNvPr id="73" name="Shape 73"/>
+        <p:cNvPr id="77" name="Shape 77"/>
         <p:cNvGrpSpPr/>
         <p:nvPr/>
       </p:nvGrpSpPr>
@@ -2609,7 +3709,7 @@
       </p:grpSpPr>
       <p:sp>
         <p:nvSpPr>
-          <p:cNvPr id="74" name="Google Shape;74;ge754d40173_0_2:notes"/>
+          <p:cNvPr id="78" name="Google Shape;78;ge44c1f6c49_0_0:notes"/>
           <p:cNvSpPr/>
           <p:nvPr>
             <p:ph idx="2" type="sldImg"/>
@@ -2644,7 +3744,7 @@
       </p:sp>
       <p:sp>
         <p:nvSpPr>
-          <p:cNvPr id="75" name="Google Shape;75;ge754d40173_0_2:notes"/>
+          <p:cNvPr id="79" name="Google Shape;79;ge44c1f6c49_0_0:notes"/>
           <p:cNvSpPr txBox="1"/>
           <p:nvPr>
             <p:ph idx="1" type="body"/>
@@ -2694,7 +3794,7 @@
   <p:cSld>
     <p:spTree>
       <p:nvGrpSpPr>
-        <p:cNvPr id="79" name="Shape 79"/>
+        <p:cNvPr id="84" name="Shape 84"/>
         <p:cNvGrpSpPr/>
         <p:nvPr/>
       </p:nvGrpSpPr>
@@ -2708,7 +3808,7 @@
       </p:grpSpPr>
       <p:sp>
         <p:nvSpPr>
-          <p:cNvPr id="80" name="Google Shape;80;ge7d56ed7de_0_0:notes"/>
+          <p:cNvPr id="85" name="Google Shape;85;ge44c1f6c49_0_219:notes"/>
           <p:cNvSpPr/>
           <p:nvPr>
             <p:ph idx="2" type="sldImg"/>
@@ -2743,7 +3843,7 @@
       </p:sp>
       <p:sp>
         <p:nvSpPr>
-          <p:cNvPr id="81" name="Google Shape;81;ge7d56ed7de_0_0:notes"/>
+          <p:cNvPr id="86" name="Google Shape;86;ge44c1f6c49_0_219:notes"/>
           <p:cNvSpPr txBox="1"/>
           <p:nvPr>
             <p:ph idx="1" type="body"/>
@@ -2793,7 +3893,7 @@
   <p:cSld>
     <p:spTree>
       <p:nvGrpSpPr>
-        <p:cNvPr id="85" name="Shape 85"/>
+        <p:cNvPr id="89" name="Shape 89"/>
         <p:cNvGrpSpPr/>
         <p:nvPr/>
       </p:nvGrpSpPr>
@@ -2807,7 +3907,7 @@
       </p:grpSpPr>
       <p:sp>
         <p:nvSpPr>
-          <p:cNvPr id="86" name="Google Shape;86;gee5de2ac8c_0_5:notes"/>
+          <p:cNvPr id="90" name="Google Shape;90;ge754d40173_0_2:notes"/>
           <p:cNvSpPr/>
           <p:nvPr>
             <p:ph idx="2" type="sldImg"/>
@@ -2842,7 +3942,7 @@
       </p:sp>
       <p:sp>
         <p:nvSpPr>
-          <p:cNvPr id="87" name="Google Shape;87;gee5de2ac8c_0_5:notes"/>
+          <p:cNvPr id="91" name="Google Shape;91;ge754d40173_0_2:notes"/>
           <p:cNvSpPr txBox="1"/>
           <p:nvPr>
             <p:ph idx="1" type="body"/>
@@ -2892,7 +3992,7 @@
   <p:cSld>
     <p:spTree>
       <p:nvGrpSpPr>
-        <p:cNvPr id="90" name="Shape 90"/>
+        <p:cNvPr id="95" name="Shape 95"/>
         <p:cNvGrpSpPr/>
         <p:nvPr/>
       </p:nvGrpSpPr>
@@ -2906,7 +4006,7 @@
       </p:grpSpPr>
       <p:sp>
         <p:nvSpPr>
-          <p:cNvPr id="91" name="Google Shape;91;gee5de2ac8c_0_10:notes"/>
+          <p:cNvPr id="96" name="Google Shape;96;ge7d56ed7de_0_0:notes"/>
           <p:cNvSpPr/>
           <p:nvPr>
             <p:ph idx="2" type="sldImg"/>
@@ -2941,7 +4041,7 @@
       </p:sp>
       <p:sp>
         <p:nvSpPr>
-          <p:cNvPr id="92" name="Google Shape;92;gee5de2ac8c_0_10:notes"/>
+          <p:cNvPr id="97" name="Google Shape;97;ge7d56ed7de_0_0:notes"/>
           <p:cNvSpPr txBox="1"/>
           <p:nvPr>
             <p:ph idx="1" type="body"/>
@@ -2991,7 +4091,7 @@
   <p:cSld>
     <p:spTree>
       <p:nvGrpSpPr>
-        <p:cNvPr id="95" name="Shape 95"/>
+        <p:cNvPr id="101" name="Shape 101"/>
         <p:cNvGrpSpPr/>
         <p:nvPr/>
       </p:nvGrpSpPr>
@@ -3005,7 +4105,7 @@
       </p:grpSpPr>
       <p:sp>
         <p:nvSpPr>
-          <p:cNvPr id="96" name="Google Shape;96;gee5de2ac8c_0_16:notes"/>
+          <p:cNvPr id="102" name="Google Shape;102;geba9f15af2_0_26:notes"/>
           <p:cNvSpPr/>
           <p:nvPr>
             <p:ph idx="2" type="sldImg"/>
@@ -3040,7 +4140,7 @@
       </p:sp>
       <p:sp>
         <p:nvSpPr>
-          <p:cNvPr id="97" name="Google Shape;97;gee5de2ac8c_0_16:notes"/>
+          <p:cNvPr id="103" name="Google Shape;103;geba9f15af2_0_26:notes"/>
           <p:cNvSpPr txBox="1"/>
           <p:nvPr>
             <p:ph idx="1" type="body"/>
@@ -7735,7 +8835,7 @@
 </file>
 
 <file path=ppt/slides/slide1.xml><?xml version="1.0" encoding="utf-8"?>
-<p:sld xmlns:a="http://schemas.openxmlformats.org/drawingml/2006/main" xmlns:r="http://schemas.openxmlformats.org/officeDocument/2006/relationships" xmlns:mc="http://schemas.openxmlformats.org/markup-compatibility/2006" xmlns:mv="urn:schemas-microsoft-com:mac:vml" xmlns:p="http://schemas.openxmlformats.org/presentationml/2006/main" xmlns:c="http://schemas.openxmlformats.org/drawingml/2006/chart" xmlns:dgm="http://schemas.openxmlformats.org/drawingml/2006/diagram" xmlns:o="urn:schemas-microsoft-com:office:office" xmlns:v="urn:schemas-microsoft-com:vml" xmlns:pvml="urn:schemas-microsoft-com:office:powerpoint" xmlns:com="http://schemas.openxmlformats.org/drawingml/2006/compatibility" xmlns:p14="http://schemas.microsoft.com/office/powerpoint/2010/main" xmlns:p15="http://schemas.microsoft.com/office/powerpoint/2012/main" xmlns:ahyp="http://schemas.microsoft.com/office/drawing/2018/hyperlinkcolor" show="0">
+<p:sld xmlns:a="http://schemas.openxmlformats.org/drawingml/2006/main" xmlns:r="http://schemas.openxmlformats.org/officeDocument/2006/relationships" xmlns:mc="http://schemas.openxmlformats.org/markup-compatibility/2006" xmlns:mv="urn:schemas-microsoft-com:mac:vml" xmlns:p="http://schemas.openxmlformats.org/presentationml/2006/main" xmlns:c="http://schemas.openxmlformats.org/drawingml/2006/chart" xmlns:dgm="http://schemas.openxmlformats.org/drawingml/2006/diagram" xmlns:o="urn:schemas-microsoft-com:office:office" xmlns:v="urn:schemas-microsoft-com:vml" xmlns:pvml="urn:schemas-microsoft-com:office:powerpoint" xmlns:com="http://schemas.openxmlformats.org/drawingml/2006/compatibility" xmlns:p14="http://schemas.microsoft.com/office/powerpoint/2010/main" xmlns:p15="http://schemas.microsoft.com/office/powerpoint/2012/main" xmlns:ahyp="http://schemas.microsoft.com/office/drawing/2018/hyperlinkcolor">
   <p:cSld>
     <p:spTree>
       <p:nvGrpSpPr>
@@ -7825,7 +8925,7 @@
             </a:pPr>
             <a:r>
               <a:rPr lang="en" sz="3250"/>
-              <a:t>System for identifying, capturing, and organizing critical knowledge</a:t>
+              <a:t>System for identifying, capturing, and organizing critical knowledge (Theme 3)</a:t>
             </a:r>
             <a:endParaRPr sz="3250"/>
           </a:p>
@@ -7920,7 +9020,2038 @@
   <p:cSld>
     <p:spTree>
       <p:nvGrpSpPr>
-        <p:cNvPr id="103" name="Shape 103"/>
+        <p:cNvPr id="110" name="Shape 110"/>
+        <p:cNvGrpSpPr/>
+        <p:nvPr/>
+      </p:nvGrpSpPr>
+      <p:grpSpPr>
+        <a:xfrm>
+          <a:off x="0" y="0"/>
+          <a:ext cx="0" cy="0"/>
+          <a:chOff x="0" y="0"/>
+          <a:chExt cx="0" cy="0"/>
+        </a:xfrm>
+      </p:grpSpPr>
+      <p:sp>
+        <p:nvSpPr>
+          <p:cNvPr id="111" name="Google Shape;111;p22"/>
+          <p:cNvSpPr txBox="1"/>
+          <p:nvPr>
+            <p:ph type="title"/>
+          </p:nvPr>
+        </p:nvSpPr>
+        <p:spPr>
+          <a:xfrm>
+            <a:off x="311700" y="445025"/>
+            <a:ext cx="8520600" cy="572700"/>
+          </a:xfrm>
+          <a:prstGeom prst="rect">
+            <a:avLst/>
+          </a:prstGeom>
+        </p:spPr>
+        <p:txBody>
+          <a:bodyPr anchorCtr="0" anchor="t" bIns="91425" lIns="91425" spcFirstLastPara="1" rIns="91425" wrap="square" tIns="91425">
+            <a:normAutofit fontScale="90000"/>
+          </a:bodyPr>
+          <a:lstStyle/>
+          <a:p>
+            <a:pPr indent="0" lvl="0" marL="0" rtl="0" algn="l">
+              <a:spcBef>
+                <a:spcPts val="0"/>
+              </a:spcBef>
+              <a:spcAft>
+                <a:spcPts val="0"/>
+              </a:spcAft>
+              <a:buNone/>
+            </a:pPr>
+            <a:r>
+              <a:rPr lang="en"/>
+              <a:t>Roles</a:t>
+            </a:r>
+            <a:endParaRPr/>
+          </a:p>
+        </p:txBody>
+      </p:sp>
+      <p:pic>
+        <p:nvPicPr>
+          <p:cNvPr id="112" name="Google Shape;112;p22"/>
+          <p:cNvPicPr preferRelativeResize="0"/>
+          <p:nvPr/>
+        </p:nvPicPr>
+        <p:blipFill>
+          <a:blip r:embed="rId3">
+            <a:alphaModFix/>
+          </a:blip>
+          <a:stretch>
+            <a:fillRect/>
+          </a:stretch>
+        </p:blipFill>
+        <p:spPr>
+          <a:xfrm>
+            <a:off x="1837525" y="1330399"/>
+            <a:ext cx="574850" cy="693900"/>
+          </a:xfrm>
+          <a:prstGeom prst="rect">
+            <a:avLst/>
+          </a:prstGeom>
+          <a:noFill/>
+          <a:ln>
+            <a:noFill/>
+          </a:ln>
+        </p:spPr>
+      </p:pic>
+      <p:pic>
+        <p:nvPicPr>
+          <p:cNvPr id="113" name="Google Shape;113;p22"/>
+          <p:cNvPicPr preferRelativeResize="0"/>
+          <p:nvPr/>
+        </p:nvPicPr>
+        <p:blipFill>
+          <a:blip r:embed="rId3">
+            <a:alphaModFix/>
+          </a:blip>
+          <a:stretch>
+            <a:fillRect/>
+          </a:stretch>
+        </p:blipFill>
+        <p:spPr>
+          <a:xfrm>
+            <a:off x="3414350" y="1330399"/>
+            <a:ext cx="574850" cy="693900"/>
+          </a:xfrm>
+          <a:prstGeom prst="rect">
+            <a:avLst/>
+          </a:prstGeom>
+          <a:noFill/>
+          <a:ln>
+            <a:noFill/>
+          </a:ln>
+        </p:spPr>
+      </p:pic>
+      <p:pic>
+        <p:nvPicPr>
+          <p:cNvPr id="114" name="Google Shape;114;p22"/>
+          <p:cNvPicPr preferRelativeResize="0"/>
+          <p:nvPr/>
+        </p:nvPicPr>
+        <p:blipFill>
+          <a:blip r:embed="rId3">
+            <a:alphaModFix/>
+          </a:blip>
+          <a:stretch>
+            <a:fillRect/>
+          </a:stretch>
+        </p:blipFill>
+        <p:spPr>
+          <a:xfrm>
+            <a:off x="3414350" y="2946574"/>
+            <a:ext cx="574850" cy="693900"/>
+          </a:xfrm>
+          <a:prstGeom prst="rect">
+            <a:avLst/>
+          </a:prstGeom>
+          <a:noFill/>
+          <a:ln>
+            <a:noFill/>
+          </a:ln>
+        </p:spPr>
+      </p:pic>
+      <p:pic>
+        <p:nvPicPr>
+          <p:cNvPr id="115" name="Google Shape;115;p22"/>
+          <p:cNvPicPr preferRelativeResize="0"/>
+          <p:nvPr/>
+        </p:nvPicPr>
+        <p:blipFill>
+          <a:blip r:embed="rId3">
+            <a:alphaModFix/>
+          </a:blip>
+          <a:stretch>
+            <a:fillRect/>
+          </a:stretch>
+        </p:blipFill>
+        <p:spPr>
+          <a:xfrm>
+            <a:off x="4848000" y="1330399"/>
+            <a:ext cx="574850" cy="693900"/>
+          </a:xfrm>
+          <a:prstGeom prst="rect">
+            <a:avLst/>
+          </a:prstGeom>
+          <a:noFill/>
+          <a:ln>
+            <a:noFill/>
+          </a:ln>
+        </p:spPr>
+      </p:pic>
+      <p:pic>
+        <p:nvPicPr>
+          <p:cNvPr id="116" name="Google Shape;116;p22"/>
+          <p:cNvPicPr preferRelativeResize="0"/>
+          <p:nvPr/>
+        </p:nvPicPr>
+        <p:blipFill>
+          <a:blip r:embed="rId3">
+            <a:alphaModFix/>
+          </a:blip>
+          <a:stretch>
+            <a:fillRect/>
+          </a:stretch>
+        </p:blipFill>
+        <p:spPr>
+          <a:xfrm>
+            <a:off x="4848000" y="2946574"/>
+            <a:ext cx="574850" cy="693900"/>
+          </a:xfrm>
+          <a:prstGeom prst="rect">
+            <a:avLst/>
+          </a:prstGeom>
+          <a:noFill/>
+          <a:ln>
+            <a:noFill/>
+          </a:ln>
+        </p:spPr>
+      </p:pic>
+      <p:pic>
+        <p:nvPicPr>
+          <p:cNvPr id="117" name="Google Shape;117;p22"/>
+          <p:cNvPicPr preferRelativeResize="0"/>
+          <p:nvPr/>
+        </p:nvPicPr>
+        <p:blipFill>
+          <a:blip r:embed="rId3">
+            <a:alphaModFix/>
+          </a:blip>
+          <a:stretch>
+            <a:fillRect/>
+          </a:stretch>
+        </p:blipFill>
+        <p:spPr>
+          <a:xfrm>
+            <a:off x="1837525" y="2946574"/>
+            <a:ext cx="574850" cy="693900"/>
+          </a:xfrm>
+          <a:prstGeom prst="rect">
+            <a:avLst/>
+          </a:prstGeom>
+          <a:noFill/>
+          <a:ln>
+            <a:noFill/>
+          </a:ln>
+        </p:spPr>
+      </p:pic>
+      <p:pic>
+        <p:nvPicPr>
+          <p:cNvPr id="118" name="Google Shape;118;p22"/>
+          <p:cNvPicPr preferRelativeResize="0"/>
+          <p:nvPr/>
+        </p:nvPicPr>
+        <p:blipFill>
+          <a:blip r:embed="rId3">
+            <a:alphaModFix/>
+          </a:blip>
+          <a:stretch>
+            <a:fillRect/>
+          </a:stretch>
+        </p:blipFill>
+        <p:spPr>
+          <a:xfrm>
+            <a:off x="6551037" y="2024299"/>
+            <a:ext cx="574850" cy="693900"/>
+          </a:xfrm>
+          <a:prstGeom prst="rect">
+            <a:avLst/>
+          </a:prstGeom>
+          <a:noFill/>
+          <a:ln>
+            <a:noFill/>
+          </a:ln>
+        </p:spPr>
+      </p:pic>
+      <p:sp>
+        <p:nvSpPr>
+          <p:cNvPr id="119" name="Google Shape;119;p22"/>
+          <p:cNvSpPr txBox="1"/>
+          <p:nvPr/>
+        </p:nvSpPr>
+        <p:spPr>
+          <a:xfrm>
+            <a:off x="1694150" y="2024300"/>
+            <a:ext cx="861600" cy="492600"/>
+          </a:xfrm>
+          <a:prstGeom prst="rect">
+            <a:avLst/>
+          </a:prstGeom>
+          <a:noFill/>
+          <a:ln>
+            <a:noFill/>
+          </a:ln>
+        </p:spPr>
+        <p:txBody>
+          <a:bodyPr anchorCtr="0" anchor="t" bIns="91425" lIns="91425" spcFirstLastPara="1" rIns="91425" wrap="square" tIns="91425">
+            <a:spAutoFit/>
+          </a:bodyPr>
+          <a:lstStyle/>
+          <a:p>
+            <a:pPr indent="0" lvl="0" marL="0" rtl="0" algn="ctr">
+              <a:spcBef>
+                <a:spcPts val="0"/>
+              </a:spcBef>
+              <a:spcAft>
+                <a:spcPts val="0"/>
+              </a:spcAft>
+              <a:buNone/>
+            </a:pPr>
+            <a:r>
+              <a:rPr lang="en" sz="1000"/>
+              <a:t>Production Employee</a:t>
+            </a:r>
+            <a:endParaRPr sz="1000"/>
+          </a:p>
+        </p:txBody>
+      </p:sp>
+      <p:sp>
+        <p:nvSpPr>
+          <p:cNvPr id="120" name="Google Shape;120;p22"/>
+          <p:cNvSpPr txBox="1"/>
+          <p:nvPr/>
+        </p:nvSpPr>
+        <p:spPr>
+          <a:xfrm>
+            <a:off x="3218150" y="2024300"/>
+            <a:ext cx="861600" cy="338700"/>
+          </a:xfrm>
+          <a:prstGeom prst="rect">
+            <a:avLst/>
+          </a:prstGeom>
+          <a:noFill/>
+          <a:ln>
+            <a:noFill/>
+          </a:ln>
+        </p:spPr>
+        <p:txBody>
+          <a:bodyPr anchorCtr="0" anchor="t" bIns="91425" lIns="91425" spcFirstLastPara="1" rIns="91425" wrap="square" tIns="91425">
+            <a:spAutoFit/>
+          </a:bodyPr>
+          <a:lstStyle/>
+          <a:p>
+            <a:pPr indent="0" lvl="0" marL="0" rtl="0" algn="ctr">
+              <a:spcBef>
+                <a:spcPts val="0"/>
+              </a:spcBef>
+              <a:spcAft>
+                <a:spcPts val="0"/>
+              </a:spcAft>
+              <a:buNone/>
+            </a:pPr>
+            <a:r>
+              <a:rPr lang="en" sz="1000"/>
+              <a:t>Supervisor</a:t>
+            </a:r>
+            <a:endParaRPr sz="1000"/>
+          </a:p>
+        </p:txBody>
+      </p:sp>
+      <p:sp>
+        <p:nvSpPr>
+          <p:cNvPr id="121" name="Google Shape;121;p22"/>
+          <p:cNvSpPr txBox="1"/>
+          <p:nvPr/>
+        </p:nvSpPr>
+        <p:spPr>
+          <a:xfrm>
+            <a:off x="4704625" y="2002950"/>
+            <a:ext cx="861600" cy="492600"/>
+          </a:xfrm>
+          <a:prstGeom prst="rect">
+            <a:avLst/>
+          </a:prstGeom>
+          <a:noFill/>
+          <a:ln>
+            <a:noFill/>
+          </a:ln>
+        </p:spPr>
+        <p:txBody>
+          <a:bodyPr anchorCtr="0" anchor="t" bIns="91425" lIns="91425" spcFirstLastPara="1" rIns="91425" wrap="square" tIns="91425">
+            <a:spAutoFit/>
+          </a:bodyPr>
+          <a:lstStyle/>
+          <a:p>
+            <a:pPr indent="0" lvl="0" marL="0" rtl="0" algn="ctr">
+              <a:spcBef>
+                <a:spcPts val="0"/>
+              </a:spcBef>
+              <a:spcAft>
+                <a:spcPts val="0"/>
+              </a:spcAft>
+              <a:buNone/>
+            </a:pPr>
+            <a:r>
+              <a:rPr lang="en" sz="1000"/>
+              <a:t>Plant Manager</a:t>
+            </a:r>
+            <a:endParaRPr sz="1000"/>
+          </a:p>
+        </p:txBody>
+      </p:sp>
+      <p:sp>
+        <p:nvSpPr>
+          <p:cNvPr id="122" name="Google Shape;122;p22"/>
+          <p:cNvSpPr txBox="1"/>
+          <p:nvPr/>
+        </p:nvSpPr>
+        <p:spPr>
+          <a:xfrm>
+            <a:off x="1694150" y="3693050"/>
+            <a:ext cx="861600" cy="338700"/>
+          </a:xfrm>
+          <a:prstGeom prst="rect">
+            <a:avLst/>
+          </a:prstGeom>
+          <a:noFill/>
+          <a:ln>
+            <a:noFill/>
+          </a:ln>
+        </p:spPr>
+        <p:txBody>
+          <a:bodyPr anchorCtr="0" anchor="t" bIns="91425" lIns="91425" spcFirstLastPara="1" rIns="91425" wrap="square" tIns="91425">
+            <a:spAutoFit/>
+          </a:bodyPr>
+          <a:lstStyle/>
+          <a:p>
+            <a:pPr indent="0" lvl="0" marL="0" rtl="0" algn="ctr">
+              <a:spcBef>
+                <a:spcPts val="0"/>
+              </a:spcBef>
+              <a:spcAft>
+                <a:spcPts val="0"/>
+              </a:spcAft>
+              <a:buNone/>
+            </a:pPr>
+            <a:r>
+              <a:rPr lang="en" sz="1000"/>
+              <a:t>Plant HR</a:t>
+            </a:r>
+            <a:endParaRPr sz="1000"/>
+          </a:p>
+        </p:txBody>
+      </p:sp>
+      <p:sp>
+        <p:nvSpPr>
+          <p:cNvPr id="123" name="Google Shape;123;p22"/>
+          <p:cNvSpPr txBox="1"/>
+          <p:nvPr/>
+        </p:nvSpPr>
+        <p:spPr>
+          <a:xfrm>
+            <a:off x="3271075" y="3616100"/>
+            <a:ext cx="861600" cy="646500"/>
+          </a:xfrm>
+          <a:prstGeom prst="rect">
+            <a:avLst/>
+          </a:prstGeom>
+          <a:noFill/>
+          <a:ln>
+            <a:noFill/>
+          </a:ln>
+        </p:spPr>
+        <p:txBody>
+          <a:bodyPr anchorCtr="0" anchor="t" bIns="91425" lIns="91425" spcFirstLastPara="1" rIns="91425" wrap="square" tIns="91425">
+            <a:spAutoFit/>
+          </a:bodyPr>
+          <a:lstStyle/>
+          <a:p>
+            <a:pPr indent="0" lvl="0" marL="0" rtl="0" algn="ctr">
+              <a:spcBef>
+                <a:spcPts val="0"/>
+              </a:spcBef>
+              <a:spcAft>
+                <a:spcPts val="0"/>
+              </a:spcAft>
+              <a:buNone/>
+            </a:pPr>
+            <a:r>
+              <a:rPr lang="en" sz="1000"/>
+              <a:t>Plant Operations Director</a:t>
+            </a:r>
+            <a:endParaRPr sz="1000"/>
+          </a:p>
+        </p:txBody>
+      </p:sp>
+      <p:sp>
+        <p:nvSpPr>
+          <p:cNvPr id="124" name="Google Shape;124;p22"/>
+          <p:cNvSpPr txBox="1"/>
+          <p:nvPr/>
+        </p:nvSpPr>
+        <p:spPr>
+          <a:xfrm>
+            <a:off x="4704625" y="3616100"/>
+            <a:ext cx="861600" cy="338700"/>
+          </a:xfrm>
+          <a:prstGeom prst="rect">
+            <a:avLst/>
+          </a:prstGeom>
+          <a:noFill/>
+          <a:ln>
+            <a:noFill/>
+          </a:ln>
+        </p:spPr>
+        <p:txBody>
+          <a:bodyPr anchorCtr="0" anchor="t" bIns="91425" lIns="91425" spcFirstLastPara="1" rIns="91425" wrap="square" tIns="91425">
+            <a:spAutoFit/>
+          </a:bodyPr>
+          <a:lstStyle/>
+          <a:p>
+            <a:pPr indent="0" lvl="0" marL="0" rtl="0" algn="ctr">
+              <a:spcBef>
+                <a:spcPts val="0"/>
+              </a:spcBef>
+              <a:spcAft>
+                <a:spcPts val="0"/>
+              </a:spcAft>
+              <a:buNone/>
+            </a:pPr>
+            <a:r>
+              <a:rPr lang="en" sz="1000"/>
+              <a:t>Visitor</a:t>
+            </a:r>
+            <a:endParaRPr sz="1000"/>
+          </a:p>
+        </p:txBody>
+      </p:sp>
+      <p:sp>
+        <p:nvSpPr>
+          <p:cNvPr id="125" name="Google Shape;125;p22"/>
+          <p:cNvSpPr txBox="1"/>
+          <p:nvPr/>
+        </p:nvSpPr>
+        <p:spPr>
+          <a:xfrm>
+            <a:off x="6407663" y="2718200"/>
+            <a:ext cx="861600" cy="492600"/>
+          </a:xfrm>
+          <a:prstGeom prst="rect">
+            <a:avLst/>
+          </a:prstGeom>
+          <a:noFill/>
+          <a:ln>
+            <a:noFill/>
+          </a:ln>
+        </p:spPr>
+        <p:txBody>
+          <a:bodyPr anchorCtr="0" anchor="t" bIns="91425" lIns="91425" spcFirstLastPara="1" rIns="91425" wrap="square" tIns="91425">
+            <a:spAutoFit/>
+          </a:bodyPr>
+          <a:lstStyle/>
+          <a:p>
+            <a:pPr indent="0" lvl="0" marL="0" rtl="0" algn="ctr">
+              <a:spcBef>
+                <a:spcPts val="0"/>
+              </a:spcBef>
+              <a:spcAft>
+                <a:spcPts val="0"/>
+              </a:spcAft>
+              <a:buNone/>
+            </a:pPr>
+            <a:r>
+              <a:rPr lang="en" sz="1000"/>
+              <a:t>Platform Admin</a:t>
+            </a:r>
+            <a:endParaRPr sz="1000"/>
+          </a:p>
+        </p:txBody>
+      </p:sp>
+    </p:spTree>
+  </p:cSld>
+  <p:clrMapOvr>
+    <a:masterClrMapping/>
+  </p:clrMapOvr>
+</p:sld>
+</file>
+
+<file path=ppt/slides/slide11.xml><?xml version="1.0" encoding="utf-8"?>
+<p:sld xmlns:a="http://schemas.openxmlformats.org/drawingml/2006/main" xmlns:r="http://schemas.openxmlformats.org/officeDocument/2006/relationships" xmlns:mc="http://schemas.openxmlformats.org/markup-compatibility/2006" xmlns:mv="urn:schemas-microsoft-com:mac:vml" xmlns:p="http://schemas.openxmlformats.org/presentationml/2006/main" xmlns:c="http://schemas.openxmlformats.org/drawingml/2006/chart" xmlns:dgm="http://schemas.openxmlformats.org/drawingml/2006/diagram" xmlns:o="urn:schemas-microsoft-com:office:office" xmlns:v="urn:schemas-microsoft-com:vml" xmlns:pvml="urn:schemas-microsoft-com:office:powerpoint" xmlns:com="http://schemas.openxmlformats.org/drawingml/2006/compatibility" xmlns:p14="http://schemas.microsoft.com/office/powerpoint/2010/main" xmlns:p15="http://schemas.microsoft.com/office/powerpoint/2012/main" xmlns:ahyp="http://schemas.microsoft.com/office/drawing/2018/hyperlinkcolor">
+  <p:cSld>
+    <p:spTree>
+      <p:nvGrpSpPr>
+        <p:cNvPr id="129" name="Shape 129"/>
+        <p:cNvGrpSpPr/>
+        <p:nvPr/>
+      </p:nvGrpSpPr>
+      <p:grpSpPr>
+        <a:xfrm>
+          <a:off x="0" y="0"/>
+          <a:ext cx="0" cy="0"/>
+          <a:chOff x="0" y="0"/>
+          <a:chExt cx="0" cy="0"/>
+        </a:xfrm>
+      </p:grpSpPr>
+      <p:sp>
+        <p:nvSpPr>
+          <p:cNvPr id="130" name="Google Shape;130;p23"/>
+          <p:cNvSpPr txBox="1"/>
+          <p:nvPr>
+            <p:ph type="title"/>
+          </p:nvPr>
+        </p:nvSpPr>
+        <p:spPr>
+          <a:xfrm>
+            <a:off x="311700" y="445025"/>
+            <a:ext cx="8520600" cy="572700"/>
+          </a:xfrm>
+          <a:prstGeom prst="rect">
+            <a:avLst/>
+          </a:prstGeom>
+        </p:spPr>
+        <p:txBody>
+          <a:bodyPr anchorCtr="0" anchor="t" bIns="91425" lIns="91425" spcFirstLastPara="1" rIns="91425" wrap="square" tIns="91425">
+            <a:normAutofit fontScale="90000"/>
+          </a:bodyPr>
+          <a:lstStyle/>
+          <a:p>
+            <a:pPr indent="0" lvl="0" marL="0" rtl="0" algn="l">
+              <a:spcBef>
+                <a:spcPts val="0"/>
+              </a:spcBef>
+              <a:spcAft>
+                <a:spcPts val="0"/>
+              </a:spcAft>
+              <a:buNone/>
+            </a:pPr>
+            <a:r>
+              <a:rPr lang="en"/>
+              <a:t>Role Mapping</a:t>
+            </a:r>
+            <a:endParaRPr/>
+          </a:p>
+        </p:txBody>
+      </p:sp>
+      <p:graphicFrame>
+        <p:nvGraphicFramePr>
+          <p:cNvPr id="131" name="Google Shape;131;p23"/>
+          <p:cNvGraphicFramePr/>
+          <p:nvPr/>
+        </p:nvGraphicFramePr>
+        <p:xfrm>
+          <a:off x="2626925" y="1653850"/>
+          <a:ext cx="3000000" cy="3000000"/>
+        </p:xfrm>
+        <a:graphic>
+          <a:graphicData uri="http://schemas.openxmlformats.org/drawingml/2006/table">
+            <a:tbl>
+              <a:tblPr>
+                <a:noFill/>
+                <a:tableStyleId>{C9CD178A-6CCF-4C95-8D4B-3A25A3ECA8AF}</a:tableStyleId>
+              </a:tblPr>
+              <a:tblGrid>
+                <a:gridCol w="2221500"/>
+                <a:gridCol w="1542325"/>
+              </a:tblGrid>
+              <a:tr h="627600">
+                <a:tc>
+                  <a:txBody>
+                    <a:bodyPr/>
+                    <a:lstStyle/>
+                    <a:p>
+                      <a:pPr indent="0" lvl="0" marL="0" rtl="0" algn="l">
+                        <a:lnSpc>
+                          <a:spcPct val="115000"/>
+                        </a:lnSpc>
+                        <a:spcBef>
+                          <a:spcPts val="0"/>
+                        </a:spcBef>
+                        <a:spcAft>
+                          <a:spcPts val="0"/>
+                        </a:spcAft>
+                        <a:buNone/>
+                      </a:pPr>
+                      <a:r>
+                        <a:rPr b="1" lang="en" sz="1600"/>
+                        <a:t>Role</a:t>
+                      </a:r>
+                      <a:endParaRPr b="1" sz="1600"/>
+                    </a:p>
+                  </a:txBody>
+                  <a:tcPr marT="19050" marB="19050" marR="28575" marL="28575" anchor="b">
+                    <a:lnL cap="flat" cmpd="sng" w="9525">
+                      <a:solidFill>
+                        <a:srgbClr val="CCCCCC"/>
+                      </a:solidFill>
+                      <a:prstDash val="solid"/>
+                      <a:round/>
+                      <a:headEnd len="sm" w="sm" type="none"/>
+                      <a:tailEnd len="sm" w="sm" type="none"/>
+                    </a:lnL>
+                    <a:lnR cap="flat" cmpd="sng" w="9525">
+                      <a:solidFill>
+                        <a:srgbClr val="CCCCCC"/>
+                      </a:solidFill>
+                      <a:prstDash val="solid"/>
+                      <a:round/>
+                      <a:headEnd len="sm" w="sm" type="none"/>
+                      <a:tailEnd len="sm" w="sm" type="none"/>
+                    </a:lnR>
+                    <a:lnT cap="flat" cmpd="sng" w="9525">
+                      <a:solidFill>
+                        <a:srgbClr val="CCCCCC"/>
+                      </a:solidFill>
+                      <a:prstDash val="solid"/>
+                      <a:round/>
+                      <a:headEnd len="sm" w="sm" type="none"/>
+                      <a:tailEnd len="sm" w="sm" type="none"/>
+                    </a:lnT>
+                    <a:lnB cap="flat" cmpd="sng" w="9525">
+                      <a:solidFill>
+                        <a:srgbClr val="CCCCCC"/>
+                      </a:solidFill>
+                      <a:prstDash val="solid"/>
+                      <a:round/>
+                      <a:headEnd len="sm" w="sm" type="none"/>
+                      <a:tailEnd len="sm" w="sm" type="none"/>
+                    </a:lnB>
+                  </a:tcPr>
+                </a:tc>
+                <a:tc>
+                  <a:txBody>
+                    <a:bodyPr/>
+                    <a:lstStyle/>
+                    <a:p>
+                      <a:pPr indent="0" lvl="0" marL="0" rtl="0" algn="l">
+                        <a:lnSpc>
+                          <a:spcPct val="115000"/>
+                        </a:lnSpc>
+                        <a:spcBef>
+                          <a:spcPts val="0"/>
+                        </a:spcBef>
+                        <a:spcAft>
+                          <a:spcPts val="0"/>
+                        </a:spcAft>
+                        <a:buNone/>
+                      </a:pPr>
+                      <a:r>
+                        <a:rPr b="1" lang="en" sz="1600" u="sng">
+                          <a:solidFill>
+                            <a:schemeClr val="hlink"/>
+                          </a:solidFill>
+                          <a:hlinkClick r:id="rId3"/>
+                        </a:rPr>
+                        <a:t>Wordpress Role</a:t>
+                      </a:r>
+                      <a:endParaRPr b="1" sz="1600" u="sng">
+                        <a:solidFill>
+                          <a:schemeClr val="hlink"/>
+                        </a:solidFill>
+                      </a:endParaRPr>
+                    </a:p>
+                  </a:txBody>
+                  <a:tcPr marT="19050" marB="19050" marR="28575" marL="28575" anchor="b">
+                    <a:lnL cap="flat" cmpd="sng" w="9525">
+                      <a:solidFill>
+                        <a:srgbClr val="CCCCCC"/>
+                      </a:solidFill>
+                      <a:prstDash val="solid"/>
+                      <a:round/>
+                      <a:headEnd len="sm" w="sm" type="none"/>
+                      <a:tailEnd len="sm" w="sm" type="none"/>
+                    </a:lnL>
+                    <a:lnR cap="flat" cmpd="sng" w="9525">
+                      <a:solidFill>
+                        <a:srgbClr val="CCCCCC"/>
+                      </a:solidFill>
+                      <a:prstDash val="solid"/>
+                      <a:round/>
+                      <a:headEnd len="sm" w="sm" type="none"/>
+                      <a:tailEnd len="sm" w="sm" type="none"/>
+                    </a:lnR>
+                    <a:lnT cap="flat" cmpd="sng" w="9525">
+                      <a:solidFill>
+                        <a:srgbClr val="CCCCCC"/>
+                      </a:solidFill>
+                      <a:prstDash val="solid"/>
+                      <a:round/>
+                      <a:headEnd len="sm" w="sm" type="none"/>
+                      <a:tailEnd len="sm" w="sm" type="none"/>
+                    </a:lnT>
+                    <a:lnB cap="flat" cmpd="sng" w="9525">
+                      <a:solidFill>
+                        <a:srgbClr val="CCCCCC"/>
+                      </a:solidFill>
+                      <a:prstDash val="solid"/>
+                      <a:round/>
+                      <a:headEnd len="sm" w="sm" type="none"/>
+                      <a:tailEnd len="sm" w="sm" type="none"/>
+                    </a:lnB>
+                  </a:tcPr>
+                </a:tc>
+              </a:tr>
+              <a:tr h="350650">
+                <a:tc>
+                  <a:txBody>
+                    <a:bodyPr/>
+                    <a:lstStyle/>
+                    <a:p>
+                      <a:pPr indent="0" lvl="0" marL="0" rtl="0" algn="l">
+                        <a:lnSpc>
+                          <a:spcPct val="115000"/>
+                        </a:lnSpc>
+                        <a:spcBef>
+                          <a:spcPts val="0"/>
+                        </a:spcBef>
+                        <a:spcAft>
+                          <a:spcPts val="0"/>
+                        </a:spcAft>
+                        <a:buNone/>
+                      </a:pPr>
+                      <a:r>
+                        <a:rPr lang="en" sz="1600"/>
+                        <a:t>Production Employee</a:t>
+                      </a:r>
+                      <a:endParaRPr sz="1600"/>
+                    </a:p>
+                  </a:txBody>
+                  <a:tcPr marT="19050" marB="19050" marR="28575" marL="28575" anchor="b">
+                    <a:lnL cap="flat" cmpd="sng" w="9525">
+                      <a:solidFill>
+                        <a:srgbClr val="CCCCCC"/>
+                      </a:solidFill>
+                      <a:prstDash val="solid"/>
+                      <a:round/>
+                      <a:headEnd len="sm" w="sm" type="none"/>
+                      <a:tailEnd len="sm" w="sm" type="none"/>
+                    </a:lnL>
+                    <a:lnR cap="flat" cmpd="sng" w="9525">
+                      <a:solidFill>
+                        <a:srgbClr val="CCCCCC"/>
+                      </a:solidFill>
+                      <a:prstDash val="solid"/>
+                      <a:round/>
+                      <a:headEnd len="sm" w="sm" type="none"/>
+                      <a:tailEnd len="sm" w="sm" type="none"/>
+                    </a:lnR>
+                    <a:lnT cap="flat" cmpd="sng" w="9525">
+                      <a:solidFill>
+                        <a:srgbClr val="CCCCCC"/>
+                      </a:solidFill>
+                      <a:prstDash val="solid"/>
+                      <a:round/>
+                      <a:headEnd len="sm" w="sm" type="none"/>
+                      <a:tailEnd len="sm" w="sm" type="none"/>
+                    </a:lnT>
+                    <a:lnB cap="flat" cmpd="sng" w="9525">
+                      <a:solidFill>
+                        <a:srgbClr val="CCCCCC"/>
+                      </a:solidFill>
+                      <a:prstDash val="solid"/>
+                      <a:round/>
+                      <a:headEnd len="sm" w="sm" type="none"/>
+                      <a:tailEnd len="sm" w="sm" type="none"/>
+                    </a:lnB>
+                  </a:tcPr>
+                </a:tc>
+                <a:tc>
+                  <a:txBody>
+                    <a:bodyPr/>
+                    <a:lstStyle/>
+                    <a:p>
+                      <a:pPr indent="0" lvl="0" marL="0" rtl="0" algn="l">
+                        <a:lnSpc>
+                          <a:spcPct val="115000"/>
+                        </a:lnSpc>
+                        <a:spcBef>
+                          <a:spcPts val="0"/>
+                        </a:spcBef>
+                        <a:spcAft>
+                          <a:spcPts val="0"/>
+                        </a:spcAft>
+                        <a:buNone/>
+                      </a:pPr>
+                      <a:r>
+                        <a:rPr lang="en" sz="1600"/>
+                        <a:t>Contributor</a:t>
+                      </a:r>
+                      <a:endParaRPr sz="1600"/>
+                    </a:p>
+                  </a:txBody>
+                  <a:tcPr marT="19050" marB="19050" marR="28575" marL="28575" anchor="b">
+                    <a:lnL cap="flat" cmpd="sng" w="9525">
+                      <a:solidFill>
+                        <a:srgbClr val="CCCCCC"/>
+                      </a:solidFill>
+                      <a:prstDash val="solid"/>
+                      <a:round/>
+                      <a:headEnd len="sm" w="sm" type="none"/>
+                      <a:tailEnd len="sm" w="sm" type="none"/>
+                    </a:lnL>
+                    <a:lnR cap="flat" cmpd="sng" w="9525">
+                      <a:solidFill>
+                        <a:srgbClr val="CCCCCC"/>
+                      </a:solidFill>
+                      <a:prstDash val="solid"/>
+                      <a:round/>
+                      <a:headEnd len="sm" w="sm" type="none"/>
+                      <a:tailEnd len="sm" w="sm" type="none"/>
+                    </a:lnR>
+                    <a:lnT cap="flat" cmpd="sng" w="9525">
+                      <a:solidFill>
+                        <a:srgbClr val="CCCCCC"/>
+                      </a:solidFill>
+                      <a:prstDash val="solid"/>
+                      <a:round/>
+                      <a:headEnd len="sm" w="sm" type="none"/>
+                      <a:tailEnd len="sm" w="sm" type="none"/>
+                    </a:lnT>
+                    <a:lnB cap="flat" cmpd="sng" w="9525">
+                      <a:solidFill>
+                        <a:srgbClr val="CCCCCC"/>
+                      </a:solidFill>
+                      <a:prstDash val="solid"/>
+                      <a:round/>
+                      <a:headEnd len="sm" w="sm" type="none"/>
+                      <a:tailEnd len="sm" w="sm" type="none"/>
+                    </a:lnB>
+                  </a:tcPr>
+                </a:tc>
+              </a:tr>
+              <a:tr h="350650">
+                <a:tc>
+                  <a:txBody>
+                    <a:bodyPr/>
+                    <a:lstStyle/>
+                    <a:p>
+                      <a:pPr indent="0" lvl="0" marL="0" rtl="0" algn="l">
+                        <a:lnSpc>
+                          <a:spcPct val="115000"/>
+                        </a:lnSpc>
+                        <a:spcBef>
+                          <a:spcPts val="0"/>
+                        </a:spcBef>
+                        <a:spcAft>
+                          <a:spcPts val="0"/>
+                        </a:spcAft>
+                        <a:buNone/>
+                      </a:pPr>
+                      <a:r>
+                        <a:rPr lang="en" sz="1600"/>
+                        <a:t>Supervisor</a:t>
+                      </a:r>
+                      <a:endParaRPr sz="1600"/>
+                    </a:p>
+                  </a:txBody>
+                  <a:tcPr marT="19050" marB="19050" marR="28575" marL="28575" anchor="b">
+                    <a:lnL cap="flat" cmpd="sng" w="9525">
+                      <a:solidFill>
+                        <a:srgbClr val="CCCCCC"/>
+                      </a:solidFill>
+                      <a:prstDash val="solid"/>
+                      <a:round/>
+                      <a:headEnd len="sm" w="sm" type="none"/>
+                      <a:tailEnd len="sm" w="sm" type="none"/>
+                    </a:lnL>
+                    <a:lnR cap="flat" cmpd="sng" w="9525">
+                      <a:solidFill>
+                        <a:srgbClr val="CCCCCC"/>
+                      </a:solidFill>
+                      <a:prstDash val="solid"/>
+                      <a:round/>
+                      <a:headEnd len="sm" w="sm" type="none"/>
+                      <a:tailEnd len="sm" w="sm" type="none"/>
+                    </a:lnR>
+                    <a:lnT cap="flat" cmpd="sng" w="9525">
+                      <a:solidFill>
+                        <a:srgbClr val="CCCCCC"/>
+                      </a:solidFill>
+                      <a:prstDash val="solid"/>
+                      <a:round/>
+                      <a:headEnd len="sm" w="sm" type="none"/>
+                      <a:tailEnd len="sm" w="sm" type="none"/>
+                    </a:lnT>
+                    <a:lnB cap="flat" cmpd="sng" w="9525">
+                      <a:solidFill>
+                        <a:srgbClr val="CCCCCC"/>
+                      </a:solidFill>
+                      <a:prstDash val="solid"/>
+                      <a:round/>
+                      <a:headEnd len="sm" w="sm" type="none"/>
+                      <a:tailEnd len="sm" w="sm" type="none"/>
+                    </a:lnB>
+                  </a:tcPr>
+                </a:tc>
+                <a:tc>
+                  <a:txBody>
+                    <a:bodyPr/>
+                    <a:lstStyle/>
+                    <a:p>
+                      <a:pPr indent="0" lvl="0" marL="0" rtl="0" algn="l">
+                        <a:lnSpc>
+                          <a:spcPct val="115000"/>
+                        </a:lnSpc>
+                        <a:spcBef>
+                          <a:spcPts val="0"/>
+                        </a:spcBef>
+                        <a:spcAft>
+                          <a:spcPts val="0"/>
+                        </a:spcAft>
+                        <a:buNone/>
+                      </a:pPr>
+                      <a:r>
+                        <a:rPr lang="en" sz="1600"/>
+                        <a:t>Author</a:t>
+                      </a:r>
+                      <a:endParaRPr sz="1600"/>
+                    </a:p>
+                  </a:txBody>
+                  <a:tcPr marT="19050" marB="19050" marR="28575" marL="28575" anchor="b">
+                    <a:lnL cap="flat" cmpd="sng" w="9525">
+                      <a:solidFill>
+                        <a:srgbClr val="CCCCCC"/>
+                      </a:solidFill>
+                      <a:prstDash val="solid"/>
+                      <a:round/>
+                      <a:headEnd len="sm" w="sm" type="none"/>
+                      <a:tailEnd len="sm" w="sm" type="none"/>
+                    </a:lnL>
+                    <a:lnR cap="flat" cmpd="sng" w="9525">
+                      <a:solidFill>
+                        <a:srgbClr val="CCCCCC"/>
+                      </a:solidFill>
+                      <a:prstDash val="solid"/>
+                      <a:round/>
+                      <a:headEnd len="sm" w="sm" type="none"/>
+                      <a:tailEnd len="sm" w="sm" type="none"/>
+                    </a:lnR>
+                    <a:lnT cap="flat" cmpd="sng" w="9525">
+                      <a:solidFill>
+                        <a:srgbClr val="CCCCCC"/>
+                      </a:solidFill>
+                      <a:prstDash val="solid"/>
+                      <a:round/>
+                      <a:headEnd len="sm" w="sm" type="none"/>
+                      <a:tailEnd len="sm" w="sm" type="none"/>
+                    </a:lnT>
+                    <a:lnB cap="flat" cmpd="sng" w="9525">
+                      <a:solidFill>
+                        <a:srgbClr val="CCCCCC"/>
+                      </a:solidFill>
+                      <a:prstDash val="solid"/>
+                      <a:round/>
+                      <a:headEnd len="sm" w="sm" type="none"/>
+                      <a:tailEnd len="sm" w="sm" type="none"/>
+                    </a:lnB>
+                  </a:tcPr>
+                </a:tc>
+              </a:tr>
+              <a:tr h="350650">
+                <a:tc>
+                  <a:txBody>
+                    <a:bodyPr/>
+                    <a:lstStyle/>
+                    <a:p>
+                      <a:pPr indent="0" lvl="0" marL="0" rtl="0" algn="l">
+                        <a:lnSpc>
+                          <a:spcPct val="115000"/>
+                        </a:lnSpc>
+                        <a:spcBef>
+                          <a:spcPts val="0"/>
+                        </a:spcBef>
+                        <a:spcAft>
+                          <a:spcPts val="0"/>
+                        </a:spcAft>
+                        <a:buNone/>
+                      </a:pPr>
+                      <a:r>
+                        <a:rPr lang="en" sz="1600"/>
+                        <a:t>Plant Manager</a:t>
+                      </a:r>
+                      <a:endParaRPr sz="1600"/>
+                    </a:p>
+                  </a:txBody>
+                  <a:tcPr marT="19050" marB="19050" marR="28575" marL="28575" anchor="b">
+                    <a:lnL cap="flat" cmpd="sng" w="9525">
+                      <a:solidFill>
+                        <a:srgbClr val="CCCCCC"/>
+                      </a:solidFill>
+                      <a:prstDash val="solid"/>
+                      <a:round/>
+                      <a:headEnd len="sm" w="sm" type="none"/>
+                      <a:tailEnd len="sm" w="sm" type="none"/>
+                    </a:lnL>
+                    <a:lnR cap="flat" cmpd="sng" w="9525">
+                      <a:solidFill>
+                        <a:srgbClr val="CCCCCC"/>
+                      </a:solidFill>
+                      <a:prstDash val="solid"/>
+                      <a:round/>
+                      <a:headEnd len="sm" w="sm" type="none"/>
+                      <a:tailEnd len="sm" w="sm" type="none"/>
+                    </a:lnR>
+                    <a:lnT cap="flat" cmpd="sng" w="9525">
+                      <a:solidFill>
+                        <a:srgbClr val="CCCCCC"/>
+                      </a:solidFill>
+                      <a:prstDash val="solid"/>
+                      <a:round/>
+                      <a:headEnd len="sm" w="sm" type="none"/>
+                      <a:tailEnd len="sm" w="sm" type="none"/>
+                    </a:lnT>
+                    <a:lnB cap="flat" cmpd="sng" w="9525">
+                      <a:solidFill>
+                        <a:srgbClr val="CCCCCC"/>
+                      </a:solidFill>
+                      <a:prstDash val="solid"/>
+                      <a:round/>
+                      <a:headEnd len="sm" w="sm" type="none"/>
+                      <a:tailEnd len="sm" w="sm" type="none"/>
+                    </a:lnB>
+                  </a:tcPr>
+                </a:tc>
+                <a:tc>
+                  <a:txBody>
+                    <a:bodyPr/>
+                    <a:lstStyle/>
+                    <a:p>
+                      <a:pPr indent="0" lvl="0" marL="0" rtl="0" algn="l">
+                        <a:lnSpc>
+                          <a:spcPct val="115000"/>
+                        </a:lnSpc>
+                        <a:spcBef>
+                          <a:spcPts val="0"/>
+                        </a:spcBef>
+                        <a:spcAft>
+                          <a:spcPts val="0"/>
+                        </a:spcAft>
+                        <a:buNone/>
+                      </a:pPr>
+                      <a:r>
+                        <a:rPr lang="en" sz="1600"/>
+                        <a:t>Editor</a:t>
+                      </a:r>
+                      <a:endParaRPr sz="1600"/>
+                    </a:p>
+                  </a:txBody>
+                  <a:tcPr marT="19050" marB="19050" marR="28575" marL="28575" anchor="b">
+                    <a:lnL cap="flat" cmpd="sng" w="9525">
+                      <a:solidFill>
+                        <a:srgbClr val="CCCCCC"/>
+                      </a:solidFill>
+                      <a:prstDash val="solid"/>
+                      <a:round/>
+                      <a:headEnd len="sm" w="sm" type="none"/>
+                      <a:tailEnd len="sm" w="sm" type="none"/>
+                    </a:lnL>
+                    <a:lnR cap="flat" cmpd="sng" w="9525">
+                      <a:solidFill>
+                        <a:srgbClr val="CCCCCC"/>
+                      </a:solidFill>
+                      <a:prstDash val="solid"/>
+                      <a:round/>
+                      <a:headEnd len="sm" w="sm" type="none"/>
+                      <a:tailEnd len="sm" w="sm" type="none"/>
+                    </a:lnR>
+                    <a:lnT cap="flat" cmpd="sng" w="9525">
+                      <a:solidFill>
+                        <a:srgbClr val="CCCCCC"/>
+                      </a:solidFill>
+                      <a:prstDash val="solid"/>
+                      <a:round/>
+                      <a:headEnd len="sm" w="sm" type="none"/>
+                      <a:tailEnd len="sm" w="sm" type="none"/>
+                    </a:lnT>
+                    <a:lnB cap="flat" cmpd="sng" w="9525">
+                      <a:solidFill>
+                        <a:srgbClr val="CCCCCC"/>
+                      </a:solidFill>
+                      <a:prstDash val="solid"/>
+                      <a:round/>
+                      <a:headEnd len="sm" w="sm" type="none"/>
+                      <a:tailEnd len="sm" w="sm" type="none"/>
+                    </a:lnB>
+                  </a:tcPr>
+                </a:tc>
+              </a:tr>
+              <a:tr h="350650">
+                <a:tc>
+                  <a:txBody>
+                    <a:bodyPr/>
+                    <a:lstStyle/>
+                    <a:p>
+                      <a:pPr indent="0" lvl="0" marL="0" rtl="0" algn="l">
+                        <a:lnSpc>
+                          <a:spcPct val="115000"/>
+                        </a:lnSpc>
+                        <a:spcBef>
+                          <a:spcPts val="0"/>
+                        </a:spcBef>
+                        <a:spcAft>
+                          <a:spcPts val="0"/>
+                        </a:spcAft>
+                        <a:buNone/>
+                      </a:pPr>
+                      <a:r>
+                        <a:rPr lang="en" sz="1600"/>
+                        <a:t>Plant HR</a:t>
+                      </a:r>
+                      <a:endParaRPr sz="1600"/>
+                    </a:p>
+                  </a:txBody>
+                  <a:tcPr marT="19050" marB="19050" marR="28575" marL="28575" anchor="b">
+                    <a:lnL cap="flat" cmpd="sng" w="9525">
+                      <a:solidFill>
+                        <a:srgbClr val="CCCCCC"/>
+                      </a:solidFill>
+                      <a:prstDash val="solid"/>
+                      <a:round/>
+                      <a:headEnd len="sm" w="sm" type="none"/>
+                      <a:tailEnd len="sm" w="sm" type="none"/>
+                    </a:lnL>
+                    <a:lnR cap="flat" cmpd="sng" w="9525">
+                      <a:solidFill>
+                        <a:srgbClr val="CCCCCC"/>
+                      </a:solidFill>
+                      <a:prstDash val="solid"/>
+                      <a:round/>
+                      <a:headEnd len="sm" w="sm" type="none"/>
+                      <a:tailEnd len="sm" w="sm" type="none"/>
+                    </a:lnR>
+                    <a:lnT cap="flat" cmpd="sng" w="9525">
+                      <a:solidFill>
+                        <a:srgbClr val="CCCCCC"/>
+                      </a:solidFill>
+                      <a:prstDash val="solid"/>
+                      <a:round/>
+                      <a:headEnd len="sm" w="sm" type="none"/>
+                      <a:tailEnd len="sm" w="sm" type="none"/>
+                    </a:lnT>
+                    <a:lnB cap="flat" cmpd="sng" w="9525">
+                      <a:solidFill>
+                        <a:srgbClr val="CCCCCC"/>
+                      </a:solidFill>
+                      <a:prstDash val="solid"/>
+                      <a:round/>
+                      <a:headEnd len="sm" w="sm" type="none"/>
+                      <a:tailEnd len="sm" w="sm" type="none"/>
+                    </a:lnB>
+                  </a:tcPr>
+                </a:tc>
+                <a:tc>
+                  <a:txBody>
+                    <a:bodyPr/>
+                    <a:lstStyle/>
+                    <a:p>
+                      <a:pPr indent="0" lvl="0" marL="0" rtl="0" algn="l">
+                        <a:lnSpc>
+                          <a:spcPct val="115000"/>
+                        </a:lnSpc>
+                        <a:spcBef>
+                          <a:spcPts val="0"/>
+                        </a:spcBef>
+                        <a:spcAft>
+                          <a:spcPts val="0"/>
+                        </a:spcAft>
+                        <a:buNone/>
+                      </a:pPr>
+                      <a:r>
+                        <a:rPr lang="en" sz="1600"/>
+                        <a:t>Subscriber</a:t>
+                      </a:r>
+                      <a:endParaRPr sz="1600"/>
+                    </a:p>
+                  </a:txBody>
+                  <a:tcPr marT="19050" marB="19050" marR="28575" marL="28575" anchor="b">
+                    <a:lnL cap="flat" cmpd="sng" w="9525">
+                      <a:solidFill>
+                        <a:srgbClr val="CCCCCC"/>
+                      </a:solidFill>
+                      <a:prstDash val="solid"/>
+                      <a:round/>
+                      <a:headEnd len="sm" w="sm" type="none"/>
+                      <a:tailEnd len="sm" w="sm" type="none"/>
+                    </a:lnL>
+                    <a:lnR cap="flat" cmpd="sng" w="9525">
+                      <a:solidFill>
+                        <a:srgbClr val="CCCCCC"/>
+                      </a:solidFill>
+                      <a:prstDash val="solid"/>
+                      <a:round/>
+                      <a:headEnd len="sm" w="sm" type="none"/>
+                      <a:tailEnd len="sm" w="sm" type="none"/>
+                    </a:lnR>
+                    <a:lnT cap="flat" cmpd="sng" w="9525">
+                      <a:solidFill>
+                        <a:srgbClr val="CCCCCC"/>
+                      </a:solidFill>
+                      <a:prstDash val="solid"/>
+                      <a:round/>
+                      <a:headEnd len="sm" w="sm" type="none"/>
+                      <a:tailEnd len="sm" w="sm" type="none"/>
+                    </a:lnT>
+                    <a:lnB cap="flat" cmpd="sng" w="9525">
+                      <a:solidFill>
+                        <a:srgbClr val="CCCCCC"/>
+                      </a:solidFill>
+                      <a:prstDash val="solid"/>
+                      <a:round/>
+                      <a:headEnd len="sm" w="sm" type="none"/>
+                      <a:tailEnd len="sm" w="sm" type="none"/>
+                    </a:lnB>
+                  </a:tcPr>
+                </a:tc>
+              </a:tr>
+              <a:tr h="627600">
+                <a:tc>
+                  <a:txBody>
+                    <a:bodyPr/>
+                    <a:lstStyle/>
+                    <a:p>
+                      <a:pPr indent="0" lvl="0" marL="0" rtl="0" algn="l">
+                        <a:lnSpc>
+                          <a:spcPct val="115000"/>
+                        </a:lnSpc>
+                        <a:spcBef>
+                          <a:spcPts val="0"/>
+                        </a:spcBef>
+                        <a:spcAft>
+                          <a:spcPts val="0"/>
+                        </a:spcAft>
+                        <a:buNone/>
+                      </a:pPr>
+                      <a:r>
+                        <a:rPr lang="en" sz="1600"/>
+                        <a:t>Plant Operations Director</a:t>
+                      </a:r>
+                      <a:endParaRPr sz="1600"/>
+                    </a:p>
+                  </a:txBody>
+                  <a:tcPr marT="19050" marB="19050" marR="28575" marL="28575" anchor="b">
+                    <a:lnL cap="flat" cmpd="sng" w="9525">
+                      <a:solidFill>
+                        <a:srgbClr val="CCCCCC"/>
+                      </a:solidFill>
+                      <a:prstDash val="solid"/>
+                      <a:round/>
+                      <a:headEnd len="sm" w="sm" type="none"/>
+                      <a:tailEnd len="sm" w="sm" type="none"/>
+                    </a:lnL>
+                    <a:lnR cap="flat" cmpd="sng" w="9525">
+                      <a:solidFill>
+                        <a:srgbClr val="CCCCCC"/>
+                      </a:solidFill>
+                      <a:prstDash val="solid"/>
+                      <a:round/>
+                      <a:headEnd len="sm" w="sm" type="none"/>
+                      <a:tailEnd len="sm" w="sm" type="none"/>
+                    </a:lnR>
+                    <a:lnT cap="flat" cmpd="sng" w="9525">
+                      <a:solidFill>
+                        <a:srgbClr val="CCCCCC"/>
+                      </a:solidFill>
+                      <a:prstDash val="solid"/>
+                      <a:round/>
+                      <a:headEnd len="sm" w="sm" type="none"/>
+                      <a:tailEnd len="sm" w="sm" type="none"/>
+                    </a:lnT>
+                    <a:lnB cap="flat" cmpd="sng" w="9525">
+                      <a:solidFill>
+                        <a:srgbClr val="CCCCCC"/>
+                      </a:solidFill>
+                      <a:prstDash val="solid"/>
+                      <a:round/>
+                      <a:headEnd len="sm" w="sm" type="none"/>
+                      <a:tailEnd len="sm" w="sm" type="none"/>
+                    </a:lnB>
+                  </a:tcPr>
+                </a:tc>
+                <a:tc>
+                  <a:txBody>
+                    <a:bodyPr/>
+                    <a:lstStyle/>
+                    <a:p>
+                      <a:pPr indent="0" lvl="0" marL="0" rtl="0" algn="l">
+                        <a:lnSpc>
+                          <a:spcPct val="115000"/>
+                        </a:lnSpc>
+                        <a:spcBef>
+                          <a:spcPts val="0"/>
+                        </a:spcBef>
+                        <a:spcAft>
+                          <a:spcPts val="0"/>
+                        </a:spcAft>
+                        <a:buNone/>
+                      </a:pPr>
+                      <a:r>
+                        <a:rPr lang="en" sz="1600"/>
+                        <a:t>Subscriber</a:t>
+                      </a:r>
+                      <a:endParaRPr sz="1600"/>
+                    </a:p>
+                  </a:txBody>
+                  <a:tcPr marT="19050" marB="19050" marR="28575" marL="28575" anchor="b">
+                    <a:lnL cap="flat" cmpd="sng" w="9525">
+                      <a:solidFill>
+                        <a:srgbClr val="CCCCCC"/>
+                      </a:solidFill>
+                      <a:prstDash val="solid"/>
+                      <a:round/>
+                      <a:headEnd len="sm" w="sm" type="none"/>
+                      <a:tailEnd len="sm" w="sm" type="none"/>
+                    </a:lnL>
+                    <a:lnR cap="flat" cmpd="sng" w="9525">
+                      <a:solidFill>
+                        <a:srgbClr val="CCCCCC"/>
+                      </a:solidFill>
+                      <a:prstDash val="solid"/>
+                      <a:round/>
+                      <a:headEnd len="sm" w="sm" type="none"/>
+                      <a:tailEnd len="sm" w="sm" type="none"/>
+                    </a:lnR>
+                    <a:lnT cap="flat" cmpd="sng" w="9525">
+                      <a:solidFill>
+                        <a:srgbClr val="CCCCCC"/>
+                      </a:solidFill>
+                      <a:prstDash val="solid"/>
+                      <a:round/>
+                      <a:headEnd len="sm" w="sm" type="none"/>
+                      <a:tailEnd len="sm" w="sm" type="none"/>
+                    </a:lnT>
+                    <a:lnB cap="flat" cmpd="sng" w="9525">
+                      <a:solidFill>
+                        <a:srgbClr val="CCCCCC"/>
+                      </a:solidFill>
+                      <a:prstDash val="solid"/>
+                      <a:round/>
+                      <a:headEnd len="sm" w="sm" type="none"/>
+                      <a:tailEnd len="sm" w="sm" type="none"/>
+                    </a:lnB>
+                  </a:tcPr>
+                </a:tc>
+              </a:tr>
+              <a:tr h="350650">
+                <a:tc>
+                  <a:txBody>
+                    <a:bodyPr/>
+                    <a:lstStyle/>
+                    <a:p>
+                      <a:pPr indent="0" lvl="0" marL="0" rtl="0" algn="l">
+                        <a:lnSpc>
+                          <a:spcPct val="115000"/>
+                        </a:lnSpc>
+                        <a:spcBef>
+                          <a:spcPts val="0"/>
+                        </a:spcBef>
+                        <a:spcAft>
+                          <a:spcPts val="0"/>
+                        </a:spcAft>
+                        <a:buNone/>
+                      </a:pPr>
+                      <a:r>
+                        <a:rPr lang="en" sz="1600"/>
+                        <a:t>Visitor</a:t>
+                      </a:r>
+                      <a:endParaRPr sz="1600"/>
+                    </a:p>
+                  </a:txBody>
+                  <a:tcPr marT="19050" marB="19050" marR="28575" marL="28575" anchor="b">
+                    <a:lnL cap="flat" cmpd="sng" w="9525">
+                      <a:solidFill>
+                        <a:srgbClr val="CCCCCC"/>
+                      </a:solidFill>
+                      <a:prstDash val="solid"/>
+                      <a:round/>
+                      <a:headEnd len="sm" w="sm" type="none"/>
+                      <a:tailEnd len="sm" w="sm" type="none"/>
+                    </a:lnL>
+                    <a:lnR cap="flat" cmpd="sng" w="9525">
+                      <a:solidFill>
+                        <a:srgbClr val="CCCCCC"/>
+                      </a:solidFill>
+                      <a:prstDash val="solid"/>
+                      <a:round/>
+                      <a:headEnd len="sm" w="sm" type="none"/>
+                      <a:tailEnd len="sm" w="sm" type="none"/>
+                    </a:lnR>
+                    <a:lnT cap="flat" cmpd="sng" w="9525">
+                      <a:solidFill>
+                        <a:srgbClr val="CCCCCC"/>
+                      </a:solidFill>
+                      <a:prstDash val="solid"/>
+                      <a:round/>
+                      <a:headEnd len="sm" w="sm" type="none"/>
+                      <a:tailEnd len="sm" w="sm" type="none"/>
+                    </a:lnT>
+                    <a:lnB cap="flat" cmpd="sng" w="9525">
+                      <a:solidFill>
+                        <a:srgbClr val="CCCCCC"/>
+                      </a:solidFill>
+                      <a:prstDash val="solid"/>
+                      <a:round/>
+                      <a:headEnd len="sm" w="sm" type="none"/>
+                      <a:tailEnd len="sm" w="sm" type="none"/>
+                    </a:lnB>
+                  </a:tcPr>
+                </a:tc>
+                <a:tc>
+                  <a:txBody>
+                    <a:bodyPr/>
+                    <a:lstStyle/>
+                    <a:p>
+                      <a:pPr indent="0" lvl="0" marL="0" rtl="0" algn="l">
+                        <a:lnSpc>
+                          <a:spcPct val="115000"/>
+                        </a:lnSpc>
+                        <a:spcBef>
+                          <a:spcPts val="0"/>
+                        </a:spcBef>
+                        <a:spcAft>
+                          <a:spcPts val="0"/>
+                        </a:spcAft>
+                        <a:buNone/>
+                      </a:pPr>
+                      <a:r>
+                        <a:rPr lang="en" sz="1600"/>
+                        <a:t>Subscriber</a:t>
+                      </a:r>
+                      <a:endParaRPr sz="1600"/>
+                    </a:p>
+                  </a:txBody>
+                  <a:tcPr marT="19050" marB="19050" marR="28575" marL="28575" anchor="b">
+                    <a:lnL cap="flat" cmpd="sng" w="9525">
+                      <a:solidFill>
+                        <a:srgbClr val="CCCCCC"/>
+                      </a:solidFill>
+                      <a:prstDash val="solid"/>
+                      <a:round/>
+                      <a:headEnd len="sm" w="sm" type="none"/>
+                      <a:tailEnd len="sm" w="sm" type="none"/>
+                    </a:lnL>
+                    <a:lnR cap="flat" cmpd="sng" w="9525">
+                      <a:solidFill>
+                        <a:srgbClr val="CCCCCC"/>
+                      </a:solidFill>
+                      <a:prstDash val="solid"/>
+                      <a:round/>
+                      <a:headEnd len="sm" w="sm" type="none"/>
+                      <a:tailEnd len="sm" w="sm" type="none"/>
+                    </a:lnR>
+                    <a:lnT cap="flat" cmpd="sng" w="9525">
+                      <a:solidFill>
+                        <a:srgbClr val="CCCCCC"/>
+                      </a:solidFill>
+                      <a:prstDash val="solid"/>
+                      <a:round/>
+                      <a:headEnd len="sm" w="sm" type="none"/>
+                      <a:tailEnd len="sm" w="sm" type="none"/>
+                    </a:lnT>
+                    <a:lnB cap="flat" cmpd="sng" w="9525">
+                      <a:solidFill>
+                        <a:srgbClr val="CCCCCC"/>
+                      </a:solidFill>
+                      <a:prstDash val="solid"/>
+                      <a:round/>
+                      <a:headEnd len="sm" w="sm" type="none"/>
+                      <a:tailEnd len="sm" w="sm" type="none"/>
+                    </a:lnB>
+                  </a:tcPr>
+                </a:tc>
+              </a:tr>
+              <a:tr h="350650">
+                <a:tc>
+                  <a:txBody>
+                    <a:bodyPr/>
+                    <a:lstStyle/>
+                    <a:p>
+                      <a:pPr indent="0" lvl="0" marL="0" rtl="0" algn="l">
+                        <a:lnSpc>
+                          <a:spcPct val="115000"/>
+                        </a:lnSpc>
+                        <a:spcBef>
+                          <a:spcPts val="0"/>
+                        </a:spcBef>
+                        <a:spcAft>
+                          <a:spcPts val="0"/>
+                        </a:spcAft>
+                        <a:buNone/>
+                      </a:pPr>
+                      <a:r>
+                        <a:rPr lang="en" sz="1600"/>
+                        <a:t>Platform Admin</a:t>
+                      </a:r>
+                      <a:endParaRPr sz="1600"/>
+                    </a:p>
+                  </a:txBody>
+                  <a:tcPr marT="19050" marB="19050" marR="28575" marL="28575" anchor="b">
+                    <a:lnL cap="flat" cmpd="sng" w="9525">
+                      <a:solidFill>
+                        <a:srgbClr val="CCCCCC"/>
+                      </a:solidFill>
+                      <a:prstDash val="solid"/>
+                      <a:round/>
+                      <a:headEnd len="sm" w="sm" type="none"/>
+                      <a:tailEnd len="sm" w="sm" type="none"/>
+                    </a:lnL>
+                    <a:lnR cap="flat" cmpd="sng" w="9525">
+                      <a:solidFill>
+                        <a:srgbClr val="CCCCCC"/>
+                      </a:solidFill>
+                      <a:prstDash val="solid"/>
+                      <a:round/>
+                      <a:headEnd len="sm" w="sm" type="none"/>
+                      <a:tailEnd len="sm" w="sm" type="none"/>
+                    </a:lnR>
+                    <a:lnT cap="flat" cmpd="sng" w="9525">
+                      <a:solidFill>
+                        <a:srgbClr val="CCCCCC"/>
+                      </a:solidFill>
+                      <a:prstDash val="solid"/>
+                      <a:round/>
+                      <a:headEnd len="sm" w="sm" type="none"/>
+                      <a:tailEnd len="sm" w="sm" type="none"/>
+                    </a:lnT>
+                    <a:lnB cap="flat" cmpd="sng" w="9525">
+                      <a:solidFill>
+                        <a:srgbClr val="CCCCCC"/>
+                      </a:solidFill>
+                      <a:prstDash val="solid"/>
+                      <a:round/>
+                      <a:headEnd len="sm" w="sm" type="none"/>
+                      <a:tailEnd len="sm" w="sm" type="none"/>
+                    </a:lnB>
+                  </a:tcPr>
+                </a:tc>
+                <a:tc>
+                  <a:txBody>
+                    <a:bodyPr/>
+                    <a:lstStyle/>
+                    <a:p>
+                      <a:pPr indent="0" lvl="0" marL="0" rtl="0" algn="l">
+                        <a:lnSpc>
+                          <a:spcPct val="115000"/>
+                        </a:lnSpc>
+                        <a:spcBef>
+                          <a:spcPts val="0"/>
+                        </a:spcBef>
+                        <a:spcAft>
+                          <a:spcPts val="0"/>
+                        </a:spcAft>
+                        <a:buNone/>
+                      </a:pPr>
+                      <a:r>
+                        <a:rPr lang="en" sz="1600"/>
+                        <a:t>Administrator</a:t>
+                      </a:r>
+                      <a:endParaRPr sz="1600"/>
+                    </a:p>
+                  </a:txBody>
+                  <a:tcPr marT="19050" marB="19050" marR="28575" marL="28575" anchor="b">
+                    <a:lnL cap="flat" cmpd="sng" w="9525">
+                      <a:solidFill>
+                        <a:srgbClr val="CCCCCC"/>
+                      </a:solidFill>
+                      <a:prstDash val="solid"/>
+                      <a:round/>
+                      <a:headEnd len="sm" w="sm" type="none"/>
+                      <a:tailEnd len="sm" w="sm" type="none"/>
+                    </a:lnL>
+                    <a:lnR cap="flat" cmpd="sng" w="9525">
+                      <a:solidFill>
+                        <a:srgbClr val="CCCCCC"/>
+                      </a:solidFill>
+                      <a:prstDash val="solid"/>
+                      <a:round/>
+                      <a:headEnd len="sm" w="sm" type="none"/>
+                      <a:tailEnd len="sm" w="sm" type="none"/>
+                    </a:lnR>
+                    <a:lnT cap="flat" cmpd="sng" w="9525">
+                      <a:solidFill>
+                        <a:srgbClr val="CCCCCC"/>
+                      </a:solidFill>
+                      <a:prstDash val="solid"/>
+                      <a:round/>
+                      <a:headEnd len="sm" w="sm" type="none"/>
+                      <a:tailEnd len="sm" w="sm" type="none"/>
+                    </a:lnT>
+                    <a:lnB cap="flat" cmpd="sng" w="9525">
+                      <a:solidFill>
+                        <a:srgbClr val="CCCCCC"/>
+                      </a:solidFill>
+                      <a:prstDash val="solid"/>
+                      <a:round/>
+                      <a:headEnd len="sm" w="sm" type="none"/>
+                      <a:tailEnd len="sm" w="sm" type="none"/>
+                    </a:lnB>
+                  </a:tcPr>
+                </a:tc>
+              </a:tr>
+            </a:tbl>
+          </a:graphicData>
+        </a:graphic>
+      </p:graphicFrame>
+      <p:sp>
+        <p:nvSpPr>
+          <p:cNvPr id="132" name="Google Shape;132;p23"/>
+          <p:cNvSpPr txBox="1"/>
+          <p:nvPr/>
+        </p:nvSpPr>
+        <p:spPr>
+          <a:xfrm>
+            <a:off x="323850" y="952500"/>
+            <a:ext cx="8153400" cy="615600"/>
+          </a:xfrm>
+          <a:prstGeom prst="rect">
+            <a:avLst/>
+          </a:prstGeom>
+          <a:noFill/>
+          <a:ln>
+            <a:noFill/>
+          </a:ln>
+        </p:spPr>
+        <p:txBody>
+          <a:bodyPr anchorCtr="0" anchor="t" bIns="91425" lIns="91425" spcFirstLastPara="1" rIns="91425" wrap="square" tIns="91425">
+            <a:spAutoFit/>
+          </a:bodyPr>
+          <a:lstStyle/>
+          <a:p>
+            <a:pPr indent="0" lvl="0" marL="0" rtl="0" algn="l">
+              <a:spcBef>
+                <a:spcPts val="0"/>
+              </a:spcBef>
+              <a:spcAft>
+                <a:spcPts val="0"/>
+              </a:spcAft>
+              <a:buNone/>
+            </a:pPr>
+            <a:r>
+              <a:rPr lang="en"/>
+              <a:t>Using the </a:t>
+            </a:r>
+            <a:r>
+              <a:rPr lang="en"/>
+              <a:t>philosophy</a:t>
+            </a:r>
+            <a:r>
+              <a:rPr lang="en"/>
+              <a:t> of “standing on the shoulders of giants”, the </a:t>
+            </a:r>
+            <a:r>
+              <a:rPr lang="en"/>
+              <a:t>system</a:t>
+            </a:r>
+            <a:r>
+              <a:rPr lang="en"/>
+              <a:t> builds on the robust role framework provided by Wordpress. The initial mapping is as follows, and can be customized.</a:t>
+            </a:r>
+            <a:endParaRPr/>
+          </a:p>
+        </p:txBody>
+      </p:sp>
+    </p:spTree>
+  </p:cSld>
+  <p:clrMapOvr>
+    <a:masterClrMapping/>
+  </p:clrMapOvr>
+</p:sld>
+</file>
+
+<file path=ppt/slides/slide12.xml><?xml version="1.0" encoding="utf-8"?>
+<p:sld xmlns:a="http://schemas.openxmlformats.org/drawingml/2006/main" xmlns:r="http://schemas.openxmlformats.org/officeDocument/2006/relationships" xmlns:mc="http://schemas.openxmlformats.org/markup-compatibility/2006" xmlns:mv="urn:schemas-microsoft-com:mac:vml" xmlns:p="http://schemas.openxmlformats.org/presentationml/2006/main" xmlns:c="http://schemas.openxmlformats.org/drawingml/2006/chart" xmlns:dgm="http://schemas.openxmlformats.org/drawingml/2006/diagram" xmlns:o="urn:schemas-microsoft-com:office:office" xmlns:v="urn:schemas-microsoft-com:vml" xmlns:pvml="urn:schemas-microsoft-com:office:powerpoint" xmlns:com="http://schemas.openxmlformats.org/drawingml/2006/compatibility" xmlns:p14="http://schemas.microsoft.com/office/powerpoint/2010/main" xmlns:p15="http://schemas.microsoft.com/office/powerpoint/2012/main" xmlns:ahyp="http://schemas.microsoft.com/office/drawing/2018/hyperlinkcolor">
+  <p:cSld>
+    <p:spTree>
+      <p:nvGrpSpPr>
+        <p:cNvPr id="136" name="Shape 136"/>
+        <p:cNvGrpSpPr/>
+        <p:nvPr/>
+      </p:nvGrpSpPr>
+      <p:grpSpPr>
+        <a:xfrm>
+          <a:off x="0" y="0"/>
+          <a:ext cx="0" cy="0"/>
+          <a:chOff x="0" y="0"/>
+          <a:chExt cx="0" cy="0"/>
+        </a:xfrm>
+      </p:grpSpPr>
+      <p:sp>
+        <p:nvSpPr>
+          <p:cNvPr id="137" name="Google Shape;137;p24"/>
+          <p:cNvSpPr txBox="1"/>
+          <p:nvPr>
+            <p:ph type="title"/>
+          </p:nvPr>
+        </p:nvSpPr>
+        <p:spPr>
+          <a:xfrm>
+            <a:off x="311700" y="445025"/>
+            <a:ext cx="8520600" cy="572700"/>
+          </a:xfrm>
+          <a:prstGeom prst="rect">
+            <a:avLst/>
+          </a:prstGeom>
+        </p:spPr>
+        <p:txBody>
+          <a:bodyPr anchorCtr="0" anchor="t" bIns="91425" lIns="91425" spcFirstLastPara="1" rIns="91425" wrap="square" tIns="91425">
+            <a:normAutofit fontScale="90000"/>
+          </a:bodyPr>
+          <a:lstStyle/>
+          <a:p>
+            <a:pPr indent="0" lvl="0" marL="0" rtl="0" algn="l">
+              <a:spcBef>
+                <a:spcPts val="0"/>
+              </a:spcBef>
+              <a:spcAft>
+                <a:spcPts val="0"/>
+              </a:spcAft>
+              <a:buNone/>
+            </a:pPr>
+            <a:r>
+              <a:rPr lang="en"/>
+              <a:t>Next Steps and Roadmap</a:t>
+            </a:r>
+            <a:endParaRPr/>
+          </a:p>
+        </p:txBody>
+      </p:sp>
+      <p:sp>
+        <p:nvSpPr>
+          <p:cNvPr id="138" name="Google Shape;138;p24"/>
+          <p:cNvSpPr txBox="1"/>
+          <p:nvPr>
+            <p:ph idx="1" type="body"/>
+          </p:nvPr>
+        </p:nvSpPr>
+        <p:spPr>
+          <a:xfrm>
+            <a:off x="311700" y="1152475"/>
+            <a:ext cx="8520600" cy="3416400"/>
+          </a:xfrm>
+          <a:prstGeom prst="rect">
+            <a:avLst/>
+          </a:prstGeom>
+        </p:spPr>
+        <p:txBody>
+          <a:bodyPr anchorCtr="0" anchor="t" bIns="91425" lIns="91425" spcFirstLastPara="1" rIns="91425" wrap="square" tIns="91425">
+            <a:normAutofit fontScale="77500"/>
+          </a:bodyPr>
+          <a:lstStyle/>
+          <a:p>
+            <a:pPr indent="0" lvl="0" marL="0" rtl="0" algn="l">
+              <a:spcBef>
+                <a:spcPts val="0"/>
+              </a:spcBef>
+              <a:spcAft>
+                <a:spcPts val="0"/>
+              </a:spcAft>
+              <a:buNone/>
+            </a:pPr>
+            <a:r>
+              <a:rPr lang="en"/>
+              <a:t>The initial MVP prototype is just the beginning! We plan to rapidly iterate and improve the solution by getting direct feedback and inputs from employees on the production floor.</a:t>
+            </a:r>
+            <a:endParaRPr/>
+          </a:p>
+          <a:p>
+            <a:pPr indent="0" lvl="0" marL="0" rtl="0" algn="l">
+              <a:spcBef>
+                <a:spcPts val="1200"/>
+              </a:spcBef>
+              <a:spcAft>
+                <a:spcPts val="0"/>
+              </a:spcAft>
+              <a:buClr>
+                <a:schemeClr val="dk1"/>
+              </a:buClr>
+              <a:buSzPct val="61111"/>
+              <a:buFont typeface="Arial"/>
+              <a:buNone/>
+            </a:pPr>
+            <a:r>
+              <a:rPr lang="en"/>
+              <a:t>Planned </a:t>
+            </a:r>
+            <a:r>
+              <a:rPr lang="en"/>
+              <a:t>Enhancements (roadmap)</a:t>
+            </a:r>
+            <a:endParaRPr/>
+          </a:p>
+          <a:p>
+            <a:pPr indent="-317182" lvl="0" marL="457200" rtl="0" algn="l">
+              <a:spcBef>
+                <a:spcPts val="1200"/>
+              </a:spcBef>
+              <a:spcAft>
+                <a:spcPts val="0"/>
+              </a:spcAft>
+              <a:buSzPct val="100000"/>
+              <a:buChar char="●"/>
+            </a:pPr>
+            <a:r>
+              <a:rPr lang="en"/>
+              <a:t>Introduce support for 3D workspaces that leverage AR/VR technologies and assist the user to locate items in 3D space</a:t>
+            </a:r>
+            <a:endParaRPr/>
+          </a:p>
+          <a:p>
+            <a:pPr indent="-317182" lvl="0" marL="457200" rtl="0" algn="l">
+              <a:spcBef>
+                <a:spcPts val="0"/>
+              </a:spcBef>
+              <a:spcAft>
+                <a:spcPts val="0"/>
+              </a:spcAft>
+              <a:buSzPct val="100000"/>
+              <a:buChar char="●"/>
+            </a:pPr>
+            <a:r>
+              <a:rPr lang="en"/>
+              <a:t>Implement image recognition (AI) using Google’s Cloud Vision APIs, and by training custom models to recognize items on the factory floor</a:t>
+            </a:r>
+            <a:endParaRPr/>
+          </a:p>
+          <a:p>
+            <a:pPr indent="-317182" lvl="0" marL="457200" rtl="0" algn="l">
+              <a:spcBef>
+                <a:spcPts val="0"/>
+              </a:spcBef>
+              <a:spcAft>
+                <a:spcPts val="0"/>
+              </a:spcAft>
+              <a:buSzPct val="100000"/>
+              <a:buChar char="●"/>
+            </a:pPr>
+            <a:r>
+              <a:rPr lang="en"/>
+              <a:t>Build a reward system (gamification) to encourage positive contribution and discourage spam</a:t>
+            </a:r>
+            <a:endParaRPr/>
+          </a:p>
+          <a:p>
+            <a:pPr indent="-317182" lvl="0" marL="457200" rtl="0" algn="l">
+              <a:spcBef>
+                <a:spcPts val="0"/>
+              </a:spcBef>
+              <a:spcAft>
+                <a:spcPts val="0"/>
+              </a:spcAft>
+              <a:buSzPct val="100000"/>
+              <a:buChar char="●"/>
+            </a:pPr>
+            <a:r>
+              <a:rPr lang="en"/>
+              <a:t>Develop enhanced learning paths tied to job roles across multiple manufacturing/distribution facilities</a:t>
+            </a:r>
+            <a:endParaRPr/>
+          </a:p>
+          <a:p>
+            <a:pPr indent="-317182" lvl="0" marL="457200" rtl="0" algn="l">
+              <a:spcBef>
+                <a:spcPts val="0"/>
+              </a:spcBef>
+              <a:spcAft>
+                <a:spcPts val="0"/>
+              </a:spcAft>
+              <a:buSzPct val="100000"/>
+              <a:buChar char="●"/>
+            </a:pPr>
+            <a:r>
+              <a:rPr lang="en"/>
+              <a:t>Implement credentials that automatically unlock access to machines that require safety training</a:t>
+            </a:r>
+            <a:endParaRPr/>
+          </a:p>
+          <a:p>
+            <a:pPr indent="0" lvl="0" marL="0" rtl="0" algn="l">
+              <a:spcBef>
+                <a:spcPts val="1200"/>
+              </a:spcBef>
+              <a:spcAft>
+                <a:spcPts val="1200"/>
+              </a:spcAft>
+              <a:buNone/>
+            </a:pPr>
+            <a:r>
+              <a:t/>
+            </a:r>
+            <a:endParaRPr/>
+          </a:p>
+        </p:txBody>
+      </p:sp>
+    </p:spTree>
+  </p:cSld>
+  <p:clrMapOvr>
+    <a:masterClrMapping/>
+  </p:clrMapOvr>
+</p:sld>
+</file>
+
+<file path=ppt/slides/slide13.xml><?xml version="1.0" encoding="utf-8"?>
+<p:sld xmlns:a="http://schemas.openxmlformats.org/drawingml/2006/main" xmlns:r="http://schemas.openxmlformats.org/officeDocument/2006/relationships" xmlns:mc="http://schemas.openxmlformats.org/markup-compatibility/2006" xmlns:mv="urn:schemas-microsoft-com:mac:vml" xmlns:p="http://schemas.openxmlformats.org/presentationml/2006/main" xmlns:c="http://schemas.openxmlformats.org/drawingml/2006/chart" xmlns:dgm="http://schemas.openxmlformats.org/drawingml/2006/diagram" xmlns:o="urn:schemas-microsoft-com:office:office" xmlns:v="urn:schemas-microsoft-com:vml" xmlns:pvml="urn:schemas-microsoft-com:office:powerpoint" xmlns:com="http://schemas.openxmlformats.org/drawingml/2006/compatibility" xmlns:p14="http://schemas.microsoft.com/office/powerpoint/2010/main" xmlns:p15="http://schemas.microsoft.com/office/powerpoint/2012/main" xmlns:ahyp="http://schemas.microsoft.com/office/drawing/2018/hyperlinkcolor">
+  <p:cSld>
+    <p:spTree>
+      <p:nvGrpSpPr>
+        <p:cNvPr id="142" name="Shape 142"/>
+        <p:cNvGrpSpPr/>
+        <p:nvPr/>
+      </p:nvGrpSpPr>
+      <p:grpSpPr>
+        <a:xfrm>
+          <a:off x="0" y="0"/>
+          <a:ext cx="0" cy="0"/>
+          <a:chOff x="0" y="0"/>
+          <a:chExt cx="0" cy="0"/>
+        </a:xfrm>
+      </p:grpSpPr>
+      <p:sp>
+        <p:nvSpPr>
+          <p:cNvPr id="143" name="Google Shape;143;p25"/>
+          <p:cNvSpPr txBox="1"/>
+          <p:nvPr>
+            <p:ph type="title"/>
+          </p:nvPr>
+        </p:nvSpPr>
+        <p:spPr>
+          <a:xfrm>
+            <a:off x="311700" y="2150850"/>
+            <a:ext cx="8520600" cy="841800"/>
+          </a:xfrm>
+          <a:prstGeom prst="rect">
+            <a:avLst/>
+          </a:prstGeom>
+        </p:spPr>
+        <p:txBody>
+          <a:bodyPr anchorCtr="0" anchor="ctr" bIns="91425" lIns="91425" spcFirstLastPara="1" rIns="91425" wrap="square" tIns="91425">
+            <a:normAutofit/>
+          </a:bodyPr>
+          <a:lstStyle/>
+          <a:p>
+            <a:pPr indent="0" lvl="0" marL="0" rtl="0" algn="ctr">
+              <a:spcBef>
+                <a:spcPts val="0"/>
+              </a:spcBef>
+              <a:spcAft>
+                <a:spcPts val="0"/>
+              </a:spcAft>
+              <a:buNone/>
+            </a:pPr>
+            <a:r>
+              <a:rPr lang="en"/>
+              <a:t>Appendix - Screenshots</a:t>
+            </a:r>
+            <a:endParaRPr/>
+          </a:p>
+        </p:txBody>
+      </p:sp>
+    </p:spTree>
+  </p:cSld>
+  <p:clrMapOvr>
+    <a:masterClrMapping/>
+  </p:clrMapOvr>
+</p:sld>
+</file>
+
+<file path=ppt/slides/slide14.xml><?xml version="1.0" encoding="utf-8"?>
+<p:sld xmlns:a="http://schemas.openxmlformats.org/drawingml/2006/main" xmlns:r="http://schemas.openxmlformats.org/officeDocument/2006/relationships" xmlns:mc="http://schemas.openxmlformats.org/markup-compatibility/2006" xmlns:mv="urn:schemas-microsoft-com:mac:vml" xmlns:p="http://schemas.openxmlformats.org/presentationml/2006/main" xmlns:c="http://schemas.openxmlformats.org/drawingml/2006/chart" xmlns:dgm="http://schemas.openxmlformats.org/drawingml/2006/diagram" xmlns:o="urn:schemas-microsoft-com:office:office" xmlns:v="urn:schemas-microsoft-com:vml" xmlns:pvml="urn:schemas-microsoft-com:office:powerpoint" xmlns:com="http://schemas.openxmlformats.org/drawingml/2006/compatibility" xmlns:p14="http://schemas.microsoft.com/office/powerpoint/2010/main" xmlns:p15="http://schemas.microsoft.com/office/powerpoint/2012/main" xmlns:ahyp="http://schemas.microsoft.com/office/drawing/2018/hyperlinkcolor">
+  <p:cSld>
+    <p:spTree>
+      <p:nvGrpSpPr>
+        <p:cNvPr id="147" name="Shape 147"/>
         <p:cNvGrpSpPr/>
         <p:nvPr/>
       </p:nvGrpSpPr>
@@ -7934,7 +11065,7 @@
       </p:grpSpPr>
       <p:pic>
         <p:nvPicPr>
-          <p:cNvPr id="104" name="Google Shape;104;p22"/>
+          <p:cNvPr id="148" name="Google Shape;148;p26"/>
           <p:cNvPicPr preferRelativeResize="0"/>
           <p:nvPr/>
         </p:nvPicPr>
@@ -7949,219 +11080,7 @@
         <p:spPr>
           <a:xfrm>
             <a:off x="152400" y="152400"/>
-            <a:ext cx="7130007" cy="4838701"/>
-          </a:xfrm>
-          <a:prstGeom prst="rect">
-            <a:avLst/>
-          </a:prstGeom>
-          <a:noFill/>
-          <a:ln>
-            <a:noFill/>
-          </a:ln>
-        </p:spPr>
-      </p:pic>
-    </p:spTree>
-  </p:cSld>
-  <p:clrMapOvr>
-    <a:masterClrMapping/>
-  </p:clrMapOvr>
-</p:sld>
-</file>
-
-<file path=ppt/slides/slide11.xml><?xml version="1.0" encoding="utf-8"?>
-<p:sld xmlns:a="http://schemas.openxmlformats.org/drawingml/2006/main" xmlns:r="http://schemas.openxmlformats.org/officeDocument/2006/relationships" xmlns:mc="http://schemas.openxmlformats.org/markup-compatibility/2006" xmlns:mv="urn:schemas-microsoft-com:mac:vml" xmlns:p="http://schemas.openxmlformats.org/presentationml/2006/main" xmlns:c="http://schemas.openxmlformats.org/drawingml/2006/chart" xmlns:dgm="http://schemas.openxmlformats.org/drawingml/2006/diagram" xmlns:o="urn:schemas-microsoft-com:office:office" xmlns:v="urn:schemas-microsoft-com:vml" xmlns:pvml="urn:schemas-microsoft-com:office:powerpoint" xmlns:com="http://schemas.openxmlformats.org/drawingml/2006/compatibility" xmlns:p14="http://schemas.microsoft.com/office/powerpoint/2010/main" xmlns:p15="http://schemas.microsoft.com/office/powerpoint/2012/main" xmlns:ahyp="http://schemas.microsoft.com/office/drawing/2018/hyperlinkcolor">
-  <p:cSld>
-    <p:spTree>
-      <p:nvGrpSpPr>
-        <p:cNvPr id="108" name="Shape 108"/>
-        <p:cNvGrpSpPr/>
-        <p:nvPr/>
-      </p:nvGrpSpPr>
-      <p:grpSpPr>
-        <a:xfrm>
-          <a:off x="0" y="0"/>
-          <a:ext cx="0" cy="0"/>
-          <a:chOff x="0" y="0"/>
-          <a:chExt cx="0" cy="0"/>
-        </a:xfrm>
-      </p:grpSpPr>
-      <p:pic>
-        <p:nvPicPr>
-          <p:cNvPr id="109" name="Google Shape;109;p23"/>
-          <p:cNvPicPr preferRelativeResize="0"/>
-          <p:nvPr/>
-        </p:nvPicPr>
-        <p:blipFill>
-          <a:blip r:embed="rId3">
-            <a:alphaModFix/>
-          </a:blip>
-          <a:stretch>
-            <a:fillRect/>
-          </a:stretch>
-        </p:blipFill>
-        <p:spPr>
-          <a:xfrm>
-            <a:off x="152400" y="152400"/>
-            <a:ext cx="7498570" cy="4838700"/>
-          </a:xfrm>
-          <a:prstGeom prst="rect">
-            <a:avLst/>
-          </a:prstGeom>
-          <a:noFill/>
-          <a:ln>
-            <a:noFill/>
-          </a:ln>
-        </p:spPr>
-      </p:pic>
-    </p:spTree>
-  </p:cSld>
-  <p:clrMapOvr>
-    <a:masterClrMapping/>
-  </p:clrMapOvr>
-</p:sld>
-</file>
-
-<file path=ppt/slides/slide12.xml><?xml version="1.0" encoding="utf-8"?>
-<p:sld xmlns:a="http://schemas.openxmlformats.org/drawingml/2006/main" xmlns:r="http://schemas.openxmlformats.org/officeDocument/2006/relationships" xmlns:mc="http://schemas.openxmlformats.org/markup-compatibility/2006" xmlns:mv="urn:schemas-microsoft-com:mac:vml" xmlns:p="http://schemas.openxmlformats.org/presentationml/2006/main" xmlns:c="http://schemas.openxmlformats.org/drawingml/2006/chart" xmlns:dgm="http://schemas.openxmlformats.org/drawingml/2006/diagram" xmlns:o="urn:schemas-microsoft-com:office:office" xmlns:v="urn:schemas-microsoft-com:vml" xmlns:pvml="urn:schemas-microsoft-com:office:powerpoint" xmlns:com="http://schemas.openxmlformats.org/drawingml/2006/compatibility" xmlns:p14="http://schemas.microsoft.com/office/powerpoint/2010/main" xmlns:p15="http://schemas.microsoft.com/office/powerpoint/2012/main" xmlns:ahyp="http://schemas.microsoft.com/office/drawing/2018/hyperlinkcolor">
-  <p:cSld>
-    <p:spTree>
-      <p:nvGrpSpPr>
-        <p:cNvPr id="113" name="Shape 113"/>
-        <p:cNvGrpSpPr/>
-        <p:nvPr/>
-      </p:nvGrpSpPr>
-      <p:grpSpPr>
-        <a:xfrm>
-          <a:off x="0" y="0"/>
-          <a:ext cx="0" cy="0"/>
-          <a:chOff x="0" y="0"/>
-          <a:chExt cx="0" cy="0"/>
-        </a:xfrm>
-      </p:grpSpPr>
-      <p:pic>
-        <p:nvPicPr>
-          <p:cNvPr id="114" name="Google Shape;114;p24"/>
-          <p:cNvPicPr preferRelativeResize="0"/>
-          <p:nvPr/>
-        </p:nvPicPr>
-        <p:blipFill>
-          <a:blip r:embed="rId3">
-            <a:alphaModFix/>
-          </a:blip>
-          <a:stretch>
-            <a:fillRect/>
-          </a:stretch>
-        </p:blipFill>
-        <p:spPr>
-          <a:xfrm>
-            <a:off x="152400" y="152400"/>
-            <a:ext cx="7113763" cy="4838701"/>
-          </a:xfrm>
-          <a:prstGeom prst="rect">
-            <a:avLst/>
-          </a:prstGeom>
-          <a:noFill/>
-          <a:ln>
-            <a:noFill/>
-          </a:ln>
-        </p:spPr>
-      </p:pic>
-    </p:spTree>
-  </p:cSld>
-  <p:clrMapOvr>
-    <a:masterClrMapping/>
-  </p:clrMapOvr>
-</p:sld>
-</file>
-
-<file path=ppt/slides/slide13.xml><?xml version="1.0" encoding="utf-8"?>
-<p:sld xmlns:a="http://schemas.openxmlformats.org/drawingml/2006/main" xmlns:r="http://schemas.openxmlformats.org/officeDocument/2006/relationships" xmlns:mc="http://schemas.openxmlformats.org/markup-compatibility/2006" xmlns:mv="urn:schemas-microsoft-com:mac:vml" xmlns:p="http://schemas.openxmlformats.org/presentationml/2006/main" xmlns:c="http://schemas.openxmlformats.org/drawingml/2006/chart" xmlns:dgm="http://schemas.openxmlformats.org/drawingml/2006/diagram" xmlns:o="urn:schemas-microsoft-com:office:office" xmlns:v="urn:schemas-microsoft-com:vml" xmlns:pvml="urn:schemas-microsoft-com:office:powerpoint" xmlns:com="http://schemas.openxmlformats.org/drawingml/2006/compatibility" xmlns:p14="http://schemas.microsoft.com/office/powerpoint/2010/main" xmlns:p15="http://schemas.microsoft.com/office/powerpoint/2012/main" xmlns:ahyp="http://schemas.microsoft.com/office/drawing/2018/hyperlinkcolor">
-  <p:cSld>
-    <p:spTree>
-      <p:nvGrpSpPr>
-        <p:cNvPr id="118" name="Shape 118"/>
-        <p:cNvGrpSpPr/>
-        <p:nvPr/>
-      </p:nvGrpSpPr>
-      <p:grpSpPr>
-        <a:xfrm>
-          <a:off x="0" y="0"/>
-          <a:ext cx="0" cy="0"/>
-          <a:chOff x="0" y="0"/>
-          <a:chExt cx="0" cy="0"/>
-        </a:xfrm>
-      </p:grpSpPr>
-      <p:pic>
-        <p:nvPicPr>
-          <p:cNvPr id="119" name="Google Shape;119;p25"/>
-          <p:cNvPicPr preferRelativeResize="0"/>
-          <p:nvPr/>
-        </p:nvPicPr>
-        <p:blipFill>
-          <a:blip r:embed="rId3">
-            <a:alphaModFix/>
-          </a:blip>
-          <a:stretch>
-            <a:fillRect/>
-          </a:stretch>
-        </p:blipFill>
-        <p:spPr>
-          <a:xfrm>
-            <a:off x="152400" y="152400"/>
-            <a:ext cx="7153738" cy="4838699"/>
-          </a:xfrm>
-          <a:prstGeom prst="rect">
-            <a:avLst/>
-          </a:prstGeom>
-          <a:noFill/>
-          <a:ln>
-            <a:noFill/>
-          </a:ln>
-        </p:spPr>
-      </p:pic>
-    </p:spTree>
-  </p:cSld>
-  <p:clrMapOvr>
-    <a:masterClrMapping/>
-  </p:clrMapOvr>
-</p:sld>
-</file>
-
-<file path=ppt/slides/slide14.xml><?xml version="1.0" encoding="utf-8"?>
-<p:sld xmlns:a="http://schemas.openxmlformats.org/drawingml/2006/main" xmlns:r="http://schemas.openxmlformats.org/officeDocument/2006/relationships" xmlns:mc="http://schemas.openxmlformats.org/markup-compatibility/2006" xmlns:mv="urn:schemas-microsoft-com:mac:vml" xmlns:p="http://schemas.openxmlformats.org/presentationml/2006/main" xmlns:c="http://schemas.openxmlformats.org/drawingml/2006/chart" xmlns:dgm="http://schemas.openxmlformats.org/drawingml/2006/diagram" xmlns:o="urn:schemas-microsoft-com:office:office" xmlns:v="urn:schemas-microsoft-com:vml" xmlns:pvml="urn:schemas-microsoft-com:office:powerpoint" xmlns:com="http://schemas.openxmlformats.org/drawingml/2006/compatibility" xmlns:p14="http://schemas.microsoft.com/office/powerpoint/2010/main" xmlns:p15="http://schemas.microsoft.com/office/powerpoint/2012/main" xmlns:ahyp="http://schemas.microsoft.com/office/drawing/2018/hyperlinkcolor">
-  <p:cSld>
-    <p:spTree>
-      <p:nvGrpSpPr>
-        <p:cNvPr id="123" name="Shape 123"/>
-        <p:cNvGrpSpPr/>
-        <p:nvPr/>
-      </p:nvGrpSpPr>
-      <p:grpSpPr>
-        <a:xfrm>
-          <a:off x="0" y="0"/>
-          <a:ext cx="0" cy="0"/>
-          <a:chOff x="0" y="0"/>
-          <a:chExt cx="0" cy="0"/>
-        </a:xfrm>
-      </p:grpSpPr>
-      <p:pic>
-        <p:nvPicPr>
-          <p:cNvPr id="124" name="Google Shape;124;p26"/>
-          <p:cNvPicPr preferRelativeResize="0"/>
-          <p:nvPr/>
-        </p:nvPicPr>
-        <p:blipFill>
-          <a:blip r:embed="rId3">
-            <a:alphaModFix/>
-          </a:blip>
-          <a:stretch>
-            <a:fillRect/>
-          </a:stretch>
-        </p:blipFill>
-        <p:spPr>
-          <a:xfrm>
-            <a:off x="152400" y="152400"/>
-            <a:ext cx="8493717" cy="4838699"/>
+            <a:ext cx="7111018" cy="4838700"/>
           </a:xfrm>
           <a:prstGeom prst="rect">
             <a:avLst/>
@@ -8185,7 +11104,7 @@
   <p:cSld>
     <p:spTree>
       <p:nvGrpSpPr>
-        <p:cNvPr id="128" name="Shape 128"/>
+        <p:cNvPr id="152" name="Shape 152"/>
         <p:cNvGrpSpPr/>
         <p:nvPr/>
       </p:nvGrpSpPr>
@@ -8199,7 +11118,7 @@
       </p:grpSpPr>
       <p:pic>
         <p:nvPicPr>
-          <p:cNvPr id="129" name="Google Shape;129;p27"/>
+          <p:cNvPr id="153" name="Google Shape;153;p27"/>
           <p:cNvPicPr preferRelativeResize="0"/>
           <p:nvPr/>
         </p:nvPicPr>
@@ -8214,7 +11133,7 @@
         <p:spPr>
           <a:xfrm>
             <a:off x="152400" y="152400"/>
-            <a:ext cx="7675179" cy="4838700"/>
+            <a:ext cx="7721638" cy="4838700"/>
           </a:xfrm>
           <a:prstGeom prst="rect">
             <a:avLst/>
@@ -8238,7 +11157,7 @@
   <p:cSld>
     <p:spTree>
       <p:nvGrpSpPr>
-        <p:cNvPr id="133" name="Shape 133"/>
+        <p:cNvPr id="157" name="Shape 157"/>
         <p:cNvGrpSpPr/>
         <p:nvPr/>
       </p:nvGrpSpPr>
@@ -8252,7 +11171,7 @@
       </p:grpSpPr>
       <p:pic>
         <p:nvPicPr>
-          <p:cNvPr id="134" name="Google Shape;134;p28"/>
+          <p:cNvPr id="158" name="Google Shape;158;p28"/>
           <p:cNvPicPr preferRelativeResize="0"/>
           <p:nvPr/>
         </p:nvPicPr>
@@ -8267,7 +11186,7 @@
         <p:spPr>
           <a:xfrm>
             <a:off x="152400" y="152400"/>
-            <a:ext cx="8839202" cy="2849205"/>
+            <a:ext cx="7130007" cy="4838701"/>
           </a:xfrm>
           <a:prstGeom prst="rect">
             <a:avLst/>
@@ -8291,7 +11210,7 @@
   <p:cSld>
     <p:spTree>
       <p:nvGrpSpPr>
-        <p:cNvPr id="138" name="Shape 138"/>
+        <p:cNvPr id="162" name="Shape 162"/>
         <p:cNvGrpSpPr/>
         <p:nvPr/>
       </p:nvGrpSpPr>
@@ -8305,7 +11224,7 @@
       </p:grpSpPr>
       <p:pic>
         <p:nvPicPr>
-          <p:cNvPr id="139" name="Google Shape;139;p29"/>
+          <p:cNvPr id="163" name="Google Shape;163;p29"/>
           <p:cNvPicPr preferRelativeResize="0"/>
           <p:nvPr/>
         </p:nvPicPr>
@@ -8320,7 +11239,7 @@
         <p:spPr>
           <a:xfrm>
             <a:off x="152400" y="152400"/>
-            <a:ext cx="7163703" cy="4838701"/>
+            <a:ext cx="7498570" cy="4838700"/>
           </a:xfrm>
           <a:prstGeom prst="rect">
             <a:avLst/>
@@ -8344,7 +11263,7 @@
   <p:cSld>
     <p:spTree>
       <p:nvGrpSpPr>
-        <p:cNvPr id="143" name="Shape 143"/>
+        <p:cNvPr id="167" name="Shape 167"/>
         <p:cNvGrpSpPr/>
         <p:nvPr/>
       </p:nvGrpSpPr>
@@ -8358,7 +11277,7 @@
       </p:grpSpPr>
       <p:pic>
         <p:nvPicPr>
-          <p:cNvPr id="144" name="Google Shape;144;p30"/>
+          <p:cNvPr id="168" name="Google Shape;168;p30"/>
           <p:cNvPicPr preferRelativeResize="0"/>
           <p:nvPr/>
         </p:nvPicPr>
@@ -8373,7 +11292,7 @@
         <p:spPr>
           <a:xfrm>
             <a:off x="152400" y="152400"/>
-            <a:ext cx="8467727" cy="4838701"/>
+            <a:ext cx="7113763" cy="4838701"/>
           </a:xfrm>
           <a:prstGeom prst="rect">
             <a:avLst/>
@@ -8397,7 +11316,7 @@
   <p:cSld>
     <p:spTree>
       <p:nvGrpSpPr>
-        <p:cNvPr id="148" name="Shape 148"/>
+        <p:cNvPr id="172" name="Shape 172"/>
         <p:cNvGrpSpPr/>
         <p:nvPr/>
       </p:nvGrpSpPr>
@@ -8411,7 +11330,7 @@
       </p:grpSpPr>
       <p:pic>
         <p:nvPicPr>
-          <p:cNvPr id="149" name="Google Shape;149;p31"/>
+          <p:cNvPr id="173" name="Google Shape;173;p31"/>
           <p:cNvPicPr preferRelativeResize="0"/>
           <p:nvPr/>
         </p:nvPicPr>
@@ -8426,7 +11345,7 @@
         <p:spPr>
           <a:xfrm>
             <a:off x="152400" y="152400"/>
-            <a:ext cx="7126818" cy="4838699"/>
+            <a:ext cx="7153738" cy="4838699"/>
           </a:xfrm>
           <a:prstGeom prst="rect">
             <a:avLst/>
@@ -8472,20 +11391,60 @@
         </p:nvSpPr>
         <p:spPr>
           <a:xfrm>
-            <a:off x="311700" y="2150850"/>
-            <a:ext cx="8520600" cy="841800"/>
+            <a:off x="311700" y="445025"/>
+            <a:ext cx="8520600" cy="572700"/>
           </a:xfrm>
           <a:prstGeom prst="rect">
             <a:avLst/>
           </a:prstGeom>
         </p:spPr>
         <p:txBody>
-          <a:bodyPr anchorCtr="0" anchor="ctr" bIns="91425" lIns="91425" spcFirstLastPara="1" rIns="91425" wrap="square" tIns="91425">
+          <a:bodyPr anchorCtr="0" anchor="t" bIns="91425" lIns="91425" spcFirstLastPara="1" rIns="91425" wrap="square" tIns="91425">
+            <a:normAutofit fontScale="90000"/>
+          </a:bodyPr>
+          <a:lstStyle/>
+          <a:p>
+            <a:pPr indent="0" lvl="0" marL="0" rtl="0" algn="l">
+              <a:spcBef>
+                <a:spcPts val="0"/>
+              </a:spcBef>
+              <a:spcAft>
+                <a:spcPts val="0"/>
+              </a:spcAft>
+              <a:buNone/>
+            </a:pPr>
+            <a:r>
+              <a:rPr lang="en"/>
+              <a:t>Mission</a:t>
+            </a:r>
+            <a:endParaRPr/>
+          </a:p>
+        </p:txBody>
+      </p:sp>
+      <p:sp>
+        <p:nvSpPr>
+          <p:cNvPr id="62" name="Google Shape;62;p14"/>
+          <p:cNvSpPr txBox="1"/>
+          <p:nvPr>
+            <p:ph idx="1" type="body"/>
+          </p:nvPr>
+        </p:nvSpPr>
+        <p:spPr>
+          <a:xfrm>
+            <a:off x="311700" y="1152475"/>
+            <a:ext cx="8520600" cy="3416400"/>
+          </a:xfrm>
+          <a:prstGeom prst="rect">
+            <a:avLst/>
+          </a:prstGeom>
+        </p:spPr>
+        <p:txBody>
+          <a:bodyPr anchorCtr="0" anchor="t" bIns="91425" lIns="91425" spcFirstLastPara="1" rIns="91425" wrap="square" tIns="91425">
             <a:normAutofit/>
           </a:bodyPr>
           <a:lstStyle/>
           <a:p>
-            <a:pPr indent="0" lvl="0" marL="0" rtl="0" algn="ctr">
+            <a:pPr indent="0" lvl="0" marL="0" rtl="0" algn="l">
               <a:spcBef>
                 <a:spcPts val="0"/>
               </a:spcBef>
@@ -8495,10 +11454,41 @@
               <a:buNone/>
             </a:pPr>
             <a:r>
-              <a:rPr lang="en"/>
-              <a:t>Ideation Phase</a:t>
+              <a:rPr i="1" lang="en" sz="2400"/>
+              <a:t>“Our mission is to supercharge the collaboration between humans and machines.”</a:t>
             </a:r>
-            <a:endParaRPr/>
+            <a:endParaRPr i="1" sz="2400"/>
+          </a:p>
+          <a:p>
+            <a:pPr indent="0" lvl="0" marL="0" rtl="0" algn="l">
+              <a:spcBef>
+                <a:spcPts val="1200"/>
+              </a:spcBef>
+              <a:spcAft>
+                <a:spcPts val="0"/>
+              </a:spcAft>
+              <a:buNone/>
+            </a:pPr>
+            <a:r>
+              <a:t/>
+            </a:r>
+            <a:endParaRPr i="1" sz="2400"/>
+          </a:p>
+          <a:p>
+            <a:pPr indent="0" lvl="0" marL="0" rtl="0" algn="l">
+              <a:spcBef>
+                <a:spcPts val="1200"/>
+              </a:spcBef>
+              <a:spcAft>
+                <a:spcPts val="1200"/>
+              </a:spcAft>
+              <a:buNone/>
+            </a:pPr>
+            <a:r>
+              <a:rPr lang="en" sz="1400"/>
+              <a:t>The Knowledge Nuggets system is designed to maximize the productivity of people in a manufacturing facility. We do this by merging certain aspects of the physical and digital worlds.</a:t>
+            </a:r>
+            <a:endParaRPr sz="1400"/>
           </a:p>
         </p:txBody>
       </p:sp>
@@ -8515,7 +11505,7 @@
   <p:cSld>
     <p:spTree>
       <p:nvGrpSpPr>
-        <p:cNvPr id="153" name="Shape 153"/>
+        <p:cNvPr id="177" name="Shape 177"/>
         <p:cNvGrpSpPr/>
         <p:nvPr/>
       </p:nvGrpSpPr>
@@ -8529,7 +11519,7 @@
       </p:grpSpPr>
       <p:pic>
         <p:nvPicPr>
-          <p:cNvPr id="154" name="Google Shape;154;p32"/>
+          <p:cNvPr id="178" name="Google Shape;178;p32"/>
           <p:cNvPicPr preferRelativeResize="0"/>
           <p:nvPr/>
         </p:nvPicPr>
@@ -8544,7 +11534,7 @@
         <p:spPr>
           <a:xfrm>
             <a:off x="152400" y="152400"/>
-            <a:ext cx="7163703" cy="4838701"/>
+            <a:ext cx="8493717" cy="4838699"/>
           </a:xfrm>
           <a:prstGeom prst="rect">
             <a:avLst/>
@@ -8568,7 +11558,7 @@
   <p:cSld>
     <p:spTree>
       <p:nvGrpSpPr>
-        <p:cNvPr id="158" name="Shape 158"/>
+        <p:cNvPr id="182" name="Shape 182"/>
         <p:cNvGrpSpPr/>
         <p:nvPr/>
       </p:nvGrpSpPr>
@@ -8582,7 +11572,7 @@
       </p:grpSpPr>
       <p:pic>
         <p:nvPicPr>
-          <p:cNvPr id="159" name="Google Shape;159;p33"/>
+          <p:cNvPr id="183" name="Google Shape;183;p33"/>
           <p:cNvPicPr preferRelativeResize="0"/>
           <p:nvPr/>
         </p:nvPicPr>
@@ -8597,7 +11587,7 @@
         <p:spPr>
           <a:xfrm>
             <a:off x="152400" y="152400"/>
-            <a:ext cx="7144119" cy="4838700"/>
+            <a:ext cx="7675179" cy="4838700"/>
           </a:xfrm>
           <a:prstGeom prst="rect">
             <a:avLst/>
@@ -8621,7 +11611,7 @@
   <p:cSld>
     <p:spTree>
       <p:nvGrpSpPr>
-        <p:cNvPr id="163" name="Shape 163"/>
+        <p:cNvPr id="187" name="Shape 187"/>
         <p:cNvGrpSpPr/>
         <p:nvPr/>
       </p:nvGrpSpPr>
@@ -8635,7 +11625,7 @@
       </p:grpSpPr>
       <p:pic>
         <p:nvPicPr>
-          <p:cNvPr id="164" name="Google Shape;164;p34"/>
+          <p:cNvPr id="188" name="Google Shape;188;p34"/>
           <p:cNvPicPr preferRelativeResize="0"/>
           <p:nvPr/>
         </p:nvPicPr>
@@ -8650,7 +11640,7 @@
         <p:spPr>
           <a:xfrm>
             <a:off x="152400" y="152400"/>
-            <a:ext cx="7133897" cy="4838701"/>
+            <a:ext cx="8839202" cy="2849205"/>
           </a:xfrm>
           <a:prstGeom prst="rect">
             <a:avLst/>
@@ -8674,7 +11664,7 @@
   <p:cSld>
     <p:spTree>
       <p:nvGrpSpPr>
-        <p:cNvPr id="168" name="Shape 168"/>
+        <p:cNvPr id="192" name="Shape 192"/>
         <p:cNvGrpSpPr/>
         <p:nvPr/>
       </p:nvGrpSpPr>
@@ -8688,7 +11678,7 @@
       </p:grpSpPr>
       <p:pic>
         <p:nvPicPr>
-          <p:cNvPr id="169" name="Google Shape;169;p35"/>
+          <p:cNvPr id="193" name="Google Shape;193;p35"/>
           <p:cNvPicPr preferRelativeResize="0"/>
           <p:nvPr/>
         </p:nvPicPr>
@@ -8703,7 +11693,7 @@
         <p:spPr>
           <a:xfrm>
             <a:off x="152400" y="152400"/>
-            <a:ext cx="6992869" cy="4838699"/>
+            <a:ext cx="7163703" cy="4838701"/>
           </a:xfrm>
           <a:prstGeom prst="rect">
             <a:avLst/>
@@ -8727,7 +11717,7 @@
   <p:cSld>
     <p:spTree>
       <p:nvGrpSpPr>
-        <p:cNvPr id="173" name="Shape 173"/>
+        <p:cNvPr id="197" name="Shape 197"/>
         <p:cNvGrpSpPr/>
         <p:nvPr/>
       </p:nvGrpSpPr>
@@ -8741,7 +11731,7 @@
       </p:grpSpPr>
       <p:pic>
         <p:nvPicPr>
-          <p:cNvPr id="174" name="Google Shape;174;p36"/>
+          <p:cNvPr id="198" name="Google Shape;198;p36"/>
           <p:cNvPicPr preferRelativeResize="0"/>
           <p:nvPr/>
         </p:nvPicPr>
@@ -8756,7 +11746,272 @@
         <p:spPr>
           <a:xfrm>
             <a:off x="152400" y="152400"/>
-            <a:ext cx="6872638" cy="4838700"/>
+            <a:ext cx="8467727" cy="4838701"/>
+          </a:xfrm>
+          <a:prstGeom prst="rect">
+            <a:avLst/>
+          </a:prstGeom>
+          <a:noFill/>
+          <a:ln>
+            <a:noFill/>
+          </a:ln>
+        </p:spPr>
+      </p:pic>
+    </p:spTree>
+  </p:cSld>
+  <p:clrMapOvr>
+    <a:masterClrMapping/>
+  </p:clrMapOvr>
+</p:sld>
+</file>
+
+<file path=ppt/slides/slide25.xml><?xml version="1.0" encoding="utf-8"?>
+<p:sld xmlns:a="http://schemas.openxmlformats.org/drawingml/2006/main" xmlns:r="http://schemas.openxmlformats.org/officeDocument/2006/relationships" xmlns:mc="http://schemas.openxmlformats.org/markup-compatibility/2006" xmlns:mv="urn:schemas-microsoft-com:mac:vml" xmlns:p="http://schemas.openxmlformats.org/presentationml/2006/main" xmlns:c="http://schemas.openxmlformats.org/drawingml/2006/chart" xmlns:dgm="http://schemas.openxmlformats.org/drawingml/2006/diagram" xmlns:o="urn:schemas-microsoft-com:office:office" xmlns:v="urn:schemas-microsoft-com:vml" xmlns:pvml="urn:schemas-microsoft-com:office:powerpoint" xmlns:com="http://schemas.openxmlformats.org/drawingml/2006/compatibility" xmlns:p14="http://schemas.microsoft.com/office/powerpoint/2010/main" xmlns:p15="http://schemas.microsoft.com/office/powerpoint/2012/main" xmlns:ahyp="http://schemas.microsoft.com/office/drawing/2018/hyperlinkcolor">
+  <p:cSld>
+    <p:spTree>
+      <p:nvGrpSpPr>
+        <p:cNvPr id="202" name="Shape 202"/>
+        <p:cNvGrpSpPr/>
+        <p:nvPr/>
+      </p:nvGrpSpPr>
+      <p:grpSpPr>
+        <a:xfrm>
+          <a:off x="0" y="0"/>
+          <a:ext cx="0" cy="0"/>
+          <a:chOff x="0" y="0"/>
+          <a:chExt cx="0" cy="0"/>
+        </a:xfrm>
+      </p:grpSpPr>
+      <p:pic>
+        <p:nvPicPr>
+          <p:cNvPr id="203" name="Google Shape;203;p37"/>
+          <p:cNvPicPr preferRelativeResize="0"/>
+          <p:nvPr/>
+        </p:nvPicPr>
+        <p:blipFill>
+          <a:blip r:embed="rId3">
+            <a:alphaModFix/>
+          </a:blip>
+          <a:stretch>
+            <a:fillRect/>
+          </a:stretch>
+        </p:blipFill>
+        <p:spPr>
+          <a:xfrm>
+            <a:off x="152400" y="152400"/>
+            <a:ext cx="7126818" cy="4838699"/>
+          </a:xfrm>
+          <a:prstGeom prst="rect">
+            <a:avLst/>
+          </a:prstGeom>
+          <a:noFill/>
+          <a:ln>
+            <a:noFill/>
+          </a:ln>
+        </p:spPr>
+      </p:pic>
+    </p:spTree>
+  </p:cSld>
+  <p:clrMapOvr>
+    <a:masterClrMapping/>
+  </p:clrMapOvr>
+</p:sld>
+</file>
+
+<file path=ppt/slides/slide26.xml><?xml version="1.0" encoding="utf-8"?>
+<p:sld xmlns:a="http://schemas.openxmlformats.org/drawingml/2006/main" xmlns:r="http://schemas.openxmlformats.org/officeDocument/2006/relationships" xmlns:mc="http://schemas.openxmlformats.org/markup-compatibility/2006" xmlns:mv="urn:schemas-microsoft-com:mac:vml" xmlns:p="http://schemas.openxmlformats.org/presentationml/2006/main" xmlns:c="http://schemas.openxmlformats.org/drawingml/2006/chart" xmlns:dgm="http://schemas.openxmlformats.org/drawingml/2006/diagram" xmlns:o="urn:schemas-microsoft-com:office:office" xmlns:v="urn:schemas-microsoft-com:vml" xmlns:pvml="urn:schemas-microsoft-com:office:powerpoint" xmlns:com="http://schemas.openxmlformats.org/drawingml/2006/compatibility" xmlns:p14="http://schemas.microsoft.com/office/powerpoint/2010/main" xmlns:p15="http://schemas.microsoft.com/office/powerpoint/2012/main" xmlns:ahyp="http://schemas.microsoft.com/office/drawing/2018/hyperlinkcolor">
+  <p:cSld>
+    <p:spTree>
+      <p:nvGrpSpPr>
+        <p:cNvPr id="207" name="Shape 207"/>
+        <p:cNvGrpSpPr/>
+        <p:nvPr/>
+      </p:nvGrpSpPr>
+      <p:grpSpPr>
+        <a:xfrm>
+          <a:off x="0" y="0"/>
+          <a:ext cx="0" cy="0"/>
+          <a:chOff x="0" y="0"/>
+          <a:chExt cx="0" cy="0"/>
+        </a:xfrm>
+      </p:grpSpPr>
+      <p:pic>
+        <p:nvPicPr>
+          <p:cNvPr id="208" name="Google Shape;208;p38"/>
+          <p:cNvPicPr preferRelativeResize="0"/>
+          <p:nvPr/>
+        </p:nvPicPr>
+        <p:blipFill>
+          <a:blip r:embed="rId3">
+            <a:alphaModFix/>
+          </a:blip>
+          <a:stretch>
+            <a:fillRect/>
+          </a:stretch>
+        </p:blipFill>
+        <p:spPr>
+          <a:xfrm>
+            <a:off x="152400" y="152400"/>
+            <a:ext cx="7163703" cy="4838701"/>
+          </a:xfrm>
+          <a:prstGeom prst="rect">
+            <a:avLst/>
+          </a:prstGeom>
+          <a:noFill/>
+          <a:ln>
+            <a:noFill/>
+          </a:ln>
+        </p:spPr>
+      </p:pic>
+    </p:spTree>
+  </p:cSld>
+  <p:clrMapOvr>
+    <a:masterClrMapping/>
+  </p:clrMapOvr>
+</p:sld>
+</file>
+
+<file path=ppt/slides/slide27.xml><?xml version="1.0" encoding="utf-8"?>
+<p:sld xmlns:a="http://schemas.openxmlformats.org/drawingml/2006/main" xmlns:r="http://schemas.openxmlformats.org/officeDocument/2006/relationships" xmlns:mc="http://schemas.openxmlformats.org/markup-compatibility/2006" xmlns:mv="urn:schemas-microsoft-com:mac:vml" xmlns:p="http://schemas.openxmlformats.org/presentationml/2006/main" xmlns:c="http://schemas.openxmlformats.org/drawingml/2006/chart" xmlns:dgm="http://schemas.openxmlformats.org/drawingml/2006/diagram" xmlns:o="urn:schemas-microsoft-com:office:office" xmlns:v="urn:schemas-microsoft-com:vml" xmlns:pvml="urn:schemas-microsoft-com:office:powerpoint" xmlns:com="http://schemas.openxmlformats.org/drawingml/2006/compatibility" xmlns:p14="http://schemas.microsoft.com/office/powerpoint/2010/main" xmlns:p15="http://schemas.microsoft.com/office/powerpoint/2012/main" xmlns:ahyp="http://schemas.microsoft.com/office/drawing/2018/hyperlinkcolor">
+  <p:cSld>
+    <p:spTree>
+      <p:nvGrpSpPr>
+        <p:cNvPr id="212" name="Shape 212"/>
+        <p:cNvGrpSpPr/>
+        <p:nvPr/>
+      </p:nvGrpSpPr>
+      <p:grpSpPr>
+        <a:xfrm>
+          <a:off x="0" y="0"/>
+          <a:ext cx="0" cy="0"/>
+          <a:chOff x="0" y="0"/>
+          <a:chExt cx="0" cy="0"/>
+        </a:xfrm>
+      </p:grpSpPr>
+      <p:pic>
+        <p:nvPicPr>
+          <p:cNvPr id="213" name="Google Shape;213;p39"/>
+          <p:cNvPicPr preferRelativeResize="0"/>
+          <p:nvPr/>
+        </p:nvPicPr>
+        <p:blipFill>
+          <a:blip r:embed="rId3">
+            <a:alphaModFix/>
+          </a:blip>
+          <a:stretch>
+            <a:fillRect/>
+          </a:stretch>
+        </p:blipFill>
+        <p:spPr>
+          <a:xfrm>
+            <a:off x="152400" y="152400"/>
+            <a:ext cx="7144119" cy="4838700"/>
+          </a:xfrm>
+          <a:prstGeom prst="rect">
+            <a:avLst/>
+          </a:prstGeom>
+          <a:noFill/>
+          <a:ln>
+            <a:noFill/>
+          </a:ln>
+        </p:spPr>
+      </p:pic>
+    </p:spTree>
+  </p:cSld>
+  <p:clrMapOvr>
+    <a:masterClrMapping/>
+  </p:clrMapOvr>
+</p:sld>
+</file>
+
+<file path=ppt/slides/slide28.xml><?xml version="1.0" encoding="utf-8"?>
+<p:sld xmlns:a="http://schemas.openxmlformats.org/drawingml/2006/main" xmlns:r="http://schemas.openxmlformats.org/officeDocument/2006/relationships" xmlns:mc="http://schemas.openxmlformats.org/markup-compatibility/2006" xmlns:mv="urn:schemas-microsoft-com:mac:vml" xmlns:p="http://schemas.openxmlformats.org/presentationml/2006/main" xmlns:c="http://schemas.openxmlformats.org/drawingml/2006/chart" xmlns:dgm="http://schemas.openxmlformats.org/drawingml/2006/diagram" xmlns:o="urn:schemas-microsoft-com:office:office" xmlns:v="urn:schemas-microsoft-com:vml" xmlns:pvml="urn:schemas-microsoft-com:office:powerpoint" xmlns:com="http://schemas.openxmlformats.org/drawingml/2006/compatibility" xmlns:p14="http://schemas.microsoft.com/office/powerpoint/2010/main" xmlns:p15="http://schemas.microsoft.com/office/powerpoint/2012/main" xmlns:ahyp="http://schemas.microsoft.com/office/drawing/2018/hyperlinkcolor">
+  <p:cSld>
+    <p:spTree>
+      <p:nvGrpSpPr>
+        <p:cNvPr id="217" name="Shape 217"/>
+        <p:cNvGrpSpPr/>
+        <p:nvPr/>
+      </p:nvGrpSpPr>
+      <p:grpSpPr>
+        <a:xfrm>
+          <a:off x="0" y="0"/>
+          <a:ext cx="0" cy="0"/>
+          <a:chOff x="0" y="0"/>
+          <a:chExt cx="0" cy="0"/>
+        </a:xfrm>
+      </p:grpSpPr>
+      <p:pic>
+        <p:nvPicPr>
+          <p:cNvPr id="218" name="Google Shape;218;p40"/>
+          <p:cNvPicPr preferRelativeResize="0"/>
+          <p:nvPr/>
+        </p:nvPicPr>
+        <p:blipFill>
+          <a:blip r:embed="rId3">
+            <a:alphaModFix/>
+          </a:blip>
+          <a:stretch>
+            <a:fillRect/>
+          </a:stretch>
+        </p:blipFill>
+        <p:spPr>
+          <a:xfrm>
+            <a:off x="152400" y="152400"/>
+            <a:ext cx="7133897" cy="4838701"/>
+          </a:xfrm>
+          <a:prstGeom prst="rect">
+            <a:avLst/>
+          </a:prstGeom>
+          <a:noFill/>
+          <a:ln>
+            <a:noFill/>
+          </a:ln>
+        </p:spPr>
+      </p:pic>
+    </p:spTree>
+  </p:cSld>
+  <p:clrMapOvr>
+    <a:masterClrMapping/>
+  </p:clrMapOvr>
+</p:sld>
+</file>
+
+<file path=ppt/slides/slide29.xml><?xml version="1.0" encoding="utf-8"?>
+<p:sld xmlns:a="http://schemas.openxmlformats.org/drawingml/2006/main" xmlns:r="http://schemas.openxmlformats.org/officeDocument/2006/relationships" xmlns:mc="http://schemas.openxmlformats.org/markup-compatibility/2006" xmlns:mv="urn:schemas-microsoft-com:mac:vml" xmlns:p="http://schemas.openxmlformats.org/presentationml/2006/main" xmlns:c="http://schemas.openxmlformats.org/drawingml/2006/chart" xmlns:dgm="http://schemas.openxmlformats.org/drawingml/2006/diagram" xmlns:o="urn:schemas-microsoft-com:office:office" xmlns:v="urn:schemas-microsoft-com:vml" xmlns:pvml="urn:schemas-microsoft-com:office:powerpoint" xmlns:com="http://schemas.openxmlformats.org/drawingml/2006/compatibility" xmlns:p14="http://schemas.microsoft.com/office/powerpoint/2010/main" xmlns:p15="http://schemas.microsoft.com/office/powerpoint/2012/main" xmlns:ahyp="http://schemas.microsoft.com/office/drawing/2018/hyperlinkcolor">
+  <p:cSld>
+    <p:spTree>
+      <p:nvGrpSpPr>
+        <p:cNvPr id="222" name="Shape 222"/>
+        <p:cNvGrpSpPr/>
+        <p:nvPr/>
+      </p:nvGrpSpPr>
+      <p:grpSpPr>
+        <a:xfrm>
+          <a:off x="0" y="0"/>
+          <a:ext cx="0" cy="0"/>
+          <a:chOff x="0" y="0"/>
+          <a:chExt cx="0" cy="0"/>
+        </a:xfrm>
+      </p:grpSpPr>
+      <p:pic>
+        <p:nvPicPr>
+          <p:cNvPr id="223" name="Google Shape;223;p41"/>
+          <p:cNvPicPr preferRelativeResize="0"/>
+          <p:nvPr/>
+        </p:nvPicPr>
+        <p:blipFill>
+          <a:blip r:embed="rId3">
+            <a:alphaModFix/>
+          </a:blip>
+          <a:stretch>
+            <a:fillRect/>
+          </a:stretch>
+        </p:blipFill>
+        <p:spPr>
+          <a:xfrm>
+            <a:off x="152400" y="152400"/>
+            <a:ext cx="6992869" cy="4838699"/>
           </a:xfrm>
           <a:prstGeom prst="rect">
             <a:avLst/>
@@ -8780,7 +12035,7 @@
   <p:cSld>
     <p:spTree>
       <p:nvGrpSpPr>
-        <p:cNvPr id="65" name="Shape 65"/>
+        <p:cNvPr id="66" name="Shape 66"/>
         <p:cNvGrpSpPr/>
         <p:nvPr/>
       </p:nvGrpSpPr>
@@ -8794,7 +12049,1378 @@
       </p:grpSpPr>
       <p:sp>
         <p:nvSpPr>
-          <p:cNvPr id="66" name="Google Shape;66;p15"/>
+          <p:cNvPr id="67" name="Google Shape;67;p15"/>
+          <p:cNvSpPr txBox="1"/>
+          <p:nvPr>
+            <p:ph type="title"/>
+          </p:nvPr>
+        </p:nvSpPr>
+        <p:spPr>
+          <a:xfrm>
+            <a:off x="311700" y="445025"/>
+            <a:ext cx="8520600" cy="572700"/>
+          </a:xfrm>
+          <a:prstGeom prst="rect">
+            <a:avLst/>
+          </a:prstGeom>
+        </p:spPr>
+        <p:txBody>
+          <a:bodyPr anchorCtr="0" anchor="t" bIns="91425" lIns="91425" spcFirstLastPara="1" rIns="91425" wrap="square" tIns="91425">
+            <a:normAutofit fontScale="90000"/>
+          </a:bodyPr>
+          <a:lstStyle/>
+          <a:p>
+            <a:pPr indent="0" lvl="0" marL="0" rtl="0" algn="l">
+              <a:spcBef>
+                <a:spcPts val="0"/>
+              </a:spcBef>
+              <a:spcAft>
+                <a:spcPts val="0"/>
+              </a:spcAft>
+              <a:buNone/>
+            </a:pPr>
+            <a:r>
+              <a:rPr lang="en"/>
+              <a:t>Target User and Problem Definition</a:t>
+            </a:r>
+            <a:endParaRPr/>
+          </a:p>
+        </p:txBody>
+      </p:sp>
+      <p:sp>
+        <p:nvSpPr>
+          <p:cNvPr id="68" name="Google Shape;68;p15"/>
+          <p:cNvSpPr txBox="1"/>
+          <p:nvPr>
+            <p:ph idx="1" type="body"/>
+          </p:nvPr>
+        </p:nvSpPr>
+        <p:spPr>
+          <a:xfrm>
+            <a:off x="311700" y="1152475"/>
+            <a:ext cx="8520600" cy="3416400"/>
+          </a:xfrm>
+          <a:prstGeom prst="rect">
+            <a:avLst/>
+          </a:prstGeom>
+        </p:spPr>
+        <p:txBody>
+          <a:bodyPr anchorCtr="0" anchor="t" bIns="91425" lIns="91425" spcFirstLastPara="1" rIns="91425" wrap="square" tIns="91425">
+            <a:normAutofit fontScale="70000" lnSpcReduction="10000"/>
+          </a:bodyPr>
+          <a:lstStyle/>
+          <a:p>
+            <a:pPr indent="0" lvl="0" marL="0" rtl="0" algn="l">
+              <a:spcBef>
+                <a:spcPts val="0"/>
+              </a:spcBef>
+              <a:spcAft>
+                <a:spcPts val="0"/>
+              </a:spcAft>
+              <a:buClr>
+                <a:schemeClr val="dk1"/>
+              </a:buClr>
+              <a:buSzPct val="61111"/>
+              <a:buFont typeface="Arial"/>
+              <a:buNone/>
+            </a:pPr>
+            <a:r>
+              <a:rPr lang="en"/>
+              <a:t>The target user persona is someone who steps into a manufacturing facility that they haven't visited before. He/she is looking to accomplish some task or project, and needs to use the equipment available to complete their task. Being new at the site, they are immediately presented with a few challenges:</a:t>
+            </a:r>
+            <a:endParaRPr/>
+          </a:p>
+          <a:p>
+            <a:pPr indent="0" lvl="0" marL="0" rtl="0" algn="l">
+              <a:spcBef>
+                <a:spcPts val="1200"/>
+              </a:spcBef>
+              <a:spcAft>
+                <a:spcPts val="0"/>
+              </a:spcAft>
+              <a:buClr>
+                <a:schemeClr val="dk1"/>
+              </a:buClr>
+              <a:buSzPct val="61111"/>
+              <a:buFont typeface="Arial"/>
+              <a:buNone/>
+            </a:pPr>
+            <a:r>
+              <a:t/>
+            </a:r>
+            <a:endParaRPr/>
+          </a:p>
+          <a:p>
+            <a:pPr indent="0" lvl="0" marL="0" rtl="0" algn="l">
+              <a:spcBef>
+                <a:spcPts val="1200"/>
+              </a:spcBef>
+              <a:spcAft>
+                <a:spcPts val="0"/>
+              </a:spcAft>
+              <a:buClr>
+                <a:schemeClr val="dk1"/>
+              </a:buClr>
+              <a:buSzPct val="61111"/>
+              <a:buFont typeface="Arial"/>
+              <a:buNone/>
+            </a:pPr>
+            <a:r>
+              <a:rPr lang="en"/>
+              <a:t>1. They are not familiar with the layout of the facility, intended purpose of each workspace and tools available at each workspace</a:t>
+            </a:r>
+            <a:endParaRPr/>
+          </a:p>
+          <a:p>
+            <a:pPr indent="0" lvl="0" marL="0" rtl="0" algn="l">
+              <a:spcBef>
+                <a:spcPts val="1200"/>
+              </a:spcBef>
+              <a:spcAft>
+                <a:spcPts val="0"/>
+              </a:spcAft>
+              <a:buClr>
+                <a:schemeClr val="dk1"/>
+              </a:buClr>
+              <a:buSzPct val="61111"/>
+              <a:buFont typeface="Arial"/>
+              <a:buNone/>
+            </a:pPr>
+            <a:r>
+              <a:rPr lang="en"/>
+              <a:t>2. They don't know where to find specific pieces of equipment, accessories and related resources needed to complete their project</a:t>
+            </a:r>
+            <a:endParaRPr/>
+          </a:p>
+          <a:p>
+            <a:pPr indent="0" lvl="0" marL="0" rtl="0" algn="l">
+              <a:spcBef>
+                <a:spcPts val="1200"/>
+              </a:spcBef>
+              <a:spcAft>
+                <a:spcPts val="0"/>
+              </a:spcAft>
+              <a:buClr>
+                <a:schemeClr val="dk1"/>
+              </a:buClr>
+              <a:buSzPct val="61111"/>
+              <a:buFont typeface="Arial"/>
+              <a:buNone/>
+            </a:pPr>
+            <a:r>
+              <a:rPr lang="en"/>
+              <a:t>3. They may not know how to use the available equipment from a functional perspective</a:t>
+            </a:r>
+            <a:endParaRPr/>
+          </a:p>
+          <a:p>
+            <a:pPr indent="0" lvl="0" marL="0" rtl="0" algn="l">
+              <a:spcBef>
+                <a:spcPts val="1200"/>
+              </a:spcBef>
+              <a:spcAft>
+                <a:spcPts val="0"/>
+              </a:spcAft>
+              <a:buClr>
+                <a:schemeClr val="dk1"/>
+              </a:buClr>
+              <a:buSzPct val="61111"/>
+              <a:buFont typeface="Arial"/>
+              <a:buNone/>
+            </a:pPr>
+            <a:r>
+              <a:rPr lang="en"/>
+              <a:t>4. They may not be familiar with how to safely operate the equipment and mitigate situations if something goes wrong</a:t>
+            </a:r>
+            <a:endParaRPr/>
+          </a:p>
+          <a:p>
+            <a:pPr indent="0" lvl="0" marL="0" rtl="0" algn="l">
+              <a:spcBef>
+                <a:spcPts val="1200"/>
+              </a:spcBef>
+              <a:spcAft>
+                <a:spcPts val="1200"/>
+              </a:spcAft>
+              <a:buNone/>
+            </a:pPr>
+            <a:r>
+              <a:t/>
+            </a:r>
+            <a:endParaRPr/>
+          </a:p>
+        </p:txBody>
+      </p:sp>
+    </p:spTree>
+  </p:cSld>
+  <p:clrMapOvr>
+    <a:masterClrMapping/>
+  </p:clrMapOvr>
+</p:sld>
+</file>
+
+<file path=ppt/slides/slide30.xml><?xml version="1.0" encoding="utf-8"?>
+<p:sld xmlns:a="http://schemas.openxmlformats.org/drawingml/2006/main" xmlns:r="http://schemas.openxmlformats.org/officeDocument/2006/relationships" xmlns:mc="http://schemas.openxmlformats.org/markup-compatibility/2006" xmlns:mv="urn:schemas-microsoft-com:mac:vml" xmlns:p="http://schemas.openxmlformats.org/presentationml/2006/main" xmlns:c="http://schemas.openxmlformats.org/drawingml/2006/chart" xmlns:dgm="http://schemas.openxmlformats.org/drawingml/2006/diagram" xmlns:o="urn:schemas-microsoft-com:office:office" xmlns:v="urn:schemas-microsoft-com:vml" xmlns:pvml="urn:schemas-microsoft-com:office:powerpoint" xmlns:com="http://schemas.openxmlformats.org/drawingml/2006/compatibility" xmlns:p14="http://schemas.microsoft.com/office/powerpoint/2010/main" xmlns:p15="http://schemas.microsoft.com/office/powerpoint/2012/main" xmlns:ahyp="http://schemas.microsoft.com/office/drawing/2018/hyperlinkcolor">
+  <p:cSld>
+    <p:spTree>
+      <p:nvGrpSpPr>
+        <p:cNvPr id="227" name="Shape 227"/>
+        <p:cNvGrpSpPr/>
+        <p:nvPr/>
+      </p:nvGrpSpPr>
+      <p:grpSpPr>
+        <a:xfrm>
+          <a:off x="0" y="0"/>
+          <a:ext cx="0" cy="0"/>
+          <a:chOff x="0" y="0"/>
+          <a:chExt cx="0" cy="0"/>
+        </a:xfrm>
+      </p:grpSpPr>
+      <p:pic>
+        <p:nvPicPr>
+          <p:cNvPr id="228" name="Google Shape;228;p42"/>
+          <p:cNvPicPr preferRelativeResize="0"/>
+          <p:nvPr/>
+        </p:nvPicPr>
+        <p:blipFill>
+          <a:blip r:embed="rId3">
+            <a:alphaModFix/>
+          </a:blip>
+          <a:stretch>
+            <a:fillRect/>
+          </a:stretch>
+        </p:blipFill>
+        <p:spPr>
+          <a:xfrm>
+            <a:off x="152400" y="152400"/>
+            <a:ext cx="6872638" cy="4838700"/>
+          </a:xfrm>
+          <a:prstGeom prst="rect">
+            <a:avLst/>
+          </a:prstGeom>
+          <a:noFill/>
+          <a:ln>
+            <a:noFill/>
+          </a:ln>
+        </p:spPr>
+      </p:pic>
+    </p:spTree>
+  </p:cSld>
+  <p:clrMapOvr>
+    <a:masterClrMapping/>
+  </p:clrMapOvr>
+</p:sld>
+</file>
+
+<file path=ppt/slides/slide31.xml><?xml version="1.0" encoding="utf-8"?>
+<p:sld xmlns:a="http://schemas.openxmlformats.org/drawingml/2006/main" xmlns:r="http://schemas.openxmlformats.org/officeDocument/2006/relationships" xmlns:mc="http://schemas.openxmlformats.org/markup-compatibility/2006" xmlns:mv="urn:schemas-microsoft-com:mac:vml" xmlns:p="http://schemas.openxmlformats.org/presentationml/2006/main" xmlns:c="http://schemas.openxmlformats.org/drawingml/2006/chart" xmlns:dgm="http://schemas.openxmlformats.org/drawingml/2006/diagram" xmlns:o="urn:schemas-microsoft-com:office:office" xmlns:v="urn:schemas-microsoft-com:vml" xmlns:pvml="urn:schemas-microsoft-com:office:powerpoint" xmlns:com="http://schemas.openxmlformats.org/drawingml/2006/compatibility" xmlns:p14="http://schemas.microsoft.com/office/powerpoint/2010/main" xmlns:p15="http://schemas.microsoft.com/office/powerpoint/2012/main" xmlns:ahyp="http://schemas.microsoft.com/office/drawing/2018/hyperlinkcolor">
+  <p:cSld>
+    <p:spTree>
+      <p:nvGrpSpPr>
+        <p:cNvPr id="232" name="Shape 232"/>
+        <p:cNvGrpSpPr/>
+        <p:nvPr/>
+      </p:nvGrpSpPr>
+      <p:grpSpPr>
+        <a:xfrm>
+          <a:off x="0" y="0"/>
+          <a:ext cx="0" cy="0"/>
+          <a:chOff x="0" y="0"/>
+          <a:chExt cx="0" cy="0"/>
+        </a:xfrm>
+      </p:grpSpPr>
+      <p:pic>
+        <p:nvPicPr>
+          <p:cNvPr id="233" name="Google Shape;233;p43"/>
+          <p:cNvPicPr preferRelativeResize="0"/>
+          <p:nvPr/>
+        </p:nvPicPr>
+        <p:blipFill>
+          <a:blip r:embed="rId3">
+            <a:alphaModFix/>
+          </a:blip>
+          <a:stretch>
+            <a:fillRect/>
+          </a:stretch>
+        </p:blipFill>
+        <p:spPr>
+          <a:xfrm>
+            <a:off x="152400" y="152400"/>
+            <a:ext cx="8839204" cy="4182221"/>
+          </a:xfrm>
+          <a:prstGeom prst="rect">
+            <a:avLst/>
+          </a:prstGeom>
+          <a:noFill/>
+          <a:ln>
+            <a:noFill/>
+          </a:ln>
+        </p:spPr>
+      </p:pic>
+      <p:sp>
+        <p:nvSpPr>
+          <p:cNvPr id="234" name="Google Shape;234;p43"/>
+          <p:cNvSpPr/>
+          <p:nvPr/>
+        </p:nvSpPr>
+        <p:spPr>
+          <a:xfrm>
+            <a:off x="903725" y="1528625"/>
+            <a:ext cx="1067100" cy="682500"/>
+          </a:xfrm>
+          <a:prstGeom prst="wedgeEllipseCallout">
+            <a:avLst>
+              <a:gd fmla="val -32782" name="adj1"/>
+              <a:gd fmla="val 110586" name="adj2"/>
+            </a:avLst>
+          </a:prstGeom>
+          <a:solidFill>
+            <a:schemeClr val="lt2"/>
+          </a:solidFill>
+          <a:ln cap="flat" cmpd="sng" w="9525">
+            <a:solidFill>
+              <a:schemeClr val="dk2"/>
+            </a:solidFill>
+            <a:prstDash val="solid"/>
+            <a:round/>
+            <a:headEnd len="sm" w="sm" type="none"/>
+            <a:tailEnd len="sm" w="sm" type="none"/>
+          </a:ln>
+        </p:spPr>
+        <p:txBody>
+          <a:bodyPr anchorCtr="0" anchor="ctr" bIns="91425" lIns="91425" spcFirstLastPara="1" rIns="91425" wrap="square" tIns="91425">
+            <a:noAutofit/>
+          </a:bodyPr>
+          <a:lstStyle/>
+          <a:p>
+            <a:pPr indent="0" lvl="0" marL="0" rtl="0" algn="l">
+              <a:spcBef>
+                <a:spcPts val="0"/>
+              </a:spcBef>
+              <a:spcAft>
+                <a:spcPts val="0"/>
+              </a:spcAft>
+              <a:buNone/>
+            </a:pPr>
+            <a:r>
+              <a:rPr lang="en"/>
+              <a:t>Coffee Maker</a:t>
+            </a:r>
+            <a:endParaRPr/>
+          </a:p>
+        </p:txBody>
+      </p:sp>
+      <p:sp>
+        <p:nvSpPr>
+          <p:cNvPr id="235" name="Google Shape;235;p43"/>
+          <p:cNvSpPr/>
+          <p:nvPr/>
+        </p:nvSpPr>
+        <p:spPr>
+          <a:xfrm>
+            <a:off x="5767000" y="2104050"/>
+            <a:ext cx="1067100" cy="682500"/>
+          </a:xfrm>
+          <a:prstGeom prst="wedgeEllipseCallout">
+            <a:avLst>
+              <a:gd fmla="val 104194" name="adj1"/>
+              <a:gd fmla="val -11758" name="adj2"/>
+            </a:avLst>
+          </a:prstGeom>
+          <a:solidFill>
+            <a:schemeClr val="lt2"/>
+          </a:solidFill>
+          <a:ln cap="flat" cmpd="sng" w="9525">
+            <a:solidFill>
+              <a:schemeClr val="dk2"/>
+            </a:solidFill>
+            <a:prstDash val="solid"/>
+            <a:round/>
+            <a:headEnd len="sm" w="sm" type="none"/>
+            <a:tailEnd len="sm" w="sm" type="none"/>
+          </a:ln>
+        </p:spPr>
+        <p:txBody>
+          <a:bodyPr anchorCtr="0" anchor="ctr" bIns="91425" lIns="91425" spcFirstLastPara="1" rIns="91425" wrap="square" tIns="91425">
+            <a:noAutofit/>
+          </a:bodyPr>
+          <a:lstStyle/>
+          <a:p>
+            <a:pPr indent="0" lvl="0" marL="0" rtl="0" algn="l">
+              <a:spcBef>
+                <a:spcPts val="0"/>
+              </a:spcBef>
+              <a:spcAft>
+                <a:spcPts val="0"/>
+              </a:spcAft>
+              <a:buNone/>
+            </a:pPr>
+            <a:r>
+              <a:rPr lang="en"/>
+              <a:t>Milk</a:t>
+            </a:r>
+            <a:endParaRPr/>
+          </a:p>
+        </p:txBody>
+      </p:sp>
+      <p:sp>
+        <p:nvSpPr>
+          <p:cNvPr id="236" name="Google Shape;236;p43"/>
+          <p:cNvSpPr/>
+          <p:nvPr/>
+        </p:nvSpPr>
+        <p:spPr>
+          <a:xfrm>
+            <a:off x="7595100" y="921525"/>
+            <a:ext cx="1248300" cy="682500"/>
+          </a:xfrm>
+          <a:prstGeom prst="wedgeEllipseCallout">
+            <a:avLst>
+              <a:gd fmla="val -19196" name="adj1"/>
+              <a:gd fmla="val 124879" name="adj2"/>
+            </a:avLst>
+          </a:prstGeom>
+          <a:solidFill>
+            <a:schemeClr val="lt2"/>
+          </a:solidFill>
+          <a:ln cap="flat" cmpd="sng" w="9525">
+            <a:solidFill>
+              <a:schemeClr val="dk2"/>
+            </a:solidFill>
+            <a:prstDash val="solid"/>
+            <a:round/>
+            <a:headEnd len="sm" w="sm" type="none"/>
+            <a:tailEnd len="sm" w="sm" type="none"/>
+          </a:ln>
+        </p:spPr>
+        <p:txBody>
+          <a:bodyPr anchorCtr="0" anchor="ctr" bIns="91425" lIns="91425" spcFirstLastPara="1" rIns="91425" wrap="square" tIns="91425">
+            <a:noAutofit/>
+          </a:bodyPr>
+          <a:lstStyle/>
+          <a:p>
+            <a:pPr indent="0" lvl="0" marL="0" rtl="0" algn="l">
+              <a:spcBef>
+                <a:spcPts val="0"/>
+              </a:spcBef>
+              <a:spcAft>
+                <a:spcPts val="0"/>
+              </a:spcAft>
+              <a:buNone/>
+            </a:pPr>
+            <a:r>
+              <a:rPr lang="en" sz="1200"/>
+              <a:t>Ground Coffee Beans</a:t>
+            </a:r>
+            <a:endParaRPr sz="1200"/>
+          </a:p>
+        </p:txBody>
+      </p:sp>
+      <p:sp>
+        <p:nvSpPr>
+          <p:cNvPr id="237" name="Google Shape;237;p43"/>
+          <p:cNvSpPr/>
+          <p:nvPr/>
+        </p:nvSpPr>
+        <p:spPr>
+          <a:xfrm>
+            <a:off x="3642300" y="517725"/>
+            <a:ext cx="1067100" cy="682500"/>
+          </a:xfrm>
+          <a:prstGeom prst="wedgeEllipseCallout">
+            <a:avLst>
+              <a:gd fmla="val -32782" name="adj1"/>
+              <a:gd fmla="val 110586" name="adj2"/>
+            </a:avLst>
+          </a:prstGeom>
+          <a:solidFill>
+            <a:schemeClr val="lt2"/>
+          </a:solidFill>
+          <a:ln cap="flat" cmpd="sng" w="9525">
+            <a:solidFill>
+              <a:schemeClr val="dk2"/>
+            </a:solidFill>
+            <a:prstDash val="solid"/>
+            <a:round/>
+            <a:headEnd len="sm" w="sm" type="none"/>
+            <a:tailEnd len="sm" w="sm" type="none"/>
+          </a:ln>
+        </p:spPr>
+        <p:txBody>
+          <a:bodyPr anchorCtr="0" anchor="ctr" bIns="91425" lIns="91425" spcFirstLastPara="1" rIns="91425" wrap="square" tIns="91425">
+            <a:noAutofit/>
+          </a:bodyPr>
+          <a:lstStyle/>
+          <a:p>
+            <a:pPr indent="0" lvl="0" marL="0" rtl="0" algn="l">
+              <a:spcBef>
+                <a:spcPts val="0"/>
+              </a:spcBef>
+              <a:spcAft>
+                <a:spcPts val="0"/>
+              </a:spcAft>
+              <a:buNone/>
+            </a:pPr>
+            <a:r>
+              <a:rPr lang="en"/>
+              <a:t>Cups</a:t>
+            </a:r>
+            <a:endParaRPr/>
+          </a:p>
+        </p:txBody>
+      </p:sp>
+    </p:spTree>
+  </p:cSld>
+  <p:clrMapOvr>
+    <a:masterClrMapping/>
+  </p:clrMapOvr>
+</p:sld>
+</file>
+
+<file path=ppt/slides/slide32.xml><?xml version="1.0" encoding="utf-8"?>
+<p:sld xmlns:a="http://schemas.openxmlformats.org/drawingml/2006/main" xmlns:r="http://schemas.openxmlformats.org/officeDocument/2006/relationships" xmlns:mc="http://schemas.openxmlformats.org/markup-compatibility/2006" xmlns:mv="urn:schemas-microsoft-com:mac:vml" xmlns:p="http://schemas.openxmlformats.org/presentationml/2006/main" xmlns:c="http://schemas.openxmlformats.org/drawingml/2006/chart" xmlns:dgm="http://schemas.openxmlformats.org/drawingml/2006/diagram" xmlns:o="urn:schemas-microsoft-com:office:office" xmlns:v="urn:schemas-microsoft-com:vml" xmlns:pvml="urn:schemas-microsoft-com:office:powerpoint" xmlns:com="http://schemas.openxmlformats.org/drawingml/2006/compatibility" xmlns:p14="http://schemas.microsoft.com/office/powerpoint/2010/main" xmlns:p15="http://schemas.microsoft.com/office/powerpoint/2012/main" xmlns:ahyp="http://schemas.microsoft.com/office/drawing/2018/hyperlinkcolor">
+  <p:cSld>
+    <p:spTree>
+      <p:nvGrpSpPr>
+        <p:cNvPr id="241" name="Shape 241"/>
+        <p:cNvGrpSpPr/>
+        <p:nvPr/>
+      </p:nvGrpSpPr>
+      <p:grpSpPr>
+        <a:xfrm>
+          <a:off x="0" y="0"/>
+          <a:ext cx="0" cy="0"/>
+          <a:chOff x="0" y="0"/>
+          <a:chExt cx="0" cy="0"/>
+        </a:xfrm>
+      </p:grpSpPr>
+      <p:pic>
+        <p:nvPicPr>
+          <p:cNvPr id="242" name="Google Shape;242;p44"/>
+          <p:cNvPicPr preferRelativeResize="0"/>
+          <p:nvPr/>
+        </p:nvPicPr>
+        <p:blipFill>
+          <a:blip r:embed="rId3">
+            <a:alphaModFix/>
+          </a:blip>
+          <a:stretch>
+            <a:fillRect/>
+          </a:stretch>
+        </p:blipFill>
+        <p:spPr>
+          <a:xfrm>
+            <a:off x="1979075" y="152400"/>
+            <a:ext cx="4838700" cy="4838700"/>
+          </a:xfrm>
+          <a:prstGeom prst="rect">
+            <a:avLst/>
+          </a:prstGeom>
+          <a:noFill/>
+          <a:ln>
+            <a:noFill/>
+          </a:ln>
+        </p:spPr>
+      </p:pic>
+      <p:sp>
+        <p:nvSpPr>
+          <p:cNvPr id="243" name="Google Shape;243;p44"/>
+          <p:cNvSpPr/>
+          <p:nvPr/>
+        </p:nvSpPr>
+        <p:spPr>
+          <a:xfrm>
+            <a:off x="6970150" y="365325"/>
+            <a:ext cx="894000" cy="480600"/>
+          </a:xfrm>
+          <a:prstGeom prst="wedgeEllipseCallout">
+            <a:avLst>
+              <a:gd fmla="val -83707" name="adj1"/>
+              <a:gd fmla="val 6013" name="adj2"/>
+            </a:avLst>
+          </a:prstGeom>
+          <a:solidFill>
+            <a:schemeClr val="lt2"/>
+          </a:solidFill>
+          <a:ln cap="flat" cmpd="sng" w="9525">
+            <a:solidFill>
+              <a:schemeClr val="dk2"/>
+            </a:solidFill>
+            <a:prstDash val="solid"/>
+            <a:round/>
+            <a:headEnd len="sm" w="sm" type="none"/>
+            <a:tailEnd len="sm" w="sm" type="none"/>
+          </a:ln>
+        </p:spPr>
+        <p:txBody>
+          <a:bodyPr anchorCtr="0" anchor="ctr" bIns="91425" lIns="91425" spcFirstLastPara="1" rIns="91425" wrap="square" tIns="91425">
+            <a:noAutofit/>
+          </a:bodyPr>
+          <a:lstStyle/>
+          <a:p>
+            <a:pPr indent="0" lvl="0" marL="0" rtl="0" algn="l">
+              <a:spcBef>
+                <a:spcPts val="0"/>
+              </a:spcBef>
+              <a:spcAft>
+                <a:spcPts val="0"/>
+              </a:spcAft>
+              <a:buNone/>
+            </a:pPr>
+            <a:r>
+              <a:rPr lang="en" sz="1000"/>
+              <a:t>Circular Saw</a:t>
+            </a:r>
+            <a:endParaRPr sz="1000"/>
+          </a:p>
+        </p:txBody>
+      </p:sp>
+      <p:sp>
+        <p:nvSpPr>
+          <p:cNvPr id="244" name="Google Shape;244;p44"/>
+          <p:cNvSpPr/>
+          <p:nvPr/>
+        </p:nvSpPr>
+        <p:spPr>
+          <a:xfrm>
+            <a:off x="4259000" y="2749600"/>
+            <a:ext cx="894000" cy="375000"/>
+          </a:xfrm>
+          <a:prstGeom prst="wedgeEllipseCallout">
+            <a:avLst>
+              <a:gd fmla="val -9133" name="adj1"/>
+              <a:gd fmla="val -124347" name="adj2"/>
+            </a:avLst>
+          </a:prstGeom>
+          <a:solidFill>
+            <a:schemeClr val="lt2"/>
+          </a:solidFill>
+          <a:ln cap="flat" cmpd="sng" w="9525">
+            <a:solidFill>
+              <a:schemeClr val="dk2"/>
+            </a:solidFill>
+            <a:prstDash val="solid"/>
+            <a:round/>
+            <a:headEnd len="sm" w="sm" type="none"/>
+            <a:tailEnd len="sm" w="sm" type="none"/>
+          </a:ln>
+        </p:spPr>
+        <p:txBody>
+          <a:bodyPr anchorCtr="0" anchor="ctr" bIns="91425" lIns="91425" spcFirstLastPara="1" rIns="91425" wrap="square" tIns="91425">
+            <a:noAutofit/>
+          </a:bodyPr>
+          <a:lstStyle/>
+          <a:p>
+            <a:pPr indent="0" lvl="0" marL="0" rtl="0" algn="l">
+              <a:spcBef>
+                <a:spcPts val="0"/>
+              </a:spcBef>
+              <a:spcAft>
+                <a:spcPts val="0"/>
+              </a:spcAft>
+              <a:buNone/>
+            </a:pPr>
+            <a:r>
+              <a:rPr lang="en" sz="1000"/>
+              <a:t>Power Drill</a:t>
+            </a:r>
+            <a:endParaRPr sz="1000"/>
+          </a:p>
+        </p:txBody>
+      </p:sp>
+      <p:sp>
+        <p:nvSpPr>
+          <p:cNvPr id="245" name="Google Shape;245;p44"/>
+          <p:cNvSpPr/>
+          <p:nvPr/>
+        </p:nvSpPr>
+        <p:spPr>
+          <a:xfrm>
+            <a:off x="2163150" y="576850"/>
+            <a:ext cx="807600" cy="375000"/>
+          </a:xfrm>
+          <a:prstGeom prst="wedgeEllipseCallout">
+            <a:avLst>
+              <a:gd fmla="val 123805" name="adj1"/>
+              <a:gd fmla="val 91000" name="adj2"/>
+            </a:avLst>
+          </a:prstGeom>
+          <a:solidFill>
+            <a:schemeClr val="lt2"/>
+          </a:solidFill>
+          <a:ln cap="flat" cmpd="sng" w="9525">
+            <a:solidFill>
+              <a:schemeClr val="dk2"/>
+            </a:solidFill>
+            <a:prstDash val="solid"/>
+            <a:round/>
+            <a:headEnd len="sm" w="sm" type="none"/>
+            <a:tailEnd len="sm" w="sm" type="none"/>
+          </a:ln>
+        </p:spPr>
+        <p:txBody>
+          <a:bodyPr anchorCtr="0" anchor="ctr" bIns="91425" lIns="91425" spcFirstLastPara="1" rIns="91425" wrap="square" tIns="91425">
+            <a:noAutofit/>
+          </a:bodyPr>
+          <a:lstStyle/>
+          <a:p>
+            <a:pPr indent="0" lvl="0" marL="0" rtl="0" algn="l">
+              <a:spcBef>
+                <a:spcPts val="0"/>
+              </a:spcBef>
+              <a:spcAft>
+                <a:spcPts val="0"/>
+              </a:spcAft>
+              <a:buNone/>
+            </a:pPr>
+            <a:r>
+              <a:rPr lang="en" sz="1000"/>
+              <a:t>Screw Clamp</a:t>
+            </a:r>
+            <a:endParaRPr sz="1000"/>
+          </a:p>
+        </p:txBody>
+      </p:sp>
+      <p:sp>
+        <p:nvSpPr>
+          <p:cNvPr id="246" name="Google Shape;246;p44"/>
+          <p:cNvSpPr/>
+          <p:nvPr/>
+        </p:nvSpPr>
+        <p:spPr>
+          <a:xfrm>
+            <a:off x="6133750" y="1442100"/>
+            <a:ext cx="990300" cy="375000"/>
+          </a:xfrm>
+          <a:prstGeom prst="wedgeEllipseCallout">
+            <a:avLst>
+              <a:gd fmla="val -79035" name="adj1"/>
+              <a:gd fmla="val 14093" name="adj2"/>
+            </a:avLst>
+          </a:prstGeom>
+          <a:solidFill>
+            <a:schemeClr val="lt2"/>
+          </a:solidFill>
+          <a:ln cap="flat" cmpd="sng" w="9525">
+            <a:solidFill>
+              <a:schemeClr val="dk2"/>
+            </a:solidFill>
+            <a:prstDash val="solid"/>
+            <a:round/>
+            <a:headEnd len="sm" w="sm" type="none"/>
+            <a:tailEnd len="sm" w="sm" type="none"/>
+          </a:ln>
+        </p:spPr>
+        <p:txBody>
+          <a:bodyPr anchorCtr="0" anchor="ctr" bIns="91425" lIns="91425" spcFirstLastPara="1" rIns="91425" wrap="square" tIns="91425">
+            <a:noAutofit/>
+          </a:bodyPr>
+          <a:lstStyle/>
+          <a:p>
+            <a:pPr indent="0" lvl="0" marL="0" rtl="0" algn="l">
+              <a:spcBef>
+                <a:spcPts val="0"/>
+              </a:spcBef>
+              <a:spcAft>
+                <a:spcPts val="0"/>
+              </a:spcAft>
+              <a:buNone/>
+            </a:pPr>
+            <a:r>
+              <a:rPr lang="en" sz="1000"/>
+              <a:t>Screw drivers</a:t>
+            </a:r>
+            <a:endParaRPr sz="1000"/>
+          </a:p>
+        </p:txBody>
+      </p:sp>
+    </p:spTree>
+  </p:cSld>
+  <p:clrMapOvr>
+    <a:masterClrMapping/>
+  </p:clrMapOvr>
+</p:sld>
+</file>
+
+<file path=ppt/slides/slide33.xml><?xml version="1.0" encoding="utf-8"?>
+<p:sld xmlns:a="http://schemas.openxmlformats.org/drawingml/2006/main" xmlns:r="http://schemas.openxmlformats.org/officeDocument/2006/relationships" xmlns:mc="http://schemas.openxmlformats.org/markup-compatibility/2006" xmlns:mv="urn:schemas-microsoft-com:mac:vml" xmlns:p="http://schemas.openxmlformats.org/presentationml/2006/main" xmlns:c="http://schemas.openxmlformats.org/drawingml/2006/chart" xmlns:dgm="http://schemas.openxmlformats.org/drawingml/2006/diagram" xmlns:o="urn:schemas-microsoft-com:office:office" xmlns:v="urn:schemas-microsoft-com:vml" xmlns:pvml="urn:schemas-microsoft-com:office:powerpoint" xmlns:com="http://schemas.openxmlformats.org/drawingml/2006/compatibility" xmlns:p14="http://schemas.microsoft.com/office/powerpoint/2010/main" xmlns:p15="http://schemas.microsoft.com/office/powerpoint/2012/main" xmlns:ahyp="http://schemas.microsoft.com/office/drawing/2018/hyperlinkcolor">
+  <p:cSld>
+    <p:spTree>
+      <p:nvGrpSpPr>
+        <p:cNvPr id="250" name="Shape 250"/>
+        <p:cNvGrpSpPr/>
+        <p:nvPr/>
+      </p:nvGrpSpPr>
+      <p:grpSpPr>
+        <a:xfrm>
+          <a:off x="0" y="0"/>
+          <a:ext cx="0" cy="0"/>
+          <a:chOff x="0" y="0"/>
+          <a:chExt cx="0" cy="0"/>
+        </a:xfrm>
+      </p:grpSpPr>
+      <p:pic>
+        <p:nvPicPr>
+          <p:cNvPr id="251" name="Google Shape;251;p45"/>
+          <p:cNvPicPr preferRelativeResize="0"/>
+          <p:nvPr/>
+        </p:nvPicPr>
+        <p:blipFill>
+          <a:blip r:embed="rId3">
+            <a:alphaModFix/>
+          </a:blip>
+          <a:stretch>
+            <a:fillRect/>
+          </a:stretch>
+        </p:blipFill>
+        <p:spPr>
+          <a:xfrm>
+            <a:off x="570337" y="0"/>
+            <a:ext cx="7704837" cy="5143500"/>
+          </a:xfrm>
+          <a:prstGeom prst="rect">
+            <a:avLst/>
+          </a:prstGeom>
+          <a:noFill/>
+          <a:ln>
+            <a:noFill/>
+          </a:ln>
+        </p:spPr>
+      </p:pic>
+    </p:spTree>
+  </p:cSld>
+  <p:clrMapOvr>
+    <a:masterClrMapping/>
+  </p:clrMapOvr>
+</p:sld>
+</file>
+
+<file path=ppt/slides/slide34.xml><?xml version="1.0" encoding="utf-8"?>
+<p:sld xmlns:a="http://schemas.openxmlformats.org/drawingml/2006/main" xmlns:r="http://schemas.openxmlformats.org/officeDocument/2006/relationships" xmlns:mc="http://schemas.openxmlformats.org/markup-compatibility/2006" xmlns:mv="urn:schemas-microsoft-com:mac:vml" xmlns:p="http://schemas.openxmlformats.org/presentationml/2006/main" xmlns:c="http://schemas.openxmlformats.org/drawingml/2006/chart" xmlns:dgm="http://schemas.openxmlformats.org/drawingml/2006/diagram" xmlns:o="urn:schemas-microsoft-com:office:office" xmlns:v="urn:schemas-microsoft-com:vml" xmlns:pvml="urn:schemas-microsoft-com:office:powerpoint" xmlns:com="http://schemas.openxmlformats.org/drawingml/2006/compatibility" xmlns:p14="http://schemas.microsoft.com/office/powerpoint/2010/main" xmlns:p15="http://schemas.microsoft.com/office/powerpoint/2012/main" xmlns:ahyp="http://schemas.microsoft.com/office/drawing/2018/hyperlinkcolor">
+  <p:cSld>
+    <p:spTree>
+      <p:nvGrpSpPr>
+        <p:cNvPr id="255" name="Shape 255"/>
+        <p:cNvGrpSpPr/>
+        <p:nvPr/>
+      </p:nvGrpSpPr>
+      <p:grpSpPr>
+        <a:xfrm>
+          <a:off x="0" y="0"/>
+          <a:ext cx="0" cy="0"/>
+          <a:chOff x="0" y="0"/>
+          <a:chExt cx="0" cy="0"/>
+        </a:xfrm>
+      </p:grpSpPr>
+      <p:sp>
+        <p:nvSpPr>
+          <p:cNvPr id="256" name="Google Shape;256;p46"/>
+          <p:cNvSpPr txBox="1"/>
+          <p:nvPr>
+            <p:ph type="title"/>
+          </p:nvPr>
+        </p:nvSpPr>
+        <p:spPr>
+          <a:xfrm>
+            <a:off x="311700" y="1293600"/>
+            <a:ext cx="8520600" cy="841800"/>
+          </a:xfrm>
+          <a:prstGeom prst="rect">
+            <a:avLst/>
+          </a:prstGeom>
+        </p:spPr>
+        <p:txBody>
+          <a:bodyPr anchorCtr="0" anchor="ctr" bIns="91425" lIns="91425" spcFirstLastPara="1" rIns="91425" wrap="square" tIns="91425">
+            <a:normAutofit/>
+          </a:bodyPr>
+          <a:lstStyle/>
+          <a:p>
+            <a:pPr indent="0" lvl="0" marL="0" rtl="0" algn="ctr">
+              <a:spcBef>
+                <a:spcPts val="0"/>
+              </a:spcBef>
+              <a:spcAft>
+                <a:spcPts val="0"/>
+              </a:spcAft>
+              <a:buNone/>
+            </a:pPr>
+            <a:r>
+              <a:rPr lang="en"/>
+              <a:t>https://knowledge.cloudmatica.com</a:t>
+            </a:r>
+            <a:endParaRPr/>
+          </a:p>
+        </p:txBody>
+      </p:sp>
+      <p:sp>
+        <p:nvSpPr>
+          <p:cNvPr id="257" name="Google Shape;257;p46"/>
+          <p:cNvSpPr txBox="1"/>
+          <p:nvPr>
+            <p:ph type="title"/>
+          </p:nvPr>
+        </p:nvSpPr>
+        <p:spPr>
+          <a:xfrm>
+            <a:off x="311700" y="3570075"/>
+            <a:ext cx="8520600" cy="841800"/>
+          </a:xfrm>
+          <a:prstGeom prst="rect">
+            <a:avLst/>
+          </a:prstGeom>
+        </p:spPr>
+        <p:txBody>
+          <a:bodyPr anchorCtr="0" anchor="ctr" bIns="91425" lIns="91425" spcFirstLastPara="1" rIns="91425" wrap="square" tIns="91425">
+            <a:normAutofit/>
+          </a:bodyPr>
+          <a:lstStyle/>
+          <a:p>
+            <a:pPr indent="0" lvl="0" marL="0" rtl="0" algn="ctr">
+              <a:spcBef>
+                <a:spcPts val="0"/>
+              </a:spcBef>
+              <a:spcAft>
+                <a:spcPts val="0"/>
+              </a:spcAft>
+              <a:buNone/>
+            </a:pPr>
+            <a:r>
+              <a:rPr lang="en"/>
+              <a:t>https://github.com/vbalasu/knowledge</a:t>
+            </a:r>
+            <a:endParaRPr/>
+          </a:p>
+        </p:txBody>
+      </p:sp>
+      <p:sp>
+        <p:nvSpPr>
+          <p:cNvPr id="258" name="Google Shape;258;p46"/>
+          <p:cNvSpPr/>
+          <p:nvPr/>
+        </p:nvSpPr>
+        <p:spPr>
+          <a:xfrm>
+            <a:off x="5534025" y="133350"/>
+            <a:ext cx="2085900" cy="942900"/>
+          </a:xfrm>
+          <a:prstGeom prst="wedgeEllipseCallout">
+            <a:avLst>
+              <a:gd fmla="val -67460" name="adj1"/>
+              <a:gd fmla="val 89405" name="adj2"/>
+            </a:avLst>
+          </a:prstGeom>
+          <a:solidFill>
+            <a:schemeClr val="accent6"/>
+          </a:solidFill>
+          <a:ln cap="flat" cmpd="sng" w="9525">
+            <a:solidFill>
+              <a:schemeClr val="dk2"/>
+            </a:solidFill>
+            <a:prstDash val="solid"/>
+            <a:round/>
+            <a:headEnd len="sm" w="sm" type="none"/>
+            <a:tailEnd len="sm" w="sm" type="none"/>
+          </a:ln>
+        </p:spPr>
+        <p:txBody>
+          <a:bodyPr anchorCtr="0" anchor="ctr" bIns="91425" lIns="91425" spcFirstLastPara="1" rIns="91425" wrap="square" tIns="91425">
+            <a:noAutofit/>
+          </a:bodyPr>
+          <a:lstStyle/>
+          <a:p>
+            <a:pPr indent="0" lvl="0" marL="0" rtl="0" algn="l">
+              <a:spcBef>
+                <a:spcPts val="0"/>
+              </a:spcBef>
+              <a:spcAft>
+                <a:spcPts val="0"/>
+              </a:spcAft>
+              <a:buNone/>
+            </a:pPr>
+            <a:r>
+              <a:rPr lang="en" sz="2000"/>
+              <a:t>Working Prototype!</a:t>
+            </a:r>
+            <a:endParaRPr sz="2000"/>
+          </a:p>
+        </p:txBody>
+      </p:sp>
+      <p:sp>
+        <p:nvSpPr>
+          <p:cNvPr id="259" name="Google Shape;259;p46"/>
+          <p:cNvSpPr/>
+          <p:nvPr/>
+        </p:nvSpPr>
+        <p:spPr>
+          <a:xfrm>
+            <a:off x="2314575" y="2571750"/>
+            <a:ext cx="1495500" cy="733500"/>
+          </a:xfrm>
+          <a:prstGeom prst="wedgeEllipseCallout">
+            <a:avLst>
+              <a:gd fmla="val 70957" name="adj1"/>
+              <a:gd fmla="val 115278" name="adj2"/>
+            </a:avLst>
+          </a:prstGeom>
+          <a:solidFill>
+            <a:schemeClr val="accent6"/>
+          </a:solidFill>
+          <a:ln cap="flat" cmpd="sng" w="9525">
+            <a:solidFill>
+              <a:schemeClr val="dk2"/>
+            </a:solidFill>
+            <a:prstDash val="solid"/>
+            <a:round/>
+            <a:headEnd len="sm" w="sm" type="none"/>
+            <a:tailEnd len="sm" w="sm" type="none"/>
+          </a:ln>
+        </p:spPr>
+        <p:txBody>
+          <a:bodyPr anchorCtr="0" anchor="ctr" bIns="91425" lIns="91425" spcFirstLastPara="1" rIns="91425" wrap="square" tIns="91425">
+            <a:noAutofit/>
+          </a:bodyPr>
+          <a:lstStyle/>
+          <a:p>
+            <a:pPr indent="0" lvl="0" marL="0" rtl="0" algn="l">
+              <a:spcBef>
+                <a:spcPts val="0"/>
+              </a:spcBef>
+              <a:spcAft>
+                <a:spcPts val="0"/>
+              </a:spcAft>
+              <a:buNone/>
+            </a:pPr>
+            <a:r>
+              <a:rPr lang="en" sz="2000"/>
+              <a:t>Source Code</a:t>
+            </a:r>
+            <a:endParaRPr sz="2000"/>
+          </a:p>
+        </p:txBody>
+      </p:sp>
+    </p:spTree>
+  </p:cSld>
+  <p:clrMapOvr>
+    <a:masterClrMapping/>
+  </p:clrMapOvr>
+</p:sld>
+</file>
+
+<file path=ppt/slides/slide35.xml><?xml version="1.0" encoding="utf-8"?>
+<p:sld xmlns:a="http://schemas.openxmlformats.org/drawingml/2006/main" xmlns:r="http://schemas.openxmlformats.org/officeDocument/2006/relationships" xmlns:mc="http://schemas.openxmlformats.org/markup-compatibility/2006" xmlns:mv="urn:schemas-microsoft-com:mac:vml" xmlns:p="http://schemas.openxmlformats.org/presentationml/2006/main" xmlns:c="http://schemas.openxmlformats.org/drawingml/2006/chart" xmlns:dgm="http://schemas.openxmlformats.org/drawingml/2006/diagram" xmlns:o="urn:schemas-microsoft-com:office:office" xmlns:v="urn:schemas-microsoft-com:vml" xmlns:pvml="urn:schemas-microsoft-com:office:powerpoint" xmlns:com="http://schemas.openxmlformats.org/drawingml/2006/compatibility" xmlns:p14="http://schemas.microsoft.com/office/powerpoint/2010/main" xmlns:p15="http://schemas.microsoft.com/office/powerpoint/2012/main" xmlns:ahyp="http://schemas.microsoft.com/office/drawing/2018/hyperlinkcolor">
+  <p:cSld>
+    <p:spTree>
+      <p:nvGrpSpPr>
+        <p:cNvPr id="263" name="Shape 263"/>
+        <p:cNvGrpSpPr/>
+        <p:nvPr/>
+      </p:nvGrpSpPr>
+      <p:grpSpPr>
+        <a:xfrm>
+          <a:off x="0" y="0"/>
+          <a:ext cx="0" cy="0"/>
+          <a:chOff x="0" y="0"/>
+          <a:chExt cx="0" cy="0"/>
+        </a:xfrm>
+      </p:grpSpPr>
+      <p:sp>
+        <p:nvSpPr>
+          <p:cNvPr id="264" name="Google Shape;264;p47"/>
+          <p:cNvSpPr txBox="1"/>
+          <p:nvPr>
+            <p:ph type="title"/>
+          </p:nvPr>
+        </p:nvSpPr>
+        <p:spPr>
+          <a:xfrm>
+            <a:off x="311700" y="2150850"/>
+            <a:ext cx="8520600" cy="841800"/>
+          </a:xfrm>
+          <a:prstGeom prst="rect">
+            <a:avLst/>
+          </a:prstGeom>
+        </p:spPr>
+        <p:txBody>
+          <a:bodyPr anchorCtr="0" anchor="ctr" bIns="91425" lIns="91425" spcFirstLastPara="1" rIns="91425" wrap="square" tIns="91425">
+            <a:noAutofit/>
+          </a:bodyPr>
+          <a:lstStyle/>
+          <a:p>
+            <a:pPr indent="0" lvl="0" marL="0" rtl="0" algn="ctr">
+              <a:spcBef>
+                <a:spcPts val="0"/>
+              </a:spcBef>
+              <a:spcAft>
+                <a:spcPts val="0"/>
+              </a:spcAft>
+              <a:buNone/>
+            </a:pPr>
+            <a:r>
+              <a:rPr b="1" lang="en" sz="6000">
+                <a:solidFill>
+                  <a:srgbClr val="46535E"/>
+                </a:solidFill>
+                <a:highlight>
+                  <a:srgbClr val="FFFFFF"/>
+                </a:highlight>
+              </a:rPr>
+              <a:t>Thank you!</a:t>
+            </a:r>
+            <a:endParaRPr sz="6000"/>
+          </a:p>
+        </p:txBody>
+      </p:sp>
+    </p:spTree>
+  </p:cSld>
+  <p:clrMapOvr>
+    <a:masterClrMapping/>
+  </p:clrMapOvr>
+</p:sld>
+</file>
+
+<file path=ppt/slides/slide4.xml><?xml version="1.0" encoding="utf-8"?>
+<p:sld xmlns:a="http://schemas.openxmlformats.org/drawingml/2006/main" xmlns:r="http://schemas.openxmlformats.org/officeDocument/2006/relationships" xmlns:mc="http://schemas.openxmlformats.org/markup-compatibility/2006" xmlns:mv="urn:schemas-microsoft-com:mac:vml" xmlns:p="http://schemas.openxmlformats.org/presentationml/2006/main" xmlns:c="http://schemas.openxmlformats.org/drawingml/2006/chart" xmlns:dgm="http://schemas.openxmlformats.org/drawingml/2006/diagram" xmlns:o="urn:schemas-microsoft-com:office:office" xmlns:v="urn:schemas-microsoft-com:vml" xmlns:pvml="urn:schemas-microsoft-com:office:powerpoint" xmlns:com="http://schemas.openxmlformats.org/drawingml/2006/compatibility" xmlns:p14="http://schemas.microsoft.com/office/powerpoint/2010/main" xmlns:p15="http://schemas.microsoft.com/office/powerpoint/2012/main" xmlns:ahyp="http://schemas.microsoft.com/office/drawing/2018/hyperlinkcolor">
+  <p:cSld>
+    <p:spTree>
+      <p:nvGrpSpPr>
+        <p:cNvPr id="72" name="Shape 72"/>
+        <p:cNvGrpSpPr/>
+        <p:nvPr/>
+      </p:nvGrpSpPr>
+      <p:grpSpPr>
+        <a:xfrm>
+          <a:off x="0" y="0"/>
+          <a:ext cx="0" cy="0"/>
+          <a:chOff x="0" y="0"/>
+          <a:chExt cx="0" cy="0"/>
+        </a:xfrm>
+      </p:grpSpPr>
+      <p:sp>
+        <p:nvSpPr>
+          <p:cNvPr id="73" name="Google Shape;73;p16"/>
+          <p:cNvSpPr txBox="1"/>
+          <p:nvPr>
+            <p:ph type="title"/>
+          </p:nvPr>
+        </p:nvSpPr>
+        <p:spPr>
+          <a:xfrm>
+            <a:off x="311700" y="445025"/>
+            <a:ext cx="8520600" cy="572700"/>
+          </a:xfrm>
+          <a:prstGeom prst="rect">
+            <a:avLst/>
+          </a:prstGeom>
+        </p:spPr>
+        <p:txBody>
+          <a:bodyPr anchorCtr="0" anchor="t" bIns="91425" lIns="91425" spcFirstLastPara="1" rIns="91425" wrap="square" tIns="91425">
+            <a:normAutofit fontScale="90000"/>
+          </a:bodyPr>
+          <a:lstStyle/>
+          <a:p>
+            <a:pPr indent="0" lvl="0" marL="0" rtl="0" algn="l">
+              <a:spcBef>
+                <a:spcPts val="0"/>
+              </a:spcBef>
+              <a:spcAft>
+                <a:spcPts val="0"/>
+              </a:spcAft>
+              <a:buNone/>
+            </a:pPr>
+            <a:r>
+              <a:rPr lang="en"/>
+              <a:t>Solution Overview</a:t>
+            </a:r>
+            <a:endParaRPr/>
+          </a:p>
+        </p:txBody>
+      </p:sp>
+      <p:sp>
+        <p:nvSpPr>
+          <p:cNvPr id="74" name="Google Shape;74;p16"/>
+          <p:cNvSpPr txBox="1"/>
+          <p:nvPr>
+            <p:ph idx="1" type="body"/>
+          </p:nvPr>
+        </p:nvSpPr>
+        <p:spPr>
+          <a:xfrm>
+            <a:off x="311700" y="1152475"/>
+            <a:ext cx="6146700" cy="3416400"/>
+          </a:xfrm>
+          <a:prstGeom prst="rect">
+            <a:avLst/>
+          </a:prstGeom>
+        </p:spPr>
+        <p:txBody>
+          <a:bodyPr anchorCtr="0" anchor="t" bIns="91425" lIns="91425" spcFirstLastPara="1" rIns="91425" wrap="square" tIns="91425">
+            <a:normAutofit fontScale="77500" lnSpcReduction="10000"/>
+          </a:bodyPr>
+          <a:lstStyle/>
+          <a:p>
+            <a:pPr indent="0" lvl="0" marL="0" rtl="0" algn="l">
+              <a:spcBef>
+                <a:spcPts val="0"/>
+              </a:spcBef>
+              <a:spcAft>
+                <a:spcPts val="0"/>
+              </a:spcAft>
+              <a:buClr>
+                <a:schemeClr val="dk1"/>
+              </a:buClr>
+              <a:buSzPct val="61111"/>
+              <a:buFont typeface="Arial"/>
+              <a:buNone/>
+            </a:pPr>
+            <a:r>
+              <a:rPr lang="en"/>
+              <a:t>The Knowledge Nuggets system is designed to capture the experience of people who already know how to be productive with the environment/tools, and pass on this knowledge to others to help them accomplish their tasks.</a:t>
+            </a:r>
+            <a:endParaRPr/>
+          </a:p>
+          <a:p>
+            <a:pPr indent="0" lvl="0" marL="0" rtl="0" algn="l">
+              <a:spcBef>
+                <a:spcPts val="1200"/>
+              </a:spcBef>
+              <a:spcAft>
+                <a:spcPts val="0"/>
+              </a:spcAft>
+              <a:buClr>
+                <a:schemeClr val="dk1"/>
+              </a:buClr>
+              <a:buSzPct val="61111"/>
+              <a:buFont typeface="Arial"/>
+              <a:buNone/>
+            </a:pPr>
+            <a:r>
+              <a:rPr lang="en"/>
+              <a:t>The system uses stickers with QR codes to uniquely identify items and associate them with the appropriate knowledge nugget. The system includes an approval process to ensure the quality of information entered.</a:t>
+            </a:r>
+            <a:endParaRPr/>
+          </a:p>
+          <a:p>
+            <a:pPr indent="0" lvl="0" marL="0" rtl="0" algn="l">
+              <a:spcBef>
+                <a:spcPts val="1200"/>
+              </a:spcBef>
+              <a:spcAft>
+                <a:spcPts val="0"/>
+              </a:spcAft>
+              <a:buClr>
+                <a:schemeClr val="dk1"/>
+              </a:buClr>
+              <a:buSzPct val="61111"/>
+              <a:buFont typeface="Arial"/>
+              <a:buNone/>
+            </a:pPr>
+            <a:r>
+              <a:rPr lang="en"/>
+              <a:t>By facilitating the easy retrieval of relevant information, the system helps the user successfully complete their intended task. Beyond the completion of the immediate task, the system also provides opportunities and incentives to gain proficiency and become certified, and thereby unlock rewards and additional access.</a:t>
+            </a:r>
+            <a:endParaRPr/>
+          </a:p>
+          <a:p>
+            <a:pPr indent="0" lvl="0" marL="0" rtl="0" algn="l">
+              <a:spcBef>
+                <a:spcPts val="1200"/>
+              </a:spcBef>
+              <a:spcAft>
+                <a:spcPts val="1200"/>
+              </a:spcAft>
+              <a:buNone/>
+            </a:pPr>
+            <a:r>
+              <a:t/>
+            </a:r>
+            <a:endParaRPr/>
+          </a:p>
+        </p:txBody>
+      </p:sp>
+      <p:pic>
+        <p:nvPicPr>
+          <p:cNvPr id="75" name="Google Shape;75;p16"/>
+          <p:cNvPicPr preferRelativeResize="0"/>
+          <p:nvPr/>
+        </p:nvPicPr>
+        <p:blipFill>
+          <a:blip r:embed="rId3">
+            <a:alphaModFix/>
+          </a:blip>
+          <a:stretch>
+            <a:fillRect/>
+          </a:stretch>
+        </p:blipFill>
+        <p:spPr>
+          <a:xfrm>
+            <a:off x="7221150" y="1203425"/>
+            <a:ext cx="1261500" cy="1315625"/>
+          </a:xfrm>
+          <a:prstGeom prst="rect">
+            <a:avLst/>
+          </a:prstGeom>
+          <a:noFill/>
+          <a:ln>
+            <a:noFill/>
+          </a:ln>
+        </p:spPr>
+      </p:pic>
+      <p:pic>
+        <p:nvPicPr>
+          <p:cNvPr id="76" name="Google Shape;76;p16"/>
+          <p:cNvPicPr preferRelativeResize="0"/>
+          <p:nvPr/>
+        </p:nvPicPr>
+        <p:blipFill>
+          <a:blip r:embed="rId4">
+            <a:alphaModFix/>
+          </a:blip>
+          <a:stretch>
+            <a:fillRect/>
+          </a:stretch>
+        </p:blipFill>
+        <p:spPr>
+          <a:xfrm>
+            <a:off x="7118475" y="2760225"/>
+            <a:ext cx="1466850" cy="1733550"/>
+          </a:xfrm>
+          <a:prstGeom prst="rect">
+            <a:avLst/>
+          </a:prstGeom>
+          <a:noFill/>
+          <a:ln>
+            <a:noFill/>
+          </a:ln>
+        </p:spPr>
+      </p:pic>
+    </p:spTree>
+  </p:cSld>
+  <p:clrMapOvr>
+    <a:masterClrMapping/>
+  </p:clrMapOvr>
+</p:sld>
+</file>
+
+<file path=ppt/slides/slide5.xml><?xml version="1.0" encoding="utf-8"?>
+<p:sld xmlns:a="http://schemas.openxmlformats.org/drawingml/2006/main" xmlns:r="http://schemas.openxmlformats.org/officeDocument/2006/relationships" xmlns:mc="http://schemas.openxmlformats.org/markup-compatibility/2006" xmlns:mv="urn:schemas-microsoft-com:mac:vml" xmlns:p="http://schemas.openxmlformats.org/presentationml/2006/main" xmlns:c="http://schemas.openxmlformats.org/drawingml/2006/chart" xmlns:dgm="http://schemas.openxmlformats.org/drawingml/2006/diagram" xmlns:o="urn:schemas-microsoft-com:office:office" xmlns:v="urn:schemas-microsoft-com:vml" xmlns:pvml="urn:schemas-microsoft-com:office:powerpoint" xmlns:com="http://schemas.openxmlformats.org/drawingml/2006/compatibility" xmlns:p14="http://schemas.microsoft.com/office/powerpoint/2010/main" xmlns:p15="http://schemas.microsoft.com/office/powerpoint/2012/main" xmlns:ahyp="http://schemas.microsoft.com/office/drawing/2018/hyperlinkcolor">
+  <p:cSld>
+    <p:spTree>
+      <p:nvGrpSpPr>
+        <p:cNvPr id="80" name="Shape 80"/>
+        <p:cNvGrpSpPr/>
+        <p:nvPr/>
+      </p:nvGrpSpPr>
+      <p:grpSpPr>
+        <a:xfrm>
+          <a:off x="0" y="0"/>
+          <a:ext cx="0" cy="0"/>
+          <a:chOff x="0" y="0"/>
+          <a:chExt cx="0" cy="0"/>
+        </a:xfrm>
+      </p:grpSpPr>
+      <p:sp>
+        <p:nvSpPr>
+          <p:cNvPr id="81" name="Google Shape;81;p17"/>
           <p:cNvSpPr txBox="1"/>
           <p:nvPr>
             <p:ph type="title"/>
@@ -8834,7 +13460,7 @@
       </p:sp>
       <p:sp>
         <p:nvSpPr>
-          <p:cNvPr id="67" name="Google Shape;67;p15"/>
+          <p:cNvPr id="82" name="Google Shape;82;p17"/>
           <p:cNvSpPr txBox="1"/>
           <p:nvPr>
             <p:ph idx="1" type="body"/>
@@ -8842,8 +13468,8 @@
         </p:nvSpPr>
         <p:spPr>
           <a:xfrm>
-            <a:off x="311700" y="1152475"/>
-            <a:ext cx="8520600" cy="3416400"/>
+            <a:off x="311700" y="1714500"/>
+            <a:ext cx="8520600" cy="2854500"/>
           </a:xfrm>
           <a:prstGeom prst="rect">
             <a:avLst/>
@@ -8961,56 +13587,16 @@
           </a:p>
         </p:txBody>
       </p:sp>
-    </p:spTree>
-  </p:cSld>
-  <p:clrMapOvr>
-    <a:masterClrMapping/>
-  </p:clrMapOvr>
-</p:sld>
-</file>
-
-<file path=ppt/slides/slide4.xml><?xml version="1.0" encoding="utf-8"?>
-<p:sld xmlns:a="http://schemas.openxmlformats.org/drawingml/2006/main" xmlns:r="http://schemas.openxmlformats.org/officeDocument/2006/relationships" xmlns:mc="http://schemas.openxmlformats.org/markup-compatibility/2006" xmlns:mv="urn:schemas-microsoft-com:mac:vml" xmlns:p="http://schemas.openxmlformats.org/presentationml/2006/main" xmlns:c="http://schemas.openxmlformats.org/drawingml/2006/chart" xmlns:dgm="http://schemas.openxmlformats.org/drawingml/2006/diagram" xmlns:o="urn:schemas-microsoft-com:office:office" xmlns:v="urn:schemas-microsoft-com:vml" xmlns:pvml="urn:schemas-microsoft-com:office:powerpoint" xmlns:com="http://schemas.openxmlformats.org/drawingml/2006/compatibility" xmlns:p14="http://schemas.microsoft.com/office/powerpoint/2010/main" xmlns:p15="http://schemas.microsoft.com/office/powerpoint/2012/main" xmlns:ahyp="http://schemas.microsoft.com/office/drawing/2018/hyperlinkcolor">
-  <p:cSld>
-    <p:bg>
-      <p:bgPr>
-        <a:solidFill>
-          <a:schemeClr val="lt1"/>
-        </a:solidFill>
-      </p:bgPr>
-    </p:bg>
-    <p:spTree>
-      <p:nvGrpSpPr>
-        <p:cNvPr id="71" name="Shape 71"/>
-        <p:cNvGrpSpPr/>
-        <p:nvPr/>
-      </p:nvGrpSpPr>
-      <p:grpSpPr>
-        <a:xfrm>
-          <a:off x="0" y="0"/>
-          <a:ext cx="0" cy="0"/>
-          <a:chOff x="0" y="0"/>
-          <a:chExt cx="0" cy="0"/>
-        </a:xfrm>
-      </p:grpSpPr>
-      <p:pic>
-        <p:nvPicPr>
-          <p:cNvPr id="72" name="Google Shape;72;p16"/>
-          <p:cNvPicPr preferRelativeResize="0"/>
+      <p:sp>
+        <p:nvSpPr>
+          <p:cNvPr id="83" name="Google Shape;83;p17"/>
+          <p:cNvSpPr txBox="1"/>
           <p:nvPr/>
-        </p:nvPicPr>
-        <p:blipFill>
-          <a:blip r:embed="rId3">
-            <a:alphaModFix/>
-          </a:blip>
-          <a:stretch>
-            <a:fillRect/>
-          </a:stretch>
-        </p:blipFill>
-        <p:spPr>
-          <a:xfrm>
-            <a:off x="76200" y="457200"/>
-            <a:ext cx="8966198" cy="4278374"/>
+        </p:nvSpPr>
+        <p:spPr>
+          <a:xfrm>
+            <a:off x="314325" y="1171575"/>
+            <a:ext cx="8134500" cy="461700"/>
           </a:xfrm>
           <a:prstGeom prst="rect">
             <a:avLst/>
@@ -9020,52 +13606,9 @@
             <a:noFill/>
           </a:ln>
         </p:spPr>
-      </p:pic>
-    </p:spTree>
-  </p:cSld>
-  <p:clrMapOvr>
-    <a:masterClrMapping/>
-  </p:clrMapOvr>
-</p:sld>
-</file>
-
-<file path=ppt/slides/slide5.xml><?xml version="1.0" encoding="utf-8"?>
-<p:sld xmlns:a="http://schemas.openxmlformats.org/drawingml/2006/main" xmlns:r="http://schemas.openxmlformats.org/officeDocument/2006/relationships" xmlns:mc="http://schemas.openxmlformats.org/markup-compatibility/2006" xmlns:mv="urn:schemas-microsoft-com:mac:vml" xmlns:p="http://schemas.openxmlformats.org/presentationml/2006/main" xmlns:c="http://schemas.openxmlformats.org/drawingml/2006/chart" xmlns:dgm="http://schemas.openxmlformats.org/drawingml/2006/diagram" xmlns:o="urn:schemas-microsoft-com:office:office" xmlns:v="urn:schemas-microsoft-com:vml" xmlns:pvml="urn:schemas-microsoft-com:office:powerpoint" xmlns:com="http://schemas.openxmlformats.org/drawingml/2006/compatibility" xmlns:p14="http://schemas.microsoft.com/office/powerpoint/2010/main" xmlns:p15="http://schemas.microsoft.com/office/powerpoint/2012/main" xmlns:ahyp="http://schemas.microsoft.com/office/drawing/2018/hyperlinkcolor">
-  <p:cSld>
-    <p:spTree>
-      <p:nvGrpSpPr>
-        <p:cNvPr id="76" name="Shape 76"/>
-        <p:cNvGrpSpPr/>
-        <p:nvPr/>
-      </p:nvGrpSpPr>
-      <p:grpSpPr>
-        <a:xfrm>
-          <a:off x="0" y="0"/>
-          <a:ext cx="0" cy="0"/>
-          <a:chOff x="0" y="0"/>
-          <a:chExt cx="0" cy="0"/>
-        </a:xfrm>
-      </p:grpSpPr>
-      <p:sp>
-        <p:nvSpPr>
-          <p:cNvPr id="77" name="Google Shape;77;p17"/>
-          <p:cNvSpPr txBox="1"/>
-          <p:nvPr>
-            <p:ph type="title"/>
-          </p:nvPr>
-        </p:nvSpPr>
-        <p:spPr>
-          <a:xfrm>
-            <a:off x="311700" y="445025"/>
-            <a:ext cx="8520600" cy="572700"/>
-          </a:xfrm>
-          <a:prstGeom prst="rect">
-            <a:avLst/>
-          </a:prstGeom>
-        </p:spPr>
         <p:txBody>
           <a:bodyPr anchorCtr="0" anchor="t" bIns="91425" lIns="91425" spcFirstLastPara="1" rIns="91425" wrap="square" tIns="91425">
-            <a:normAutofit fontScale="90000"/>
+            <a:spAutoFit/>
           </a:bodyPr>
           <a:lstStyle/>
           <a:p>
@@ -9079,219 +13622,10 @@
               <a:buNone/>
             </a:pPr>
             <a:r>
-              <a:rPr lang="en"/>
-              <a:t>Capabilities</a:t>
+              <a:rPr lang="en" sz="1800"/>
+              <a:t>Use a human-centered design approach with the following goals:</a:t>
             </a:r>
-            <a:endParaRPr/>
-          </a:p>
-        </p:txBody>
-      </p:sp>
-      <p:sp>
-        <p:nvSpPr>
-          <p:cNvPr id="78" name="Google Shape;78;p17"/>
-          <p:cNvSpPr txBox="1"/>
-          <p:nvPr>
-            <p:ph idx="1" type="body"/>
-          </p:nvPr>
-        </p:nvSpPr>
-        <p:spPr>
-          <a:xfrm>
-            <a:off x="311700" y="1152475"/>
-            <a:ext cx="8520600" cy="3416400"/>
-          </a:xfrm>
-          <a:prstGeom prst="rect">
-            <a:avLst/>
-          </a:prstGeom>
-        </p:spPr>
-        <p:txBody>
-          <a:bodyPr anchorCtr="0" anchor="t" bIns="91425" lIns="91425" spcFirstLastPara="1" rIns="91425" wrap="square" tIns="91425">
-            <a:normAutofit fontScale="85000" lnSpcReduction="10000"/>
-          </a:bodyPr>
-          <a:lstStyle/>
-          <a:p>
-            <a:pPr indent="0" lvl="0" marL="0" rtl="0" algn="l">
-              <a:spcBef>
-                <a:spcPts val="0"/>
-              </a:spcBef>
-              <a:spcAft>
-                <a:spcPts val="0"/>
-              </a:spcAft>
-              <a:buNone/>
-            </a:pPr>
-            <a:r>
-              <a:rPr lang="en"/>
-              <a:t>Minimum Viable Product</a:t>
-            </a:r>
-            <a:endParaRPr/>
-          </a:p>
-          <a:p>
-            <a:pPr indent="-325755" lvl="0" marL="457200" rtl="0" algn="l">
-              <a:spcBef>
-                <a:spcPts val="1200"/>
-              </a:spcBef>
-              <a:spcAft>
-                <a:spcPts val="0"/>
-              </a:spcAft>
-              <a:buSzPct val="100000"/>
-              <a:buChar char="●"/>
-            </a:pPr>
-            <a:r>
-              <a:rPr lang="en"/>
-              <a:t>Core content management using Wordpress including text, video, attachments</a:t>
-            </a:r>
-            <a:endParaRPr/>
-          </a:p>
-          <a:p>
-            <a:pPr indent="-325755" lvl="0" marL="457200" rtl="0" algn="l">
-              <a:spcBef>
-                <a:spcPts val="0"/>
-              </a:spcBef>
-              <a:spcAft>
-                <a:spcPts val="0"/>
-              </a:spcAft>
-              <a:buSzPct val="100000"/>
-              <a:buChar char="●"/>
-            </a:pPr>
-            <a:r>
-              <a:rPr lang="en"/>
-              <a:t>Knowledge capture into a “nugget”, and retrieval using directory lookup and search</a:t>
-            </a:r>
-            <a:endParaRPr/>
-          </a:p>
-          <a:p>
-            <a:pPr indent="-325755" lvl="0" marL="457200" rtl="0" algn="l">
-              <a:spcBef>
-                <a:spcPts val="0"/>
-              </a:spcBef>
-              <a:spcAft>
-                <a:spcPts val="0"/>
-              </a:spcAft>
-              <a:buSzPct val="100000"/>
-              <a:buChar char="●"/>
-            </a:pPr>
-            <a:r>
-              <a:rPr lang="en"/>
-              <a:t>Physical workspace integration using QR code stuck to machines</a:t>
-            </a:r>
-            <a:endParaRPr/>
-          </a:p>
-          <a:p>
-            <a:pPr indent="-325755" lvl="0" marL="457200" rtl="0" algn="l">
-              <a:spcBef>
-                <a:spcPts val="0"/>
-              </a:spcBef>
-              <a:spcAft>
-                <a:spcPts val="0"/>
-              </a:spcAft>
-              <a:buSzPct val="100000"/>
-              <a:buChar char="●"/>
-            </a:pPr>
-            <a:r>
-              <a:rPr lang="en"/>
-              <a:t>User roles for content creator, consumer, approver and admin + approval workflow</a:t>
-            </a:r>
-            <a:endParaRPr/>
-          </a:p>
-          <a:p>
-            <a:pPr indent="0" lvl="0" marL="0" rtl="0" algn="l">
-              <a:spcBef>
-                <a:spcPts val="1200"/>
-              </a:spcBef>
-              <a:spcAft>
-                <a:spcPts val="0"/>
-              </a:spcAft>
-              <a:buNone/>
-            </a:pPr>
-            <a:r>
-              <a:rPr lang="en"/>
-              <a:t>Enhancements (roadmap)</a:t>
-            </a:r>
-            <a:endParaRPr/>
-          </a:p>
-          <a:p>
-            <a:pPr indent="-325755" lvl="0" marL="457200" rtl="0" algn="l">
-              <a:spcBef>
-                <a:spcPts val="1200"/>
-              </a:spcBef>
-              <a:spcAft>
-                <a:spcPts val="0"/>
-              </a:spcAft>
-              <a:buSzPct val="100000"/>
-              <a:buChar char="●"/>
-            </a:pPr>
-            <a:r>
-              <a:rPr lang="en"/>
-              <a:t>Image recognition (AI) using Tensorflow and/or Cloud Vision</a:t>
-            </a:r>
-            <a:endParaRPr/>
-          </a:p>
-          <a:p>
-            <a:pPr indent="-325755" lvl="0" marL="457200" rtl="0" algn="l">
-              <a:spcBef>
-                <a:spcPts val="0"/>
-              </a:spcBef>
-              <a:spcAft>
-                <a:spcPts val="0"/>
-              </a:spcAft>
-              <a:buSzPct val="100000"/>
-              <a:buChar char="●"/>
-            </a:pPr>
-            <a:r>
-              <a:rPr lang="en"/>
-              <a:t>Workspace mapping to capture spatial arrangement of equipment</a:t>
-            </a:r>
-            <a:endParaRPr/>
-          </a:p>
-          <a:p>
-            <a:pPr indent="-325755" lvl="0" marL="457200" rtl="0" algn="l">
-              <a:spcBef>
-                <a:spcPts val="0"/>
-              </a:spcBef>
-              <a:spcAft>
-                <a:spcPts val="0"/>
-              </a:spcAft>
-              <a:buSzPct val="100000"/>
-              <a:buChar char="●"/>
-            </a:pPr>
-            <a:r>
-              <a:rPr lang="en"/>
-              <a:t>Reward system (gamification) to encourage positive contribution and discourage spam</a:t>
-            </a:r>
-            <a:endParaRPr/>
-          </a:p>
-          <a:p>
-            <a:pPr indent="-325755" lvl="0" marL="457200" rtl="0" algn="l">
-              <a:spcBef>
-                <a:spcPts val="0"/>
-              </a:spcBef>
-              <a:spcAft>
-                <a:spcPts val="0"/>
-              </a:spcAft>
-              <a:buSzPct val="100000"/>
-              <a:buChar char="●"/>
-            </a:pPr>
-            <a:r>
-              <a:rPr lang="en"/>
-              <a:t>Learning path tied to job roles across multiple manufacturing/distribution facilities</a:t>
-            </a:r>
-            <a:endParaRPr/>
-          </a:p>
-          <a:p>
-            <a:pPr indent="-325755" lvl="0" marL="457200" rtl="0" algn="l">
-              <a:spcBef>
-                <a:spcPts val="0"/>
-              </a:spcBef>
-              <a:spcAft>
-                <a:spcPts val="0"/>
-              </a:spcAft>
-              <a:buSzPct val="100000"/>
-              <a:buChar char="●"/>
-            </a:pPr>
-            <a:r>
-              <a:rPr lang="en"/>
-              <a:t>Credentials automatically unlock access to machines that require safety training</a:t>
-            </a:r>
-            <a:endParaRPr/>
+            <a:endParaRPr sz="1800"/>
           </a:p>
         </p:txBody>
       </p:sp>
@@ -9306,9 +13640,69 @@
 <file path=ppt/slides/slide6.xml><?xml version="1.0" encoding="utf-8"?>
 <p:sld xmlns:a="http://schemas.openxmlformats.org/drawingml/2006/main" xmlns:r="http://schemas.openxmlformats.org/officeDocument/2006/relationships" xmlns:mc="http://schemas.openxmlformats.org/markup-compatibility/2006" xmlns:mv="urn:schemas-microsoft-com:mac:vml" xmlns:p="http://schemas.openxmlformats.org/presentationml/2006/main" xmlns:c="http://schemas.openxmlformats.org/drawingml/2006/chart" xmlns:dgm="http://schemas.openxmlformats.org/drawingml/2006/diagram" xmlns:o="urn:schemas-microsoft-com:office:office" xmlns:v="urn:schemas-microsoft-com:vml" xmlns:pvml="urn:schemas-microsoft-com:office:powerpoint" xmlns:com="http://schemas.openxmlformats.org/drawingml/2006/compatibility" xmlns:p14="http://schemas.microsoft.com/office/powerpoint/2010/main" xmlns:p15="http://schemas.microsoft.com/office/powerpoint/2012/main" xmlns:ahyp="http://schemas.microsoft.com/office/drawing/2018/hyperlinkcolor">
   <p:cSld>
+    <p:bg>
+      <p:bgPr>
+        <a:solidFill>
+          <a:schemeClr val="lt1"/>
+        </a:solidFill>
+      </p:bgPr>
+    </p:bg>
     <p:spTree>
       <p:nvGrpSpPr>
-        <p:cNvPr id="82" name="Shape 82"/>
+        <p:cNvPr id="87" name="Shape 87"/>
+        <p:cNvGrpSpPr/>
+        <p:nvPr/>
+      </p:nvGrpSpPr>
+      <p:grpSpPr>
+        <a:xfrm>
+          <a:off x="0" y="0"/>
+          <a:ext cx="0" cy="0"/>
+          <a:chOff x="0" y="0"/>
+          <a:chExt cx="0" cy="0"/>
+        </a:xfrm>
+      </p:grpSpPr>
+      <p:pic>
+        <p:nvPicPr>
+          <p:cNvPr id="88" name="Google Shape;88;p18"/>
+          <p:cNvPicPr preferRelativeResize="0"/>
+          <p:nvPr/>
+        </p:nvPicPr>
+        <p:blipFill>
+          <a:blip r:embed="rId3">
+            <a:alphaModFix/>
+          </a:blip>
+          <a:stretch>
+            <a:fillRect/>
+          </a:stretch>
+        </p:blipFill>
+        <p:spPr>
+          <a:xfrm>
+            <a:off x="76200" y="457200"/>
+            <a:ext cx="8966198" cy="4278374"/>
+          </a:xfrm>
+          <a:prstGeom prst="rect">
+            <a:avLst/>
+          </a:prstGeom>
+          <a:noFill/>
+          <a:ln>
+            <a:noFill/>
+          </a:ln>
+        </p:spPr>
+      </p:pic>
+    </p:spTree>
+  </p:cSld>
+  <p:clrMapOvr>
+    <a:masterClrMapping/>
+  </p:clrMapOvr>
+</p:sld>
+</file>
+
+<file path=ppt/slides/slide7.xml><?xml version="1.0" encoding="utf-8"?>
+<p:sld xmlns:a="http://schemas.openxmlformats.org/drawingml/2006/main" xmlns:r="http://schemas.openxmlformats.org/officeDocument/2006/relationships" xmlns:mc="http://schemas.openxmlformats.org/markup-compatibility/2006" xmlns:mv="urn:schemas-microsoft-com:mac:vml" xmlns:p="http://schemas.openxmlformats.org/presentationml/2006/main" xmlns:c="http://schemas.openxmlformats.org/drawingml/2006/chart" xmlns:dgm="http://schemas.openxmlformats.org/drawingml/2006/diagram" xmlns:o="urn:schemas-microsoft-com:office:office" xmlns:v="urn:schemas-microsoft-com:vml" xmlns:pvml="urn:schemas-microsoft-com:office:powerpoint" xmlns:com="http://schemas.openxmlformats.org/drawingml/2006/compatibility" xmlns:p14="http://schemas.microsoft.com/office/powerpoint/2010/main" xmlns:p15="http://schemas.microsoft.com/office/powerpoint/2012/main" xmlns:ahyp="http://schemas.microsoft.com/office/drawing/2018/hyperlinkcolor">
+  <p:cSld>
+    <p:spTree>
+      <p:nvGrpSpPr>
+        <p:cNvPr id="92" name="Shape 92"/>
         <p:cNvGrpSpPr/>
         <p:nvPr/>
       </p:nvGrpSpPr>
@@ -9322,7 +13716,229 @@
       </p:grpSpPr>
       <p:sp>
         <p:nvSpPr>
-          <p:cNvPr id="83" name="Google Shape;83;p18"/>
+          <p:cNvPr id="93" name="Google Shape;93;p19"/>
+          <p:cNvSpPr txBox="1"/>
+          <p:nvPr>
+            <p:ph type="title"/>
+          </p:nvPr>
+        </p:nvSpPr>
+        <p:spPr>
+          <a:xfrm>
+            <a:off x="311700" y="445025"/>
+            <a:ext cx="8520600" cy="572700"/>
+          </a:xfrm>
+          <a:prstGeom prst="rect">
+            <a:avLst/>
+          </a:prstGeom>
+        </p:spPr>
+        <p:txBody>
+          <a:bodyPr anchorCtr="0" anchor="t" bIns="91425" lIns="91425" spcFirstLastPara="1" rIns="91425" wrap="square" tIns="91425">
+            <a:normAutofit fontScale="90000"/>
+          </a:bodyPr>
+          <a:lstStyle/>
+          <a:p>
+            <a:pPr indent="0" lvl="0" marL="0" rtl="0" algn="l">
+              <a:spcBef>
+                <a:spcPts val="0"/>
+              </a:spcBef>
+              <a:spcAft>
+                <a:spcPts val="0"/>
+              </a:spcAft>
+              <a:buNone/>
+            </a:pPr>
+            <a:r>
+              <a:rPr lang="en"/>
+              <a:t>Capabilities</a:t>
+            </a:r>
+            <a:endParaRPr/>
+          </a:p>
+        </p:txBody>
+      </p:sp>
+      <p:sp>
+        <p:nvSpPr>
+          <p:cNvPr id="94" name="Google Shape;94;p19"/>
+          <p:cNvSpPr txBox="1"/>
+          <p:nvPr>
+            <p:ph idx="1" type="body"/>
+          </p:nvPr>
+        </p:nvSpPr>
+        <p:spPr>
+          <a:xfrm>
+            <a:off x="311700" y="1152475"/>
+            <a:ext cx="8520600" cy="3416400"/>
+          </a:xfrm>
+          <a:prstGeom prst="rect">
+            <a:avLst/>
+          </a:prstGeom>
+        </p:spPr>
+        <p:txBody>
+          <a:bodyPr anchorCtr="0" anchor="t" bIns="91425" lIns="91425" spcFirstLastPara="1" rIns="91425" wrap="square" tIns="91425">
+            <a:normAutofit lnSpcReduction="10000"/>
+          </a:bodyPr>
+          <a:lstStyle/>
+          <a:p>
+            <a:pPr indent="0" lvl="0" marL="0" rtl="0" algn="l">
+              <a:spcBef>
+                <a:spcPts val="0"/>
+              </a:spcBef>
+              <a:spcAft>
+                <a:spcPts val="0"/>
+              </a:spcAft>
+              <a:buNone/>
+            </a:pPr>
+            <a:r>
+              <a:rPr lang="en"/>
+              <a:t>The following capabilities are included in the Minimum Viable Product (MVP) prototype</a:t>
+            </a:r>
+            <a:endParaRPr/>
+          </a:p>
+          <a:p>
+            <a:pPr indent="-342900" lvl="0" marL="457200" rtl="0" algn="l">
+              <a:spcBef>
+                <a:spcPts val="1200"/>
+              </a:spcBef>
+              <a:spcAft>
+                <a:spcPts val="0"/>
+              </a:spcAft>
+              <a:buSzPts val="1800"/>
+              <a:buChar char="●"/>
+            </a:pPr>
+            <a:r>
+              <a:rPr lang="en"/>
+              <a:t>Core content management including text, video, attachments</a:t>
+            </a:r>
+            <a:endParaRPr/>
+          </a:p>
+          <a:p>
+            <a:pPr indent="-342900" lvl="0" marL="457200" rtl="0" algn="l">
+              <a:spcBef>
+                <a:spcPts val="0"/>
+              </a:spcBef>
+              <a:spcAft>
+                <a:spcPts val="0"/>
+              </a:spcAft>
+              <a:buSzPts val="1800"/>
+              <a:buChar char="●"/>
+            </a:pPr>
+            <a:r>
+              <a:rPr lang="en"/>
+              <a:t>Knowledge capture into a “nugget”, and retrieval using directory lookup and search</a:t>
+            </a:r>
+            <a:endParaRPr/>
+          </a:p>
+          <a:p>
+            <a:pPr indent="-342900" lvl="0" marL="457200" rtl="0" algn="l">
+              <a:spcBef>
+                <a:spcPts val="0"/>
+              </a:spcBef>
+              <a:spcAft>
+                <a:spcPts val="0"/>
+              </a:spcAft>
+              <a:buSzPts val="1800"/>
+              <a:buChar char="●"/>
+            </a:pPr>
+            <a:r>
+              <a:rPr lang="en"/>
+              <a:t>Physical workspace integration using QR code stuck to machines</a:t>
+            </a:r>
+            <a:endParaRPr/>
+          </a:p>
+          <a:p>
+            <a:pPr indent="-342900" lvl="0" marL="457200" rtl="0" algn="l">
+              <a:spcBef>
+                <a:spcPts val="0"/>
+              </a:spcBef>
+              <a:spcAft>
+                <a:spcPts val="0"/>
+              </a:spcAft>
+              <a:buSzPts val="1800"/>
+              <a:buChar char="●"/>
+            </a:pPr>
+            <a:r>
+              <a:rPr lang="en"/>
+              <a:t>Workspace mapping to capture spatial arrangement of equipment</a:t>
+            </a:r>
+            <a:endParaRPr/>
+          </a:p>
+          <a:p>
+            <a:pPr indent="-342900" lvl="0" marL="457200" rtl="0" algn="l">
+              <a:spcBef>
+                <a:spcPts val="0"/>
+              </a:spcBef>
+              <a:spcAft>
+                <a:spcPts val="0"/>
+              </a:spcAft>
+              <a:buSzPts val="1800"/>
+              <a:buChar char="●"/>
+            </a:pPr>
+            <a:r>
+              <a:rPr lang="en"/>
+              <a:t>User roles for production employee, supervisor, plant manager, etc.</a:t>
+            </a:r>
+            <a:endParaRPr/>
+          </a:p>
+          <a:p>
+            <a:pPr indent="-342900" lvl="0" marL="457200" rtl="0" algn="l">
+              <a:spcBef>
+                <a:spcPts val="0"/>
+              </a:spcBef>
+              <a:spcAft>
+                <a:spcPts val="0"/>
+              </a:spcAft>
+              <a:buSzPts val="1800"/>
+              <a:buChar char="●"/>
+            </a:pPr>
+            <a:r>
+              <a:rPr lang="en"/>
+              <a:t>Tie items to learning paths for career development</a:t>
+            </a:r>
+            <a:endParaRPr/>
+          </a:p>
+          <a:p>
+            <a:pPr indent="0" lvl="0" marL="457200" rtl="0" algn="l">
+              <a:spcBef>
+                <a:spcPts val="1200"/>
+              </a:spcBef>
+              <a:spcAft>
+                <a:spcPts val="1200"/>
+              </a:spcAft>
+              <a:buNone/>
+            </a:pPr>
+            <a:r>
+              <a:t/>
+            </a:r>
+            <a:endParaRPr/>
+          </a:p>
+        </p:txBody>
+      </p:sp>
+    </p:spTree>
+  </p:cSld>
+  <p:clrMapOvr>
+    <a:masterClrMapping/>
+  </p:clrMapOvr>
+</p:sld>
+</file>
+
+<file path=ppt/slides/slide8.xml><?xml version="1.0" encoding="utf-8"?>
+<p:sld xmlns:a="http://schemas.openxmlformats.org/drawingml/2006/main" xmlns:r="http://schemas.openxmlformats.org/officeDocument/2006/relationships" xmlns:mc="http://schemas.openxmlformats.org/markup-compatibility/2006" xmlns:mv="urn:schemas-microsoft-com:mac:vml" xmlns:p="http://schemas.openxmlformats.org/presentationml/2006/main" xmlns:c="http://schemas.openxmlformats.org/drawingml/2006/chart" xmlns:dgm="http://schemas.openxmlformats.org/drawingml/2006/diagram" xmlns:o="urn:schemas-microsoft-com:office:office" xmlns:v="urn:schemas-microsoft-com:vml" xmlns:pvml="urn:schemas-microsoft-com:office:powerpoint" xmlns:com="http://schemas.openxmlformats.org/drawingml/2006/compatibility" xmlns:p14="http://schemas.microsoft.com/office/powerpoint/2010/main" xmlns:p15="http://schemas.microsoft.com/office/powerpoint/2012/main" xmlns:ahyp="http://schemas.microsoft.com/office/drawing/2018/hyperlinkcolor">
+  <p:cSld>
+    <p:spTree>
+      <p:nvGrpSpPr>
+        <p:cNvPr id="98" name="Shape 98"/>
+        <p:cNvGrpSpPr/>
+        <p:nvPr/>
+      </p:nvGrpSpPr>
+      <p:grpSpPr>
+        <a:xfrm>
+          <a:off x="0" y="0"/>
+          <a:ext cx="0" cy="0"/>
+          <a:chOff x="0" y="0"/>
+          <a:chExt cx="0" cy="0"/>
+        </a:xfrm>
+      </p:grpSpPr>
+      <p:sp>
+        <p:nvSpPr>
+          <p:cNvPr id="99" name="Google Shape;99;p20"/>
           <p:cNvSpPr txBox="1"/>
           <p:nvPr>
             <p:ph type="title"/>
@@ -9362,7 +13978,7 @@
       </p:sp>
       <p:sp>
         <p:nvSpPr>
-          <p:cNvPr id="84" name="Google Shape;84;p18"/>
+          <p:cNvPr id="100" name="Google Shape;100;p20"/>
           <p:cNvSpPr txBox="1"/>
           <p:nvPr>
             <p:ph idx="1" type="body"/>
@@ -9475,12 +14091,12 @@
 </p:sld>
 </file>
 
-<file path=ppt/slides/slide7.xml><?xml version="1.0" encoding="utf-8"?>
+<file path=ppt/slides/slide9.xml><?xml version="1.0" encoding="utf-8"?>
 <p:sld xmlns:a="http://schemas.openxmlformats.org/drawingml/2006/main" xmlns:r="http://schemas.openxmlformats.org/officeDocument/2006/relationships" xmlns:mc="http://schemas.openxmlformats.org/markup-compatibility/2006" xmlns:mv="urn:schemas-microsoft-com:mac:vml" xmlns:p="http://schemas.openxmlformats.org/presentationml/2006/main" xmlns:c="http://schemas.openxmlformats.org/drawingml/2006/chart" xmlns:dgm="http://schemas.openxmlformats.org/drawingml/2006/diagram" xmlns:o="urn:schemas-microsoft-com:office:office" xmlns:v="urn:schemas-microsoft-com:vml" xmlns:pvml="urn:schemas-microsoft-com:office:powerpoint" xmlns:com="http://schemas.openxmlformats.org/drawingml/2006/compatibility" xmlns:p14="http://schemas.microsoft.com/office/powerpoint/2010/main" xmlns:p15="http://schemas.microsoft.com/office/powerpoint/2012/main" xmlns:ahyp="http://schemas.microsoft.com/office/drawing/2018/hyperlinkcolor">
   <p:cSld>
     <p:spTree>
       <p:nvGrpSpPr>
-        <p:cNvPr id="88" name="Shape 88"/>
+        <p:cNvPr id="104" name="Shape 104"/>
         <p:cNvGrpSpPr/>
         <p:nvPr/>
       </p:nvGrpSpPr>
@@ -9494,7 +14110,7 @@
       </p:grpSpPr>
       <p:sp>
         <p:nvSpPr>
-          <p:cNvPr id="89" name="Google Shape;89;p19"/>
+          <p:cNvPr id="105" name="Google Shape;105;p21"/>
           <p:cNvSpPr txBox="1"/>
           <p:nvPr>
             <p:ph type="title"/>
@@ -9502,20 +14118,20 @@
         </p:nvSpPr>
         <p:spPr>
           <a:xfrm>
-            <a:off x="311700" y="2150850"/>
-            <a:ext cx="8520600" cy="841800"/>
+            <a:off x="311700" y="445025"/>
+            <a:ext cx="2005200" cy="1066800"/>
           </a:xfrm>
           <a:prstGeom prst="rect">
             <a:avLst/>
           </a:prstGeom>
         </p:spPr>
         <p:txBody>
-          <a:bodyPr anchorCtr="0" anchor="ctr" bIns="91425" lIns="91425" spcFirstLastPara="1" rIns="91425" wrap="square" tIns="91425">
+          <a:bodyPr anchorCtr="0" anchor="t" bIns="91425" lIns="91425" spcFirstLastPara="1" rIns="91425" wrap="square" tIns="91425">
             <a:normAutofit/>
           </a:bodyPr>
           <a:lstStyle/>
           <a:p>
-            <a:pPr indent="0" lvl="0" marL="0" rtl="0" algn="ctr">
+            <a:pPr indent="0" lvl="0" marL="0" rtl="0" algn="l">
               <a:spcBef>
                 <a:spcPts val="0"/>
               </a:spcBef>
@@ -9525,41 +14141,32 @@
               <a:buNone/>
             </a:pPr>
             <a:r>
-              <a:rPr lang="en"/>
-              <a:t>Project Building Phase</a:t>
+              <a:rPr lang="en" sz="2600"/>
+              <a:t>Design:</a:t>
             </a:r>
-            <a:endParaRPr/>
+            <a:endParaRPr sz="2600"/>
+          </a:p>
+          <a:p>
+            <a:pPr indent="0" lvl="0" marL="0" rtl="0" algn="l">
+              <a:spcBef>
+                <a:spcPts val="0"/>
+              </a:spcBef>
+              <a:spcAft>
+                <a:spcPts val="0"/>
+              </a:spcAft>
+              <a:buNone/>
+            </a:pPr>
+            <a:r>
+              <a:rPr lang="en" sz="2600"/>
+              <a:t>Wireframes</a:t>
+            </a:r>
+            <a:endParaRPr sz="2600"/>
           </a:p>
         </p:txBody>
       </p:sp>
-    </p:spTree>
-  </p:cSld>
-  <p:clrMapOvr>
-    <a:masterClrMapping/>
-  </p:clrMapOvr>
-</p:sld>
-</file>
-
-<file path=ppt/slides/slide8.xml><?xml version="1.0" encoding="utf-8"?>
-<p:sld xmlns:a="http://schemas.openxmlformats.org/drawingml/2006/main" xmlns:r="http://schemas.openxmlformats.org/officeDocument/2006/relationships" xmlns:mc="http://schemas.openxmlformats.org/markup-compatibility/2006" xmlns:mv="urn:schemas-microsoft-com:mac:vml" xmlns:p="http://schemas.openxmlformats.org/presentationml/2006/main" xmlns:c="http://schemas.openxmlformats.org/drawingml/2006/chart" xmlns:dgm="http://schemas.openxmlformats.org/drawingml/2006/diagram" xmlns:o="urn:schemas-microsoft-com:office:office" xmlns:v="urn:schemas-microsoft-com:vml" xmlns:pvml="urn:schemas-microsoft-com:office:powerpoint" xmlns:com="http://schemas.openxmlformats.org/drawingml/2006/compatibility" xmlns:p14="http://schemas.microsoft.com/office/powerpoint/2010/main" xmlns:p15="http://schemas.microsoft.com/office/powerpoint/2012/main" xmlns:ahyp="http://schemas.microsoft.com/office/drawing/2018/hyperlinkcolor">
-  <p:cSld>
-    <p:spTree>
-      <p:nvGrpSpPr>
-        <p:cNvPr id="93" name="Shape 93"/>
-        <p:cNvGrpSpPr/>
-        <p:nvPr/>
-      </p:nvGrpSpPr>
-      <p:grpSpPr>
-        <a:xfrm>
-          <a:off x="0" y="0"/>
-          <a:ext cx="0" cy="0"/>
-          <a:chOff x="0" y="0"/>
-          <a:chExt cx="0" cy="0"/>
-        </a:xfrm>
-      </p:grpSpPr>
       <p:pic>
         <p:nvPicPr>
-          <p:cNvPr id="94" name="Google Shape;94;p20"/>
+          <p:cNvPr id="106" name="Google Shape;106;p21"/>
           <p:cNvPicPr preferRelativeResize="0"/>
           <p:nvPr/>
         </p:nvPicPr>
@@ -9573,61 +14180,8 @@
         </p:blipFill>
         <p:spPr>
           <a:xfrm>
-            <a:off x="152400" y="152400"/>
-            <a:ext cx="7111018" cy="4838700"/>
-          </a:xfrm>
-          <a:prstGeom prst="rect">
-            <a:avLst/>
-          </a:prstGeom>
-          <a:noFill/>
-          <a:ln>
-            <a:noFill/>
-          </a:ln>
-        </p:spPr>
-      </p:pic>
-    </p:spTree>
-  </p:cSld>
-  <p:clrMapOvr>
-    <a:masterClrMapping/>
-  </p:clrMapOvr>
-</p:sld>
-</file>
-
-<file path=ppt/slides/slide9.xml><?xml version="1.0" encoding="utf-8"?>
-<p:sld xmlns:a="http://schemas.openxmlformats.org/drawingml/2006/main" xmlns:r="http://schemas.openxmlformats.org/officeDocument/2006/relationships" xmlns:mc="http://schemas.openxmlformats.org/markup-compatibility/2006" xmlns:mv="urn:schemas-microsoft-com:mac:vml" xmlns:p="http://schemas.openxmlformats.org/presentationml/2006/main" xmlns:c="http://schemas.openxmlformats.org/drawingml/2006/chart" xmlns:dgm="http://schemas.openxmlformats.org/drawingml/2006/diagram" xmlns:o="urn:schemas-microsoft-com:office:office" xmlns:v="urn:schemas-microsoft-com:vml" xmlns:pvml="urn:schemas-microsoft-com:office:powerpoint" xmlns:com="http://schemas.openxmlformats.org/drawingml/2006/compatibility" xmlns:p14="http://schemas.microsoft.com/office/powerpoint/2010/main" xmlns:p15="http://schemas.microsoft.com/office/powerpoint/2012/main" xmlns:ahyp="http://schemas.microsoft.com/office/drawing/2018/hyperlinkcolor">
-  <p:cSld>
-    <p:spTree>
-      <p:nvGrpSpPr>
-        <p:cNvPr id="98" name="Shape 98"/>
-        <p:cNvGrpSpPr/>
-        <p:nvPr/>
-      </p:nvGrpSpPr>
-      <p:grpSpPr>
-        <a:xfrm>
-          <a:off x="0" y="0"/>
-          <a:ext cx="0" cy="0"/>
-          <a:chOff x="0" y="0"/>
-          <a:chExt cx="0" cy="0"/>
-        </a:xfrm>
-      </p:grpSpPr>
-      <p:pic>
-        <p:nvPicPr>
-          <p:cNvPr id="99" name="Google Shape;99;p21"/>
-          <p:cNvPicPr preferRelativeResize="0"/>
-          <p:nvPr/>
-        </p:nvPicPr>
-        <p:blipFill>
-          <a:blip r:embed="rId3">
-            <a:alphaModFix/>
-          </a:blip>
-          <a:stretch>
-            <a:fillRect/>
-          </a:stretch>
-        </p:blipFill>
-        <p:spPr>
-          <a:xfrm>
-            <a:off x="152400" y="152400"/>
-            <a:ext cx="7721638" cy="4838700"/>
+            <a:off x="2232519" y="0"/>
+            <a:ext cx="6948480" cy="5143500"/>
           </a:xfrm>
           <a:prstGeom prst="rect">
             <a:avLst/>
@@ -9647,6 +14201,285 @@
 </file>
 
 <file path=ppt/theme/theme1.xml><?xml version="1.0" encoding="utf-8"?>
+<a:theme xmlns:a="http://schemas.openxmlformats.org/drawingml/2006/main" xmlns:r="http://schemas.openxmlformats.org/officeDocument/2006/relationships">
+  <a:themeElements>
+    <a:clrScheme name="Default">
+      <a:dk1>
+        <a:srgbClr val="000000"/>
+      </a:dk1>
+      <a:lt1>
+        <a:srgbClr val="FFFFFF"/>
+      </a:lt1>
+      <a:dk2>
+        <a:srgbClr val="158158"/>
+      </a:dk2>
+      <a:lt2>
+        <a:srgbClr val="F3F3F3"/>
+      </a:lt2>
+      <a:accent1>
+        <a:srgbClr val="058DC7"/>
+      </a:accent1>
+      <a:accent2>
+        <a:srgbClr val="50B432"/>
+      </a:accent2>
+      <a:accent3>
+        <a:srgbClr val="ED561B"/>
+      </a:accent3>
+      <a:accent4>
+        <a:srgbClr val="EDEF00"/>
+      </a:accent4>
+      <a:accent5>
+        <a:srgbClr val="24CBE5"/>
+      </a:accent5>
+      <a:accent6>
+        <a:srgbClr val="64E572"/>
+      </a:accent6>
+      <a:hlink>
+        <a:srgbClr val="2200CC"/>
+      </a:hlink>
+      <a:folHlink>
+        <a:srgbClr val="551A8B"/>
+      </a:folHlink>
+    </a:clrScheme>
+    <a:fontScheme name="Office">
+      <a:majorFont>
+        <a:latin typeface="Arial"/>
+        <a:ea typeface=""/>
+        <a:cs typeface=""/>
+        <a:font script="Jpan" typeface="ＭＳ Ｐゴシック"/>
+        <a:font script="Hang" typeface="맑은 고딕"/>
+        <a:font script="Hans" typeface="宋体"/>
+        <a:font script="Hant" typeface="新細明體"/>
+        <a:font script="Arab" typeface="Times New Roman"/>
+        <a:font script="Hebr" typeface="Times New Roman"/>
+        <a:font script="Thai" typeface="Angsana New"/>
+        <a:font script="Ethi" typeface="Nyala"/>
+        <a:font script="Beng" typeface="Vrinda"/>
+        <a:font script="Gujr" typeface="Shruti"/>
+        <a:font script="Khmr" typeface="MoolBoran"/>
+        <a:font script="Knda" typeface="Tunga"/>
+        <a:font script="Guru" typeface="Raavi"/>
+        <a:font script="Cans" typeface="Euphemia"/>
+        <a:font script="Cher" typeface="Plantagenet Cherokee"/>
+        <a:font script="Yiii" typeface="Microsoft Yi Baiti"/>
+        <a:font script="Tibt" typeface="Microsoft Himalaya"/>
+        <a:font script="Thaa" typeface="MV Boli"/>
+        <a:font script="Deva" typeface="Mangal"/>
+        <a:font script="Telu" typeface="Gautami"/>
+        <a:font script="Taml" typeface="Latha"/>
+        <a:font script="Syrc" typeface="Estrangelo Edessa"/>
+        <a:font script="Orya" typeface="Kalinga"/>
+        <a:font script="Mlym" typeface="Kartika"/>
+        <a:font script="Laoo" typeface="DokChampa"/>
+        <a:font script="Sinh" typeface="Iskoola Pota"/>
+        <a:font script="Mong" typeface="Mongolian Baiti"/>
+        <a:font script="Viet" typeface="Times New Roman"/>
+        <a:font script="Uigh" typeface="Microsoft Uighur"/>
+        <a:font script="Geor" typeface="Sylfaen"/>
+      </a:majorFont>
+      <a:minorFont>
+        <a:latin typeface="Arial"/>
+        <a:ea typeface=""/>
+        <a:cs typeface=""/>
+        <a:font script="Jpan" typeface="ＭＳ Ｐゴシック"/>
+        <a:font script="Hang" typeface="맑은 고딕"/>
+        <a:font script="Hans" typeface="宋体"/>
+        <a:font script="Hant" typeface="新細明體"/>
+        <a:font script="Arab" typeface="Arial"/>
+        <a:font script="Hebr" typeface="Arial"/>
+        <a:font script="Thai" typeface="Cordia New"/>
+        <a:font script="Ethi" typeface="Nyala"/>
+        <a:font script="Beng" typeface="Vrinda"/>
+        <a:font script="Gujr" typeface="Shruti"/>
+        <a:font script="Khmr" typeface="DaunPenh"/>
+        <a:font script="Knda" typeface="Tunga"/>
+        <a:font script="Guru" typeface="Raavi"/>
+        <a:font script="Cans" typeface="Euphemia"/>
+        <a:font script="Cher" typeface="Plantagenet Cherokee"/>
+        <a:font script="Yiii" typeface="Microsoft Yi Baiti"/>
+        <a:font script="Tibt" typeface="Microsoft Himalaya"/>
+        <a:font script="Thaa" typeface="MV Boli"/>
+        <a:font script="Deva" typeface="Mangal"/>
+        <a:font script="Telu" typeface="Gautami"/>
+        <a:font script="Taml" typeface="Latha"/>
+        <a:font script="Syrc" typeface="Estrangelo Edessa"/>
+        <a:font script="Orya" typeface="Kalinga"/>
+        <a:font script="Mlym" typeface="Kartika"/>
+        <a:font script="Laoo" typeface="DokChampa"/>
+        <a:font script="Sinh" typeface="Iskoola Pota"/>
+        <a:font script="Mong" typeface="Mongolian Baiti"/>
+        <a:font script="Viet" typeface="Arial"/>
+        <a:font script="Uigh" typeface="Microsoft Uighur"/>
+        <a:font script="Geor" typeface="Sylfaen"/>
+      </a:minorFont>
+    </a:fontScheme>
+    <a:fmtScheme name="Office">
+      <a:fillStyleLst>
+        <a:solidFill>
+          <a:schemeClr val="phClr"/>
+        </a:solidFill>
+        <a:gradFill rotWithShape="1">
+          <a:gsLst>
+            <a:gs pos="0">
+              <a:schemeClr val="phClr">
+                <a:tint val="50000"/>
+                <a:satMod val="300000"/>
+              </a:schemeClr>
+            </a:gs>
+            <a:gs pos="35000">
+              <a:schemeClr val="phClr">
+                <a:tint val="37000"/>
+                <a:satMod val="300000"/>
+              </a:schemeClr>
+            </a:gs>
+            <a:gs pos="100000">
+              <a:schemeClr val="phClr">
+                <a:tint val="15000"/>
+                <a:satMod val="350000"/>
+              </a:schemeClr>
+            </a:gs>
+          </a:gsLst>
+          <a:lin ang="16200000" scaled="1"/>
+        </a:gradFill>
+        <a:gradFill rotWithShape="1">
+          <a:gsLst>
+            <a:gs pos="0">
+              <a:schemeClr val="phClr">
+                <a:tint val="100000"/>
+                <a:shade val="100000"/>
+                <a:satMod val="130000"/>
+              </a:schemeClr>
+            </a:gs>
+            <a:gs pos="100000">
+              <a:schemeClr val="phClr">
+                <a:tint val="50000"/>
+                <a:shade val="100000"/>
+                <a:satMod val="350000"/>
+              </a:schemeClr>
+            </a:gs>
+          </a:gsLst>
+          <a:lin ang="16200000" scaled="0"/>
+        </a:gradFill>
+      </a:fillStyleLst>
+      <a:lnStyleLst>
+        <a:ln w="9525" cap="flat" cmpd="sng" algn="ctr">
+          <a:solidFill>
+            <a:schemeClr val="phClr">
+              <a:shade val="95000"/>
+              <a:satMod val="105000"/>
+            </a:schemeClr>
+          </a:solidFill>
+          <a:prstDash val="solid"/>
+        </a:ln>
+        <a:ln w="25400" cap="flat" cmpd="sng" algn="ctr">
+          <a:solidFill>
+            <a:schemeClr val="phClr"/>
+          </a:solidFill>
+          <a:prstDash val="solid"/>
+        </a:ln>
+        <a:ln w="38100" cap="flat" cmpd="sng" algn="ctr">
+          <a:solidFill>
+            <a:schemeClr val="phClr"/>
+          </a:solidFill>
+          <a:prstDash val="solid"/>
+        </a:ln>
+      </a:lnStyleLst>
+      <a:effectStyleLst>
+        <a:effectStyle>
+          <a:effectLst>
+            <a:outerShdw blurRad="40000" dist="20000" dir="5400000" rotWithShape="0">
+              <a:srgbClr val="000000">
+                <a:alpha val="38000"/>
+              </a:srgbClr>
+            </a:outerShdw>
+          </a:effectLst>
+        </a:effectStyle>
+        <a:effectStyle>
+          <a:effectLst>
+            <a:outerShdw blurRad="40000" dist="23000" dir="5400000" rotWithShape="0">
+              <a:srgbClr val="000000">
+                <a:alpha val="35000"/>
+              </a:srgbClr>
+            </a:outerShdw>
+          </a:effectLst>
+        </a:effectStyle>
+        <a:effectStyle>
+          <a:effectLst>
+            <a:outerShdw blurRad="40000" dist="23000" dir="5400000" rotWithShape="0">
+              <a:srgbClr val="000000">
+                <a:alpha val="35000"/>
+              </a:srgbClr>
+            </a:outerShdw>
+          </a:effectLst>
+          <a:scene3d>
+            <a:camera prst="orthographicFront">
+              <a:rot lat="0" lon="0" rev="0"/>
+            </a:camera>
+            <a:lightRig rig="threePt" dir="t">
+              <a:rot lat="0" lon="0" rev="1200000"/>
+            </a:lightRig>
+          </a:scene3d>
+          <a:sp3d>
+            <a:bevelT w="63500" h="25400"/>
+          </a:sp3d>
+        </a:effectStyle>
+      </a:effectStyleLst>
+      <a:bgFillStyleLst>
+        <a:solidFill>
+          <a:schemeClr val="phClr"/>
+        </a:solidFill>
+        <a:gradFill rotWithShape="1">
+          <a:gsLst>
+            <a:gs pos="0">
+              <a:schemeClr val="phClr">
+                <a:tint val="40000"/>
+                <a:satMod val="350000"/>
+              </a:schemeClr>
+            </a:gs>
+            <a:gs pos="40000">
+              <a:schemeClr val="phClr">
+                <a:tint val="45000"/>
+                <a:shade val="99000"/>
+                <a:satMod val="350000"/>
+              </a:schemeClr>
+            </a:gs>
+            <a:gs pos="100000">
+              <a:schemeClr val="phClr">
+                <a:shade val="20000"/>
+                <a:satMod val="255000"/>
+              </a:schemeClr>
+            </a:gs>
+          </a:gsLst>
+          <a:path path="circle">
+            <a:fillToRect l="50000" t="-80000" r="50000" b="180000"/>
+          </a:path>
+        </a:gradFill>
+        <a:gradFill rotWithShape="1">
+          <a:gsLst>
+            <a:gs pos="0">
+              <a:schemeClr val="phClr">
+                <a:tint val="80000"/>
+                <a:satMod val="300000"/>
+              </a:schemeClr>
+            </a:gs>
+            <a:gs pos="100000">
+              <a:schemeClr val="phClr">
+                <a:shade val="30000"/>
+                <a:satMod val="200000"/>
+              </a:schemeClr>
+            </a:gs>
+          </a:gsLst>
+          <a:path path="circle">
+            <a:fillToRect l="50000" t="50000" r="50000" b="50000"/>
+          </a:path>
+        </a:gradFill>
+      </a:bgFillStyleLst>
+    </a:fmtScheme>
+  </a:themeElements>
+</a:theme>
+</file>
+
+<file path=ppt/theme/theme2.xml><?xml version="1.0" encoding="utf-8"?>
 <a:theme xmlns:a="http://schemas.openxmlformats.org/drawingml/2006/main" xmlns:r="http://schemas.openxmlformats.org/officeDocument/2006/relationships" name="Simple Light">
   <a:themeElements>
     <a:clrScheme name="Simple Light">
@@ -9923,283 +14756,4 @@
     </a:fmtScheme>
   </a:themeElements>
 </a:theme>
-</file>
-
-<file path=ppt/theme/theme2.xml><?xml version="1.0" encoding="utf-8"?>
-<a:theme xmlns:a="http://schemas.openxmlformats.org/drawingml/2006/main" xmlns:r="http://schemas.openxmlformats.org/officeDocument/2006/relationships">
-  <a:themeElements>
-    <a:clrScheme name="Default">
-      <a:dk1>
-        <a:srgbClr val="000000"/>
-      </a:dk1>
-      <a:lt1>
-        <a:srgbClr val="FFFFFF"/>
-      </a:lt1>
-      <a:dk2>
-        <a:srgbClr val="158158"/>
-      </a:dk2>
-      <a:lt2>
-        <a:srgbClr val="F3F3F3"/>
-      </a:lt2>
-      <a:accent1>
-        <a:srgbClr val="058DC7"/>
-      </a:accent1>
-      <a:accent2>
-        <a:srgbClr val="50B432"/>
-      </a:accent2>
-      <a:accent3>
-        <a:srgbClr val="ED561B"/>
-      </a:accent3>
-      <a:accent4>
-        <a:srgbClr val="EDEF00"/>
-      </a:accent4>
-      <a:accent5>
-        <a:srgbClr val="24CBE5"/>
-      </a:accent5>
-      <a:accent6>
-        <a:srgbClr val="64E572"/>
-      </a:accent6>
-      <a:hlink>
-        <a:srgbClr val="2200CC"/>
-      </a:hlink>
-      <a:folHlink>
-        <a:srgbClr val="551A8B"/>
-      </a:folHlink>
-    </a:clrScheme>
-    <a:fontScheme name="Office">
-      <a:majorFont>
-        <a:latin typeface="Arial"/>
-        <a:ea typeface=""/>
-        <a:cs typeface=""/>
-        <a:font script="Jpan" typeface="ＭＳ Ｐゴシック"/>
-        <a:font script="Hang" typeface="맑은 고딕"/>
-        <a:font script="Hans" typeface="宋体"/>
-        <a:font script="Hant" typeface="新細明體"/>
-        <a:font script="Arab" typeface="Times New Roman"/>
-        <a:font script="Hebr" typeface="Times New Roman"/>
-        <a:font script="Thai" typeface="Angsana New"/>
-        <a:font script="Ethi" typeface="Nyala"/>
-        <a:font script="Beng" typeface="Vrinda"/>
-        <a:font script="Gujr" typeface="Shruti"/>
-        <a:font script="Khmr" typeface="MoolBoran"/>
-        <a:font script="Knda" typeface="Tunga"/>
-        <a:font script="Guru" typeface="Raavi"/>
-        <a:font script="Cans" typeface="Euphemia"/>
-        <a:font script="Cher" typeface="Plantagenet Cherokee"/>
-        <a:font script="Yiii" typeface="Microsoft Yi Baiti"/>
-        <a:font script="Tibt" typeface="Microsoft Himalaya"/>
-        <a:font script="Thaa" typeface="MV Boli"/>
-        <a:font script="Deva" typeface="Mangal"/>
-        <a:font script="Telu" typeface="Gautami"/>
-        <a:font script="Taml" typeface="Latha"/>
-        <a:font script="Syrc" typeface="Estrangelo Edessa"/>
-        <a:font script="Orya" typeface="Kalinga"/>
-        <a:font script="Mlym" typeface="Kartika"/>
-        <a:font script="Laoo" typeface="DokChampa"/>
-        <a:font script="Sinh" typeface="Iskoola Pota"/>
-        <a:font script="Mong" typeface="Mongolian Baiti"/>
-        <a:font script="Viet" typeface="Times New Roman"/>
-        <a:font script="Uigh" typeface="Microsoft Uighur"/>
-        <a:font script="Geor" typeface="Sylfaen"/>
-      </a:majorFont>
-      <a:minorFont>
-        <a:latin typeface="Arial"/>
-        <a:ea typeface=""/>
-        <a:cs typeface=""/>
-        <a:font script="Jpan" typeface="ＭＳ Ｐゴシック"/>
-        <a:font script="Hang" typeface="맑은 고딕"/>
-        <a:font script="Hans" typeface="宋体"/>
-        <a:font script="Hant" typeface="新細明體"/>
-        <a:font script="Arab" typeface="Arial"/>
-        <a:font script="Hebr" typeface="Arial"/>
-        <a:font script="Thai" typeface="Cordia New"/>
-        <a:font script="Ethi" typeface="Nyala"/>
-        <a:font script="Beng" typeface="Vrinda"/>
-        <a:font script="Gujr" typeface="Shruti"/>
-        <a:font script="Khmr" typeface="DaunPenh"/>
-        <a:font script="Knda" typeface="Tunga"/>
-        <a:font script="Guru" typeface="Raavi"/>
-        <a:font script="Cans" typeface="Euphemia"/>
-        <a:font script="Cher" typeface="Plantagenet Cherokee"/>
-        <a:font script="Yiii" typeface="Microsoft Yi Baiti"/>
-        <a:font script="Tibt" typeface="Microsoft Himalaya"/>
-        <a:font script="Thaa" typeface="MV Boli"/>
-        <a:font script="Deva" typeface="Mangal"/>
-        <a:font script="Telu" typeface="Gautami"/>
-        <a:font script="Taml" typeface="Latha"/>
-        <a:font script="Syrc" typeface="Estrangelo Edessa"/>
-        <a:font script="Orya" typeface="Kalinga"/>
-        <a:font script="Mlym" typeface="Kartika"/>
-        <a:font script="Laoo" typeface="DokChampa"/>
-        <a:font script="Sinh" typeface="Iskoola Pota"/>
-        <a:font script="Mong" typeface="Mongolian Baiti"/>
-        <a:font script="Viet" typeface="Arial"/>
-        <a:font script="Uigh" typeface="Microsoft Uighur"/>
-        <a:font script="Geor" typeface="Sylfaen"/>
-      </a:minorFont>
-    </a:fontScheme>
-    <a:fmtScheme name="Office">
-      <a:fillStyleLst>
-        <a:solidFill>
-          <a:schemeClr val="phClr"/>
-        </a:solidFill>
-        <a:gradFill rotWithShape="1">
-          <a:gsLst>
-            <a:gs pos="0">
-              <a:schemeClr val="phClr">
-                <a:tint val="50000"/>
-                <a:satMod val="300000"/>
-              </a:schemeClr>
-            </a:gs>
-            <a:gs pos="35000">
-              <a:schemeClr val="phClr">
-                <a:tint val="37000"/>
-                <a:satMod val="300000"/>
-              </a:schemeClr>
-            </a:gs>
-            <a:gs pos="100000">
-              <a:schemeClr val="phClr">
-                <a:tint val="15000"/>
-                <a:satMod val="350000"/>
-              </a:schemeClr>
-            </a:gs>
-          </a:gsLst>
-          <a:lin ang="16200000" scaled="1"/>
-        </a:gradFill>
-        <a:gradFill rotWithShape="1">
-          <a:gsLst>
-            <a:gs pos="0">
-              <a:schemeClr val="phClr">
-                <a:tint val="100000"/>
-                <a:shade val="100000"/>
-                <a:satMod val="130000"/>
-              </a:schemeClr>
-            </a:gs>
-            <a:gs pos="100000">
-              <a:schemeClr val="phClr">
-                <a:tint val="50000"/>
-                <a:shade val="100000"/>
-                <a:satMod val="350000"/>
-              </a:schemeClr>
-            </a:gs>
-          </a:gsLst>
-          <a:lin ang="16200000" scaled="0"/>
-        </a:gradFill>
-      </a:fillStyleLst>
-      <a:lnStyleLst>
-        <a:ln w="9525" cap="flat" cmpd="sng" algn="ctr">
-          <a:solidFill>
-            <a:schemeClr val="phClr">
-              <a:shade val="95000"/>
-              <a:satMod val="105000"/>
-            </a:schemeClr>
-          </a:solidFill>
-          <a:prstDash val="solid"/>
-        </a:ln>
-        <a:ln w="25400" cap="flat" cmpd="sng" algn="ctr">
-          <a:solidFill>
-            <a:schemeClr val="phClr"/>
-          </a:solidFill>
-          <a:prstDash val="solid"/>
-        </a:ln>
-        <a:ln w="38100" cap="flat" cmpd="sng" algn="ctr">
-          <a:solidFill>
-            <a:schemeClr val="phClr"/>
-          </a:solidFill>
-          <a:prstDash val="solid"/>
-        </a:ln>
-      </a:lnStyleLst>
-      <a:effectStyleLst>
-        <a:effectStyle>
-          <a:effectLst>
-            <a:outerShdw blurRad="40000" dist="20000" dir="5400000" rotWithShape="0">
-              <a:srgbClr val="000000">
-                <a:alpha val="38000"/>
-              </a:srgbClr>
-            </a:outerShdw>
-          </a:effectLst>
-        </a:effectStyle>
-        <a:effectStyle>
-          <a:effectLst>
-            <a:outerShdw blurRad="40000" dist="23000" dir="5400000" rotWithShape="0">
-              <a:srgbClr val="000000">
-                <a:alpha val="35000"/>
-              </a:srgbClr>
-            </a:outerShdw>
-          </a:effectLst>
-        </a:effectStyle>
-        <a:effectStyle>
-          <a:effectLst>
-            <a:outerShdw blurRad="40000" dist="23000" dir="5400000" rotWithShape="0">
-              <a:srgbClr val="000000">
-                <a:alpha val="35000"/>
-              </a:srgbClr>
-            </a:outerShdw>
-          </a:effectLst>
-          <a:scene3d>
-            <a:camera prst="orthographicFront">
-              <a:rot lat="0" lon="0" rev="0"/>
-            </a:camera>
-            <a:lightRig rig="threePt" dir="t">
-              <a:rot lat="0" lon="0" rev="1200000"/>
-            </a:lightRig>
-          </a:scene3d>
-          <a:sp3d>
-            <a:bevelT w="63500" h="25400"/>
-          </a:sp3d>
-        </a:effectStyle>
-      </a:effectStyleLst>
-      <a:bgFillStyleLst>
-        <a:solidFill>
-          <a:schemeClr val="phClr"/>
-        </a:solidFill>
-        <a:gradFill rotWithShape="1">
-          <a:gsLst>
-            <a:gs pos="0">
-              <a:schemeClr val="phClr">
-                <a:tint val="40000"/>
-                <a:satMod val="350000"/>
-              </a:schemeClr>
-            </a:gs>
-            <a:gs pos="40000">
-              <a:schemeClr val="phClr">
-                <a:tint val="45000"/>
-                <a:shade val="99000"/>
-                <a:satMod val="350000"/>
-              </a:schemeClr>
-            </a:gs>
-            <a:gs pos="100000">
-              <a:schemeClr val="phClr">
-                <a:shade val="20000"/>
-                <a:satMod val="255000"/>
-              </a:schemeClr>
-            </a:gs>
-          </a:gsLst>
-          <a:path path="circle">
-            <a:fillToRect l="50000" t="-80000" r="50000" b="180000"/>
-          </a:path>
-        </a:gradFill>
-        <a:gradFill rotWithShape="1">
-          <a:gsLst>
-            <a:gs pos="0">
-              <a:schemeClr val="phClr">
-                <a:tint val="80000"/>
-                <a:satMod val="300000"/>
-              </a:schemeClr>
-            </a:gs>
-            <a:gs pos="100000">
-              <a:schemeClr val="phClr">
-                <a:shade val="30000"/>
-                <a:satMod val="200000"/>
-              </a:schemeClr>
-            </a:gs>
-          </a:gsLst>
-          <a:path path="circle">
-            <a:fillToRect l="50000" t="50000" r="50000" b="50000"/>
-          </a:path>
-        </a:gradFill>
-      </a:bgFillStyleLst>
-    </a:fmtScheme>
-  </a:themeElements>
-</a:theme>
 </file>